--- a/ai_docs/Diagramas.pptx
+++ b/ai_docs/Diagramas.pptx
@@ -4,8 +4,11 @@
   <p:sldMasterIdLst>
     <p:sldMasterId id="2147483648" r:id="rId4"/>
   </p:sldMasterIdLst>
+  <p:notesMasterIdLst>
+    <p:notesMasterId r:id="rId7"/>
+  </p:notesMasterIdLst>
   <p:sldIdLst>
-    <p:sldId id="256" r:id="rId5"/>
+    <p:sldId id="259" r:id="rId5"/>
     <p:sldId id="258" r:id="rId6"/>
   </p:sldIdLst>
   <p:sldSz cx="12192000" cy="6858000"/>
@@ -122,6 +125,439 @@
 </p1510:revInfo>
 </file>
 
+<file path=ppt/notesMasters/notesMaster1.xml><?xml version="1.0" encoding="utf-8"?>
+<p:notesMaster xmlns:a="http://schemas.openxmlformats.org/drawingml/2006/main" xmlns:r="http://schemas.openxmlformats.org/officeDocument/2006/relationships" xmlns:p="http://schemas.openxmlformats.org/presentationml/2006/main">
+  <p:cSld>
+    <p:bg>
+      <p:bgRef idx="1001">
+        <a:schemeClr val="bg1"/>
+      </p:bgRef>
+    </p:bg>
+    <p:spTree>
+      <p:nvGrpSpPr>
+        <p:cNvPr id="1" name=""/>
+        <p:cNvGrpSpPr/>
+        <p:nvPr/>
+      </p:nvGrpSpPr>
+      <p:grpSpPr>
+        <a:xfrm>
+          <a:off x="0" y="0"/>
+          <a:ext cx="0" cy="0"/>
+          <a:chOff x="0" y="0"/>
+          <a:chExt cx="0" cy="0"/>
+        </a:xfrm>
+      </p:grpSpPr>
+      <p:sp>
+        <p:nvSpPr>
+          <p:cNvPr id="2" name="Marcador de encabezado 1"/>
+          <p:cNvSpPr>
+            <a:spLocks noGrp="1"/>
+          </p:cNvSpPr>
+          <p:nvPr>
+            <p:ph type="hdr" sz="quarter"/>
+          </p:nvPr>
+        </p:nvSpPr>
+        <p:spPr>
+          <a:xfrm>
+            <a:off x="0" y="0"/>
+            <a:ext cx="2971800" cy="458788"/>
+          </a:xfrm>
+          <a:prstGeom prst="rect">
+            <a:avLst/>
+          </a:prstGeom>
+        </p:spPr>
+        <p:txBody>
+          <a:bodyPr vert="horz" lIns="91440" tIns="45720" rIns="91440" bIns="45720" rtlCol="0"/>
+          <a:lstStyle>
+            <a:lvl1pPr algn="l">
+              <a:defRPr sz="1200"/>
+            </a:lvl1pPr>
+          </a:lstStyle>
+          <a:p>
+            <a:endParaRPr lang="es-ES"/>
+          </a:p>
+        </p:txBody>
+      </p:sp>
+      <p:sp>
+        <p:nvSpPr>
+          <p:cNvPr id="3" name="Marcador de fecha 2"/>
+          <p:cNvSpPr>
+            <a:spLocks noGrp="1"/>
+          </p:cNvSpPr>
+          <p:nvPr>
+            <p:ph type="dt" idx="1"/>
+          </p:nvPr>
+        </p:nvSpPr>
+        <p:spPr>
+          <a:xfrm>
+            <a:off x="3884613" y="0"/>
+            <a:ext cx="2971800" cy="458788"/>
+          </a:xfrm>
+          <a:prstGeom prst="rect">
+            <a:avLst/>
+          </a:prstGeom>
+        </p:spPr>
+        <p:txBody>
+          <a:bodyPr vert="horz" lIns="91440" tIns="45720" rIns="91440" bIns="45720" rtlCol="0"/>
+          <a:lstStyle>
+            <a:lvl1pPr algn="r">
+              <a:defRPr sz="1200"/>
+            </a:lvl1pPr>
+          </a:lstStyle>
+          <a:p>
+            <a:fld id="{256C9FCD-D82F-3149-9EC0-4EF75A95459C}" type="datetimeFigureOut">
+              <a:rPr lang="es-ES" smtClean="0"/>
+              <a:t>2/6/22</a:t>
+            </a:fld>
+            <a:endParaRPr lang="es-ES"/>
+          </a:p>
+        </p:txBody>
+      </p:sp>
+      <p:sp>
+        <p:nvSpPr>
+          <p:cNvPr id="4" name="Marcador de imagen de diapositiva 3"/>
+          <p:cNvSpPr>
+            <a:spLocks noGrp="1" noRot="1" noChangeAspect="1"/>
+          </p:cNvSpPr>
+          <p:nvPr>
+            <p:ph type="sldImg" idx="2"/>
+          </p:nvPr>
+        </p:nvSpPr>
+        <p:spPr>
+          <a:xfrm>
+            <a:off x="685800" y="1143000"/>
+            <a:ext cx="5486400" cy="3086100"/>
+          </a:xfrm>
+          <a:prstGeom prst="rect">
+            <a:avLst/>
+          </a:prstGeom>
+          <a:noFill/>
+          <a:ln w="12700">
+            <a:solidFill>
+              <a:prstClr val="black"/>
+            </a:solidFill>
+          </a:ln>
+        </p:spPr>
+        <p:txBody>
+          <a:bodyPr vert="horz" lIns="91440" tIns="45720" rIns="91440" bIns="45720" rtlCol="0" anchor="ctr"/>
+          <a:lstStyle/>
+          <a:p>
+            <a:endParaRPr lang="es-ES"/>
+          </a:p>
+        </p:txBody>
+      </p:sp>
+      <p:sp>
+        <p:nvSpPr>
+          <p:cNvPr id="5" name="Marcador de notas 4"/>
+          <p:cNvSpPr>
+            <a:spLocks noGrp="1"/>
+          </p:cNvSpPr>
+          <p:nvPr>
+            <p:ph type="body" sz="quarter" idx="3"/>
+          </p:nvPr>
+        </p:nvSpPr>
+        <p:spPr>
+          <a:xfrm>
+            <a:off x="685800" y="4400550"/>
+            <a:ext cx="5486400" cy="3600450"/>
+          </a:xfrm>
+          <a:prstGeom prst="rect">
+            <a:avLst/>
+          </a:prstGeom>
+        </p:spPr>
+        <p:txBody>
+          <a:bodyPr vert="horz" lIns="91440" tIns="45720" rIns="91440" bIns="45720" rtlCol="0"/>
+          <a:lstStyle/>
+          <a:p>
+            <a:pPr lvl="0"/>
+            <a:r>
+              <a:rPr lang="es-ES"/>
+              <a:t>Haga clic para modificar los estilos de texto del patrón</a:t>
+            </a:r>
+          </a:p>
+          <a:p>
+            <a:pPr lvl="1"/>
+            <a:r>
+              <a:rPr lang="es-ES"/>
+              <a:t>Segundo nivel</a:t>
+            </a:r>
+          </a:p>
+          <a:p>
+            <a:pPr lvl="2"/>
+            <a:r>
+              <a:rPr lang="es-ES"/>
+              <a:t>Tercer nivel</a:t>
+            </a:r>
+          </a:p>
+          <a:p>
+            <a:pPr lvl="3"/>
+            <a:r>
+              <a:rPr lang="es-ES"/>
+              <a:t>Cuarto nivel</a:t>
+            </a:r>
+          </a:p>
+          <a:p>
+            <a:pPr lvl="4"/>
+            <a:r>
+              <a:rPr lang="es-ES"/>
+              <a:t>Quinto nivel</a:t>
+            </a:r>
+          </a:p>
+        </p:txBody>
+      </p:sp>
+      <p:sp>
+        <p:nvSpPr>
+          <p:cNvPr id="6" name="Marcador de pie de página 5"/>
+          <p:cNvSpPr>
+            <a:spLocks noGrp="1"/>
+          </p:cNvSpPr>
+          <p:nvPr>
+            <p:ph type="ftr" sz="quarter" idx="4"/>
+          </p:nvPr>
+        </p:nvSpPr>
+        <p:spPr>
+          <a:xfrm>
+            <a:off x="0" y="8685213"/>
+            <a:ext cx="2971800" cy="458787"/>
+          </a:xfrm>
+          <a:prstGeom prst="rect">
+            <a:avLst/>
+          </a:prstGeom>
+        </p:spPr>
+        <p:txBody>
+          <a:bodyPr vert="horz" lIns="91440" tIns="45720" rIns="91440" bIns="45720" rtlCol="0" anchor="b"/>
+          <a:lstStyle>
+            <a:lvl1pPr algn="l">
+              <a:defRPr sz="1200"/>
+            </a:lvl1pPr>
+          </a:lstStyle>
+          <a:p>
+            <a:endParaRPr lang="es-ES"/>
+          </a:p>
+        </p:txBody>
+      </p:sp>
+      <p:sp>
+        <p:nvSpPr>
+          <p:cNvPr id="7" name="Marcador de número de diapositiva 6"/>
+          <p:cNvSpPr>
+            <a:spLocks noGrp="1"/>
+          </p:cNvSpPr>
+          <p:nvPr>
+            <p:ph type="sldNum" sz="quarter" idx="5"/>
+          </p:nvPr>
+        </p:nvSpPr>
+        <p:spPr>
+          <a:xfrm>
+            <a:off x="3884613" y="8685213"/>
+            <a:ext cx="2971800" cy="458787"/>
+          </a:xfrm>
+          <a:prstGeom prst="rect">
+            <a:avLst/>
+          </a:prstGeom>
+        </p:spPr>
+        <p:txBody>
+          <a:bodyPr vert="horz" lIns="91440" tIns="45720" rIns="91440" bIns="45720" rtlCol="0" anchor="b"/>
+          <a:lstStyle>
+            <a:lvl1pPr algn="r">
+              <a:defRPr sz="1200"/>
+            </a:lvl1pPr>
+          </a:lstStyle>
+          <a:p>
+            <a:fld id="{AEDECD31-02A6-3049-97F9-BDCC2C0885C5}" type="slidenum">
+              <a:rPr lang="es-ES" smtClean="0"/>
+              <a:t>‹Nº›</a:t>
+            </a:fld>
+            <a:endParaRPr lang="es-ES"/>
+          </a:p>
+        </p:txBody>
+      </p:sp>
+    </p:spTree>
+    <p:extLst>
+      <p:ext uri="{BB962C8B-B14F-4D97-AF65-F5344CB8AC3E}">
+        <p14:creationId xmlns:p14="http://schemas.microsoft.com/office/powerpoint/2010/main" val="3578232570"/>
+      </p:ext>
+    </p:extLst>
+  </p:cSld>
+  <p:clrMap bg1="lt1" tx1="dk1" bg2="lt2" tx2="dk2" accent1="accent1" accent2="accent2" accent3="accent3" accent4="accent4" accent5="accent5" accent6="accent6" hlink="hlink" folHlink="folHlink"/>
+  <p:notesStyle>
+    <a:lvl1pPr marL="0" algn="l" defTabSz="914400" rtl="0" eaLnBrk="1" latinLnBrk="0" hangingPunct="1">
+      <a:defRPr sz="1200" kern="1200">
+        <a:solidFill>
+          <a:schemeClr val="tx1"/>
+        </a:solidFill>
+        <a:latin typeface="+mn-lt"/>
+        <a:ea typeface="+mn-ea"/>
+        <a:cs typeface="+mn-cs"/>
+      </a:defRPr>
+    </a:lvl1pPr>
+    <a:lvl2pPr marL="457200" algn="l" defTabSz="914400" rtl="0" eaLnBrk="1" latinLnBrk="0" hangingPunct="1">
+      <a:defRPr sz="1200" kern="1200">
+        <a:solidFill>
+          <a:schemeClr val="tx1"/>
+        </a:solidFill>
+        <a:latin typeface="+mn-lt"/>
+        <a:ea typeface="+mn-ea"/>
+        <a:cs typeface="+mn-cs"/>
+      </a:defRPr>
+    </a:lvl2pPr>
+    <a:lvl3pPr marL="914400" algn="l" defTabSz="914400" rtl="0" eaLnBrk="1" latinLnBrk="0" hangingPunct="1">
+      <a:defRPr sz="1200" kern="1200">
+        <a:solidFill>
+          <a:schemeClr val="tx1"/>
+        </a:solidFill>
+        <a:latin typeface="+mn-lt"/>
+        <a:ea typeface="+mn-ea"/>
+        <a:cs typeface="+mn-cs"/>
+      </a:defRPr>
+    </a:lvl3pPr>
+    <a:lvl4pPr marL="1371600" algn="l" defTabSz="914400" rtl="0" eaLnBrk="1" latinLnBrk="0" hangingPunct="1">
+      <a:defRPr sz="1200" kern="1200">
+        <a:solidFill>
+          <a:schemeClr val="tx1"/>
+        </a:solidFill>
+        <a:latin typeface="+mn-lt"/>
+        <a:ea typeface="+mn-ea"/>
+        <a:cs typeface="+mn-cs"/>
+      </a:defRPr>
+    </a:lvl4pPr>
+    <a:lvl5pPr marL="1828800" algn="l" defTabSz="914400" rtl="0" eaLnBrk="1" latinLnBrk="0" hangingPunct="1">
+      <a:defRPr sz="1200" kern="1200">
+        <a:solidFill>
+          <a:schemeClr val="tx1"/>
+        </a:solidFill>
+        <a:latin typeface="+mn-lt"/>
+        <a:ea typeface="+mn-ea"/>
+        <a:cs typeface="+mn-cs"/>
+      </a:defRPr>
+    </a:lvl5pPr>
+    <a:lvl6pPr marL="2286000" algn="l" defTabSz="914400" rtl="0" eaLnBrk="1" latinLnBrk="0" hangingPunct="1">
+      <a:defRPr sz="1200" kern="1200">
+        <a:solidFill>
+          <a:schemeClr val="tx1"/>
+        </a:solidFill>
+        <a:latin typeface="+mn-lt"/>
+        <a:ea typeface="+mn-ea"/>
+        <a:cs typeface="+mn-cs"/>
+      </a:defRPr>
+    </a:lvl6pPr>
+    <a:lvl7pPr marL="2743200" algn="l" defTabSz="914400" rtl="0" eaLnBrk="1" latinLnBrk="0" hangingPunct="1">
+      <a:defRPr sz="1200" kern="1200">
+        <a:solidFill>
+          <a:schemeClr val="tx1"/>
+        </a:solidFill>
+        <a:latin typeface="+mn-lt"/>
+        <a:ea typeface="+mn-ea"/>
+        <a:cs typeface="+mn-cs"/>
+      </a:defRPr>
+    </a:lvl7pPr>
+    <a:lvl8pPr marL="3200400" algn="l" defTabSz="914400" rtl="0" eaLnBrk="1" latinLnBrk="0" hangingPunct="1">
+      <a:defRPr sz="1200" kern="1200">
+        <a:solidFill>
+          <a:schemeClr val="tx1"/>
+        </a:solidFill>
+        <a:latin typeface="+mn-lt"/>
+        <a:ea typeface="+mn-ea"/>
+        <a:cs typeface="+mn-cs"/>
+      </a:defRPr>
+    </a:lvl8pPr>
+    <a:lvl9pPr marL="3657600" algn="l" defTabSz="914400" rtl="0" eaLnBrk="1" latinLnBrk="0" hangingPunct="1">
+      <a:defRPr sz="1200" kern="1200">
+        <a:solidFill>
+          <a:schemeClr val="tx1"/>
+        </a:solidFill>
+        <a:latin typeface="+mn-lt"/>
+        <a:ea typeface="+mn-ea"/>
+        <a:cs typeface="+mn-cs"/>
+      </a:defRPr>
+    </a:lvl9pPr>
+  </p:notesStyle>
+</p:notesMaster>
+</file>
+
+<file path=ppt/notesSlides/notesSlide1.xml><?xml version="1.0" encoding="utf-8"?>
+<p:notes xmlns:a="http://schemas.openxmlformats.org/drawingml/2006/main" xmlns:r="http://schemas.openxmlformats.org/officeDocument/2006/relationships" xmlns:p="http://schemas.openxmlformats.org/presentationml/2006/main">
+  <p:cSld>
+    <p:spTree>
+      <p:nvGrpSpPr>
+        <p:cNvPr id="1" name=""/>
+        <p:cNvGrpSpPr/>
+        <p:nvPr/>
+      </p:nvGrpSpPr>
+      <p:grpSpPr>
+        <a:xfrm>
+          <a:off x="0" y="0"/>
+          <a:ext cx="0" cy="0"/>
+          <a:chOff x="0" y="0"/>
+          <a:chExt cx="0" cy="0"/>
+        </a:xfrm>
+      </p:grpSpPr>
+      <p:sp>
+        <p:nvSpPr>
+          <p:cNvPr id="2" name="Marcador de imagen de diapositiva 1"/>
+          <p:cNvSpPr>
+            <a:spLocks noGrp="1" noRot="1" noChangeAspect="1"/>
+          </p:cNvSpPr>
+          <p:nvPr>
+            <p:ph type="sldImg"/>
+          </p:nvPr>
+        </p:nvSpPr>
+        <p:spPr/>
+      </p:sp>
+      <p:sp>
+        <p:nvSpPr>
+          <p:cNvPr id="3" name="Marcador de notas 2"/>
+          <p:cNvSpPr>
+            <a:spLocks noGrp="1"/>
+          </p:cNvSpPr>
+          <p:nvPr>
+            <p:ph type="body" idx="1"/>
+          </p:nvPr>
+        </p:nvSpPr>
+        <p:spPr/>
+        <p:txBody>
+          <a:bodyPr/>
+          <a:lstStyle/>
+          <a:p>
+            <a:endParaRPr lang="es-ES" dirty="0"/>
+          </a:p>
+        </p:txBody>
+      </p:sp>
+      <p:sp>
+        <p:nvSpPr>
+          <p:cNvPr id="4" name="Marcador de número de diapositiva 3"/>
+          <p:cNvSpPr>
+            <a:spLocks noGrp="1"/>
+          </p:cNvSpPr>
+          <p:nvPr>
+            <p:ph type="sldNum" sz="quarter" idx="5"/>
+          </p:nvPr>
+        </p:nvSpPr>
+        <p:spPr/>
+        <p:txBody>
+          <a:bodyPr/>
+          <a:lstStyle/>
+          <a:p>
+            <a:fld id="{AEDECD31-02A6-3049-97F9-BDCC2C0885C5}" type="slidenum">
+              <a:rPr lang="es-ES" smtClean="0"/>
+              <a:t>1</a:t>
+            </a:fld>
+            <a:endParaRPr lang="es-ES"/>
+          </a:p>
+        </p:txBody>
+      </p:sp>
+    </p:spTree>
+    <p:extLst>
+      <p:ext uri="{BB962C8B-B14F-4D97-AF65-F5344CB8AC3E}">
+        <p14:creationId xmlns:p14="http://schemas.microsoft.com/office/powerpoint/2010/main" val="1323439055"/>
+      </p:ext>
+    </p:extLst>
+  </p:cSld>
+  <p:clrMapOvr>
+    <a:masterClrMapping/>
+  </p:clrMapOvr>
+</p:notes>
+</file>
+
 <file path=ppt/slideLayouts/slideLayout1.xml><?xml version="1.0" encoding="utf-8"?>
 <p:sldLayout xmlns:a="http://schemas.openxmlformats.org/drawingml/2006/main" xmlns:r="http://schemas.openxmlformats.org/officeDocument/2006/relationships" xmlns:p="http://schemas.openxmlformats.org/presentationml/2006/main" type="title" preserve="1">
   <p:cSld name="Diapositiva de título">
@@ -269,7 +705,7 @@
           <a:p>
             <a:fld id="{E897FFBC-46E8-D744-98E8-8525DA8E3C89}" type="datetimeFigureOut">
               <a:rPr lang="es-ES" smtClean="0"/>
-              <a:t>02/06/2022</a:t>
+              <a:t>2/6/22</a:t>
             </a:fld>
             <a:endParaRPr lang="es-ES"/>
           </a:p>
@@ -323,7 +759,7 @@
           <a:p>
             <a:fld id="{FA6FE1FD-FA4C-744C-A9EB-D9DEFFF396D3}" type="slidenum">
               <a:rPr lang="es-ES" smtClean="0"/>
-              <a:t>‹#›</a:t>
+              <a:t>‹Nº›</a:t>
             </a:fld>
             <a:endParaRPr lang="es-ES"/>
           </a:p>
@@ -467,7 +903,7 @@
           <a:p>
             <a:fld id="{E897FFBC-46E8-D744-98E8-8525DA8E3C89}" type="datetimeFigureOut">
               <a:rPr lang="es-ES" smtClean="0"/>
-              <a:t>02/06/2022</a:t>
+              <a:t>2/6/22</a:t>
             </a:fld>
             <a:endParaRPr lang="es-ES"/>
           </a:p>
@@ -521,7 +957,7 @@
           <a:p>
             <a:fld id="{FA6FE1FD-FA4C-744C-A9EB-D9DEFFF396D3}" type="slidenum">
               <a:rPr lang="es-ES" smtClean="0"/>
-              <a:t>‹#›</a:t>
+              <a:t>‹Nº›</a:t>
             </a:fld>
             <a:endParaRPr lang="es-ES"/>
           </a:p>
@@ -675,7 +1111,7 @@
           <a:p>
             <a:fld id="{E897FFBC-46E8-D744-98E8-8525DA8E3C89}" type="datetimeFigureOut">
               <a:rPr lang="es-ES" smtClean="0"/>
-              <a:t>02/06/2022</a:t>
+              <a:t>2/6/22</a:t>
             </a:fld>
             <a:endParaRPr lang="es-ES"/>
           </a:p>
@@ -729,7 +1165,7 @@
           <a:p>
             <a:fld id="{FA6FE1FD-FA4C-744C-A9EB-D9DEFFF396D3}" type="slidenum">
               <a:rPr lang="es-ES" smtClean="0"/>
-              <a:t>‹#›</a:t>
+              <a:t>‹Nº›</a:t>
             </a:fld>
             <a:endParaRPr lang="es-ES"/>
           </a:p>
@@ -873,7 +1309,7 @@
           <a:p>
             <a:fld id="{E897FFBC-46E8-D744-98E8-8525DA8E3C89}" type="datetimeFigureOut">
               <a:rPr lang="es-ES" smtClean="0"/>
-              <a:t>02/06/2022</a:t>
+              <a:t>2/6/22</a:t>
             </a:fld>
             <a:endParaRPr lang="es-ES"/>
           </a:p>
@@ -927,7 +1363,7 @@
           <a:p>
             <a:fld id="{FA6FE1FD-FA4C-744C-A9EB-D9DEFFF396D3}" type="slidenum">
               <a:rPr lang="es-ES" smtClean="0"/>
-              <a:t>‹#›</a:t>
+              <a:t>‹Nº›</a:t>
             </a:fld>
             <a:endParaRPr lang="es-ES"/>
           </a:p>
@@ -1148,7 +1584,7 @@
           <a:p>
             <a:fld id="{E897FFBC-46E8-D744-98E8-8525DA8E3C89}" type="datetimeFigureOut">
               <a:rPr lang="es-ES" smtClean="0"/>
-              <a:t>02/06/2022</a:t>
+              <a:t>2/6/22</a:t>
             </a:fld>
             <a:endParaRPr lang="es-ES"/>
           </a:p>
@@ -1202,7 +1638,7 @@
           <a:p>
             <a:fld id="{FA6FE1FD-FA4C-744C-A9EB-D9DEFFF396D3}" type="slidenum">
               <a:rPr lang="es-ES" smtClean="0"/>
-              <a:t>‹#›</a:t>
+              <a:t>‹Nº›</a:t>
             </a:fld>
             <a:endParaRPr lang="es-ES"/>
           </a:p>
@@ -1413,7 +1849,7 @@
           <a:p>
             <a:fld id="{E897FFBC-46E8-D744-98E8-8525DA8E3C89}" type="datetimeFigureOut">
               <a:rPr lang="es-ES" smtClean="0"/>
-              <a:t>02/06/2022</a:t>
+              <a:t>2/6/22</a:t>
             </a:fld>
             <a:endParaRPr lang="es-ES"/>
           </a:p>
@@ -1467,7 +1903,7 @@
           <a:p>
             <a:fld id="{FA6FE1FD-FA4C-744C-A9EB-D9DEFFF396D3}" type="slidenum">
               <a:rPr lang="es-ES" smtClean="0"/>
-              <a:t>‹#›</a:t>
+              <a:t>‹Nº›</a:t>
             </a:fld>
             <a:endParaRPr lang="es-ES"/>
           </a:p>
@@ -1825,7 +2261,7 @@
           <a:p>
             <a:fld id="{E897FFBC-46E8-D744-98E8-8525DA8E3C89}" type="datetimeFigureOut">
               <a:rPr lang="es-ES" smtClean="0"/>
-              <a:t>02/06/2022</a:t>
+              <a:t>2/6/22</a:t>
             </a:fld>
             <a:endParaRPr lang="es-ES"/>
           </a:p>
@@ -1879,7 +2315,7 @@
           <a:p>
             <a:fld id="{FA6FE1FD-FA4C-744C-A9EB-D9DEFFF396D3}" type="slidenum">
               <a:rPr lang="es-ES" smtClean="0"/>
-              <a:t>‹#›</a:t>
+              <a:t>‹Nº›</a:t>
             </a:fld>
             <a:endParaRPr lang="es-ES"/>
           </a:p>
@@ -1966,7 +2402,7 @@
           <a:p>
             <a:fld id="{E897FFBC-46E8-D744-98E8-8525DA8E3C89}" type="datetimeFigureOut">
               <a:rPr lang="es-ES" smtClean="0"/>
-              <a:t>02/06/2022</a:t>
+              <a:t>2/6/22</a:t>
             </a:fld>
             <a:endParaRPr lang="es-ES"/>
           </a:p>
@@ -2020,7 +2456,7 @@
           <a:p>
             <a:fld id="{FA6FE1FD-FA4C-744C-A9EB-D9DEFFF396D3}" type="slidenum">
               <a:rPr lang="es-ES" smtClean="0"/>
-              <a:t>‹#›</a:t>
+              <a:t>‹Nº›</a:t>
             </a:fld>
             <a:endParaRPr lang="es-ES"/>
           </a:p>
@@ -2079,7 +2515,7 @@
           <a:p>
             <a:fld id="{E897FFBC-46E8-D744-98E8-8525DA8E3C89}" type="datetimeFigureOut">
               <a:rPr lang="es-ES" smtClean="0"/>
-              <a:t>02/06/2022</a:t>
+              <a:t>2/6/22</a:t>
             </a:fld>
             <a:endParaRPr lang="es-ES"/>
           </a:p>
@@ -2133,7 +2569,7 @@
           <a:p>
             <a:fld id="{FA6FE1FD-FA4C-744C-A9EB-D9DEFFF396D3}" type="slidenum">
               <a:rPr lang="es-ES" smtClean="0"/>
-              <a:t>‹#›</a:t>
+              <a:t>‹Nº›</a:t>
             </a:fld>
             <a:endParaRPr lang="es-ES"/>
           </a:p>
@@ -2390,7 +2826,7 @@
           <a:p>
             <a:fld id="{E897FFBC-46E8-D744-98E8-8525DA8E3C89}" type="datetimeFigureOut">
               <a:rPr lang="es-ES" smtClean="0"/>
-              <a:t>02/06/2022</a:t>
+              <a:t>2/6/22</a:t>
             </a:fld>
             <a:endParaRPr lang="es-ES"/>
           </a:p>
@@ -2444,7 +2880,7 @@
           <a:p>
             <a:fld id="{FA6FE1FD-FA4C-744C-A9EB-D9DEFFF396D3}" type="slidenum">
               <a:rPr lang="es-ES" smtClean="0"/>
-              <a:t>‹#›</a:t>
+              <a:t>‹Nº›</a:t>
             </a:fld>
             <a:endParaRPr lang="es-ES"/>
           </a:p>
@@ -2678,7 +3114,7 @@
           <a:p>
             <a:fld id="{E897FFBC-46E8-D744-98E8-8525DA8E3C89}" type="datetimeFigureOut">
               <a:rPr lang="es-ES" smtClean="0"/>
-              <a:t>02/06/2022</a:t>
+              <a:t>2/6/22</a:t>
             </a:fld>
             <a:endParaRPr lang="es-ES"/>
           </a:p>
@@ -2732,7 +3168,7 @@
           <a:p>
             <a:fld id="{FA6FE1FD-FA4C-744C-A9EB-D9DEFFF396D3}" type="slidenum">
               <a:rPr lang="es-ES" smtClean="0"/>
-              <a:t>‹#›</a:t>
+              <a:t>‹Nº›</a:t>
             </a:fld>
             <a:endParaRPr lang="es-ES"/>
           </a:p>
@@ -2919,7 +3355,7 @@
           <a:p>
             <a:fld id="{E897FFBC-46E8-D744-98E8-8525DA8E3C89}" type="datetimeFigureOut">
               <a:rPr lang="es-ES" smtClean="0"/>
-              <a:t>02/06/2022</a:t>
+              <a:t>2/6/22</a:t>
             </a:fld>
             <a:endParaRPr lang="es-ES"/>
           </a:p>
@@ -3009,7 +3445,7 @@
           <a:p>
             <a:fld id="{FA6FE1FD-FA4C-744C-A9EB-D9DEFFF396D3}" type="slidenum">
               <a:rPr lang="es-ES" smtClean="0"/>
-              <a:t>‹#›</a:t>
+              <a:t>‹Nº›</a:t>
             </a:fld>
             <a:endParaRPr lang="es-ES"/>
           </a:p>
@@ -3350,10 +3786,10 @@
         </p:nvGrpSpPr>
         <p:grpSpPr>
           <a:xfrm>
-            <a:off x="232695" y="2290363"/>
-            <a:ext cx="1665953" cy="1594029"/>
-            <a:chOff x="577364" y="1411490"/>
-            <a:chExt cx="1668307" cy="1464303"/>
+            <a:off x="187806" y="1943812"/>
+            <a:ext cx="1797752" cy="1839198"/>
+            <a:chOff x="577363" y="1411490"/>
+            <a:chExt cx="1668308" cy="1454448"/>
           </a:xfrm>
         </p:grpSpPr>
         <p:sp>
@@ -3409,13 +3845,43 @@
                 <a:buFont typeface="Arial" panose="020B0604020202020204" pitchFamily="34" charset="0"/>
                 <a:buChar char="•"/>
               </a:pPr>
+              <a:endParaRPr lang="en-US" sz="1000" dirty="0">
+                <a:solidFill>
+                  <a:schemeClr val="tx1"/>
+                </a:solidFill>
+              </a:endParaRPr>
+            </a:p>
+            <a:p>
+              <a:pPr marL="171450" indent="-171450" algn="just">
+                <a:buFont typeface="Arial" panose="020B0604020202020204" pitchFamily="34" charset="0"/>
+                <a:buChar char="•"/>
+              </a:pPr>
               <a:r>
-                <a:rPr lang="en-US" sz="900">
+                <a:rPr lang="en-US" sz="1000" dirty="0" err="1">
                   <a:solidFill>
                     <a:schemeClr val="tx1"/>
                   </a:solidFill>
                 </a:rPr>
-                <a:t>definition</a:t>
+                <a:t>task_id</a:t>
+              </a:r>
+              <a:endParaRPr lang="en-US" sz="1000" dirty="0">
+                <a:solidFill>
+                  <a:schemeClr val="tx1"/>
+                </a:solidFill>
+              </a:endParaRPr>
+            </a:p>
+            <a:p>
+              <a:pPr marL="171450" indent="-171450" algn="just">
+                <a:buFont typeface="Arial" panose="020B0604020202020204" pitchFamily="34" charset="0"/>
+                <a:buChar char="•"/>
+              </a:pPr>
+              <a:r>
+                <a:rPr lang="en-US" sz="1000" dirty="0">
+                  <a:solidFill>
+                    <a:schemeClr val="tx1"/>
+                  </a:solidFill>
+                </a:rPr>
+                <a:t>prompt</a:t>
               </a:r>
             </a:p>
             <a:p>
@@ -3424,13 +3890,18 @@
                 <a:buChar char="•"/>
               </a:pPr>
               <a:r>
-                <a:rPr lang="en-US" sz="900">
+                <a:rPr lang="en-US" sz="1000" dirty="0" err="1">
                   <a:solidFill>
                     <a:schemeClr val="tx1"/>
                   </a:solidFill>
                 </a:rPr>
-                <a:t>solution</a:t>
+                <a:t>canonical_solution</a:t>
               </a:r>
+              <a:endParaRPr lang="en-US" sz="1000" dirty="0">
+                <a:solidFill>
+                  <a:schemeClr val="tx1"/>
+                </a:solidFill>
+              </a:endParaRPr>
             </a:p>
             <a:p>
               <a:pPr marL="171450" indent="-171450" algn="just">
@@ -3438,13 +3909,34 @@
                 <a:buChar char="•"/>
               </a:pPr>
               <a:r>
-                <a:rPr lang="en-US" sz="900">
+                <a:rPr lang="en-US" sz="1000" dirty="0" err="1">
                   <a:solidFill>
                     <a:schemeClr val="tx1"/>
                   </a:solidFill>
                 </a:rPr>
-                <a:t>id</a:t>
+                <a:t>entry_point</a:t>
               </a:r>
+              <a:endParaRPr lang="en-US" sz="1000" dirty="0">
+                <a:solidFill>
+                  <a:schemeClr val="tx1"/>
+                </a:solidFill>
+              </a:endParaRPr>
+            </a:p>
+            <a:p>
+              <a:pPr algn="just"/>
+              <a:endParaRPr lang="en-US" sz="1000" dirty="0">
+                <a:solidFill>
+                  <a:schemeClr val="tx1"/>
+                </a:solidFill>
+              </a:endParaRPr>
+            </a:p>
+            <a:p>
+              <a:pPr algn="just"/>
+              <a:endParaRPr lang="en-US" sz="900" dirty="0">
+                <a:solidFill>
+                  <a:schemeClr val="tx1"/>
+                </a:solidFill>
+              </a:endParaRPr>
             </a:p>
           </p:txBody>
         </p:sp>
@@ -3462,8 +3954,8 @@
           </p:nvSpPr>
           <p:spPr>
             <a:xfrm>
-              <a:off x="577364" y="1411490"/>
-              <a:ext cx="1668307" cy="386626"/>
+              <a:off x="577363" y="1411490"/>
+              <a:ext cx="1668307" cy="289244"/>
             </a:xfrm>
             <a:prstGeom prst="rect">
               <a:avLst/>
@@ -3499,14 +3991,14 @@
             <a:p>
               <a:pPr algn="ctr"/>
               <a:r>
-                <a:rPr lang="en-US" sz="900">
+                <a:rPr lang="en-US" sz="1000" dirty="0">
                   <a:solidFill>
                     <a:schemeClr val="tx1"/>
                   </a:solidFill>
                 </a:rPr>
                 <a:t>Problem</a:t>
               </a:r>
-              <a:endParaRPr lang="en-US" sz="900">
+              <a:endParaRPr lang="en-US" sz="1000" dirty="0">
                 <a:solidFill>
                   <a:schemeClr val="tx1"/>
                 </a:solidFill>
@@ -3531,8 +4023,8 @@
           </p:nvSpPr>
           <p:spPr>
             <a:xfrm>
-              <a:off x="577364" y="2489167"/>
-              <a:ext cx="1668307" cy="386626"/>
+              <a:off x="577363" y="2447668"/>
+              <a:ext cx="1668307" cy="418270"/>
             </a:xfrm>
             <a:prstGeom prst="rect">
               <a:avLst/>
@@ -3567,7 +4059,59 @@
             <a:lstStyle/>
             <a:p>
               <a:pPr algn="just"/>
-              <a:endParaRPr lang="en-US" sz="900">
+              <a:endParaRPr lang="en-US" sz="900" dirty="0">
+                <a:solidFill>
+                  <a:schemeClr val="tx1"/>
+                </a:solidFill>
+              </a:endParaRPr>
+            </a:p>
+            <a:p>
+              <a:pPr marL="171450" indent="-171450" algn="just">
+                <a:buFont typeface="Arial" panose="020B0604020202020204" pitchFamily="34" charset="0"/>
+                <a:buChar char="•"/>
+              </a:pPr>
+              <a:r>
+                <a:rPr lang="en-US" sz="900" dirty="0" err="1">
+                  <a:solidFill>
+                    <a:schemeClr val="tx1"/>
+                  </a:solidFill>
+                </a:rPr>
+                <a:t>get_x</a:t>
+              </a:r>
+              <a:r>
+                <a:rPr lang="en-US" sz="900" dirty="0">
+                  <a:solidFill>
+                    <a:schemeClr val="tx1"/>
+                  </a:solidFill>
+                </a:rPr>
+                <a:t>()</a:t>
+              </a:r>
+            </a:p>
+            <a:p>
+              <a:pPr marL="171450" indent="-171450" algn="just">
+                <a:buFont typeface="Arial" panose="020B0604020202020204" pitchFamily="34" charset="0"/>
+                <a:buChar char="•"/>
+              </a:pPr>
+              <a:r>
+                <a:rPr lang="en-US" sz="900" dirty="0" err="1">
+                  <a:solidFill>
+                    <a:schemeClr val="tx1"/>
+                  </a:solidFill>
+                </a:rPr>
+                <a:t>set_x</a:t>
+              </a:r>
+              <a:r>
+                <a:rPr lang="en-US" sz="900" dirty="0">
+                  <a:solidFill>
+                    <a:schemeClr val="tx1"/>
+                  </a:solidFill>
+                </a:rPr>
+                <a:t>(value)</a:t>
+              </a:r>
+            </a:p>
+            <a:p>
+              <a:pPr algn="just"/>
+              <a:endParaRPr lang="en-US" sz="900" dirty="0">
                 <a:solidFill>
                   <a:schemeClr val="tx1"/>
                 </a:solidFill>
@@ -3578,10 +4122,10 @@
       </p:grpSp>
       <p:grpSp>
         <p:nvGrpSpPr>
-          <p:cNvPr id="68" name="Grupo 67">
-            <a:extLst>
-              <a:ext uri="{FF2B5EF4-FFF2-40B4-BE49-F238E27FC236}">
-                <a16:creationId xmlns:a16="http://schemas.microsoft.com/office/drawing/2014/main" id="{44C4A847-7869-A600-A7EB-878C39F1D9F7}"/>
+          <p:cNvPr id="95" name="Grupo 94">
+            <a:extLst>
+              <a:ext uri="{FF2B5EF4-FFF2-40B4-BE49-F238E27FC236}">
+                <a16:creationId xmlns:a16="http://schemas.microsoft.com/office/drawing/2014/main" id="{3412342D-E520-4568-BAFB-61F5D701726F}"/>
               </a:ext>
             </a:extLst>
           </p:cNvPr>
@@ -3590,18 +4134,18 @@
         </p:nvGrpSpPr>
         <p:grpSpPr>
           <a:xfrm>
-            <a:off x="232695" y="4229128"/>
-            <a:ext cx="1665953" cy="1594029"/>
-            <a:chOff x="577364" y="1411490"/>
-            <a:chExt cx="1668307" cy="1464303"/>
+            <a:off x="187806" y="4177345"/>
+            <a:ext cx="1797753" cy="1839198"/>
+            <a:chOff x="577363" y="1411490"/>
+            <a:chExt cx="1668308" cy="1454448"/>
           </a:xfrm>
         </p:grpSpPr>
         <p:sp>
           <p:nvSpPr>
-            <p:cNvPr id="70" name="Rectángulo 69">
+            <p:cNvPr id="96" name="Rectángulo 95">
               <a:extLst>
                 <a:ext uri="{FF2B5EF4-FFF2-40B4-BE49-F238E27FC236}">
-                  <a16:creationId xmlns:a16="http://schemas.microsoft.com/office/drawing/2014/main" id="{889085F2-5872-7163-6655-A90E7F20D1E8}"/>
+                  <a16:creationId xmlns:a16="http://schemas.microsoft.com/office/drawing/2014/main" id="{34A9E6F2-2FDB-A2F9-0EA9-837413226436}"/>
                 </a:ext>
               </a:extLst>
             </p:cNvPr>
@@ -3650,14 +4194,14 @@
                 <a:buChar char="•"/>
               </a:pPr>
               <a:r>
-                <a:rPr lang="en-US" sz="900" err="1">
+                <a:rPr lang="en-US" sz="1000" dirty="0" err="1">
                   <a:solidFill>
                     <a:schemeClr val="tx1"/>
                   </a:solidFill>
                 </a:rPr>
-                <a:t>problemId</a:t>
+                <a:t>problem_id</a:t>
               </a:r>
-              <a:endParaRPr lang="en-US" sz="900">
+              <a:endParaRPr lang="en-US" sz="1000" dirty="0">
                 <a:solidFill>
                   <a:schemeClr val="tx1"/>
                 </a:solidFill>
@@ -3669,22 +4213,76 @@
                 <a:buChar char="•"/>
               </a:pPr>
               <a:r>
-                <a:rPr lang="en-US" sz="900">
+                <a:rPr lang="en-US" sz="1000" dirty="0">
                   <a:solidFill>
                     <a:schemeClr val="tx1"/>
                   </a:solidFill>
                 </a:rPr>
-                <a:t>unit test</a:t>
+                <a:t>test</a:t>
               </a:r>
+            </a:p>
+            <a:p>
+              <a:pPr marL="171450" indent="-171450" algn="just">
+                <a:buFont typeface="Arial" panose="020B0604020202020204" pitchFamily="34" charset="0"/>
+                <a:buChar char="•"/>
+              </a:pPr>
+              <a:r>
+                <a:rPr lang="en-US" sz="1000" dirty="0" err="1">
+                  <a:solidFill>
+                    <a:schemeClr val="tx1"/>
+                  </a:solidFill>
+                </a:rPr>
+                <a:t>canonical_solution</a:t>
+              </a:r>
+              <a:endParaRPr lang="en-US" sz="1000" dirty="0">
+                <a:solidFill>
+                  <a:schemeClr val="tx1"/>
+                </a:solidFill>
+              </a:endParaRPr>
+            </a:p>
+            <a:p>
+              <a:pPr marL="171450" indent="-171450" algn="just">
+                <a:buFont typeface="Arial" panose="020B0604020202020204" pitchFamily="34" charset="0"/>
+                <a:buChar char="•"/>
+              </a:pPr>
+              <a:r>
+                <a:rPr lang="en-US" sz="1000" dirty="0" err="1">
+                  <a:solidFill>
+                    <a:schemeClr val="tx1"/>
+                  </a:solidFill>
+                </a:rPr>
+                <a:t>entry_point</a:t>
+              </a:r>
+              <a:endParaRPr lang="en-US" sz="1000" dirty="0">
+                <a:solidFill>
+                  <a:schemeClr val="tx1"/>
+                </a:solidFill>
+              </a:endParaRPr>
+            </a:p>
+            <a:p>
+              <a:pPr algn="just"/>
+              <a:endParaRPr lang="en-US" sz="1000" dirty="0">
+                <a:solidFill>
+                  <a:schemeClr val="tx1"/>
+                </a:solidFill>
+              </a:endParaRPr>
+            </a:p>
+            <a:p>
+              <a:pPr algn="just"/>
+              <a:endParaRPr lang="en-US" sz="900" dirty="0">
+                <a:solidFill>
+                  <a:schemeClr val="tx1"/>
+                </a:solidFill>
+              </a:endParaRPr>
             </a:p>
           </p:txBody>
         </p:sp>
         <p:sp>
           <p:nvSpPr>
-            <p:cNvPr id="71" name="Rectángulo 70">
+            <p:cNvPr id="97" name="Rectángulo 96">
               <a:extLst>
                 <a:ext uri="{FF2B5EF4-FFF2-40B4-BE49-F238E27FC236}">
-                  <a16:creationId xmlns:a16="http://schemas.microsoft.com/office/drawing/2014/main" id="{433272C4-B7C6-2C79-0BA5-3BECDD21E762}"/>
+                  <a16:creationId xmlns:a16="http://schemas.microsoft.com/office/drawing/2014/main" id="{B725AEB9-78A1-0BF0-70FE-6DD7BF15ACC6}"/>
                 </a:ext>
               </a:extLst>
             </p:cNvPr>
@@ -3693,8 +4291,8 @@
           </p:nvSpPr>
           <p:spPr>
             <a:xfrm>
-              <a:off x="577364" y="1411490"/>
-              <a:ext cx="1668307" cy="386626"/>
+              <a:off x="577363" y="1411490"/>
+              <a:ext cx="1668307" cy="289244"/>
             </a:xfrm>
             <a:prstGeom prst="rect">
               <a:avLst/>
@@ -3730,22 +4328,30 @@
             <a:p>
               <a:pPr algn="ctr"/>
               <a:r>
-                <a:rPr lang="en-US" sz="900">
+                <a:rPr lang="en-US" sz="1000" dirty="0" err="1">
                   <a:solidFill>
                     <a:schemeClr val="tx1"/>
                   </a:solidFill>
                 </a:rPr>
-                <a:t>unitTest</a:t>
+                <a:t>Unit_Test</a:t>
               </a:r>
+              <a:endParaRPr lang="en-US" sz="1000" dirty="0">
+                <a:solidFill>
+                  <a:schemeClr val="tx1"/>
+                </a:solidFill>
+                <a:highlight>
+                  <a:srgbClr val="FFFF00"/>
+                </a:highlight>
+              </a:endParaRPr>
             </a:p>
           </p:txBody>
         </p:sp>
         <p:sp>
           <p:nvSpPr>
-            <p:cNvPr id="72" name="Rectángulo 71">
+            <p:cNvPr id="98" name="Rectángulo 97">
               <a:extLst>
                 <a:ext uri="{FF2B5EF4-FFF2-40B4-BE49-F238E27FC236}">
-                  <a16:creationId xmlns:a16="http://schemas.microsoft.com/office/drawing/2014/main" id="{9C185423-D085-C62F-0979-35810365862F}"/>
+                  <a16:creationId xmlns:a16="http://schemas.microsoft.com/office/drawing/2014/main" id="{C6DE42B9-9ED9-6B64-9262-C0905F7B9CD5}"/>
                 </a:ext>
               </a:extLst>
             </p:cNvPr>
@@ -3754,8 +4360,8 @@
           </p:nvSpPr>
           <p:spPr>
             <a:xfrm>
-              <a:off x="577364" y="2489167"/>
-              <a:ext cx="1668307" cy="386626"/>
+              <a:off x="577363" y="2324420"/>
+              <a:ext cx="1668307" cy="541518"/>
             </a:xfrm>
             <a:prstGeom prst="rect">
               <a:avLst/>
@@ -3789,431 +4395,33 @@
             <a:bodyPr rtlCol="0" anchor="ctr"/>
             <a:lstStyle/>
             <a:p>
-              <a:pPr marL="171450" indent="-171450" algn="just">
-                <a:buFont typeface="Arial" panose="020B0604020202020204" pitchFamily="34" charset="0"/>
-                <a:buChar char="•"/>
-              </a:pPr>
-              <a:r>
-                <a:rPr lang="en-US" sz="900">
-                  <a:solidFill>
-                    <a:schemeClr val="tx1"/>
-                  </a:solidFill>
-                </a:rPr>
-                <a:t>applyUnitTesting()</a:t>
-              </a:r>
+              <a:pPr algn="just"/>
+              <a:endParaRPr lang="en-US" sz="900" dirty="0">
+                <a:solidFill>
+                  <a:schemeClr val="tx1"/>
+                </a:solidFill>
+              </a:endParaRPr>
             </a:p>
-          </p:txBody>
-        </p:sp>
-      </p:grpSp>
-      <p:grpSp>
-        <p:nvGrpSpPr>
-          <p:cNvPr id="18" name="Grupo 17">
-            <a:extLst>
-              <a:ext uri="{FF2B5EF4-FFF2-40B4-BE49-F238E27FC236}">
-                <a16:creationId xmlns:a16="http://schemas.microsoft.com/office/drawing/2014/main" id="{8A03C43C-AFE7-ADFF-7498-B3EE36F949D9}"/>
-              </a:ext>
-            </a:extLst>
-          </p:cNvPr>
-          <p:cNvGrpSpPr/>
-          <p:nvPr/>
-        </p:nvGrpSpPr>
-        <p:grpSpPr>
-          <a:xfrm>
-            <a:off x="4935503" y="262825"/>
-            <a:ext cx="1899443" cy="1325253"/>
-            <a:chOff x="577364" y="1411490"/>
-            <a:chExt cx="1398722" cy="1454448"/>
-          </a:xfrm>
-        </p:grpSpPr>
-        <p:sp>
-          <p:nvSpPr>
-            <p:cNvPr id="19" name="Rectángulo 18">
-              <a:extLst>
-                <a:ext uri="{FF2B5EF4-FFF2-40B4-BE49-F238E27FC236}">
-                  <a16:creationId xmlns:a16="http://schemas.microsoft.com/office/drawing/2014/main" id="{4EFDB654-5E5E-F7C7-AFDA-C2B9AEE4FDCE}"/>
-                </a:ext>
-              </a:extLst>
-            </p:cNvPr>
-            <p:cNvSpPr/>
-            <p:nvPr/>
-          </p:nvSpPr>
-          <p:spPr>
-            <a:xfrm>
-              <a:off x="577364" y="1411490"/>
-              <a:ext cx="1398722" cy="1454448"/>
-            </a:xfrm>
-            <a:prstGeom prst="rect">
-              <a:avLst/>
-            </a:prstGeom>
-            <a:solidFill>
-              <a:schemeClr val="bg1"/>
-            </a:solidFill>
-            <a:ln w="6350">
-              <a:solidFill>
-                <a:schemeClr val="tx1"/>
-              </a:solidFill>
-            </a:ln>
-          </p:spPr>
-          <p:style>
-            <a:lnRef idx="2">
-              <a:schemeClr val="accent1">
-                <a:shade val="50000"/>
-              </a:schemeClr>
-            </a:lnRef>
-            <a:fillRef idx="1">
-              <a:schemeClr val="accent1"/>
-            </a:fillRef>
-            <a:effectRef idx="0">
-              <a:schemeClr val="accent1"/>
-            </a:effectRef>
-            <a:fontRef idx="minor">
-              <a:schemeClr val="lt1"/>
-            </a:fontRef>
-          </p:style>
-          <p:txBody>
-            <a:bodyPr rtlCol="0" anchor="ctr"/>
-            <a:lstStyle/>
             <a:p>
               <a:pPr marL="171450" indent="-171450" algn="just">
                 <a:buFont typeface="Arial" panose="020B0604020202020204" pitchFamily="34" charset="0"/>
                 <a:buChar char="•"/>
               </a:pPr>
               <a:r>
-                <a:rPr lang="en-US" sz="900">
+                <a:rPr lang="en-US" sz="900" dirty="0" err="1">
                   <a:solidFill>
                     <a:schemeClr val="tx1"/>
                   </a:solidFill>
                 </a:rPr>
-                <a:t>definition</a:t>
+                <a:t>get_x</a:t>
               </a:r>
-            </a:p>
-          </p:txBody>
-        </p:sp>
-        <p:sp>
-          <p:nvSpPr>
-            <p:cNvPr id="20" name="Rectángulo 19">
-              <a:extLst>
-                <a:ext uri="{FF2B5EF4-FFF2-40B4-BE49-F238E27FC236}">
-                  <a16:creationId xmlns:a16="http://schemas.microsoft.com/office/drawing/2014/main" id="{DF560DDD-4F4F-E8A1-0EBC-A9B0B0B89031}"/>
-                </a:ext>
-              </a:extLst>
-            </p:cNvPr>
-            <p:cNvSpPr/>
-            <p:nvPr/>
-          </p:nvSpPr>
-          <p:spPr>
-            <a:xfrm>
-              <a:off x="577364" y="1411490"/>
-              <a:ext cx="1398722" cy="386626"/>
-            </a:xfrm>
-            <a:prstGeom prst="rect">
-              <a:avLst/>
-            </a:prstGeom>
-            <a:solidFill>
-              <a:schemeClr val="bg1"/>
-            </a:solidFill>
-            <a:ln w="6350">
-              <a:solidFill>
-                <a:schemeClr val="tx1"/>
-              </a:solidFill>
-            </a:ln>
-          </p:spPr>
-          <p:style>
-            <a:lnRef idx="2">
-              <a:schemeClr val="accent1">
-                <a:shade val="50000"/>
-              </a:schemeClr>
-            </a:lnRef>
-            <a:fillRef idx="1">
-              <a:schemeClr val="accent1"/>
-            </a:fillRef>
-            <a:effectRef idx="0">
-              <a:schemeClr val="accent1"/>
-            </a:effectRef>
-            <a:fontRef idx="minor">
-              <a:schemeClr val="lt1"/>
-            </a:fontRef>
-          </p:style>
-          <p:txBody>
-            <a:bodyPr rtlCol="0" anchor="ctr"/>
-            <a:lstStyle/>
-            <a:p>
-              <a:pPr algn="ctr"/>
               <a:r>
-                <a:rPr lang="en-US" sz="900">
+                <a:rPr lang="en-US" sz="900" dirty="0">
                   <a:solidFill>
                     <a:schemeClr val="tx1"/>
                   </a:solidFill>
                 </a:rPr>
-                <a:t>model</a:t>
-              </a:r>
-            </a:p>
-          </p:txBody>
-        </p:sp>
-        <p:sp>
-          <p:nvSpPr>
-            <p:cNvPr id="21" name="Rectángulo 20">
-              <a:extLst>
-                <a:ext uri="{FF2B5EF4-FFF2-40B4-BE49-F238E27FC236}">
-                  <a16:creationId xmlns:a16="http://schemas.microsoft.com/office/drawing/2014/main" id="{135B3EA0-CECE-C6FE-1C0C-57E0BDFC8FDC}"/>
-                </a:ext>
-              </a:extLst>
-            </p:cNvPr>
-            <p:cNvSpPr/>
-            <p:nvPr/>
-          </p:nvSpPr>
-          <p:spPr>
-            <a:xfrm>
-              <a:off x="577364" y="2479312"/>
-              <a:ext cx="1398722" cy="386626"/>
-            </a:xfrm>
-            <a:prstGeom prst="rect">
-              <a:avLst/>
-            </a:prstGeom>
-            <a:solidFill>
-              <a:schemeClr val="bg1"/>
-            </a:solidFill>
-            <a:ln w="6350">
-              <a:solidFill>
-                <a:schemeClr val="tx1"/>
-              </a:solidFill>
-            </a:ln>
-          </p:spPr>
-          <p:style>
-            <a:lnRef idx="2">
-              <a:schemeClr val="accent1">
-                <a:shade val="50000"/>
-              </a:schemeClr>
-            </a:lnRef>
-            <a:fillRef idx="1">
-              <a:schemeClr val="accent1"/>
-            </a:fillRef>
-            <a:effectRef idx="0">
-              <a:schemeClr val="accent1"/>
-            </a:effectRef>
-            <a:fontRef idx="minor">
-              <a:schemeClr val="lt1"/>
-            </a:fontRef>
-          </p:style>
-          <p:txBody>
-            <a:bodyPr rtlCol="0" anchor="ctr"/>
-            <a:lstStyle/>
-            <a:p>
-              <a:pPr marL="171450" indent="-171450" algn="just">
-                <a:buFont typeface="Arial" panose="020B0604020202020204" pitchFamily="34" charset="0"/>
-                <a:buChar char="•"/>
-              </a:pPr>
-              <a:r>
-                <a:rPr lang="en-US" sz="900">
-                  <a:solidFill>
-                    <a:schemeClr val="tx1"/>
-                  </a:solidFill>
-                </a:rPr>
-                <a:t>applyModel()</a:t>
-              </a:r>
-            </a:p>
-          </p:txBody>
-        </p:sp>
-      </p:grpSp>
-      <p:grpSp>
-        <p:nvGrpSpPr>
-          <p:cNvPr id="22" name="Grupo 21">
-            <a:extLst>
-              <a:ext uri="{FF2B5EF4-FFF2-40B4-BE49-F238E27FC236}">
-                <a16:creationId xmlns:a16="http://schemas.microsoft.com/office/drawing/2014/main" id="{10DD92A2-387A-85DE-2ADC-21DC614F692D}"/>
-              </a:ext>
-            </a:extLst>
-          </p:cNvPr>
-          <p:cNvGrpSpPr/>
-          <p:nvPr/>
-        </p:nvGrpSpPr>
-        <p:grpSpPr>
-          <a:xfrm>
-            <a:off x="9785859" y="3301285"/>
-            <a:ext cx="1976039" cy="1830462"/>
-            <a:chOff x="577364" y="1411490"/>
-            <a:chExt cx="1398722" cy="1454448"/>
-          </a:xfrm>
-        </p:grpSpPr>
-        <p:sp>
-          <p:nvSpPr>
-            <p:cNvPr id="23" name="Rectángulo 22">
-              <a:extLst>
-                <a:ext uri="{FF2B5EF4-FFF2-40B4-BE49-F238E27FC236}">
-                  <a16:creationId xmlns:a16="http://schemas.microsoft.com/office/drawing/2014/main" id="{34E4FE07-E323-55EA-6DB9-132F6BE01940}"/>
-                </a:ext>
-              </a:extLst>
-            </p:cNvPr>
-            <p:cNvSpPr/>
-            <p:nvPr/>
-          </p:nvSpPr>
-          <p:spPr>
-            <a:xfrm>
-              <a:off x="577364" y="1411490"/>
-              <a:ext cx="1398722" cy="1454448"/>
-            </a:xfrm>
-            <a:prstGeom prst="rect">
-              <a:avLst/>
-            </a:prstGeom>
-            <a:solidFill>
-              <a:schemeClr val="bg1"/>
-            </a:solidFill>
-            <a:ln w="6350">
-              <a:solidFill>
-                <a:schemeClr val="tx1"/>
-              </a:solidFill>
-            </a:ln>
-          </p:spPr>
-          <p:style>
-            <a:lnRef idx="2">
-              <a:schemeClr val="accent1">
-                <a:shade val="50000"/>
-              </a:schemeClr>
-            </a:lnRef>
-            <a:fillRef idx="1">
-              <a:schemeClr val="accent1"/>
-            </a:fillRef>
-            <a:effectRef idx="0">
-              <a:schemeClr val="accent1"/>
-            </a:effectRef>
-            <a:fontRef idx="minor">
-              <a:schemeClr val="lt1"/>
-            </a:fontRef>
-          </p:style>
-          <p:txBody>
-            <a:bodyPr rtlCol="0" anchor="ctr"/>
-            <a:lstStyle/>
-            <a:p>
-              <a:pPr algn="ctr"/>
-              <a:endParaRPr lang="en-US" sz="900">
-                <a:solidFill>
-                  <a:schemeClr val="tx1"/>
-                </a:solidFill>
-              </a:endParaRPr>
-            </a:p>
-          </p:txBody>
-        </p:sp>
-        <p:sp>
-          <p:nvSpPr>
-            <p:cNvPr id="24" name="Rectángulo 23">
-              <a:extLst>
-                <a:ext uri="{FF2B5EF4-FFF2-40B4-BE49-F238E27FC236}">
-                  <a16:creationId xmlns:a16="http://schemas.microsoft.com/office/drawing/2014/main" id="{5E3A5178-4DB3-455A-D275-AFC9569A1265}"/>
-                </a:ext>
-              </a:extLst>
-            </p:cNvPr>
-            <p:cNvSpPr/>
-            <p:nvPr/>
-          </p:nvSpPr>
-          <p:spPr>
-            <a:xfrm>
-              <a:off x="577364" y="1411490"/>
-              <a:ext cx="1398722" cy="386626"/>
-            </a:xfrm>
-            <a:prstGeom prst="rect">
-              <a:avLst/>
-            </a:prstGeom>
-            <a:solidFill>
-              <a:schemeClr val="bg1"/>
-            </a:solidFill>
-            <a:ln w="6350">
-              <a:solidFill>
-                <a:schemeClr val="tx1"/>
-              </a:solidFill>
-            </a:ln>
-          </p:spPr>
-          <p:style>
-            <a:lnRef idx="2">
-              <a:schemeClr val="accent1">
-                <a:shade val="50000"/>
-              </a:schemeClr>
-            </a:lnRef>
-            <a:fillRef idx="1">
-              <a:schemeClr val="accent1"/>
-            </a:fillRef>
-            <a:effectRef idx="0">
-              <a:schemeClr val="accent1"/>
-            </a:effectRef>
-            <a:fontRef idx="minor">
-              <a:schemeClr val="lt1"/>
-            </a:fontRef>
-          </p:style>
-          <p:txBody>
-            <a:bodyPr rtlCol="0" anchor="ctr"/>
-            <a:lstStyle/>
-            <a:p>
-              <a:pPr algn="ctr"/>
-              <a:r>
-                <a:rPr lang="en-US" sz="900">
-                  <a:solidFill>
-                    <a:schemeClr val="tx1"/>
-                  </a:solidFill>
-                </a:rPr>
-                <a:t>metrics</a:t>
-              </a:r>
-            </a:p>
-          </p:txBody>
-        </p:sp>
-        <p:sp>
-          <p:nvSpPr>
-            <p:cNvPr id="25" name="Rectángulo 24">
-              <a:extLst>
-                <a:ext uri="{FF2B5EF4-FFF2-40B4-BE49-F238E27FC236}">
-                  <a16:creationId xmlns:a16="http://schemas.microsoft.com/office/drawing/2014/main" id="{0D86F000-C555-8D3B-BC14-C3EFB74CC92F}"/>
-                </a:ext>
-              </a:extLst>
-            </p:cNvPr>
-            <p:cNvSpPr/>
-            <p:nvPr/>
-          </p:nvSpPr>
-          <p:spPr>
-            <a:xfrm>
-              <a:off x="577364" y="2479312"/>
-              <a:ext cx="1398722" cy="386626"/>
-            </a:xfrm>
-            <a:prstGeom prst="rect">
-              <a:avLst/>
-            </a:prstGeom>
-            <a:solidFill>
-              <a:schemeClr val="bg1"/>
-            </a:solidFill>
-            <a:ln w="6350">
-              <a:solidFill>
-                <a:schemeClr val="tx1"/>
-              </a:solidFill>
-            </a:ln>
-          </p:spPr>
-          <p:style>
-            <a:lnRef idx="2">
-              <a:schemeClr val="accent1">
-                <a:shade val="50000"/>
-              </a:schemeClr>
-            </a:lnRef>
-            <a:fillRef idx="1">
-              <a:schemeClr val="accent1"/>
-            </a:fillRef>
-            <a:effectRef idx="0">
-              <a:schemeClr val="accent1"/>
-            </a:effectRef>
-            <a:fontRef idx="minor">
-              <a:schemeClr val="lt1"/>
-            </a:fontRef>
-          </p:style>
-          <p:txBody>
-            <a:bodyPr rtlCol="0" anchor="ctr"/>
-            <a:lstStyle/>
-            <a:p>
-              <a:pPr marL="171450" indent="-171450" algn="just">
-                <a:buFont typeface="Arial" panose="020B0604020202020204" pitchFamily="34" charset="0"/>
-                <a:buChar char="•"/>
-              </a:pPr>
-              <a:r>
-                <a:rPr lang="en-US" sz="900">
-                  <a:solidFill>
-                    <a:schemeClr val="tx1"/>
-                  </a:solidFill>
-                </a:rPr>
-                <a:t>getResultsTesting()</a:t>
+                <a:t>()</a:t>
               </a:r>
             </a:p>
             <a:p>
@@ -4222,77 +4430,83 @@
                 <a:buChar char="•"/>
               </a:pPr>
               <a:r>
-                <a:rPr lang="en-US" sz="900">
+                <a:rPr lang="en-US" sz="900" dirty="0" err="1">
                   <a:solidFill>
                     <a:schemeClr val="tx1"/>
                   </a:solidFill>
                 </a:rPr>
-                <a:t>getAccuracy()</a:t>
+                <a:t>set_x</a:t>
               </a:r>
+              <a:r>
+                <a:rPr lang="en-US" sz="900" dirty="0">
+                  <a:solidFill>
+                    <a:schemeClr val="tx1"/>
+                  </a:solidFill>
+                </a:rPr>
+                <a:t>(value)</a:t>
+              </a:r>
+            </a:p>
+            <a:p>
+              <a:pPr marL="171450" indent="-171450" algn="just">
+                <a:buFont typeface="Arial" panose="020B0604020202020204" pitchFamily="34" charset="0"/>
+                <a:buChar char="•"/>
+              </a:pPr>
+              <a:r>
+                <a:rPr lang="en-US" sz="900" dirty="0" err="1">
+                  <a:solidFill>
+                    <a:schemeClr val="tx1"/>
+                  </a:solidFill>
+                </a:rPr>
+                <a:t>apply_test</a:t>
+              </a:r>
+              <a:r>
+                <a:rPr lang="en-US" sz="900" dirty="0">
+                  <a:solidFill>
+                    <a:schemeClr val="tx1"/>
+                  </a:solidFill>
+                </a:rPr>
+                <a:t>(problem, solution)</a:t>
+              </a:r>
+            </a:p>
+            <a:p>
+              <a:pPr marL="171450" indent="-171450" algn="just">
+                <a:buFont typeface="Arial" panose="020B0604020202020204" pitchFamily="34" charset="0"/>
+                <a:buChar char="•"/>
+              </a:pPr>
+              <a:r>
+                <a:rPr lang="en-US" sz="900" dirty="0" err="1">
+                  <a:solidFill>
+                    <a:schemeClr val="tx1"/>
+                  </a:solidFill>
+                </a:rPr>
+                <a:t>execute_test</a:t>
+              </a:r>
+              <a:r>
+                <a:rPr lang="en-US" sz="900" dirty="0">
+                  <a:solidFill>
+                    <a:schemeClr val="tx1"/>
+                  </a:solidFill>
+                </a:rPr>
+                <a:t>(program)</a:t>
+              </a:r>
+            </a:p>
+            <a:p>
+              <a:pPr algn="just"/>
+              <a:endParaRPr lang="en-US" sz="900" dirty="0">
+                <a:solidFill>
+                  <a:schemeClr val="tx1"/>
+                </a:solidFill>
+              </a:endParaRPr>
             </a:p>
           </p:txBody>
         </p:sp>
       </p:grpSp>
-      <p:sp>
-        <p:nvSpPr>
-          <p:cNvPr id="26" name="Rectángulo 25">
-            <a:extLst>
-              <a:ext uri="{FF2B5EF4-FFF2-40B4-BE49-F238E27FC236}">
-                <a16:creationId xmlns:a16="http://schemas.microsoft.com/office/drawing/2014/main" id="{EAA327F6-3F17-55C6-2B03-75991389638D}"/>
-              </a:ext>
-            </a:extLst>
-          </p:cNvPr>
-          <p:cNvSpPr/>
-          <p:nvPr/>
-        </p:nvSpPr>
-        <p:spPr>
-          <a:xfrm>
-            <a:off x="2352752" y="1853049"/>
-            <a:ext cx="6979003" cy="4742125"/>
-          </a:xfrm>
-          <a:prstGeom prst="rect">
-            <a:avLst/>
-          </a:prstGeom>
-          <a:solidFill>
-            <a:schemeClr val="bg1"/>
-          </a:solidFill>
-          <a:ln w="6350">
-            <a:solidFill>
-              <a:schemeClr val="tx1"/>
-            </a:solidFill>
-          </a:ln>
-        </p:spPr>
-        <p:style>
-          <a:lnRef idx="2">
-            <a:schemeClr val="accent1">
-              <a:shade val="50000"/>
-            </a:schemeClr>
-          </a:lnRef>
-          <a:fillRef idx="1">
-            <a:schemeClr val="accent1"/>
-          </a:fillRef>
-          <a:effectRef idx="0">
-            <a:schemeClr val="accent1"/>
-          </a:effectRef>
-          <a:fontRef idx="minor">
-            <a:schemeClr val="lt1"/>
-          </a:fontRef>
-        </p:style>
-        <p:txBody>
-          <a:bodyPr rtlCol="0" anchor="ctr"/>
-          <a:lstStyle/>
-          <a:p>
-            <a:pPr algn="ctr"/>
-            <a:endParaRPr lang="en-US" sz="900"/>
-          </a:p>
-        </p:txBody>
-      </p:sp>
       <p:grpSp>
         <p:nvGrpSpPr>
-          <p:cNvPr id="34" name="Grupo 33">
-            <a:extLst>
-              <a:ext uri="{FF2B5EF4-FFF2-40B4-BE49-F238E27FC236}">
-                <a16:creationId xmlns:a16="http://schemas.microsoft.com/office/drawing/2014/main" id="{5EBFAE4D-8F49-C753-A73E-B861C1B360DA}"/>
+          <p:cNvPr id="99" name="Grupo 98">
+            <a:extLst>
+              <a:ext uri="{FF2B5EF4-FFF2-40B4-BE49-F238E27FC236}">
+                <a16:creationId xmlns:a16="http://schemas.microsoft.com/office/drawing/2014/main" id="{B96AA975-9FAE-55B7-B4D0-F4F11279F31C}"/>
               </a:ext>
             </a:extLst>
           </p:cNvPr>
@@ -4301,18 +4515,18 @@
         </p:nvGrpSpPr>
         <p:grpSpPr>
           <a:xfrm>
-            <a:off x="3030645" y="2306902"/>
-            <a:ext cx="1665953" cy="1594029"/>
-            <a:chOff x="577364" y="1411490"/>
-            <a:chExt cx="1668307" cy="1464303"/>
+            <a:off x="5554973" y="200969"/>
+            <a:ext cx="1386698" cy="1498719"/>
+            <a:chOff x="577363" y="1411490"/>
+            <a:chExt cx="1668308" cy="1454448"/>
           </a:xfrm>
         </p:grpSpPr>
         <p:sp>
           <p:nvSpPr>
-            <p:cNvPr id="35" name="Rectángulo 34">
+            <p:cNvPr id="100" name="Rectángulo 99">
               <a:extLst>
                 <a:ext uri="{FF2B5EF4-FFF2-40B4-BE49-F238E27FC236}">
-                  <a16:creationId xmlns:a16="http://schemas.microsoft.com/office/drawing/2014/main" id="{994963D8-DBD2-5975-3368-69B8AF50A693}"/>
+                  <a16:creationId xmlns:a16="http://schemas.microsoft.com/office/drawing/2014/main" id="{89D40119-B1C9-E66C-E6A5-09C46641BB37}"/>
                 </a:ext>
               </a:extLst>
             </p:cNvPr>
@@ -4361,21 +4575,7 @@
                 <a:buChar char="•"/>
               </a:pPr>
               <a:r>
-                <a:rPr lang="en-US" sz="900">
-                  <a:solidFill>
-                    <a:schemeClr val="tx1"/>
-                  </a:solidFill>
-                </a:rPr>
-                <a:t>definition</a:t>
-              </a:r>
-            </a:p>
-            <a:p>
-              <a:pPr marL="171450" indent="-171450" algn="just">
-                <a:buFont typeface="Arial" panose="020B0604020202020204" pitchFamily="34" charset="0"/>
-                <a:buChar char="•"/>
-              </a:pPr>
-              <a:r>
-                <a:rPr lang="en-US" sz="900">
+                <a:rPr lang="en-US" sz="1000" dirty="0">
                   <a:solidFill>
                     <a:schemeClr val="tx1"/>
                   </a:solidFill>
@@ -4384,27 +4584,21 @@
               </a:r>
             </a:p>
             <a:p>
-              <a:pPr marL="171450" indent="-171450" algn="just">
-                <a:buFont typeface="Arial" panose="020B0604020202020204" pitchFamily="34" charset="0"/>
-                <a:buChar char="•"/>
-              </a:pPr>
-              <a:r>
-                <a:rPr lang="en-US" sz="900">
-                  <a:solidFill>
-                    <a:schemeClr val="tx1"/>
-                  </a:solidFill>
-                </a:rPr>
-                <a:t>id</a:t>
-              </a:r>
+              <a:pPr algn="just"/>
+              <a:endParaRPr lang="en-US" sz="900" dirty="0">
+                <a:solidFill>
+                  <a:schemeClr val="tx1"/>
+                </a:solidFill>
+              </a:endParaRPr>
             </a:p>
           </p:txBody>
         </p:sp>
         <p:sp>
           <p:nvSpPr>
-            <p:cNvPr id="36" name="Rectángulo 35">
+            <p:cNvPr id="101" name="Rectángulo 100">
               <a:extLst>
                 <a:ext uri="{FF2B5EF4-FFF2-40B4-BE49-F238E27FC236}">
-                  <a16:creationId xmlns:a16="http://schemas.microsoft.com/office/drawing/2014/main" id="{7A692D88-5C26-54C5-66CC-B61DCB6F98C2}"/>
+                  <a16:creationId xmlns:a16="http://schemas.microsoft.com/office/drawing/2014/main" id="{FEB76259-AC44-C3AC-CB86-5C0EB63B6DD9}"/>
                 </a:ext>
               </a:extLst>
             </p:cNvPr>
@@ -4413,8 +4607,8 @@
           </p:nvSpPr>
           <p:spPr>
             <a:xfrm>
-              <a:off x="577364" y="1411490"/>
-              <a:ext cx="1668307" cy="386626"/>
+              <a:off x="577363" y="1411490"/>
+              <a:ext cx="1668307" cy="289244"/>
             </a:xfrm>
             <a:prstGeom prst="rect">
               <a:avLst/>
@@ -4450,25 +4644,22 @@
             <a:p>
               <a:pPr algn="ctr"/>
               <a:r>
-                <a:rPr lang="en-US" sz="900">
+                <a:rPr lang="en-US" sz="1000" dirty="0">
                   <a:solidFill>
                     <a:schemeClr val="tx1"/>
                   </a:solidFill>
-                  <a:highlight>
-                    <a:srgbClr val="FFFF00"/>
-                  </a:highlight>
                 </a:rPr>
-                <a:t>Problems</a:t>
+                <a:t>Solution</a:t>
               </a:r>
             </a:p>
           </p:txBody>
         </p:sp>
         <p:sp>
           <p:nvSpPr>
-            <p:cNvPr id="37" name="Rectángulo 36">
+            <p:cNvPr id="102" name="Rectángulo 101">
               <a:extLst>
                 <a:ext uri="{FF2B5EF4-FFF2-40B4-BE49-F238E27FC236}">
-                  <a16:creationId xmlns:a16="http://schemas.microsoft.com/office/drawing/2014/main" id="{ED984022-9FFE-444D-EC7E-2D57A32086B9}"/>
+                  <a16:creationId xmlns:a16="http://schemas.microsoft.com/office/drawing/2014/main" id="{879A239C-F2F5-E149-C538-20DAEE300875}"/>
                 </a:ext>
               </a:extLst>
             </p:cNvPr>
@@ -4477,8 +4668,8 @@
           </p:nvSpPr>
           <p:spPr>
             <a:xfrm>
-              <a:off x="577364" y="2489167"/>
-              <a:ext cx="1668307" cy="386626"/>
+              <a:off x="577363" y="2447668"/>
+              <a:ext cx="1668307" cy="418270"/>
             </a:xfrm>
             <a:prstGeom prst="rect">
               <a:avLst/>
@@ -4517,26 +4708,20 @@
                 <a:buChar char="•"/>
               </a:pPr>
               <a:r>
-                <a:rPr lang="en-US" sz="900">
+                <a:rPr lang="en-US" sz="900" dirty="0" err="1">
                   <a:solidFill>
                     <a:schemeClr val="tx1"/>
                   </a:solidFill>
                 </a:rPr>
-                <a:t>getProblem()</a:t>
+                <a:t>get_solution</a:t>
               </a:r>
-            </a:p>
-            <a:p>
-              <a:pPr marL="171450" indent="-171450" algn="just">
-                <a:buFont typeface="Arial" panose="020B0604020202020204" pitchFamily="34" charset="0"/>
-                <a:buChar char="•"/>
-              </a:pPr>
               <a:r>
-                <a:rPr lang="en-US" sz="900">
+                <a:rPr lang="en-US" sz="900" dirty="0">
                   <a:solidFill>
                     <a:schemeClr val="tx1"/>
                   </a:solidFill>
                 </a:rPr>
-                <a:t>adaptProblem()</a:t>
+                <a:t>()</a:t>
               </a:r>
             </a:p>
           </p:txBody>
@@ -4544,10 +4729,10 @@
       </p:grpSp>
       <p:grpSp>
         <p:nvGrpSpPr>
-          <p:cNvPr id="40" name="Grupo 39">
-            <a:extLst>
-              <a:ext uri="{FF2B5EF4-FFF2-40B4-BE49-F238E27FC236}">
-                <a16:creationId xmlns:a16="http://schemas.microsoft.com/office/drawing/2014/main" id="{AB00F264-5600-3210-883C-E1B1CEFDFA0B}"/>
+          <p:cNvPr id="104" name="Grupo 103">
+            <a:extLst>
+              <a:ext uri="{FF2B5EF4-FFF2-40B4-BE49-F238E27FC236}">
+                <a16:creationId xmlns:a16="http://schemas.microsoft.com/office/drawing/2014/main" id="{5035A222-D2FC-2D4B-2438-007F41769B71}"/>
               </a:ext>
             </a:extLst>
           </p:cNvPr>
@@ -4556,18 +4741,18 @@
         </p:nvGrpSpPr>
         <p:grpSpPr>
           <a:xfrm>
-            <a:off x="3030644" y="4229128"/>
-            <a:ext cx="1665954" cy="1594029"/>
-            <a:chOff x="577364" y="1411490"/>
-            <a:chExt cx="1668307" cy="1464303"/>
+            <a:off x="8103427" y="197744"/>
+            <a:ext cx="1386698" cy="1498719"/>
+            <a:chOff x="577363" y="1411490"/>
+            <a:chExt cx="1668308" cy="1454448"/>
           </a:xfrm>
         </p:grpSpPr>
         <p:sp>
           <p:nvSpPr>
-            <p:cNvPr id="41" name="Rectángulo 40">
+            <p:cNvPr id="105" name="Rectángulo 104">
               <a:extLst>
                 <a:ext uri="{FF2B5EF4-FFF2-40B4-BE49-F238E27FC236}">
-                  <a16:creationId xmlns:a16="http://schemas.microsoft.com/office/drawing/2014/main" id="{EF702844-5652-10CA-F29D-190BDC4ACC34}"/>
+                  <a16:creationId xmlns:a16="http://schemas.microsoft.com/office/drawing/2014/main" id="{D693C77E-F821-20B1-0B10-45A7D178EEA0}"/>
                 </a:ext>
               </a:extLst>
             </p:cNvPr>
@@ -4616,36 +4801,30 @@
                 <a:buChar char="•"/>
               </a:pPr>
               <a:r>
-                <a:rPr lang="en-US" sz="900">
+                <a:rPr lang="en-US" sz="1000" dirty="0">
                   <a:solidFill>
                     <a:schemeClr val="tx1"/>
                   </a:solidFill>
                 </a:rPr>
-                <a:t>problemId</a:t>
+                <a:t>result</a:t>
               </a:r>
             </a:p>
             <a:p>
-              <a:pPr marL="171450" indent="-171450" algn="just">
-                <a:buFont typeface="Arial" panose="020B0604020202020204" pitchFamily="34" charset="0"/>
-                <a:buChar char="•"/>
-              </a:pPr>
-              <a:r>
-                <a:rPr lang="en-US" sz="900">
-                  <a:solidFill>
-                    <a:schemeClr val="tx1"/>
-                  </a:solidFill>
-                </a:rPr>
-                <a:t>unit test</a:t>
-              </a:r>
+              <a:pPr algn="just"/>
+              <a:endParaRPr lang="en-US" sz="900" dirty="0">
+                <a:solidFill>
+                  <a:schemeClr val="tx1"/>
+                </a:solidFill>
+              </a:endParaRPr>
             </a:p>
           </p:txBody>
         </p:sp>
         <p:sp>
           <p:nvSpPr>
-            <p:cNvPr id="42" name="Rectángulo 41">
+            <p:cNvPr id="106" name="Rectángulo 105">
               <a:extLst>
                 <a:ext uri="{FF2B5EF4-FFF2-40B4-BE49-F238E27FC236}">
-                  <a16:creationId xmlns:a16="http://schemas.microsoft.com/office/drawing/2014/main" id="{4DF09327-B0F7-D7E9-0B10-9B5DE3A902B7}"/>
+                  <a16:creationId xmlns:a16="http://schemas.microsoft.com/office/drawing/2014/main" id="{1F7C5E83-1D78-19B5-84B3-FC455C74EE54}"/>
                 </a:ext>
               </a:extLst>
             </p:cNvPr>
@@ -4654,8 +4833,8 @@
           </p:nvSpPr>
           <p:spPr>
             <a:xfrm>
-              <a:off x="577364" y="1411490"/>
-              <a:ext cx="1668307" cy="386626"/>
+              <a:off x="577363" y="1411490"/>
+              <a:ext cx="1668307" cy="289244"/>
             </a:xfrm>
             <a:prstGeom prst="rect">
               <a:avLst/>
@@ -4691,22 +4870,22 @@
             <a:p>
               <a:pPr algn="ctr"/>
               <a:r>
-                <a:rPr lang="en-US" sz="900">
+                <a:rPr lang="en-US" sz="1000" dirty="0">
                   <a:solidFill>
                     <a:schemeClr val="tx1"/>
                   </a:solidFill>
                 </a:rPr>
-                <a:t>UnitTests</a:t>
+                <a:t>Result</a:t>
               </a:r>
             </a:p>
           </p:txBody>
         </p:sp>
         <p:sp>
           <p:nvSpPr>
-            <p:cNvPr id="43" name="Rectángulo 42">
+            <p:cNvPr id="107" name="Rectángulo 106">
               <a:extLst>
                 <a:ext uri="{FF2B5EF4-FFF2-40B4-BE49-F238E27FC236}">
-                  <a16:creationId xmlns:a16="http://schemas.microsoft.com/office/drawing/2014/main" id="{273C231F-0AA4-14E6-6731-0AEE5C808753}"/>
+                  <a16:creationId xmlns:a16="http://schemas.microsoft.com/office/drawing/2014/main" id="{A8B0B903-95D9-58CA-D3AC-751BD953D4C5}"/>
                 </a:ext>
               </a:extLst>
             </p:cNvPr>
@@ -4715,8 +4894,8 @@
           </p:nvSpPr>
           <p:spPr>
             <a:xfrm>
-              <a:off x="577364" y="2489167"/>
-              <a:ext cx="1668307" cy="386626"/>
+              <a:off x="577363" y="2447668"/>
+              <a:ext cx="1668307" cy="418270"/>
             </a:xfrm>
             <a:prstGeom prst="rect">
               <a:avLst/>
@@ -4755,12 +4934,526 @@
                 <a:buChar char="•"/>
               </a:pPr>
               <a:r>
-                <a:rPr lang="en-US" sz="900">
+                <a:rPr lang="en-US" sz="900" dirty="0" err="1">
                   <a:solidFill>
                     <a:schemeClr val="tx1"/>
                   </a:solidFill>
                 </a:rPr>
-                <a:t>getAdaptedProblem()</a:t>
+                <a:t>get_result</a:t>
+              </a:r>
+              <a:r>
+                <a:rPr lang="en-US" sz="900" dirty="0">
+                  <a:solidFill>
+                    <a:schemeClr val="tx1"/>
+                  </a:solidFill>
+                </a:rPr>
+                <a:t>()</a:t>
+              </a:r>
+            </a:p>
+          </p:txBody>
+        </p:sp>
+      </p:grpSp>
+      <p:grpSp>
+        <p:nvGrpSpPr>
+          <p:cNvPr id="108" name="Grupo 107">
+            <a:extLst>
+              <a:ext uri="{FF2B5EF4-FFF2-40B4-BE49-F238E27FC236}">
+                <a16:creationId xmlns:a16="http://schemas.microsoft.com/office/drawing/2014/main" id="{40B010C8-590C-9264-D709-25F816EC2267}"/>
+              </a:ext>
+            </a:extLst>
+          </p:cNvPr>
+          <p:cNvGrpSpPr/>
+          <p:nvPr/>
+        </p:nvGrpSpPr>
+        <p:grpSpPr>
+          <a:xfrm>
+            <a:off x="2958755" y="207576"/>
+            <a:ext cx="1797751" cy="1498719"/>
+            <a:chOff x="577363" y="1411490"/>
+            <a:chExt cx="1668308" cy="1454448"/>
+          </a:xfrm>
+        </p:grpSpPr>
+        <p:sp>
+          <p:nvSpPr>
+            <p:cNvPr id="109" name="Rectángulo 108">
+              <a:extLst>
+                <a:ext uri="{FF2B5EF4-FFF2-40B4-BE49-F238E27FC236}">
+                  <a16:creationId xmlns:a16="http://schemas.microsoft.com/office/drawing/2014/main" id="{252F8574-47DF-FA79-E183-365B3FD03979}"/>
+                </a:ext>
+              </a:extLst>
+            </p:cNvPr>
+            <p:cNvSpPr/>
+            <p:nvPr/>
+          </p:nvSpPr>
+          <p:spPr>
+            <a:xfrm>
+              <a:off x="577364" y="1411490"/>
+              <a:ext cx="1668307" cy="1454448"/>
+            </a:xfrm>
+            <a:prstGeom prst="rect">
+              <a:avLst/>
+            </a:prstGeom>
+            <a:solidFill>
+              <a:schemeClr val="bg1"/>
+            </a:solidFill>
+            <a:ln w="6350">
+              <a:solidFill>
+                <a:schemeClr val="tx1"/>
+              </a:solidFill>
+            </a:ln>
+          </p:spPr>
+          <p:style>
+            <a:lnRef idx="2">
+              <a:schemeClr val="accent1">
+                <a:shade val="50000"/>
+              </a:schemeClr>
+            </a:lnRef>
+            <a:fillRef idx="1">
+              <a:schemeClr val="accent1"/>
+            </a:fillRef>
+            <a:effectRef idx="0">
+              <a:schemeClr val="accent1"/>
+            </a:effectRef>
+            <a:fontRef idx="minor">
+              <a:schemeClr val="lt1"/>
+            </a:fontRef>
+          </p:style>
+          <p:txBody>
+            <a:bodyPr rtlCol="0" anchor="ctr"/>
+            <a:lstStyle/>
+            <a:p>
+              <a:pPr marL="171450" indent="-171450" algn="just">
+                <a:buFont typeface="Arial" panose="020B0604020202020204" pitchFamily="34" charset="0"/>
+                <a:buChar char="•"/>
+              </a:pPr>
+              <a:r>
+                <a:rPr lang="en-US" sz="1000" dirty="0">
+                  <a:solidFill>
+                    <a:schemeClr val="tx1"/>
+                  </a:solidFill>
+                </a:rPr>
+                <a:t>conf</a:t>
+              </a:r>
+            </a:p>
+            <a:p>
+              <a:pPr algn="just"/>
+              <a:endParaRPr lang="en-US" sz="900" dirty="0">
+                <a:solidFill>
+                  <a:schemeClr val="tx1"/>
+                </a:solidFill>
+              </a:endParaRPr>
+            </a:p>
+          </p:txBody>
+        </p:sp>
+        <p:sp>
+          <p:nvSpPr>
+            <p:cNvPr id="110" name="Rectángulo 109">
+              <a:extLst>
+                <a:ext uri="{FF2B5EF4-FFF2-40B4-BE49-F238E27FC236}">
+                  <a16:creationId xmlns:a16="http://schemas.microsoft.com/office/drawing/2014/main" id="{50F36760-1EF1-8C7F-04A4-FDEDA2DE3F2A}"/>
+                </a:ext>
+              </a:extLst>
+            </p:cNvPr>
+            <p:cNvSpPr/>
+            <p:nvPr/>
+          </p:nvSpPr>
+          <p:spPr>
+            <a:xfrm>
+              <a:off x="577363" y="1411490"/>
+              <a:ext cx="1668307" cy="289244"/>
+            </a:xfrm>
+            <a:prstGeom prst="rect">
+              <a:avLst/>
+            </a:prstGeom>
+            <a:solidFill>
+              <a:schemeClr val="bg1"/>
+            </a:solidFill>
+            <a:ln w="6350">
+              <a:solidFill>
+                <a:schemeClr val="tx1"/>
+              </a:solidFill>
+            </a:ln>
+          </p:spPr>
+          <p:style>
+            <a:lnRef idx="2">
+              <a:schemeClr val="accent1">
+                <a:shade val="50000"/>
+              </a:schemeClr>
+            </a:lnRef>
+            <a:fillRef idx="1">
+              <a:schemeClr val="accent1"/>
+            </a:fillRef>
+            <a:effectRef idx="0">
+              <a:schemeClr val="accent1"/>
+            </a:effectRef>
+            <a:fontRef idx="minor">
+              <a:schemeClr val="lt1"/>
+            </a:fontRef>
+          </p:style>
+          <p:txBody>
+            <a:bodyPr rtlCol="0" anchor="ctr"/>
+            <a:lstStyle/>
+            <a:p>
+              <a:pPr algn="ctr"/>
+              <a:r>
+                <a:rPr lang="en-US" sz="1000" dirty="0">
+                  <a:solidFill>
+                    <a:schemeClr val="tx1"/>
+                  </a:solidFill>
+                </a:rPr>
+                <a:t>Model</a:t>
+              </a:r>
+            </a:p>
+          </p:txBody>
+        </p:sp>
+        <p:sp>
+          <p:nvSpPr>
+            <p:cNvPr id="111" name="Rectángulo 110">
+              <a:extLst>
+                <a:ext uri="{FF2B5EF4-FFF2-40B4-BE49-F238E27FC236}">
+                  <a16:creationId xmlns:a16="http://schemas.microsoft.com/office/drawing/2014/main" id="{26B43898-773C-2938-01A1-149AF7A8A175}"/>
+                </a:ext>
+              </a:extLst>
+            </p:cNvPr>
+            <p:cNvSpPr/>
+            <p:nvPr/>
+          </p:nvSpPr>
+          <p:spPr>
+            <a:xfrm>
+              <a:off x="577363" y="2447668"/>
+              <a:ext cx="1668307" cy="418270"/>
+            </a:xfrm>
+            <a:prstGeom prst="rect">
+              <a:avLst/>
+            </a:prstGeom>
+            <a:solidFill>
+              <a:schemeClr val="bg1"/>
+            </a:solidFill>
+            <a:ln w="6350">
+              <a:solidFill>
+                <a:schemeClr val="tx1"/>
+              </a:solidFill>
+            </a:ln>
+          </p:spPr>
+          <p:style>
+            <a:lnRef idx="2">
+              <a:schemeClr val="accent1">
+                <a:shade val="50000"/>
+              </a:schemeClr>
+            </a:lnRef>
+            <a:fillRef idx="1">
+              <a:schemeClr val="accent1"/>
+            </a:fillRef>
+            <a:effectRef idx="0">
+              <a:schemeClr val="accent1"/>
+            </a:effectRef>
+            <a:fontRef idx="minor">
+              <a:schemeClr val="lt1"/>
+            </a:fontRef>
+          </p:style>
+          <p:txBody>
+            <a:bodyPr rtlCol="0" anchor="ctr"/>
+            <a:lstStyle/>
+            <a:p>
+              <a:pPr marL="171450" indent="-171450" algn="just">
+                <a:buFont typeface="Arial" panose="020B0604020202020204" pitchFamily="34" charset="0"/>
+                <a:buChar char="•"/>
+              </a:pPr>
+              <a:r>
+                <a:rPr lang="en-US" sz="900" dirty="0" err="1">
+                  <a:solidFill>
+                    <a:schemeClr val="tx1"/>
+                  </a:solidFill>
+                </a:rPr>
+                <a:t>apply_model</a:t>
+              </a:r>
+              <a:r>
+                <a:rPr lang="en-US" sz="900" dirty="0">
+                  <a:solidFill>
+                    <a:schemeClr val="tx1"/>
+                  </a:solidFill>
+                </a:rPr>
+                <a:t>(problems, solutions)</a:t>
+              </a:r>
+            </a:p>
+          </p:txBody>
+        </p:sp>
+      </p:grpSp>
+      <p:sp>
+        <p:nvSpPr>
+          <p:cNvPr id="117" name="Rectángulo 116">
+            <a:extLst>
+              <a:ext uri="{FF2B5EF4-FFF2-40B4-BE49-F238E27FC236}">
+                <a16:creationId xmlns:a16="http://schemas.microsoft.com/office/drawing/2014/main" id="{2EAA0D4C-43D6-0F7E-2D0B-52A0055187C2}"/>
+              </a:ext>
+            </a:extLst>
+          </p:cNvPr>
+          <p:cNvSpPr/>
+          <p:nvPr/>
+        </p:nvSpPr>
+        <p:spPr>
+          <a:xfrm>
+            <a:off x="2175237" y="1801024"/>
+            <a:ext cx="8299272" cy="4859232"/>
+          </a:xfrm>
+          <a:prstGeom prst="rect">
+            <a:avLst/>
+          </a:prstGeom>
+          <a:solidFill>
+            <a:schemeClr val="bg1"/>
+          </a:solidFill>
+          <a:ln w="6350">
+            <a:solidFill>
+              <a:schemeClr val="tx1"/>
+            </a:solidFill>
+          </a:ln>
+        </p:spPr>
+        <p:style>
+          <a:lnRef idx="2">
+            <a:schemeClr val="accent1">
+              <a:shade val="50000"/>
+            </a:schemeClr>
+          </a:lnRef>
+          <a:fillRef idx="1">
+            <a:schemeClr val="accent1"/>
+          </a:fillRef>
+          <a:effectRef idx="0">
+            <a:schemeClr val="accent1"/>
+          </a:effectRef>
+          <a:fontRef idx="minor">
+            <a:schemeClr val="lt1"/>
+          </a:fontRef>
+        </p:style>
+        <p:txBody>
+          <a:bodyPr rtlCol="0" anchor="ctr"/>
+          <a:lstStyle/>
+          <a:p>
+            <a:pPr algn="ctr"/>
+            <a:endParaRPr lang="en-US" sz="900"/>
+          </a:p>
+        </p:txBody>
+      </p:sp>
+      <p:grpSp>
+        <p:nvGrpSpPr>
+          <p:cNvPr id="136" name="Grupo 135">
+            <a:extLst>
+              <a:ext uri="{FF2B5EF4-FFF2-40B4-BE49-F238E27FC236}">
+                <a16:creationId xmlns:a16="http://schemas.microsoft.com/office/drawing/2014/main" id="{3B14F95F-6E2B-8522-6767-0B7807751E18}"/>
+              </a:ext>
+            </a:extLst>
+          </p:cNvPr>
+          <p:cNvGrpSpPr/>
+          <p:nvPr/>
+        </p:nvGrpSpPr>
+        <p:grpSpPr>
+          <a:xfrm>
+            <a:off x="2463090" y="2114051"/>
+            <a:ext cx="1386698" cy="1498719"/>
+            <a:chOff x="577363" y="1411490"/>
+            <a:chExt cx="1668308" cy="1454448"/>
+          </a:xfrm>
+        </p:grpSpPr>
+        <p:sp>
+          <p:nvSpPr>
+            <p:cNvPr id="137" name="Rectángulo 136">
+              <a:extLst>
+                <a:ext uri="{FF2B5EF4-FFF2-40B4-BE49-F238E27FC236}">
+                  <a16:creationId xmlns:a16="http://schemas.microsoft.com/office/drawing/2014/main" id="{D4B924A5-DBEF-690D-C21A-9ECA065E767A}"/>
+                </a:ext>
+              </a:extLst>
+            </p:cNvPr>
+            <p:cNvSpPr/>
+            <p:nvPr/>
+          </p:nvSpPr>
+          <p:spPr>
+            <a:xfrm>
+              <a:off x="577364" y="1411490"/>
+              <a:ext cx="1668307" cy="1454448"/>
+            </a:xfrm>
+            <a:prstGeom prst="rect">
+              <a:avLst/>
+            </a:prstGeom>
+            <a:solidFill>
+              <a:schemeClr val="bg1"/>
+            </a:solidFill>
+            <a:ln w="6350">
+              <a:solidFill>
+                <a:schemeClr val="tx1"/>
+              </a:solidFill>
+            </a:ln>
+          </p:spPr>
+          <p:style>
+            <a:lnRef idx="2">
+              <a:schemeClr val="accent1">
+                <a:shade val="50000"/>
+              </a:schemeClr>
+            </a:lnRef>
+            <a:fillRef idx="1">
+              <a:schemeClr val="accent1"/>
+            </a:fillRef>
+            <a:effectRef idx="0">
+              <a:schemeClr val="accent1"/>
+            </a:effectRef>
+            <a:fontRef idx="minor">
+              <a:schemeClr val="lt1"/>
+            </a:fontRef>
+          </p:style>
+          <p:txBody>
+            <a:bodyPr rtlCol="0" anchor="ctr"/>
+            <a:lstStyle/>
+            <a:p>
+              <a:pPr marL="171450" indent="-171450" algn="just">
+                <a:buFont typeface="Arial" panose="020B0604020202020204" pitchFamily="34" charset="0"/>
+                <a:buChar char="•"/>
+              </a:pPr>
+              <a:r>
+                <a:rPr lang="en-US" sz="1000" dirty="0">
+                  <a:solidFill>
+                    <a:schemeClr val="tx1"/>
+                  </a:solidFill>
+                </a:rPr>
+                <a:t>path</a:t>
+              </a:r>
+            </a:p>
+            <a:p>
+              <a:pPr algn="just"/>
+              <a:endParaRPr lang="en-US" sz="900" dirty="0">
+                <a:solidFill>
+                  <a:schemeClr val="tx1"/>
+                </a:solidFill>
+              </a:endParaRPr>
+            </a:p>
+          </p:txBody>
+        </p:sp>
+        <p:sp>
+          <p:nvSpPr>
+            <p:cNvPr id="138" name="Rectángulo 137">
+              <a:extLst>
+                <a:ext uri="{FF2B5EF4-FFF2-40B4-BE49-F238E27FC236}">
+                  <a16:creationId xmlns:a16="http://schemas.microsoft.com/office/drawing/2014/main" id="{A443C144-1DAE-159B-4798-14D16D7F891F}"/>
+                </a:ext>
+              </a:extLst>
+            </p:cNvPr>
+            <p:cNvSpPr/>
+            <p:nvPr/>
+          </p:nvSpPr>
+          <p:spPr>
+            <a:xfrm>
+              <a:off x="577363" y="1411490"/>
+              <a:ext cx="1668307" cy="289244"/>
+            </a:xfrm>
+            <a:prstGeom prst="rect">
+              <a:avLst/>
+            </a:prstGeom>
+            <a:solidFill>
+              <a:schemeClr val="bg1"/>
+            </a:solidFill>
+            <a:ln w="6350">
+              <a:solidFill>
+                <a:schemeClr val="tx1"/>
+              </a:solidFill>
+            </a:ln>
+          </p:spPr>
+          <p:style>
+            <a:lnRef idx="2">
+              <a:schemeClr val="accent1">
+                <a:shade val="50000"/>
+              </a:schemeClr>
+            </a:lnRef>
+            <a:fillRef idx="1">
+              <a:schemeClr val="accent1"/>
+            </a:fillRef>
+            <a:effectRef idx="0">
+              <a:schemeClr val="accent1"/>
+            </a:effectRef>
+            <a:fontRef idx="minor">
+              <a:schemeClr val="lt1"/>
+            </a:fontRef>
+          </p:style>
+          <p:txBody>
+            <a:bodyPr rtlCol="0" anchor="ctr"/>
+            <a:lstStyle/>
+            <a:p>
+              <a:pPr algn="ctr"/>
+              <a:r>
+                <a:rPr lang="en-US" sz="1000" dirty="0">
+                  <a:solidFill>
+                    <a:schemeClr val="tx1"/>
+                  </a:solidFill>
+                </a:rPr>
+                <a:t>Problems</a:t>
+              </a:r>
+            </a:p>
+          </p:txBody>
+        </p:sp>
+        <p:sp>
+          <p:nvSpPr>
+            <p:cNvPr id="139" name="Rectángulo 138">
+              <a:extLst>
+                <a:ext uri="{FF2B5EF4-FFF2-40B4-BE49-F238E27FC236}">
+                  <a16:creationId xmlns:a16="http://schemas.microsoft.com/office/drawing/2014/main" id="{7D41CBA6-B1D1-4539-777F-DFA90E6F8EAA}"/>
+                </a:ext>
+              </a:extLst>
+            </p:cNvPr>
+            <p:cNvSpPr/>
+            <p:nvPr/>
+          </p:nvSpPr>
+          <p:spPr>
+            <a:xfrm>
+              <a:off x="577363" y="2447668"/>
+              <a:ext cx="1668307" cy="418270"/>
+            </a:xfrm>
+            <a:prstGeom prst="rect">
+              <a:avLst/>
+            </a:prstGeom>
+            <a:solidFill>
+              <a:schemeClr val="bg1"/>
+            </a:solidFill>
+            <a:ln w="6350">
+              <a:solidFill>
+                <a:schemeClr val="tx1"/>
+              </a:solidFill>
+            </a:ln>
+          </p:spPr>
+          <p:style>
+            <a:lnRef idx="2">
+              <a:schemeClr val="accent1">
+                <a:shade val="50000"/>
+              </a:schemeClr>
+            </a:lnRef>
+            <a:fillRef idx="1">
+              <a:schemeClr val="accent1"/>
+            </a:fillRef>
+            <a:effectRef idx="0">
+              <a:schemeClr val="accent1"/>
+            </a:effectRef>
+            <a:fontRef idx="minor">
+              <a:schemeClr val="lt1"/>
+            </a:fontRef>
+          </p:style>
+          <p:txBody>
+            <a:bodyPr rtlCol="0" anchor="ctr"/>
+            <a:lstStyle/>
+            <a:p>
+              <a:pPr marL="171450" indent="-171450" algn="just">
+                <a:buFont typeface="Arial" panose="020B0604020202020204" pitchFamily="34" charset="0"/>
+                <a:buChar char="•"/>
+              </a:pPr>
+              <a:r>
+                <a:rPr lang="en-US" sz="900" dirty="0" err="1">
+                  <a:solidFill>
+                    <a:schemeClr val="tx1"/>
+                  </a:solidFill>
+                </a:rPr>
+                <a:t>get_problems</a:t>
+              </a:r>
+              <a:r>
+                <a:rPr lang="en-US" sz="900" dirty="0">
+                  <a:solidFill>
+                    <a:schemeClr val="tx1"/>
+                  </a:solidFill>
+                </a:rPr>
+                <a:t>()</a:t>
               </a:r>
             </a:p>
             <a:p>
@@ -4769,12 +5462,20 @@
                 <a:buChar char="•"/>
               </a:pPr>
               <a:r>
-                <a:rPr lang="en-US" sz="900">
+                <a:rPr lang="en-US" sz="900" dirty="0" err="1">
                   <a:solidFill>
                     <a:schemeClr val="tx1"/>
                   </a:solidFill>
                 </a:rPr>
-                <a:t>getUnitTesting()</a:t>
+                <a:t>read_problems</a:t>
+              </a:r>
+              <a:r>
+                <a:rPr lang="en-US" sz="900" dirty="0">
+                  <a:solidFill>
+                    <a:schemeClr val="tx1"/>
+                  </a:solidFill>
+                </a:rPr>
+                <a:t>()</a:t>
               </a:r>
             </a:p>
           </p:txBody>
@@ -4782,33 +5483,32 @@
       </p:grpSp>
       <p:cxnSp>
         <p:nvCxnSpPr>
-          <p:cNvPr id="69" name="Conector angular 68">
-            <a:extLst>
-              <a:ext uri="{FF2B5EF4-FFF2-40B4-BE49-F238E27FC236}">
-                <a16:creationId xmlns:a16="http://schemas.microsoft.com/office/drawing/2014/main" id="{7490B753-BC65-4843-DAF7-D45B93099661}"/>
+          <p:cNvPr id="6" name="Conector recto de flecha 5">
+            <a:extLst>
+              <a:ext uri="{FF2B5EF4-FFF2-40B4-BE49-F238E27FC236}">
+                <a16:creationId xmlns:a16="http://schemas.microsoft.com/office/drawing/2014/main" id="{71C94C20-B39E-2BF6-BA5E-F5B5F554BC2C}"/>
               </a:ext>
             </a:extLst>
           </p:cNvPr>
           <p:cNvCxnSpPr>
-            <a:cxnSpLocks/>
+            <a:stCxn id="64" idx="3"/>
+            <a:endCxn id="137" idx="1"/>
           </p:cNvCxnSpPr>
           <p:nvPr/>
         </p:nvCxnSpPr>
         <p:spPr>
-          <a:xfrm rot="16200000" flipH="1">
-            <a:off x="5751126" y="1630776"/>
-            <a:ext cx="718824" cy="631572"/>
+          <a:xfrm>
+            <a:off x="1985558" y="2863411"/>
+            <a:ext cx="477533" cy="0"/>
           </a:xfrm>
-          <a:prstGeom prst="bentConnector3">
-            <a:avLst>
-              <a:gd name="adj1" fmla="val 64868"/>
-            </a:avLst>
+          <a:prstGeom prst="straightConnector1">
+            <a:avLst/>
           </a:prstGeom>
           <a:ln>
             <a:solidFill>
               <a:schemeClr val="tx1"/>
             </a:solidFill>
-            <a:tailEnd type="triangle"/>
+            <a:tailEnd type="diamond" w="med" len="med"/>
           </a:ln>
         </p:spPr>
         <p:style>
@@ -4828,10 +5528,10 @@
       </p:cxnSp>
       <p:grpSp>
         <p:nvGrpSpPr>
-          <p:cNvPr id="44" name="Grupo 43">
-            <a:extLst>
-              <a:ext uri="{FF2B5EF4-FFF2-40B4-BE49-F238E27FC236}">
-                <a16:creationId xmlns:a16="http://schemas.microsoft.com/office/drawing/2014/main" id="{AB31209E-D8AA-24D9-8437-86E89B379F5E}"/>
+          <p:cNvPr id="140" name="Grupo 139">
+            <a:extLst>
+              <a:ext uri="{FF2B5EF4-FFF2-40B4-BE49-F238E27FC236}">
+                <a16:creationId xmlns:a16="http://schemas.microsoft.com/office/drawing/2014/main" id="{895808C1-94EE-B427-A884-5A22E194FAA8}"/>
               </a:ext>
             </a:extLst>
           </p:cNvPr>
@@ -4840,18 +5540,1340 @@
         </p:nvGrpSpPr>
         <p:grpSpPr>
           <a:xfrm>
-            <a:off x="5829095" y="2306902"/>
-            <a:ext cx="1665953" cy="1594029"/>
+            <a:off x="2470934" y="4343931"/>
+            <a:ext cx="1386698" cy="1498720"/>
+            <a:chOff x="577363" y="1411490"/>
+            <a:chExt cx="1668308" cy="1454449"/>
+          </a:xfrm>
+        </p:grpSpPr>
+        <p:sp>
+          <p:nvSpPr>
+            <p:cNvPr id="141" name="Rectángulo 140">
+              <a:extLst>
+                <a:ext uri="{FF2B5EF4-FFF2-40B4-BE49-F238E27FC236}">
+                  <a16:creationId xmlns:a16="http://schemas.microsoft.com/office/drawing/2014/main" id="{6EB2A763-E537-0678-E34A-F64317D94E5C}"/>
+                </a:ext>
+              </a:extLst>
+            </p:cNvPr>
+            <p:cNvSpPr/>
+            <p:nvPr/>
+          </p:nvSpPr>
+          <p:spPr>
+            <a:xfrm>
+              <a:off x="577364" y="1411490"/>
+              <a:ext cx="1668307" cy="1454448"/>
+            </a:xfrm>
+            <a:prstGeom prst="rect">
+              <a:avLst/>
+            </a:prstGeom>
+            <a:solidFill>
+              <a:schemeClr val="bg1"/>
+            </a:solidFill>
+            <a:ln w="6350">
+              <a:solidFill>
+                <a:schemeClr val="tx1"/>
+              </a:solidFill>
+            </a:ln>
+          </p:spPr>
+          <p:style>
+            <a:lnRef idx="2">
+              <a:schemeClr val="accent1">
+                <a:shade val="50000"/>
+              </a:schemeClr>
+            </a:lnRef>
+            <a:fillRef idx="1">
+              <a:schemeClr val="accent1"/>
+            </a:fillRef>
+            <a:effectRef idx="0">
+              <a:schemeClr val="accent1"/>
+            </a:effectRef>
+            <a:fontRef idx="minor">
+              <a:schemeClr val="lt1"/>
+            </a:fontRef>
+          </p:style>
+          <p:txBody>
+            <a:bodyPr rtlCol="0" anchor="ctr"/>
+            <a:lstStyle/>
+            <a:p>
+              <a:pPr marL="171450" indent="-171450" algn="just">
+                <a:buFont typeface="Arial" panose="020B0604020202020204" pitchFamily="34" charset="0"/>
+                <a:buChar char="•"/>
+              </a:pPr>
+              <a:r>
+                <a:rPr lang="en-US" sz="1000" dirty="0">
+                  <a:solidFill>
+                    <a:schemeClr val="tx1"/>
+                  </a:solidFill>
+                </a:rPr>
+                <a:t>path</a:t>
+              </a:r>
+            </a:p>
+            <a:p>
+              <a:pPr algn="just"/>
+              <a:endParaRPr lang="en-US" sz="900" dirty="0">
+                <a:solidFill>
+                  <a:schemeClr val="tx1"/>
+                </a:solidFill>
+              </a:endParaRPr>
+            </a:p>
+            <a:p>
+              <a:pPr algn="just"/>
+              <a:endParaRPr lang="en-US" sz="1000" dirty="0">
+                <a:solidFill>
+                  <a:schemeClr val="tx1"/>
+                </a:solidFill>
+              </a:endParaRPr>
+            </a:p>
+          </p:txBody>
+        </p:sp>
+        <p:sp>
+          <p:nvSpPr>
+            <p:cNvPr id="142" name="Rectángulo 141">
+              <a:extLst>
+                <a:ext uri="{FF2B5EF4-FFF2-40B4-BE49-F238E27FC236}">
+                  <a16:creationId xmlns:a16="http://schemas.microsoft.com/office/drawing/2014/main" id="{7D392ADD-AE05-DC8D-9B64-AD99A951489F}"/>
+                </a:ext>
+              </a:extLst>
+            </p:cNvPr>
+            <p:cNvSpPr/>
+            <p:nvPr/>
+          </p:nvSpPr>
+          <p:spPr>
+            <a:xfrm>
+              <a:off x="577363" y="1411490"/>
+              <a:ext cx="1668307" cy="289244"/>
+            </a:xfrm>
+            <a:prstGeom prst="rect">
+              <a:avLst/>
+            </a:prstGeom>
+            <a:solidFill>
+              <a:schemeClr val="bg1"/>
+            </a:solidFill>
+            <a:ln w="6350">
+              <a:solidFill>
+                <a:schemeClr val="tx1"/>
+              </a:solidFill>
+            </a:ln>
+          </p:spPr>
+          <p:style>
+            <a:lnRef idx="2">
+              <a:schemeClr val="accent1">
+                <a:shade val="50000"/>
+              </a:schemeClr>
+            </a:lnRef>
+            <a:fillRef idx="1">
+              <a:schemeClr val="accent1"/>
+            </a:fillRef>
+            <a:effectRef idx="0">
+              <a:schemeClr val="accent1"/>
+            </a:effectRef>
+            <a:fontRef idx="minor">
+              <a:schemeClr val="lt1"/>
+            </a:fontRef>
+          </p:style>
+          <p:txBody>
+            <a:bodyPr rtlCol="0" anchor="ctr"/>
+            <a:lstStyle/>
+            <a:p>
+              <a:pPr algn="ctr"/>
+              <a:r>
+                <a:rPr lang="en-US" sz="1000" dirty="0" err="1">
+                  <a:solidFill>
+                    <a:schemeClr val="tx1"/>
+                  </a:solidFill>
+                </a:rPr>
+                <a:t>Unit_Tests</a:t>
+              </a:r>
+              <a:endParaRPr lang="en-US" sz="1000" dirty="0">
+                <a:solidFill>
+                  <a:schemeClr val="tx1"/>
+                </a:solidFill>
+                <a:highlight>
+                  <a:srgbClr val="FFFF00"/>
+                </a:highlight>
+              </a:endParaRPr>
+            </a:p>
+          </p:txBody>
+        </p:sp>
+        <p:sp>
+          <p:nvSpPr>
+            <p:cNvPr id="143" name="Rectángulo 142">
+              <a:extLst>
+                <a:ext uri="{FF2B5EF4-FFF2-40B4-BE49-F238E27FC236}">
+                  <a16:creationId xmlns:a16="http://schemas.microsoft.com/office/drawing/2014/main" id="{52819F0E-5368-B3D7-587B-A8BB7EDEB689}"/>
+                </a:ext>
+              </a:extLst>
+            </p:cNvPr>
+            <p:cNvSpPr/>
+            <p:nvPr/>
+          </p:nvSpPr>
+          <p:spPr>
+            <a:xfrm>
+              <a:off x="577363" y="2257299"/>
+              <a:ext cx="1668307" cy="608640"/>
+            </a:xfrm>
+            <a:prstGeom prst="rect">
+              <a:avLst/>
+            </a:prstGeom>
+            <a:solidFill>
+              <a:schemeClr val="bg1"/>
+            </a:solidFill>
+            <a:ln w="6350">
+              <a:solidFill>
+                <a:schemeClr val="tx1"/>
+              </a:solidFill>
+            </a:ln>
+          </p:spPr>
+          <p:style>
+            <a:lnRef idx="2">
+              <a:schemeClr val="accent1">
+                <a:shade val="50000"/>
+              </a:schemeClr>
+            </a:lnRef>
+            <a:fillRef idx="1">
+              <a:schemeClr val="accent1"/>
+            </a:fillRef>
+            <a:effectRef idx="0">
+              <a:schemeClr val="accent1"/>
+            </a:effectRef>
+            <a:fontRef idx="minor">
+              <a:schemeClr val="lt1"/>
+            </a:fontRef>
+          </p:style>
+          <p:txBody>
+            <a:bodyPr rtlCol="0" anchor="ctr"/>
+            <a:lstStyle/>
+            <a:p>
+              <a:pPr marL="171450" indent="-171450" algn="just">
+                <a:buFont typeface="Arial" panose="020B0604020202020204" pitchFamily="34" charset="0"/>
+                <a:buChar char="•"/>
+              </a:pPr>
+              <a:r>
+                <a:rPr lang="en-US" sz="900" dirty="0" err="1">
+                  <a:solidFill>
+                    <a:schemeClr val="tx1"/>
+                  </a:solidFill>
+                </a:rPr>
+                <a:t>get_tests</a:t>
+              </a:r>
+              <a:r>
+                <a:rPr lang="en-US" sz="900" dirty="0">
+                  <a:solidFill>
+                    <a:schemeClr val="tx1"/>
+                  </a:solidFill>
+                </a:rPr>
+                <a:t>()</a:t>
+              </a:r>
+            </a:p>
+            <a:p>
+              <a:pPr marL="171450" indent="-171450" algn="just">
+                <a:buFont typeface="Arial" panose="020B0604020202020204" pitchFamily="34" charset="0"/>
+                <a:buChar char="•"/>
+              </a:pPr>
+              <a:r>
+                <a:rPr lang="en-US" sz="900" dirty="0" err="1">
+                  <a:solidFill>
+                    <a:schemeClr val="tx1"/>
+                  </a:solidFill>
+                </a:rPr>
+                <a:t>read_tests</a:t>
+              </a:r>
+              <a:r>
+                <a:rPr lang="en-US" sz="900" dirty="0">
+                  <a:solidFill>
+                    <a:schemeClr val="tx1"/>
+                  </a:solidFill>
+                </a:rPr>
+                <a:t>()</a:t>
+              </a:r>
+            </a:p>
+            <a:p>
+              <a:pPr marL="171450" indent="-171450" algn="just">
+                <a:buFont typeface="Arial" panose="020B0604020202020204" pitchFamily="34" charset="0"/>
+                <a:buChar char="•"/>
+              </a:pPr>
+              <a:r>
+                <a:rPr lang="en-US" sz="900" dirty="0" err="1">
+                  <a:solidFill>
+                    <a:schemeClr val="tx1"/>
+                  </a:solidFill>
+                </a:rPr>
+                <a:t>get_problem_test</a:t>
+              </a:r>
+              <a:r>
+                <a:rPr lang="en-US" sz="900" dirty="0">
+                  <a:solidFill>
+                    <a:schemeClr val="tx1"/>
+                  </a:solidFill>
+                </a:rPr>
+                <a:t>()</a:t>
+              </a:r>
+            </a:p>
+            <a:p>
+              <a:pPr marL="171450" indent="-171450" algn="just">
+                <a:buFont typeface="Arial" panose="020B0604020202020204" pitchFamily="34" charset="0"/>
+                <a:buChar char="•"/>
+              </a:pPr>
+              <a:r>
+                <a:rPr lang="en-US" sz="900" dirty="0" err="1">
+                  <a:solidFill>
+                    <a:schemeClr val="tx1"/>
+                  </a:solidFill>
+                </a:rPr>
+                <a:t>apply_unit_tests</a:t>
+              </a:r>
+              <a:r>
+                <a:rPr lang="en-US" sz="900" dirty="0">
+                  <a:solidFill>
+                    <a:schemeClr val="tx1"/>
+                  </a:solidFill>
+                </a:rPr>
+                <a:t>()</a:t>
+              </a:r>
+            </a:p>
+          </p:txBody>
+        </p:sp>
+      </p:grpSp>
+      <p:cxnSp>
+        <p:nvCxnSpPr>
+          <p:cNvPr id="144" name="Conector recto de flecha 143">
+            <a:extLst>
+              <a:ext uri="{FF2B5EF4-FFF2-40B4-BE49-F238E27FC236}">
+                <a16:creationId xmlns:a16="http://schemas.microsoft.com/office/drawing/2014/main" id="{BFE9D219-FDF1-4D52-FEF9-CACAD7809BDB}"/>
+              </a:ext>
+            </a:extLst>
+          </p:cNvPr>
+          <p:cNvCxnSpPr>
+            <a:cxnSpLocks/>
+          </p:cNvCxnSpPr>
+          <p:nvPr/>
+        </p:nvCxnSpPr>
+        <p:spPr>
+          <a:xfrm>
+            <a:off x="1985556" y="4986199"/>
+            <a:ext cx="485378" cy="0"/>
+          </a:xfrm>
+          <a:prstGeom prst="straightConnector1">
+            <a:avLst/>
+          </a:prstGeom>
+          <a:ln>
+            <a:solidFill>
+              <a:schemeClr val="tx1"/>
+            </a:solidFill>
+            <a:headEnd w="lg" len="med"/>
+            <a:tailEnd type="diamond" w="med" len="med"/>
+          </a:ln>
+        </p:spPr>
+        <p:style>
+          <a:lnRef idx="1">
+            <a:schemeClr val="accent1"/>
+          </a:lnRef>
+          <a:fillRef idx="0">
+            <a:schemeClr val="accent1"/>
+          </a:fillRef>
+          <a:effectRef idx="0">
+            <a:schemeClr val="accent1"/>
+          </a:effectRef>
+          <a:fontRef idx="minor">
+            <a:schemeClr val="tx1"/>
+          </a:fontRef>
+        </p:style>
+      </p:cxnSp>
+      <p:grpSp>
+        <p:nvGrpSpPr>
+          <p:cNvPr id="149" name="Grupo 148">
+            <a:extLst>
+              <a:ext uri="{FF2B5EF4-FFF2-40B4-BE49-F238E27FC236}">
+                <a16:creationId xmlns:a16="http://schemas.microsoft.com/office/drawing/2014/main" id="{BD6C6591-6658-6667-9D87-21642793819D}"/>
+              </a:ext>
+            </a:extLst>
+          </p:cNvPr>
+          <p:cNvGrpSpPr/>
+          <p:nvPr/>
+        </p:nvGrpSpPr>
+        <p:grpSpPr>
+          <a:xfrm>
+            <a:off x="4106116" y="2109489"/>
+            <a:ext cx="1797751" cy="1505803"/>
+            <a:chOff x="577363" y="1411490"/>
+            <a:chExt cx="1668308" cy="1454448"/>
+          </a:xfrm>
+        </p:grpSpPr>
+        <p:sp>
+          <p:nvSpPr>
+            <p:cNvPr id="150" name="Rectángulo 149">
+              <a:extLst>
+                <a:ext uri="{FF2B5EF4-FFF2-40B4-BE49-F238E27FC236}">
+                  <a16:creationId xmlns:a16="http://schemas.microsoft.com/office/drawing/2014/main" id="{B6545D78-8FD4-C3A4-8C2A-B60531AA279B}"/>
+                </a:ext>
+              </a:extLst>
+            </p:cNvPr>
+            <p:cNvSpPr/>
+            <p:nvPr/>
+          </p:nvSpPr>
+          <p:spPr>
+            <a:xfrm>
+              <a:off x="577364" y="1411490"/>
+              <a:ext cx="1668307" cy="1454448"/>
+            </a:xfrm>
+            <a:prstGeom prst="rect">
+              <a:avLst/>
+            </a:prstGeom>
+            <a:solidFill>
+              <a:schemeClr val="bg1"/>
+            </a:solidFill>
+            <a:ln w="6350">
+              <a:solidFill>
+                <a:schemeClr val="tx1"/>
+              </a:solidFill>
+            </a:ln>
+          </p:spPr>
+          <p:style>
+            <a:lnRef idx="2">
+              <a:schemeClr val="accent1">
+                <a:shade val="50000"/>
+              </a:schemeClr>
+            </a:lnRef>
+            <a:fillRef idx="1">
+              <a:schemeClr val="accent1"/>
+            </a:fillRef>
+            <a:effectRef idx="0">
+              <a:schemeClr val="accent1"/>
+            </a:effectRef>
+            <a:fontRef idx="minor">
+              <a:schemeClr val="lt1"/>
+            </a:fontRef>
+          </p:style>
+          <p:txBody>
+            <a:bodyPr rtlCol="0" anchor="ctr"/>
+            <a:lstStyle/>
+            <a:p>
+              <a:pPr marL="171450" indent="-171450" algn="just">
+                <a:buFont typeface="Arial" panose="020B0604020202020204" pitchFamily="34" charset="0"/>
+                <a:buChar char="•"/>
+              </a:pPr>
+              <a:r>
+                <a:rPr lang="en-US" sz="1000" dirty="0">
+                  <a:solidFill>
+                    <a:schemeClr val="tx1"/>
+                  </a:solidFill>
+                </a:rPr>
+                <a:t>conf</a:t>
+              </a:r>
+            </a:p>
+            <a:p>
+              <a:pPr algn="just"/>
+              <a:endParaRPr lang="en-US" sz="900" dirty="0">
+                <a:solidFill>
+                  <a:schemeClr val="tx1"/>
+                </a:solidFill>
+              </a:endParaRPr>
+            </a:p>
+          </p:txBody>
+        </p:sp>
+        <p:sp>
+          <p:nvSpPr>
+            <p:cNvPr id="151" name="Rectángulo 150">
+              <a:extLst>
+                <a:ext uri="{FF2B5EF4-FFF2-40B4-BE49-F238E27FC236}">
+                  <a16:creationId xmlns:a16="http://schemas.microsoft.com/office/drawing/2014/main" id="{026B3612-07D7-D347-8F27-539FCA0E6C4C}"/>
+                </a:ext>
+              </a:extLst>
+            </p:cNvPr>
+            <p:cNvSpPr/>
+            <p:nvPr/>
+          </p:nvSpPr>
+          <p:spPr>
+            <a:xfrm>
+              <a:off x="577363" y="1411490"/>
+              <a:ext cx="1668307" cy="289244"/>
+            </a:xfrm>
+            <a:prstGeom prst="rect">
+              <a:avLst/>
+            </a:prstGeom>
+            <a:solidFill>
+              <a:schemeClr val="bg1"/>
+            </a:solidFill>
+            <a:ln w="6350">
+              <a:solidFill>
+                <a:schemeClr val="tx1"/>
+              </a:solidFill>
+            </a:ln>
+          </p:spPr>
+          <p:style>
+            <a:lnRef idx="2">
+              <a:schemeClr val="accent1">
+                <a:shade val="50000"/>
+              </a:schemeClr>
+            </a:lnRef>
+            <a:fillRef idx="1">
+              <a:schemeClr val="accent1"/>
+            </a:fillRef>
+            <a:effectRef idx="0">
+              <a:schemeClr val="accent1"/>
+            </a:effectRef>
+            <a:fontRef idx="minor">
+              <a:schemeClr val="lt1"/>
+            </a:fontRef>
+          </p:style>
+          <p:txBody>
+            <a:bodyPr rtlCol="0" anchor="ctr"/>
+            <a:lstStyle/>
+            <a:p>
+              <a:pPr algn="ctr"/>
+              <a:r>
+                <a:rPr lang="en-US" sz="1000" dirty="0">
+                  <a:solidFill>
+                    <a:schemeClr val="tx1"/>
+                  </a:solidFill>
+                </a:rPr>
+                <a:t>Model</a:t>
+              </a:r>
+            </a:p>
+          </p:txBody>
+        </p:sp>
+        <p:sp>
+          <p:nvSpPr>
+            <p:cNvPr id="152" name="Rectángulo 151">
+              <a:extLst>
+                <a:ext uri="{FF2B5EF4-FFF2-40B4-BE49-F238E27FC236}">
+                  <a16:creationId xmlns:a16="http://schemas.microsoft.com/office/drawing/2014/main" id="{B9520932-FD1B-D5AF-20F3-C6C0486E3BAC}"/>
+                </a:ext>
+              </a:extLst>
+            </p:cNvPr>
+            <p:cNvSpPr/>
+            <p:nvPr/>
+          </p:nvSpPr>
+          <p:spPr>
+            <a:xfrm>
+              <a:off x="577363" y="2447668"/>
+              <a:ext cx="1668307" cy="418270"/>
+            </a:xfrm>
+            <a:prstGeom prst="rect">
+              <a:avLst/>
+            </a:prstGeom>
+            <a:solidFill>
+              <a:schemeClr val="bg1"/>
+            </a:solidFill>
+            <a:ln w="6350">
+              <a:solidFill>
+                <a:schemeClr val="tx1"/>
+              </a:solidFill>
+            </a:ln>
+          </p:spPr>
+          <p:style>
+            <a:lnRef idx="2">
+              <a:schemeClr val="accent1">
+                <a:shade val="50000"/>
+              </a:schemeClr>
+            </a:lnRef>
+            <a:fillRef idx="1">
+              <a:schemeClr val="accent1"/>
+            </a:fillRef>
+            <a:effectRef idx="0">
+              <a:schemeClr val="accent1"/>
+            </a:effectRef>
+            <a:fontRef idx="minor">
+              <a:schemeClr val="lt1"/>
+            </a:fontRef>
+          </p:style>
+          <p:txBody>
+            <a:bodyPr rtlCol="0" anchor="ctr"/>
+            <a:lstStyle/>
+            <a:p>
+              <a:pPr marL="171450" indent="-171450" algn="just">
+                <a:buFont typeface="Arial" panose="020B0604020202020204" pitchFamily="34" charset="0"/>
+                <a:buChar char="•"/>
+              </a:pPr>
+              <a:r>
+                <a:rPr lang="en-US" sz="900" dirty="0" err="1">
+                  <a:solidFill>
+                    <a:schemeClr val="tx1"/>
+                  </a:solidFill>
+                </a:rPr>
+                <a:t>apply_model</a:t>
+              </a:r>
+              <a:r>
+                <a:rPr lang="en-US" sz="900" dirty="0">
+                  <a:solidFill>
+                    <a:schemeClr val="tx1"/>
+                  </a:solidFill>
+                </a:rPr>
+                <a:t>(problems, solutions)</a:t>
+              </a:r>
+            </a:p>
+          </p:txBody>
+        </p:sp>
+      </p:grpSp>
+      <p:grpSp>
+        <p:nvGrpSpPr>
+          <p:cNvPr id="153" name="Grupo 152">
+            <a:extLst>
+              <a:ext uri="{FF2B5EF4-FFF2-40B4-BE49-F238E27FC236}">
+                <a16:creationId xmlns:a16="http://schemas.microsoft.com/office/drawing/2014/main" id="{C5F2AB9D-99E2-891A-3A4B-FE80743C783A}"/>
+              </a:ext>
+            </a:extLst>
+          </p:cNvPr>
+          <p:cNvGrpSpPr/>
+          <p:nvPr/>
+        </p:nvGrpSpPr>
+        <p:grpSpPr>
+          <a:xfrm>
+            <a:off x="6160198" y="2114050"/>
+            <a:ext cx="1797749" cy="1498719"/>
+            <a:chOff x="577363" y="1411490"/>
+            <a:chExt cx="1668308" cy="1454448"/>
+          </a:xfrm>
+        </p:grpSpPr>
+        <p:sp>
+          <p:nvSpPr>
+            <p:cNvPr id="154" name="Rectángulo 153">
+              <a:extLst>
+                <a:ext uri="{FF2B5EF4-FFF2-40B4-BE49-F238E27FC236}">
+                  <a16:creationId xmlns:a16="http://schemas.microsoft.com/office/drawing/2014/main" id="{6D1AB997-DCF1-A99B-CD47-5F19C550FE10}"/>
+                </a:ext>
+              </a:extLst>
+            </p:cNvPr>
+            <p:cNvSpPr/>
+            <p:nvPr/>
+          </p:nvSpPr>
+          <p:spPr>
+            <a:xfrm>
+              <a:off x="577364" y="1411490"/>
+              <a:ext cx="1668307" cy="1454448"/>
+            </a:xfrm>
+            <a:prstGeom prst="rect">
+              <a:avLst/>
+            </a:prstGeom>
+            <a:solidFill>
+              <a:schemeClr val="bg1"/>
+            </a:solidFill>
+            <a:ln w="6350">
+              <a:solidFill>
+                <a:schemeClr val="tx1"/>
+              </a:solidFill>
+            </a:ln>
+          </p:spPr>
+          <p:style>
+            <a:lnRef idx="2">
+              <a:schemeClr val="accent1">
+                <a:shade val="50000"/>
+              </a:schemeClr>
+            </a:lnRef>
+            <a:fillRef idx="1">
+              <a:schemeClr val="accent1"/>
+            </a:fillRef>
+            <a:effectRef idx="0">
+              <a:schemeClr val="accent1"/>
+            </a:effectRef>
+            <a:fontRef idx="minor">
+              <a:schemeClr val="lt1"/>
+            </a:fontRef>
+          </p:style>
+          <p:txBody>
+            <a:bodyPr rtlCol="0" anchor="ctr"/>
+            <a:lstStyle/>
+            <a:p>
+              <a:pPr marL="171450" indent="-171450" algn="just">
+                <a:buFont typeface="Arial" panose="020B0604020202020204" pitchFamily="34" charset="0"/>
+                <a:buChar char="•"/>
+              </a:pPr>
+              <a:r>
+                <a:rPr lang="en-US" sz="1000" dirty="0">
+                  <a:solidFill>
+                    <a:schemeClr val="tx1"/>
+                  </a:solidFill>
+                </a:rPr>
+                <a:t>solutions</a:t>
+              </a:r>
+            </a:p>
+            <a:p>
+              <a:pPr algn="just"/>
+              <a:endParaRPr lang="en-US" sz="900" dirty="0">
+                <a:solidFill>
+                  <a:schemeClr val="tx1"/>
+                </a:solidFill>
+              </a:endParaRPr>
+            </a:p>
+            <a:p>
+              <a:pPr algn="just"/>
+              <a:endParaRPr lang="en-US" sz="900" dirty="0">
+                <a:solidFill>
+                  <a:schemeClr val="tx1"/>
+                </a:solidFill>
+              </a:endParaRPr>
+            </a:p>
+          </p:txBody>
+        </p:sp>
+        <p:sp>
+          <p:nvSpPr>
+            <p:cNvPr id="155" name="Rectángulo 154">
+              <a:extLst>
+                <a:ext uri="{FF2B5EF4-FFF2-40B4-BE49-F238E27FC236}">
+                  <a16:creationId xmlns:a16="http://schemas.microsoft.com/office/drawing/2014/main" id="{B243D8B4-B377-7AAF-B0DE-10E98BD47CF4}"/>
+                </a:ext>
+              </a:extLst>
+            </p:cNvPr>
+            <p:cNvSpPr/>
+            <p:nvPr/>
+          </p:nvSpPr>
+          <p:spPr>
+            <a:xfrm>
+              <a:off x="577363" y="1411490"/>
+              <a:ext cx="1668307" cy="289244"/>
+            </a:xfrm>
+            <a:prstGeom prst="rect">
+              <a:avLst/>
+            </a:prstGeom>
+            <a:solidFill>
+              <a:schemeClr val="bg1"/>
+            </a:solidFill>
+            <a:ln w="6350">
+              <a:solidFill>
+                <a:schemeClr val="tx1"/>
+              </a:solidFill>
+            </a:ln>
+          </p:spPr>
+          <p:style>
+            <a:lnRef idx="2">
+              <a:schemeClr val="accent1">
+                <a:shade val="50000"/>
+              </a:schemeClr>
+            </a:lnRef>
+            <a:fillRef idx="1">
+              <a:schemeClr val="accent1"/>
+            </a:fillRef>
+            <a:effectRef idx="0">
+              <a:schemeClr val="accent1"/>
+            </a:effectRef>
+            <a:fontRef idx="minor">
+              <a:schemeClr val="lt1"/>
+            </a:fontRef>
+          </p:style>
+          <p:txBody>
+            <a:bodyPr rtlCol="0" anchor="ctr"/>
+            <a:lstStyle/>
+            <a:p>
+              <a:pPr algn="ctr"/>
+              <a:r>
+                <a:rPr lang="en-US" sz="1000" dirty="0">
+                  <a:solidFill>
+                    <a:schemeClr val="tx1"/>
+                  </a:solidFill>
+                </a:rPr>
+                <a:t>Solutions</a:t>
+              </a:r>
+            </a:p>
+          </p:txBody>
+        </p:sp>
+        <p:sp>
+          <p:nvSpPr>
+            <p:cNvPr id="156" name="Rectángulo 155">
+              <a:extLst>
+                <a:ext uri="{FF2B5EF4-FFF2-40B4-BE49-F238E27FC236}">
+                  <a16:creationId xmlns:a16="http://schemas.microsoft.com/office/drawing/2014/main" id="{C3489B65-5A1F-E1B3-93C6-60FD029C9873}"/>
+                </a:ext>
+              </a:extLst>
+            </p:cNvPr>
+            <p:cNvSpPr/>
+            <p:nvPr/>
+          </p:nvSpPr>
+          <p:spPr>
+            <a:xfrm>
+              <a:off x="577363" y="2329084"/>
+              <a:ext cx="1668307" cy="536854"/>
+            </a:xfrm>
+            <a:prstGeom prst="rect">
+              <a:avLst/>
+            </a:prstGeom>
+            <a:solidFill>
+              <a:schemeClr val="bg1"/>
+            </a:solidFill>
+            <a:ln w="6350">
+              <a:solidFill>
+                <a:schemeClr val="tx1"/>
+              </a:solidFill>
+            </a:ln>
+          </p:spPr>
+          <p:style>
+            <a:lnRef idx="2">
+              <a:schemeClr val="accent1">
+                <a:shade val="50000"/>
+              </a:schemeClr>
+            </a:lnRef>
+            <a:fillRef idx="1">
+              <a:schemeClr val="accent1"/>
+            </a:fillRef>
+            <a:effectRef idx="0">
+              <a:schemeClr val="accent1"/>
+            </a:effectRef>
+            <a:fontRef idx="minor">
+              <a:schemeClr val="lt1"/>
+            </a:fontRef>
+          </p:style>
+          <p:txBody>
+            <a:bodyPr rtlCol="0" anchor="ctr"/>
+            <a:lstStyle/>
+            <a:p>
+              <a:pPr marL="171450" indent="-171450" algn="just">
+                <a:buFont typeface="Arial" panose="020B0604020202020204" pitchFamily="34" charset="0"/>
+                <a:buChar char="•"/>
+              </a:pPr>
+              <a:r>
+                <a:rPr lang="en-US" sz="900" dirty="0" err="1">
+                  <a:solidFill>
+                    <a:schemeClr val="tx1"/>
+                  </a:solidFill>
+                </a:rPr>
+                <a:t>get_solutions</a:t>
+              </a:r>
+              <a:r>
+                <a:rPr lang="en-US" sz="900" dirty="0">
+                  <a:solidFill>
+                    <a:schemeClr val="tx1"/>
+                  </a:solidFill>
+                </a:rPr>
+                <a:t>()</a:t>
+              </a:r>
+            </a:p>
+            <a:p>
+              <a:pPr marL="171450" indent="-171450" algn="just">
+                <a:buFont typeface="Arial" panose="020B0604020202020204" pitchFamily="34" charset="0"/>
+                <a:buChar char="•"/>
+              </a:pPr>
+              <a:r>
+                <a:rPr lang="en-US" sz="900" dirty="0" err="1">
+                  <a:solidFill>
+                    <a:schemeClr val="tx1"/>
+                  </a:solidFill>
+                </a:rPr>
+                <a:t>add_problem_solution</a:t>
+              </a:r>
+              <a:r>
+                <a:rPr lang="en-US" sz="900" dirty="0">
+                  <a:solidFill>
+                    <a:schemeClr val="tx1"/>
+                  </a:solidFill>
+                </a:rPr>
+                <a:t>()</a:t>
+              </a:r>
+            </a:p>
+            <a:p>
+              <a:pPr marL="171450" indent="-171450" algn="just">
+                <a:buFont typeface="Arial" panose="020B0604020202020204" pitchFamily="34" charset="0"/>
+                <a:buChar char="•"/>
+              </a:pPr>
+              <a:r>
+                <a:rPr lang="en-US" sz="900" dirty="0" err="1">
+                  <a:solidFill>
+                    <a:schemeClr val="tx1"/>
+                  </a:solidFill>
+                </a:rPr>
+                <a:t>get_probblem_solutions</a:t>
+              </a:r>
+              <a:r>
+                <a:rPr lang="en-US" sz="900" dirty="0">
+                  <a:solidFill>
+                    <a:schemeClr val="tx1"/>
+                  </a:solidFill>
+                </a:rPr>
+                <a:t>()</a:t>
+              </a:r>
+            </a:p>
+          </p:txBody>
+        </p:sp>
+      </p:grpSp>
+      <p:cxnSp>
+        <p:nvCxnSpPr>
+          <p:cNvPr id="10" name="Conector angular 9">
+            <a:extLst>
+              <a:ext uri="{FF2B5EF4-FFF2-40B4-BE49-F238E27FC236}">
+                <a16:creationId xmlns:a16="http://schemas.microsoft.com/office/drawing/2014/main" id="{D9606B9A-1B39-903E-2A39-3A9E92C24DA6}"/>
+              </a:ext>
+            </a:extLst>
+          </p:cNvPr>
+          <p:cNvCxnSpPr>
+            <a:cxnSpLocks/>
+            <a:stCxn id="111" idx="2"/>
+            <a:endCxn id="151" idx="0"/>
+          </p:cNvCxnSpPr>
+          <p:nvPr/>
+        </p:nvCxnSpPr>
+        <p:spPr>
+          <a:xfrm rot="16200000" flipH="1">
+            <a:off x="4229713" y="1334211"/>
+            <a:ext cx="403194" cy="1147361"/>
+          </a:xfrm>
+          <a:prstGeom prst="bentConnector3">
+            <a:avLst>
+              <a:gd name="adj1" fmla="val 50000"/>
+            </a:avLst>
+          </a:prstGeom>
+          <a:ln>
+            <a:solidFill>
+              <a:schemeClr val="tx1"/>
+            </a:solidFill>
+            <a:headEnd type="triangle"/>
+            <a:tailEnd type="triangle"/>
+          </a:ln>
+        </p:spPr>
+        <p:style>
+          <a:lnRef idx="1">
+            <a:schemeClr val="accent1"/>
+          </a:lnRef>
+          <a:fillRef idx="0">
+            <a:schemeClr val="accent1"/>
+          </a:fillRef>
+          <a:effectRef idx="0">
+            <a:schemeClr val="accent1"/>
+          </a:effectRef>
+          <a:fontRef idx="minor">
+            <a:schemeClr val="tx1"/>
+          </a:fontRef>
+        </p:style>
+      </p:cxnSp>
+      <p:cxnSp>
+        <p:nvCxnSpPr>
+          <p:cNvPr id="13" name="Conector angular 12">
+            <a:extLst>
+              <a:ext uri="{FF2B5EF4-FFF2-40B4-BE49-F238E27FC236}">
+                <a16:creationId xmlns:a16="http://schemas.microsoft.com/office/drawing/2014/main" id="{22CE0218-10B2-09BD-7EE7-6BD69BD811A0}"/>
+              </a:ext>
+            </a:extLst>
+          </p:cNvPr>
+          <p:cNvCxnSpPr>
+            <a:cxnSpLocks/>
+            <a:stCxn id="102" idx="2"/>
+            <a:endCxn id="155" idx="0"/>
+          </p:cNvCxnSpPr>
+          <p:nvPr/>
+        </p:nvCxnSpPr>
+        <p:spPr>
+          <a:xfrm rot="16200000" flipH="1">
+            <a:off x="6446516" y="1501494"/>
+            <a:ext cx="414362" cy="810750"/>
+          </a:xfrm>
+          <a:prstGeom prst="bentConnector3">
+            <a:avLst>
+              <a:gd name="adj1" fmla="val 50000"/>
+            </a:avLst>
+          </a:prstGeom>
+          <a:ln>
+            <a:solidFill>
+              <a:schemeClr val="tx1"/>
+            </a:solidFill>
+            <a:tailEnd type="diamond"/>
+          </a:ln>
+        </p:spPr>
+        <p:style>
+          <a:lnRef idx="1">
+            <a:schemeClr val="accent1"/>
+          </a:lnRef>
+          <a:fillRef idx="0">
+            <a:schemeClr val="accent1"/>
+          </a:fillRef>
+          <a:effectRef idx="0">
+            <a:schemeClr val="accent1"/>
+          </a:effectRef>
+          <a:fontRef idx="minor">
+            <a:schemeClr val="tx1"/>
+          </a:fontRef>
+        </p:style>
+      </p:cxnSp>
+      <p:grpSp>
+        <p:nvGrpSpPr>
+          <p:cNvPr id="157" name="Grupo 156">
+            <a:extLst>
+              <a:ext uri="{FF2B5EF4-FFF2-40B4-BE49-F238E27FC236}">
+                <a16:creationId xmlns:a16="http://schemas.microsoft.com/office/drawing/2014/main" id="{89D2E851-6683-710F-D9E9-26924A5B7212}"/>
+              </a:ext>
+            </a:extLst>
+          </p:cNvPr>
+          <p:cNvGrpSpPr/>
+          <p:nvPr/>
+        </p:nvGrpSpPr>
+        <p:grpSpPr>
+          <a:xfrm>
+            <a:off x="8219014" y="2114050"/>
+            <a:ext cx="1797749" cy="1498719"/>
+            <a:chOff x="577363" y="1411490"/>
+            <a:chExt cx="1668308" cy="1454448"/>
+          </a:xfrm>
+        </p:grpSpPr>
+        <p:sp>
+          <p:nvSpPr>
+            <p:cNvPr id="158" name="Rectángulo 157">
+              <a:extLst>
+                <a:ext uri="{FF2B5EF4-FFF2-40B4-BE49-F238E27FC236}">
+                  <a16:creationId xmlns:a16="http://schemas.microsoft.com/office/drawing/2014/main" id="{58DE6BB7-C643-ACE7-7C82-94C40F08ACC0}"/>
+                </a:ext>
+              </a:extLst>
+            </p:cNvPr>
+            <p:cNvSpPr/>
+            <p:nvPr/>
+          </p:nvSpPr>
+          <p:spPr>
+            <a:xfrm>
+              <a:off x="577364" y="1411490"/>
+              <a:ext cx="1668307" cy="1454448"/>
+            </a:xfrm>
+            <a:prstGeom prst="rect">
+              <a:avLst/>
+            </a:prstGeom>
+            <a:solidFill>
+              <a:schemeClr val="bg1"/>
+            </a:solidFill>
+            <a:ln w="6350">
+              <a:solidFill>
+                <a:schemeClr val="tx1"/>
+              </a:solidFill>
+            </a:ln>
+          </p:spPr>
+          <p:style>
+            <a:lnRef idx="2">
+              <a:schemeClr val="accent1">
+                <a:shade val="50000"/>
+              </a:schemeClr>
+            </a:lnRef>
+            <a:fillRef idx="1">
+              <a:schemeClr val="accent1"/>
+            </a:fillRef>
+            <a:effectRef idx="0">
+              <a:schemeClr val="accent1"/>
+            </a:effectRef>
+            <a:fontRef idx="minor">
+              <a:schemeClr val="lt1"/>
+            </a:fontRef>
+          </p:style>
+          <p:txBody>
+            <a:bodyPr rtlCol="0" anchor="ctr"/>
+            <a:lstStyle/>
+            <a:p>
+              <a:pPr marL="171450" indent="-171450" algn="just">
+                <a:buFont typeface="Arial" panose="020B0604020202020204" pitchFamily="34" charset="0"/>
+                <a:buChar char="•"/>
+              </a:pPr>
+              <a:r>
+                <a:rPr lang="en-US" sz="1000" dirty="0">
+                  <a:solidFill>
+                    <a:schemeClr val="tx1"/>
+                  </a:solidFill>
+                </a:rPr>
+                <a:t>results</a:t>
+              </a:r>
+            </a:p>
+            <a:p>
+              <a:pPr algn="just"/>
+              <a:endParaRPr lang="en-US" sz="900" dirty="0">
+                <a:solidFill>
+                  <a:schemeClr val="tx1"/>
+                </a:solidFill>
+              </a:endParaRPr>
+            </a:p>
+            <a:p>
+              <a:pPr algn="just"/>
+              <a:endParaRPr lang="en-US" sz="900" dirty="0">
+                <a:solidFill>
+                  <a:schemeClr val="tx1"/>
+                </a:solidFill>
+              </a:endParaRPr>
+            </a:p>
+          </p:txBody>
+        </p:sp>
+        <p:sp>
+          <p:nvSpPr>
+            <p:cNvPr id="159" name="Rectángulo 158">
+              <a:extLst>
+                <a:ext uri="{FF2B5EF4-FFF2-40B4-BE49-F238E27FC236}">
+                  <a16:creationId xmlns:a16="http://schemas.microsoft.com/office/drawing/2014/main" id="{386AC5C6-42CF-29B0-93C6-31F11868EB1A}"/>
+                </a:ext>
+              </a:extLst>
+            </p:cNvPr>
+            <p:cNvSpPr/>
+            <p:nvPr/>
+          </p:nvSpPr>
+          <p:spPr>
+            <a:xfrm>
+              <a:off x="577363" y="1411490"/>
+              <a:ext cx="1668307" cy="289244"/>
+            </a:xfrm>
+            <a:prstGeom prst="rect">
+              <a:avLst/>
+            </a:prstGeom>
+            <a:solidFill>
+              <a:schemeClr val="bg1"/>
+            </a:solidFill>
+            <a:ln w="6350">
+              <a:solidFill>
+                <a:schemeClr val="tx1"/>
+              </a:solidFill>
+            </a:ln>
+          </p:spPr>
+          <p:style>
+            <a:lnRef idx="2">
+              <a:schemeClr val="accent1">
+                <a:shade val="50000"/>
+              </a:schemeClr>
+            </a:lnRef>
+            <a:fillRef idx="1">
+              <a:schemeClr val="accent1"/>
+            </a:fillRef>
+            <a:effectRef idx="0">
+              <a:schemeClr val="accent1"/>
+            </a:effectRef>
+            <a:fontRef idx="minor">
+              <a:schemeClr val="lt1"/>
+            </a:fontRef>
+          </p:style>
+          <p:txBody>
+            <a:bodyPr rtlCol="0" anchor="ctr"/>
+            <a:lstStyle/>
+            <a:p>
+              <a:pPr algn="ctr"/>
+              <a:r>
+                <a:rPr lang="en-US" sz="1000" dirty="0">
+                  <a:solidFill>
+                    <a:schemeClr val="tx1"/>
+                  </a:solidFill>
+                </a:rPr>
+                <a:t>Results</a:t>
+              </a:r>
+            </a:p>
+          </p:txBody>
+        </p:sp>
+        <p:sp>
+          <p:nvSpPr>
+            <p:cNvPr id="160" name="Rectángulo 159">
+              <a:extLst>
+                <a:ext uri="{FF2B5EF4-FFF2-40B4-BE49-F238E27FC236}">
+                  <a16:creationId xmlns:a16="http://schemas.microsoft.com/office/drawing/2014/main" id="{760352E4-C42E-6046-129E-9CC1A9226B1C}"/>
+                </a:ext>
+              </a:extLst>
+            </p:cNvPr>
+            <p:cNvSpPr/>
+            <p:nvPr/>
+          </p:nvSpPr>
+          <p:spPr>
+            <a:xfrm>
+              <a:off x="577363" y="2329084"/>
+              <a:ext cx="1668307" cy="536854"/>
+            </a:xfrm>
+            <a:prstGeom prst="rect">
+              <a:avLst/>
+            </a:prstGeom>
+            <a:solidFill>
+              <a:schemeClr val="bg1"/>
+            </a:solidFill>
+            <a:ln w="6350">
+              <a:solidFill>
+                <a:schemeClr val="tx1"/>
+              </a:solidFill>
+            </a:ln>
+          </p:spPr>
+          <p:style>
+            <a:lnRef idx="2">
+              <a:schemeClr val="accent1">
+                <a:shade val="50000"/>
+              </a:schemeClr>
+            </a:lnRef>
+            <a:fillRef idx="1">
+              <a:schemeClr val="accent1"/>
+            </a:fillRef>
+            <a:effectRef idx="0">
+              <a:schemeClr val="accent1"/>
+            </a:effectRef>
+            <a:fontRef idx="minor">
+              <a:schemeClr val="lt1"/>
+            </a:fontRef>
+          </p:style>
+          <p:txBody>
+            <a:bodyPr rtlCol="0" anchor="ctr"/>
+            <a:lstStyle/>
+            <a:p>
+              <a:pPr marL="171450" indent="-171450" algn="just">
+                <a:buFont typeface="Arial" panose="020B0604020202020204" pitchFamily="34" charset="0"/>
+                <a:buChar char="•"/>
+              </a:pPr>
+              <a:r>
+                <a:rPr lang="en-US" sz="900" dirty="0" err="1">
+                  <a:solidFill>
+                    <a:schemeClr val="tx1"/>
+                  </a:solidFill>
+                </a:rPr>
+                <a:t>get_results</a:t>
+              </a:r>
+              <a:r>
+                <a:rPr lang="en-US" sz="900" dirty="0">
+                  <a:solidFill>
+                    <a:schemeClr val="tx1"/>
+                  </a:solidFill>
+                </a:rPr>
+                <a:t>()</a:t>
+              </a:r>
+            </a:p>
+            <a:p>
+              <a:pPr marL="171450" indent="-171450" algn="just">
+                <a:buFont typeface="Arial" panose="020B0604020202020204" pitchFamily="34" charset="0"/>
+                <a:buChar char="•"/>
+              </a:pPr>
+              <a:r>
+                <a:rPr lang="en-US" sz="900" dirty="0" err="1">
+                  <a:solidFill>
+                    <a:schemeClr val="tx1"/>
+                  </a:solidFill>
+                </a:rPr>
+                <a:t>add_problem_result</a:t>
+              </a:r>
+              <a:r>
+                <a:rPr lang="en-US" sz="900" dirty="0">
+                  <a:solidFill>
+                    <a:schemeClr val="tx1"/>
+                  </a:solidFill>
+                </a:rPr>
+                <a:t>()</a:t>
+              </a:r>
+            </a:p>
+            <a:p>
+              <a:pPr marL="171450" indent="-171450" algn="just">
+                <a:buFont typeface="Arial" panose="020B0604020202020204" pitchFamily="34" charset="0"/>
+                <a:buChar char="•"/>
+              </a:pPr>
+              <a:r>
+                <a:rPr lang="en-US" sz="900" dirty="0" err="1">
+                  <a:solidFill>
+                    <a:schemeClr val="tx1"/>
+                  </a:solidFill>
+                </a:rPr>
+                <a:t>get_probblem_results</a:t>
+              </a:r>
+              <a:r>
+                <a:rPr lang="en-US" sz="900" dirty="0">
+                  <a:solidFill>
+                    <a:schemeClr val="tx1"/>
+                  </a:solidFill>
+                </a:rPr>
+                <a:t>()</a:t>
+              </a:r>
+            </a:p>
+          </p:txBody>
+        </p:sp>
+      </p:grpSp>
+      <p:cxnSp>
+        <p:nvCxnSpPr>
+          <p:cNvPr id="27" name="Conector angular 26">
+            <a:extLst>
+              <a:ext uri="{FF2B5EF4-FFF2-40B4-BE49-F238E27FC236}">
+                <a16:creationId xmlns:a16="http://schemas.microsoft.com/office/drawing/2014/main" id="{54300B4F-2CD5-DDE7-D115-707C26A6CB0A}"/>
+              </a:ext>
+            </a:extLst>
+          </p:cNvPr>
+          <p:cNvCxnSpPr>
+            <a:stCxn id="107" idx="2"/>
+            <a:endCxn id="159" idx="0"/>
+          </p:cNvCxnSpPr>
+          <p:nvPr/>
+        </p:nvCxnSpPr>
+        <p:spPr>
+          <a:xfrm rot="16200000" flipH="1">
+            <a:off x="8748539" y="1744700"/>
+            <a:ext cx="417587" cy="321112"/>
+          </a:xfrm>
+          <a:prstGeom prst="bentConnector3">
+            <a:avLst/>
+          </a:prstGeom>
+          <a:ln>
+            <a:solidFill>
+              <a:schemeClr val="tx1"/>
+            </a:solidFill>
+            <a:tailEnd type="diamond"/>
+          </a:ln>
+        </p:spPr>
+        <p:style>
+          <a:lnRef idx="1">
+            <a:schemeClr val="accent1"/>
+          </a:lnRef>
+          <a:fillRef idx="0">
+            <a:schemeClr val="accent1"/>
+          </a:fillRef>
+          <a:effectRef idx="0">
+            <a:schemeClr val="accent1"/>
+          </a:effectRef>
+          <a:fontRef idx="minor">
+            <a:schemeClr val="tx1"/>
+          </a:fontRef>
+        </p:style>
+      </p:cxnSp>
+      <p:cxnSp>
+        <p:nvCxnSpPr>
+          <p:cNvPr id="169" name="Conector recto de flecha 168">
+            <a:extLst>
+              <a:ext uri="{FF2B5EF4-FFF2-40B4-BE49-F238E27FC236}">
+                <a16:creationId xmlns:a16="http://schemas.microsoft.com/office/drawing/2014/main" id="{1B3CD55B-625D-C614-37CB-13C7E9932B00}"/>
+              </a:ext>
+            </a:extLst>
+          </p:cNvPr>
+          <p:cNvCxnSpPr>
+            <a:cxnSpLocks/>
+          </p:cNvCxnSpPr>
+          <p:nvPr/>
+        </p:nvCxnSpPr>
+        <p:spPr>
+          <a:xfrm flipV="1">
+            <a:off x="1986660" y="5123499"/>
+            <a:ext cx="485376" cy="7406"/>
+          </a:xfrm>
+          <a:prstGeom prst="straightConnector1">
+            <a:avLst/>
+          </a:prstGeom>
+          <a:ln>
+            <a:solidFill>
+              <a:schemeClr val="tx1"/>
+            </a:solidFill>
+            <a:headEnd type="triangle" w="med" len="med"/>
+            <a:tailEnd type="none" w="med" len="med"/>
+          </a:ln>
+        </p:spPr>
+        <p:style>
+          <a:lnRef idx="1">
+            <a:schemeClr val="accent1"/>
+          </a:lnRef>
+          <a:fillRef idx="0">
+            <a:schemeClr val="accent1"/>
+          </a:fillRef>
+          <a:effectRef idx="0">
+            <a:schemeClr val="accent1"/>
+          </a:effectRef>
+          <a:fontRef idx="minor">
+            <a:schemeClr val="tx1"/>
+          </a:fontRef>
+        </p:style>
+      </p:cxnSp>
+      <p:grpSp>
+        <p:nvGrpSpPr>
+          <p:cNvPr id="202" name="Grupo 201">
+            <a:extLst>
+              <a:ext uri="{FF2B5EF4-FFF2-40B4-BE49-F238E27FC236}">
+                <a16:creationId xmlns:a16="http://schemas.microsoft.com/office/drawing/2014/main" id="{CA53C50F-2EC8-0989-53BA-4BD15392CCF9}"/>
+              </a:ext>
+            </a:extLst>
+          </p:cNvPr>
+          <p:cNvGrpSpPr/>
+          <p:nvPr/>
+        </p:nvGrpSpPr>
+        <p:grpSpPr>
+          <a:xfrm>
+            <a:off x="4106115" y="4127189"/>
+            <a:ext cx="5910646" cy="2252176"/>
             <a:chOff x="577364" y="1411490"/>
             <a:chExt cx="1668307" cy="1464303"/>
           </a:xfrm>
         </p:grpSpPr>
         <p:sp>
           <p:nvSpPr>
-            <p:cNvPr id="45" name="Rectángulo 44">
+            <p:cNvPr id="203" name="Rectángulo 202">
               <a:extLst>
                 <a:ext uri="{FF2B5EF4-FFF2-40B4-BE49-F238E27FC236}">
-                  <a16:creationId xmlns:a16="http://schemas.microsoft.com/office/drawing/2014/main" id="{583D651B-A0B0-CD81-906F-5C13FD660353}"/>
+                  <a16:creationId xmlns:a16="http://schemas.microsoft.com/office/drawing/2014/main" id="{CFBEDFC7-A4CE-D9B6-7748-9D843C03DA43}"/>
                 </a:ext>
               </a:extLst>
             </p:cNvPr>
@@ -4906,10 +6928,10 @@
         </p:sp>
         <p:sp>
           <p:nvSpPr>
-            <p:cNvPr id="46" name="Rectángulo 45">
+            <p:cNvPr id="204" name="Rectángulo 203">
               <a:extLst>
                 <a:ext uri="{FF2B5EF4-FFF2-40B4-BE49-F238E27FC236}">
-                  <a16:creationId xmlns:a16="http://schemas.microsoft.com/office/drawing/2014/main" id="{03CB95C5-E9B8-4D6E-8315-10A66CDB9323}"/>
+                  <a16:creationId xmlns:a16="http://schemas.microsoft.com/office/drawing/2014/main" id="{3B55CDFC-611E-0175-0EA7-FB9F2AE63CB2}"/>
                 </a:ext>
               </a:extLst>
             </p:cNvPr>
@@ -4955,22 +6977,22 @@
             <a:p>
               <a:pPr algn="ctr"/>
               <a:r>
-                <a:rPr lang="en-US" sz="900">
+                <a:rPr lang="en-US" sz="1000" dirty="0">
                   <a:solidFill>
                     <a:schemeClr val="tx1"/>
                   </a:solidFill>
                 </a:rPr>
-                <a:t>controllerModel</a:t>
+                <a:t>Controller</a:t>
               </a:r>
             </a:p>
           </p:txBody>
         </p:sp>
         <p:sp>
           <p:nvSpPr>
-            <p:cNvPr id="47" name="Rectángulo 46">
+            <p:cNvPr id="205" name="Rectángulo 204">
               <a:extLst>
                 <a:ext uri="{FF2B5EF4-FFF2-40B4-BE49-F238E27FC236}">
-                  <a16:creationId xmlns:a16="http://schemas.microsoft.com/office/drawing/2014/main" id="{53D556D5-1B16-DC5E-A12D-7BB20A3765F1}"/>
+                  <a16:creationId xmlns:a16="http://schemas.microsoft.com/office/drawing/2014/main" id="{6ECC46B6-4C85-6B7F-A517-B01797E30C07}"/>
                 </a:ext>
               </a:extLst>
             </p:cNvPr>
@@ -5019,12 +7041,20 @@
                 <a:buChar char="•"/>
               </a:pPr>
               <a:r>
-                <a:rPr lang="en-US" sz="900">
+                <a:rPr lang="en-US" sz="900" dirty="0" err="1">
                   <a:solidFill>
                     <a:schemeClr val="tx1"/>
                   </a:solidFill>
                 </a:rPr>
-                <a:t>getAdaptedProblem()</a:t>
+                <a:t>apply_model</a:t>
+              </a:r>
+              <a:r>
+                <a:rPr lang="en-US" sz="900" dirty="0">
+                  <a:solidFill>
+                    <a:schemeClr val="tx1"/>
+                  </a:solidFill>
+                </a:rPr>
+                <a:t>()</a:t>
               </a:r>
             </a:p>
             <a:p>
@@ -5033,23 +7063,257 @@
                 <a:buChar char="•"/>
               </a:pPr>
               <a:r>
-                <a:rPr lang="en-US" sz="900">
+                <a:rPr lang="en-US" sz="900" dirty="0" err="1">
                   <a:solidFill>
                     <a:schemeClr val="tx1"/>
                   </a:solidFill>
                 </a:rPr>
-                <a:t>getAppliedModel()</a:t>
+                <a:t>apply_unit_tests</a:t>
+              </a:r>
+              <a:r>
+                <a:rPr lang="en-US" sz="900" dirty="0">
+                  <a:solidFill>
+                    <a:schemeClr val="tx1"/>
+                  </a:solidFill>
+                </a:rPr>
+                <a:t>()</a:t>
               </a:r>
             </a:p>
           </p:txBody>
         </p:sp>
       </p:grpSp>
+      <p:cxnSp>
+        <p:nvCxnSpPr>
+          <p:cNvPr id="216" name="Conector recto de flecha 215">
+            <a:extLst>
+              <a:ext uri="{FF2B5EF4-FFF2-40B4-BE49-F238E27FC236}">
+                <a16:creationId xmlns:a16="http://schemas.microsoft.com/office/drawing/2014/main" id="{DEFF5ABB-38AD-0EA1-C11D-D58171D6F4BA}"/>
+              </a:ext>
+            </a:extLst>
+          </p:cNvPr>
+          <p:cNvCxnSpPr/>
+          <p:nvPr/>
+        </p:nvCxnSpPr>
+        <p:spPr>
+          <a:xfrm flipH="1">
+            <a:off x="3857629" y="5092670"/>
+            <a:ext cx="248486" cy="0"/>
+          </a:xfrm>
+          <a:prstGeom prst="straightConnector1">
+            <a:avLst/>
+          </a:prstGeom>
+          <a:ln>
+            <a:solidFill>
+              <a:schemeClr val="tx1"/>
+            </a:solidFill>
+            <a:headEnd type="triangle"/>
+            <a:tailEnd type="triangle"/>
+          </a:ln>
+        </p:spPr>
+        <p:style>
+          <a:lnRef idx="1">
+            <a:schemeClr val="accent1"/>
+          </a:lnRef>
+          <a:fillRef idx="0">
+            <a:schemeClr val="accent1"/>
+          </a:fillRef>
+          <a:effectRef idx="0">
+            <a:schemeClr val="accent1"/>
+          </a:effectRef>
+          <a:fontRef idx="minor">
+            <a:schemeClr val="tx1"/>
+          </a:fontRef>
+        </p:style>
+      </p:cxnSp>
+      <p:cxnSp>
+        <p:nvCxnSpPr>
+          <p:cNvPr id="220" name="Conector recto de flecha 219">
+            <a:extLst>
+              <a:ext uri="{FF2B5EF4-FFF2-40B4-BE49-F238E27FC236}">
+                <a16:creationId xmlns:a16="http://schemas.microsoft.com/office/drawing/2014/main" id="{6258A5FB-B41F-121E-BC59-A043B07BB957}"/>
+              </a:ext>
+            </a:extLst>
+          </p:cNvPr>
+          <p:cNvCxnSpPr/>
+          <p:nvPr/>
+        </p:nvCxnSpPr>
+        <p:spPr>
+          <a:xfrm>
+            <a:off x="9117889" y="3612769"/>
+            <a:ext cx="0" cy="514420"/>
+          </a:xfrm>
+          <a:prstGeom prst="straightConnector1">
+            <a:avLst/>
+          </a:prstGeom>
+          <a:ln>
+            <a:solidFill>
+              <a:schemeClr val="tx1"/>
+            </a:solidFill>
+            <a:headEnd type="diamond"/>
+            <a:tailEnd type="triangle"/>
+          </a:ln>
+        </p:spPr>
+        <p:style>
+          <a:lnRef idx="1">
+            <a:schemeClr val="accent1"/>
+          </a:lnRef>
+          <a:fillRef idx="0">
+            <a:schemeClr val="accent1"/>
+          </a:fillRef>
+          <a:effectRef idx="0">
+            <a:schemeClr val="accent1"/>
+          </a:effectRef>
+          <a:fontRef idx="minor">
+            <a:schemeClr val="tx1"/>
+          </a:fontRef>
+        </p:style>
+      </p:cxnSp>
+      <p:cxnSp>
+        <p:nvCxnSpPr>
+          <p:cNvPr id="249" name="Conector angular 248">
+            <a:extLst>
+              <a:ext uri="{FF2B5EF4-FFF2-40B4-BE49-F238E27FC236}">
+                <a16:creationId xmlns:a16="http://schemas.microsoft.com/office/drawing/2014/main" id="{4CE26992-FFB1-B83A-7E46-1314D80E7C8C}"/>
+              </a:ext>
+            </a:extLst>
+          </p:cNvPr>
+          <p:cNvCxnSpPr>
+            <a:cxnSpLocks/>
+          </p:cNvCxnSpPr>
+          <p:nvPr/>
+        </p:nvCxnSpPr>
+        <p:spPr>
+          <a:xfrm rot="16200000" flipH="1">
+            <a:off x="4831439" y="1915904"/>
+            <a:ext cx="514419" cy="3904999"/>
+          </a:xfrm>
+          <a:prstGeom prst="bentConnector3">
+            <a:avLst>
+              <a:gd name="adj1" fmla="val 71631"/>
+            </a:avLst>
+          </a:prstGeom>
+          <a:ln>
+            <a:solidFill>
+              <a:schemeClr val="tx1"/>
+            </a:solidFill>
+            <a:tailEnd type="triangle"/>
+          </a:ln>
+        </p:spPr>
+        <p:style>
+          <a:lnRef idx="1">
+            <a:schemeClr val="accent1"/>
+          </a:lnRef>
+          <a:fillRef idx="0">
+            <a:schemeClr val="accent1"/>
+          </a:fillRef>
+          <a:effectRef idx="0">
+            <a:schemeClr val="accent1"/>
+          </a:effectRef>
+          <a:fontRef idx="minor">
+            <a:schemeClr val="tx1"/>
+          </a:fontRef>
+        </p:style>
+      </p:cxnSp>
+      <p:cxnSp>
+        <p:nvCxnSpPr>
+          <p:cNvPr id="263" name="Conector angular 262">
+            <a:extLst>
+              <a:ext uri="{FF2B5EF4-FFF2-40B4-BE49-F238E27FC236}">
+                <a16:creationId xmlns:a16="http://schemas.microsoft.com/office/drawing/2014/main" id="{F1B10E87-35C0-E1BC-4AF3-392D96683341}"/>
+              </a:ext>
+            </a:extLst>
+          </p:cNvPr>
+          <p:cNvCxnSpPr>
+            <a:cxnSpLocks/>
+            <a:stCxn id="156" idx="2"/>
+          </p:cNvCxnSpPr>
+          <p:nvPr/>
+        </p:nvCxnSpPr>
+        <p:spPr>
+          <a:xfrm rot="16200000" flipH="1">
+            <a:off x="7042536" y="3629304"/>
+            <a:ext cx="511268" cy="478197"/>
+          </a:xfrm>
+          <a:prstGeom prst="bentConnector3">
+            <a:avLst>
+              <a:gd name="adj1" fmla="val 33534"/>
+            </a:avLst>
+          </a:prstGeom>
+          <a:ln>
+            <a:solidFill>
+              <a:schemeClr val="tx1"/>
+            </a:solidFill>
+            <a:tailEnd type="triangle"/>
+          </a:ln>
+        </p:spPr>
+        <p:style>
+          <a:lnRef idx="1">
+            <a:schemeClr val="accent1"/>
+          </a:lnRef>
+          <a:fillRef idx="0">
+            <a:schemeClr val="accent1"/>
+          </a:fillRef>
+          <a:effectRef idx="0">
+            <a:schemeClr val="accent1"/>
+          </a:effectRef>
+          <a:fontRef idx="minor">
+            <a:schemeClr val="tx1"/>
+          </a:fontRef>
+        </p:style>
+      </p:cxnSp>
+      <p:cxnSp>
+        <p:nvCxnSpPr>
+          <p:cNvPr id="266" name="Conector angular 265">
+            <a:extLst>
+              <a:ext uri="{FF2B5EF4-FFF2-40B4-BE49-F238E27FC236}">
+                <a16:creationId xmlns:a16="http://schemas.microsoft.com/office/drawing/2014/main" id="{12068BF3-E3DE-14FD-5F03-3B0A1A489FD8}"/>
+              </a:ext>
+            </a:extLst>
+          </p:cNvPr>
+          <p:cNvCxnSpPr>
+            <a:cxnSpLocks/>
+          </p:cNvCxnSpPr>
+          <p:nvPr/>
+        </p:nvCxnSpPr>
+        <p:spPr>
+          <a:xfrm rot="16200000" flipH="1">
+            <a:off x="5985850" y="2840311"/>
+            <a:ext cx="511897" cy="2056447"/>
+          </a:xfrm>
+          <a:prstGeom prst="bentConnector3">
+            <a:avLst>
+              <a:gd name="adj1" fmla="val 50000"/>
+            </a:avLst>
+          </a:prstGeom>
+          <a:ln>
+            <a:solidFill>
+              <a:schemeClr val="tx1"/>
+            </a:solidFill>
+            <a:headEnd type="triangle"/>
+            <a:tailEnd type="triangle"/>
+          </a:ln>
+        </p:spPr>
+        <p:style>
+          <a:lnRef idx="1">
+            <a:schemeClr val="accent1"/>
+          </a:lnRef>
+          <a:fillRef idx="0">
+            <a:schemeClr val="accent1"/>
+          </a:fillRef>
+          <a:effectRef idx="0">
+            <a:schemeClr val="accent1"/>
+          </a:effectRef>
+          <a:fontRef idx="minor">
+            <a:schemeClr val="tx1"/>
+          </a:fontRef>
+        </p:style>
+      </p:cxnSp>
       <p:grpSp>
         <p:nvGrpSpPr>
-          <p:cNvPr id="55" name="Grupo 54">
-            <a:extLst>
-              <a:ext uri="{FF2B5EF4-FFF2-40B4-BE49-F238E27FC236}">
-                <a16:creationId xmlns:a16="http://schemas.microsoft.com/office/drawing/2014/main" id="{60D031E2-C27C-E42E-A7FE-99E3352AFE6F}"/>
+          <p:cNvPr id="276" name="Grupo 275">
+            <a:extLst>
+              <a:ext uri="{FF2B5EF4-FFF2-40B4-BE49-F238E27FC236}">
+                <a16:creationId xmlns:a16="http://schemas.microsoft.com/office/drawing/2014/main" id="{C552390A-89CE-F355-022D-22F039488DF7}"/>
               </a:ext>
             </a:extLst>
           </p:cNvPr>
@@ -5058,18 +7322,18 @@
         </p:nvGrpSpPr>
         <p:grpSpPr>
           <a:xfrm>
-            <a:off x="5829250" y="4227244"/>
-            <a:ext cx="1665953" cy="1594029"/>
-            <a:chOff x="577364" y="1411490"/>
-            <a:chExt cx="1668307" cy="1464303"/>
+            <a:off x="10617495" y="3632186"/>
+            <a:ext cx="1386698" cy="1498719"/>
+            <a:chOff x="577363" y="1411490"/>
+            <a:chExt cx="1668308" cy="1454448"/>
           </a:xfrm>
         </p:grpSpPr>
         <p:sp>
           <p:nvSpPr>
-            <p:cNvPr id="56" name="Rectángulo 55">
+            <p:cNvPr id="277" name="Rectángulo 276">
               <a:extLst>
                 <a:ext uri="{FF2B5EF4-FFF2-40B4-BE49-F238E27FC236}">
-                  <a16:creationId xmlns:a16="http://schemas.microsoft.com/office/drawing/2014/main" id="{2E8567EC-22E6-0DDA-387D-0B8C1244B17E}"/>
+                  <a16:creationId xmlns:a16="http://schemas.microsoft.com/office/drawing/2014/main" id="{43F080EF-9C93-55B1-06BC-A31AB59A4FB3}"/>
                 </a:ext>
               </a:extLst>
             </p:cNvPr>
@@ -5114,7 +7378,15 @@
             <a:lstStyle/>
             <a:p>
               <a:pPr algn="just"/>
-              <a:endParaRPr lang="en-US" sz="900">
+              <a:endParaRPr lang="en-US" sz="1000" dirty="0">
+                <a:solidFill>
+                  <a:schemeClr val="tx1"/>
+                </a:solidFill>
+              </a:endParaRPr>
+            </a:p>
+            <a:p>
+              <a:pPr algn="just"/>
+              <a:endParaRPr lang="en-US" sz="900" dirty="0">
                 <a:solidFill>
                   <a:schemeClr val="tx1"/>
                 </a:solidFill>
@@ -5124,10 +7396,10 @@
         </p:sp>
         <p:sp>
           <p:nvSpPr>
-            <p:cNvPr id="57" name="Rectángulo 56">
+            <p:cNvPr id="278" name="Rectángulo 277">
               <a:extLst>
                 <a:ext uri="{FF2B5EF4-FFF2-40B4-BE49-F238E27FC236}">
-                  <a16:creationId xmlns:a16="http://schemas.microsoft.com/office/drawing/2014/main" id="{A13DEF04-1EAA-A10D-157D-66BC3215289E}"/>
+                  <a16:creationId xmlns:a16="http://schemas.microsoft.com/office/drawing/2014/main" id="{1387AF89-2DD3-D1ED-C79F-48EB7340B1D4}"/>
                 </a:ext>
               </a:extLst>
             </p:cNvPr>
@@ -5136,8 +7408,8 @@
           </p:nvSpPr>
           <p:spPr>
             <a:xfrm>
-              <a:off x="577364" y="1411490"/>
-              <a:ext cx="1668307" cy="386626"/>
+              <a:off x="577363" y="1411490"/>
+              <a:ext cx="1668307" cy="289244"/>
             </a:xfrm>
             <a:prstGeom prst="rect">
               <a:avLst/>
@@ -5173,22 +7445,22 @@
             <a:p>
               <a:pPr algn="ctr"/>
               <a:r>
-                <a:rPr lang="en-US" sz="900">
+                <a:rPr lang="en-US" sz="1000" dirty="0">
                   <a:solidFill>
                     <a:schemeClr val="tx1"/>
                   </a:solidFill>
                 </a:rPr>
-                <a:t>mainController</a:t>
+                <a:t>Metrics</a:t>
               </a:r>
             </a:p>
           </p:txBody>
         </p:sp>
         <p:sp>
           <p:nvSpPr>
-            <p:cNvPr id="58" name="Rectángulo 57">
+            <p:cNvPr id="279" name="Rectángulo 278">
               <a:extLst>
                 <a:ext uri="{FF2B5EF4-FFF2-40B4-BE49-F238E27FC236}">
-                  <a16:creationId xmlns:a16="http://schemas.microsoft.com/office/drawing/2014/main" id="{191DF519-5EF6-CC52-7B71-B668DC41DD57}"/>
+                  <a16:creationId xmlns:a16="http://schemas.microsoft.com/office/drawing/2014/main" id="{AF56FA7D-EBC1-5BAD-7628-E464A7CD7DF6}"/>
                 </a:ext>
               </a:extLst>
             </p:cNvPr>
@@ -5197,8 +7469,8 @@
           </p:nvSpPr>
           <p:spPr>
             <a:xfrm>
-              <a:off x="577364" y="2425105"/>
-              <a:ext cx="1668307" cy="450688"/>
+              <a:off x="577363" y="2447668"/>
+              <a:ext cx="1668307" cy="418270"/>
             </a:xfrm>
             <a:prstGeom prst="rect">
               <a:avLst/>
@@ -5237,12 +7509,20 @@
                 <a:buChar char="•"/>
               </a:pPr>
               <a:r>
-                <a:rPr lang="en-US" sz="900">
+                <a:rPr lang="en-US" sz="900" dirty="0" err="1">
                   <a:solidFill>
                     <a:schemeClr val="tx1"/>
                   </a:solidFill>
                 </a:rPr>
-                <a:t>getAppliedModel()</a:t>
+                <a:t>get_results</a:t>
+              </a:r>
+              <a:r>
+                <a:rPr lang="en-US" sz="900" dirty="0">
+                  <a:solidFill>
+                    <a:schemeClr val="tx1"/>
+                  </a:solidFill>
+                </a:rPr>
+                <a:t>()</a:t>
               </a:r>
             </a:p>
             <a:p>
@@ -5251,12 +7531,20 @@
                 <a:buChar char="•"/>
               </a:pPr>
               <a:r>
-                <a:rPr lang="en-US" sz="900">
+                <a:rPr lang="en-US" sz="900" dirty="0" err="1">
                   <a:solidFill>
                     <a:schemeClr val="tx1"/>
                   </a:solidFill>
                 </a:rPr>
-                <a:t>getUnitTesting()</a:t>
+                <a:t>get_accuracy</a:t>
+              </a:r>
+              <a:r>
+                <a:rPr lang="en-US" sz="900" dirty="0">
+                  <a:solidFill>
+                    <a:schemeClr val="tx1"/>
+                  </a:solidFill>
+                </a:rPr>
+                <a:t>()</a:t>
               </a:r>
             </a:p>
           </p:txBody>
@@ -5264,155 +7552,23 @@
       </p:grpSp>
       <p:cxnSp>
         <p:nvCxnSpPr>
-          <p:cNvPr id="73" name="Conector recto de flecha 72">
-            <a:extLst>
-              <a:ext uri="{FF2B5EF4-FFF2-40B4-BE49-F238E27FC236}">
-                <a16:creationId xmlns:a16="http://schemas.microsoft.com/office/drawing/2014/main" id="{EE7F6EF0-75B2-10DD-BCA2-8B99AB14D135}"/>
+          <p:cNvPr id="281" name="Conector angular 280">
+            <a:extLst>
+              <a:ext uri="{FF2B5EF4-FFF2-40B4-BE49-F238E27FC236}">
+                <a16:creationId xmlns:a16="http://schemas.microsoft.com/office/drawing/2014/main" id="{95DF781C-0EF5-D75D-F178-CDF164587493}"/>
               </a:ext>
             </a:extLst>
           </p:cNvPr>
           <p:cNvCxnSpPr>
-            <a:cxnSpLocks/>
-          </p:cNvCxnSpPr>
-          <p:nvPr/>
-        </p:nvCxnSpPr>
-        <p:spPr>
-          <a:xfrm>
-            <a:off x="1898648" y="5258406"/>
-            <a:ext cx="1131996" cy="8428"/>
-          </a:xfrm>
-          <a:prstGeom prst="straightConnector1">
-            <a:avLst/>
-          </a:prstGeom>
-          <a:ln>
-            <a:solidFill>
-              <a:schemeClr val="tx1"/>
-            </a:solidFill>
-            <a:tailEnd type="triangle"/>
-          </a:ln>
-        </p:spPr>
-        <p:style>
-          <a:lnRef idx="1">
-            <a:schemeClr val="accent1"/>
-          </a:lnRef>
-          <a:fillRef idx="0">
-            <a:schemeClr val="accent1"/>
-          </a:fillRef>
-          <a:effectRef idx="0">
-            <a:schemeClr val="accent1"/>
-          </a:effectRef>
-          <a:fontRef idx="minor">
-            <a:schemeClr val="tx1"/>
-          </a:fontRef>
-        </p:style>
-      </p:cxnSp>
-      <p:cxnSp>
-        <p:nvCxnSpPr>
-          <p:cNvPr id="74" name="Conector recto de flecha 73">
-            <a:extLst>
-              <a:ext uri="{FF2B5EF4-FFF2-40B4-BE49-F238E27FC236}">
-                <a16:creationId xmlns:a16="http://schemas.microsoft.com/office/drawing/2014/main" id="{FA830D26-BE95-D77B-91C0-8A35C6976EF8}"/>
-              </a:ext>
-            </a:extLst>
-          </p:cNvPr>
-          <p:cNvCxnSpPr>
-            <a:cxnSpLocks/>
-          </p:cNvCxnSpPr>
-          <p:nvPr/>
-        </p:nvCxnSpPr>
-        <p:spPr>
-          <a:xfrm rot="10800000">
-            <a:off x="1898648" y="4849168"/>
-            <a:ext cx="1131996" cy="8428"/>
-          </a:xfrm>
-          <a:prstGeom prst="straightConnector1">
-            <a:avLst/>
-          </a:prstGeom>
-          <a:ln>
-            <a:solidFill>
-              <a:schemeClr val="tx1"/>
-            </a:solidFill>
-            <a:tailEnd type="triangle"/>
-          </a:ln>
-        </p:spPr>
-        <p:style>
-          <a:lnRef idx="1">
-            <a:schemeClr val="accent1"/>
-          </a:lnRef>
-          <a:fillRef idx="0">
-            <a:schemeClr val="accent1"/>
-          </a:fillRef>
-          <a:effectRef idx="0">
-            <a:schemeClr val="accent1"/>
-          </a:effectRef>
-          <a:fontRef idx="minor">
-            <a:schemeClr val="tx1"/>
-          </a:fontRef>
-        </p:style>
-      </p:cxnSp>
-      <p:cxnSp>
-        <p:nvCxnSpPr>
-          <p:cNvPr id="62" name="Conector recto de flecha 61">
-            <a:extLst>
-              <a:ext uri="{FF2B5EF4-FFF2-40B4-BE49-F238E27FC236}">
-                <a16:creationId xmlns:a16="http://schemas.microsoft.com/office/drawing/2014/main" id="{CE26F574-80A2-8D27-E7EE-1E3CEE5B72F7}"/>
-              </a:ext>
-            </a:extLst>
-          </p:cNvPr>
-          <p:cNvCxnSpPr>
-            <a:stCxn id="47" idx="2"/>
-          </p:cNvCxnSpPr>
-          <p:nvPr/>
-        </p:nvCxnSpPr>
-        <p:spPr>
-          <a:xfrm flipH="1">
-            <a:off x="6662071" y="3900931"/>
-            <a:ext cx="1" cy="315585"/>
-          </a:xfrm>
-          <a:prstGeom prst="straightConnector1">
-            <a:avLst/>
-          </a:prstGeom>
-          <a:ln>
-            <a:solidFill>
-              <a:schemeClr val="tx1"/>
-            </a:solidFill>
-            <a:tailEnd type="triangle"/>
-          </a:ln>
-        </p:spPr>
-        <p:style>
-          <a:lnRef idx="1">
-            <a:schemeClr val="accent1"/>
-          </a:lnRef>
-          <a:fillRef idx="0">
-            <a:schemeClr val="accent1"/>
-          </a:fillRef>
-          <a:effectRef idx="0">
-            <a:schemeClr val="accent1"/>
-          </a:effectRef>
-          <a:fontRef idx="minor">
-            <a:schemeClr val="tx1"/>
-          </a:fontRef>
-        </p:style>
-      </p:cxnSp>
-      <p:cxnSp>
-        <p:nvCxnSpPr>
-          <p:cNvPr id="81" name="Conector angular 80">
-            <a:extLst>
-              <a:ext uri="{FF2B5EF4-FFF2-40B4-BE49-F238E27FC236}">
-                <a16:creationId xmlns:a16="http://schemas.microsoft.com/office/drawing/2014/main" id="{ACC9B8D8-82AC-3908-BEAD-20A558E8CA9B}"/>
-              </a:ext>
-            </a:extLst>
-          </p:cNvPr>
-          <p:cNvCxnSpPr>
-            <a:cxnSpLocks/>
-            <a:endCxn id="23" idx="1"/>
+            <a:stCxn id="203" idx="3"/>
+            <a:endCxn id="277" idx="1"/>
           </p:cNvCxnSpPr>
           <p:nvPr/>
         </p:nvCxnSpPr>
         <p:spPr>
           <a:xfrm flipV="1">
-            <a:off x="7495048" y="4216516"/>
-            <a:ext cx="2290811" cy="802378"/>
+            <a:off x="10016761" y="4381546"/>
+            <a:ext cx="600735" cy="864152"/>
           </a:xfrm>
           <a:prstGeom prst="bentConnector3">
             <a:avLst/>
@@ -5439,188 +7595,10 @@
           </a:fontRef>
         </p:style>
       </p:cxnSp>
-      <p:cxnSp>
-        <p:nvCxnSpPr>
-          <p:cNvPr id="85" name="Conector angular 84">
-            <a:extLst>
-              <a:ext uri="{FF2B5EF4-FFF2-40B4-BE49-F238E27FC236}">
-                <a16:creationId xmlns:a16="http://schemas.microsoft.com/office/drawing/2014/main" id="{B1794C2C-7DE9-5A6F-5C35-D90FCA9F9964}"/>
-              </a:ext>
-            </a:extLst>
-          </p:cNvPr>
-          <p:cNvCxnSpPr>
-            <a:cxnSpLocks/>
-          </p:cNvCxnSpPr>
-          <p:nvPr/>
-        </p:nvCxnSpPr>
-        <p:spPr>
-          <a:xfrm rot="16200000" flipV="1">
-            <a:off x="6095539" y="1582137"/>
-            <a:ext cx="729771" cy="728849"/>
-          </a:xfrm>
-          <a:prstGeom prst="bentConnector3">
-            <a:avLst>
-              <a:gd name="adj1" fmla="val 47543"/>
-            </a:avLst>
-          </a:prstGeom>
-          <a:ln>
-            <a:solidFill>
-              <a:schemeClr val="tx1"/>
-            </a:solidFill>
-            <a:tailEnd type="triangle"/>
-          </a:ln>
-        </p:spPr>
-        <p:style>
-          <a:lnRef idx="1">
-            <a:schemeClr val="accent1"/>
-          </a:lnRef>
-          <a:fillRef idx="0">
-            <a:schemeClr val="accent1"/>
-          </a:fillRef>
-          <a:effectRef idx="0">
-            <a:schemeClr val="accent1"/>
-          </a:effectRef>
-          <a:fontRef idx="minor">
-            <a:schemeClr val="tx1"/>
-          </a:fontRef>
-        </p:style>
-      </p:cxnSp>
-      <p:cxnSp>
-        <p:nvCxnSpPr>
-          <p:cNvPr id="118" name="Conector recto de flecha 117">
-            <a:extLst>
-              <a:ext uri="{FF2B5EF4-FFF2-40B4-BE49-F238E27FC236}">
-                <a16:creationId xmlns:a16="http://schemas.microsoft.com/office/drawing/2014/main" id="{E9EC96F0-F048-9F88-ABEE-BB4A55A0DA4B}"/>
-              </a:ext>
-            </a:extLst>
-          </p:cNvPr>
-          <p:cNvCxnSpPr>
-            <a:endCxn id="56" idx="1"/>
-          </p:cNvCxnSpPr>
-          <p:nvPr/>
-        </p:nvCxnSpPr>
-        <p:spPr>
-          <a:xfrm>
-            <a:off x="4696597" y="5018894"/>
-            <a:ext cx="1132653" cy="1"/>
-          </a:xfrm>
-          <a:prstGeom prst="straightConnector1">
-            <a:avLst/>
-          </a:prstGeom>
-          <a:ln>
-            <a:solidFill>
-              <a:schemeClr val="tx1"/>
-            </a:solidFill>
-            <a:tailEnd type="triangle"/>
-          </a:ln>
-        </p:spPr>
-        <p:style>
-          <a:lnRef idx="1">
-            <a:schemeClr val="accent1"/>
-          </a:lnRef>
-          <a:fillRef idx="0">
-            <a:schemeClr val="accent1"/>
-          </a:fillRef>
-          <a:effectRef idx="0">
-            <a:schemeClr val="accent1"/>
-          </a:effectRef>
-          <a:fontRef idx="minor">
-            <a:schemeClr val="tx1"/>
-          </a:fontRef>
-        </p:style>
-      </p:cxnSp>
-      <p:cxnSp>
-        <p:nvCxnSpPr>
-          <p:cNvPr id="4" name="Connector: Elbow 3">
-            <a:extLst>
-              <a:ext uri="{FF2B5EF4-FFF2-40B4-BE49-F238E27FC236}">
-                <a16:creationId xmlns:a16="http://schemas.microsoft.com/office/drawing/2014/main" id="{79854D5F-599B-4099-8555-7E0715869DCC}"/>
-              </a:ext>
-            </a:extLst>
-          </p:cNvPr>
-          <p:cNvCxnSpPr>
-            <a:cxnSpLocks/>
-            <a:stCxn id="35" idx="3"/>
-            <a:endCxn id="56" idx="1"/>
-          </p:cNvCxnSpPr>
-          <p:nvPr/>
-        </p:nvCxnSpPr>
-        <p:spPr>
-          <a:xfrm>
-            <a:off x="4696598" y="3098553"/>
-            <a:ext cx="1132652" cy="1920342"/>
-          </a:xfrm>
-          <a:prstGeom prst="bentConnector3">
-            <a:avLst>
-              <a:gd name="adj1" fmla="val 50000"/>
-            </a:avLst>
-          </a:prstGeom>
-          <a:ln>
-            <a:tailEnd type="triangle"/>
-          </a:ln>
-        </p:spPr>
-        <p:style>
-          <a:lnRef idx="1">
-            <a:schemeClr val="dk1"/>
-          </a:lnRef>
-          <a:fillRef idx="0">
-            <a:schemeClr val="dk1"/>
-          </a:fillRef>
-          <a:effectRef idx="0">
-            <a:schemeClr val="dk1"/>
-          </a:effectRef>
-          <a:fontRef idx="minor">
-            <a:schemeClr val="tx1"/>
-          </a:fontRef>
-        </p:style>
-      </p:cxnSp>
-      <p:cxnSp>
-        <p:nvCxnSpPr>
-          <p:cNvPr id="3" name="Straight Arrow Connector 2">
-            <a:extLst>
-              <a:ext uri="{FF2B5EF4-FFF2-40B4-BE49-F238E27FC236}">
-                <a16:creationId xmlns:a16="http://schemas.microsoft.com/office/drawing/2014/main" id="{35E3CD67-90FF-4778-9728-EF90BD90DB2B}"/>
-              </a:ext>
-            </a:extLst>
-          </p:cNvPr>
-          <p:cNvCxnSpPr>
-            <a:cxnSpLocks/>
-            <a:stCxn id="64" idx="3"/>
-            <a:endCxn id="35" idx="1"/>
-          </p:cNvCxnSpPr>
-          <p:nvPr/>
-        </p:nvCxnSpPr>
-        <p:spPr>
-          <a:xfrm>
-            <a:off x="1898648" y="3082014"/>
-            <a:ext cx="1131997" cy="16539"/>
-          </a:xfrm>
-          <a:prstGeom prst="straightConnector1">
-            <a:avLst/>
-          </a:prstGeom>
-          <a:ln>
-            <a:tailEnd type="diamond" w="lg" len="lg"/>
-          </a:ln>
-        </p:spPr>
-        <p:style>
-          <a:lnRef idx="1">
-            <a:schemeClr val="accent1"/>
-          </a:lnRef>
-          <a:fillRef idx="0">
-            <a:schemeClr val="accent1"/>
-          </a:fillRef>
-          <a:effectRef idx="0">
-            <a:schemeClr val="accent1"/>
-          </a:effectRef>
-          <a:fontRef idx="minor">
-            <a:schemeClr val="tx1"/>
-          </a:fontRef>
-        </p:style>
-      </p:cxnSp>
     </p:spTree>
     <p:extLst>
       <p:ext uri="{BB962C8B-B14F-4D97-AF65-F5344CB8AC3E}">
-        <p14:creationId xmlns:p14="http://schemas.microsoft.com/office/powerpoint/2010/main" val="1718060019"/>
+        <p14:creationId xmlns:p14="http://schemas.microsoft.com/office/powerpoint/2010/main" val="1514130545"/>
       </p:ext>
     </p:extLst>
   </p:cSld>
@@ -5649,10 +7627,10 @@
       </p:grpSpPr>
       <p:sp>
         <p:nvSpPr>
-          <p:cNvPr id="2" name="Rectangle 1">
-            <a:extLst>
-              <a:ext uri="{FF2B5EF4-FFF2-40B4-BE49-F238E27FC236}">
-                <a16:creationId xmlns:a16="http://schemas.microsoft.com/office/drawing/2014/main" id="{0CFA95AD-CDD8-4AF4-BC70-883EFDEF94F7}"/>
+          <p:cNvPr id="50" name="Rectángulo 49">
+            <a:extLst>
+              <a:ext uri="{FF2B5EF4-FFF2-40B4-BE49-F238E27FC236}">
+                <a16:creationId xmlns:a16="http://schemas.microsoft.com/office/drawing/2014/main" id="{661B6EDE-ADD8-00DE-B46E-C515FD6E1DEA}"/>
               </a:ext>
             </a:extLst>
           </p:cNvPr>
@@ -5661,56 +7639,7 @@
         </p:nvSpPr>
         <p:spPr>
           <a:xfrm>
-            <a:off x="1765285" y="2267115"/>
-            <a:ext cx="5504078" cy="1459907"/>
-          </a:xfrm>
-          <a:prstGeom prst="rect">
-            <a:avLst/>
-          </a:prstGeom>
-          <a:solidFill>
-            <a:schemeClr val="bg1"/>
-          </a:solidFill>
-        </p:spPr>
-        <p:style>
-          <a:lnRef idx="2">
-            <a:schemeClr val="accent1">
-              <a:shade val="50000"/>
-            </a:schemeClr>
-          </a:lnRef>
-          <a:fillRef idx="1">
-            <a:schemeClr val="accent1"/>
-          </a:fillRef>
-          <a:effectRef idx="0">
-            <a:schemeClr val="accent1"/>
-          </a:effectRef>
-          <a:fontRef idx="minor">
-            <a:schemeClr val="lt1"/>
-          </a:fontRef>
-        </p:style>
-        <p:txBody>
-          <a:bodyPr rtlCol="0" anchor="ctr"/>
-          <a:lstStyle/>
-          <a:p>
-            <a:pPr algn="ctr"/>
-            <a:endParaRPr lang="es-ES"/>
-          </a:p>
-        </p:txBody>
-      </p:sp>
-      <p:sp>
-        <p:nvSpPr>
-          <p:cNvPr id="50" name="Rectángulo 49">
-            <a:extLst>
-              <a:ext uri="{FF2B5EF4-FFF2-40B4-BE49-F238E27FC236}">
-                <a16:creationId xmlns:a16="http://schemas.microsoft.com/office/drawing/2014/main" id="{661B6EDE-ADD8-00DE-B46E-C515FD6E1DEA}"/>
-              </a:ext>
-            </a:extLst>
-          </p:cNvPr>
-          <p:cNvSpPr/>
-          <p:nvPr/>
-        </p:nvSpPr>
-        <p:spPr>
-          <a:xfrm>
-            <a:off x="1983893" y="651063"/>
+            <a:off x="269034" y="475217"/>
             <a:ext cx="1369937" cy="420878"/>
           </a:xfrm>
           <a:prstGeom prst="rect">
@@ -5752,7 +7681,7 @@
                   <a:schemeClr val="tx1"/>
                 </a:solidFill>
               </a:rPr>
-              <a:t>mainController</a:t>
+              <a:t>Controller</a:t>
             </a:r>
           </a:p>
         </p:txBody>
@@ -5773,9 +7702,9 @@
           <p:nvPr/>
         </p:nvCxnSpPr>
         <p:spPr>
-          <a:xfrm>
-            <a:off x="2668862" y="1071941"/>
-            <a:ext cx="0" cy="5134996"/>
+          <a:xfrm flipH="1">
+            <a:off x="941187" y="896095"/>
+            <a:ext cx="12816" cy="5683636"/>
           </a:xfrm>
           <a:prstGeom prst="line">
             <a:avLst/>
@@ -5816,7 +7745,7 @@
         </p:nvSpPr>
         <p:spPr>
           <a:xfrm>
-            <a:off x="3697463" y="651063"/>
+            <a:off x="1982604" y="475217"/>
             <a:ext cx="1369937" cy="420878"/>
           </a:xfrm>
           <a:prstGeom prst="rect">
@@ -5853,61 +7782,52 @@
           <a:p>
             <a:pPr algn="ctr"/>
             <a:r>
-              <a:rPr lang="en-US" sz="1200">
+              <a:rPr lang="en-US" sz="1200" dirty="0">
                 <a:solidFill>
                   <a:schemeClr val="tx1"/>
                 </a:solidFill>
               </a:rPr>
-              <a:t>problem</a:t>
+              <a:t>Model</a:t>
             </a:r>
           </a:p>
         </p:txBody>
       </p:sp>
-      <p:cxnSp>
-        <p:nvCxnSpPr>
-          <p:cNvPr id="58" name="Conector recto 57">
-            <a:extLst>
-              <a:ext uri="{FF2B5EF4-FFF2-40B4-BE49-F238E27FC236}">
-                <a16:creationId xmlns:a16="http://schemas.microsoft.com/office/drawing/2014/main" id="{ACDA0499-74AC-902D-F99A-2F2F9D244887}"/>
-              </a:ext>
-            </a:extLst>
-          </p:cNvPr>
-          <p:cNvCxnSpPr>
-            <a:cxnSpLocks/>
-            <a:stCxn id="57" idx="2"/>
-          </p:cNvCxnSpPr>
+      <p:sp>
+        <p:nvSpPr>
+          <p:cNvPr id="63" name="CuadroTexto 62">
+            <a:extLst>
+              <a:ext uri="{FF2B5EF4-FFF2-40B4-BE49-F238E27FC236}">
+                <a16:creationId xmlns:a16="http://schemas.microsoft.com/office/drawing/2014/main" id="{FB65F860-76C6-970D-B533-5B6CDA0162CD}"/>
+              </a:ext>
+            </a:extLst>
+          </p:cNvPr>
+          <p:cNvSpPr txBox="1"/>
           <p:nvPr/>
-        </p:nvCxnSpPr>
+        </p:nvSpPr>
         <p:spPr>
           <a:xfrm>
-            <a:off x="4382432" y="1071941"/>
-            <a:ext cx="0" cy="5134996"/>
+            <a:off x="2662642" y="2553130"/>
+            <a:ext cx="3419698" cy="230832"/>
           </a:xfrm>
-          <a:prstGeom prst="line">
+          <a:prstGeom prst="rect">
             <a:avLst/>
           </a:prstGeom>
-          <a:ln>
-            <a:solidFill>
-              <a:schemeClr val="tx1"/>
-            </a:solidFill>
-            <a:prstDash val="dash"/>
-          </a:ln>
+          <a:noFill/>
         </p:spPr>
-        <p:style>
-          <a:lnRef idx="1">
-            <a:schemeClr val="accent1"/>
-          </a:lnRef>
-          <a:fillRef idx="0">
-            <a:schemeClr val="accent1"/>
-          </a:fillRef>
-          <a:effectRef idx="0">
-            <a:schemeClr val="accent1"/>
-          </a:effectRef>
-          <a:fontRef idx="minor">
-            <a:schemeClr val="tx1"/>
-          </a:fontRef>
-        </p:style>
-      </p:cxnSp>
+        <p:txBody>
+          <a:bodyPr wrap="square" rtlCol="0">
+            <a:spAutoFit/>
+          </a:bodyPr>
+          <a:lstStyle/>
+          <a:p>
+            <a:pPr algn="ctr"/>
+            <a:r>
+              <a:rPr lang="en-US" sz="900" dirty="0"/>
+              <a:t>solutions</a:t>
+            </a:r>
+          </a:p>
+        </p:txBody>
+      </p:sp>
       <p:cxnSp>
         <p:nvCxnSpPr>
           <p:cNvPr id="59" name="Conector recto de flecha 58">
@@ -5924,7 +7844,7 @@
         </p:nvCxnSpPr>
         <p:spPr>
           <a:xfrm>
-            <a:off x="2656046" y="1710536"/>
+            <a:off x="941187" y="1534690"/>
             <a:ext cx="1726386" cy="0"/>
           </a:xfrm>
           <a:prstGeom prst="straightConnector1">
@@ -5966,8 +7886,8 @@
         </p:nvSpPr>
         <p:spPr>
           <a:xfrm>
-            <a:off x="3100264" y="1476471"/>
-            <a:ext cx="943899" cy="230832"/>
+            <a:off x="954001" y="1167400"/>
+            <a:ext cx="1713571" cy="369332"/>
           </a:xfrm>
           <a:prstGeom prst="rect">
             <a:avLst/>
@@ -5980,13 +7900,14 @@
           </a:bodyPr>
           <a:lstStyle/>
           <a:p>
+            <a:pPr algn="ctr"/>
             <a:r>
               <a:rPr lang="en-US" sz="900" dirty="0" err="1"/>
-              <a:t>getProblems</a:t>
+              <a:t>apply_model</a:t>
             </a:r>
             <a:r>
               <a:rPr lang="en-US" sz="900" dirty="0"/>
-              <a:t>()</a:t>
+              <a:t>(problems, solutions)</a:t>
             </a:r>
           </a:p>
         </p:txBody>
@@ -6006,9 +7927,9 @@
           <p:nvPr/>
         </p:nvCxnSpPr>
         <p:spPr>
-          <a:xfrm flipH="1" flipV="1">
-            <a:off x="2668862" y="1907541"/>
-            <a:ext cx="1726386" cy="0"/>
+          <a:xfrm flipH="1">
+            <a:off x="2675001" y="2547832"/>
+            <a:ext cx="3419698" cy="0"/>
           </a:xfrm>
           <a:prstGeom prst="straightConnector1">
             <a:avLst/>
@@ -6037,41 +7958,6 @@
       </p:cxnSp>
       <p:sp>
         <p:nvSpPr>
-          <p:cNvPr id="63" name="CuadroTexto 62">
-            <a:extLst>
-              <a:ext uri="{FF2B5EF4-FFF2-40B4-BE49-F238E27FC236}">
-                <a16:creationId xmlns:a16="http://schemas.microsoft.com/office/drawing/2014/main" id="{FB65F860-76C6-970D-B533-5B6CDA0162CD}"/>
-              </a:ext>
-            </a:extLst>
-          </p:cNvPr>
-          <p:cNvSpPr txBox="1"/>
-          <p:nvPr/>
-        </p:nvSpPr>
-        <p:spPr>
-          <a:xfrm>
-            <a:off x="3190654" y="1904434"/>
-            <a:ext cx="657170" cy="230832"/>
-          </a:xfrm>
-          <a:prstGeom prst="rect">
-            <a:avLst/>
-          </a:prstGeom>
-          <a:noFill/>
-        </p:spPr>
-        <p:txBody>
-          <a:bodyPr wrap="square" rtlCol="0">
-            <a:spAutoFit/>
-          </a:bodyPr>
-          <a:lstStyle/>
-          <a:p>
-            <a:r>
-              <a:rPr lang="en-US" sz="900" dirty="0"/>
-              <a:t>problems</a:t>
-            </a:r>
-          </a:p>
-        </p:txBody>
-      </p:sp>
-      <p:sp>
-        <p:nvSpPr>
           <p:cNvPr id="65" name="Rectángulo 64">
             <a:extLst>
               <a:ext uri="{FF2B5EF4-FFF2-40B4-BE49-F238E27FC236}">
@@ -6084,7 +7970,7 @@
         </p:nvSpPr>
         <p:spPr>
           <a:xfrm>
-            <a:off x="5411032" y="651063"/>
+            <a:off x="3696173" y="475217"/>
             <a:ext cx="1369937" cy="420878"/>
           </a:xfrm>
           <a:prstGeom prst="rect">
@@ -6121,217 +8007,13 @@
           <a:p>
             <a:pPr algn="ctr"/>
             <a:r>
-              <a:rPr lang="en-US" sz="1200">
+              <a:rPr lang="en-US" sz="1200" dirty="0">
                 <a:solidFill>
                   <a:schemeClr val="tx1"/>
                 </a:solidFill>
               </a:rPr>
-              <a:t>model</a:t>
-            </a:r>
-          </a:p>
-        </p:txBody>
-      </p:sp>
-      <p:cxnSp>
-        <p:nvCxnSpPr>
-          <p:cNvPr id="66" name="Conector recto 65">
-            <a:extLst>
-              <a:ext uri="{FF2B5EF4-FFF2-40B4-BE49-F238E27FC236}">
-                <a16:creationId xmlns:a16="http://schemas.microsoft.com/office/drawing/2014/main" id="{87EDAE9B-AE53-6DE8-28A6-CD5E3417AF46}"/>
-              </a:ext>
-            </a:extLst>
-          </p:cNvPr>
-          <p:cNvCxnSpPr>
-            <a:cxnSpLocks/>
-            <a:stCxn id="65" idx="2"/>
-          </p:cNvCxnSpPr>
-          <p:nvPr/>
-        </p:nvCxnSpPr>
-        <p:spPr>
-          <a:xfrm>
-            <a:off x="6096001" y="1071941"/>
-            <a:ext cx="0" cy="5134996"/>
-          </a:xfrm>
-          <a:prstGeom prst="line">
-            <a:avLst/>
-          </a:prstGeom>
-          <a:ln>
-            <a:solidFill>
-              <a:schemeClr val="tx1"/>
-            </a:solidFill>
-            <a:prstDash val="dash"/>
-          </a:ln>
-        </p:spPr>
-        <p:style>
-          <a:lnRef idx="1">
-            <a:schemeClr val="accent1"/>
-          </a:lnRef>
-          <a:fillRef idx="0">
-            <a:schemeClr val="accent1"/>
-          </a:fillRef>
-          <a:effectRef idx="0">
-            <a:schemeClr val="accent1"/>
-          </a:effectRef>
-          <a:fontRef idx="minor">
-            <a:schemeClr val="tx1"/>
-          </a:fontRef>
-        </p:style>
-      </p:cxnSp>
-      <p:cxnSp>
-        <p:nvCxnSpPr>
-          <p:cNvPr id="68" name="Conector recto de flecha 67">
-            <a:extLst>
-              <a:ext uri="{FF2B5EF4-FFF2-40B4-BE49-F238E27FC236}">
-                <a16:creationId xmlns:a16="http://schemas.microsoft.com/office/drawing/2014/main" id="{622AD36B-FDDC-C430-21E7-EDD65ECA9902}"/>
-              </a:ext>
-            </a:extLst>
-          </p:cNvPr>
-          <p:cNvCxnSpPr>
-            <a:cxnSpLocks/>
-          </p:cNvCxnSpPr>
-          <p:nvPr/>
-        </p:nvCxnSpPr>
-        <p:spPr>
-          <a:xfrm>
-            <a:off x="2656046" y="2874772"/>
-            <a:ext cx="3439955" cy="0"/>
-          </a:xfrm>
-          <a:prstGeom prst="straightConnector1">
-            <a:avLst/>
-          </a:prstGeom>
-          <a:ln>
-            <a:solidFill>
-              <a:schemeClr val="tx1"/>
-            </a:solidFill>
-            <a:tailEnd type="triangle"/>
-          </a:ln>
-        </p:spPr>
-        <p:style>
-          <a:lnRef idx="1">
-            <a:schemeClr val="accent1"/>
-          </a:lnRef>
-          <a:fillRef idx="0">
-            <a:schemeClr val="accent1"/>
-          </a:fillRef>
-          <a:effectRef idx="0">
-            <a:schemeClr val="accent1"/>
-          </a:effectRef>
-          <a:fontRef idx="minor">
-            <a:schemeClr val="tx1"/>
-          </a:fontRef>
-        </p:style>
-      </p:cxnSp>
-      <p:cxnSp>
-        <p:nvCxnSpPr>
-          <p:cNvPr id="69" name="Conector recto de flecha 68">
-            <a:extLst>
-              <a:ext uri="{FF2B5EF4-FFF2-40B4-BE49-F238E27FC236}">
-                <a16:creationId xmlns:a16="http://schemas.microsoft.com/office/drawing/2014/main" id="{E9EB2E6A-7AD6-981A-B587-F7FF58ED68F7}"/>
-              </a:ext>
-            </a:extLst>
-          </p:cNvPr>
-          <p:cNvCxnSpPr>
-            <a:cxnSpLocks/>
-          </p:cNvCxnSpPr>
-          <p:nvPr/>
-        </p:nvCxnSpPr>
-        <p:spPr>
-          <a:xfrm flipH="1">
-            <a:off x="2668862" y="3071777"/>
-            <a:ext cx="3427139" cy="0"/>
-          </a:xfrm>
-          <a:prstGeom prst="straightConnector1">
-            <a:avLst/>
-          </a:prstGeom>
-          <a:ln>
-            <a:solidFill>
-              <a:schemeClr val="tx1"/>
-            </a:solidFill>
-            <a:tailEnd type="triangle"/>
-          </a:ln>
-        </p:spPr>
-        <p:style>
-          <a:lnRef idx="1">
-            <a:schemeClr val="accent1"/>
-          </a:lnRef>
-          <a:fillRef idx="0">
-            <a:schemeClr val="accent1"/>
-          </a:fillRef>
-          <a:effectRef idx="0">
-            <a:schemeClr val="accent1"/>
-          </a:effectRef>
-          <a:fontRef idx="minor">
-            <a:schemeClr val="tx1"/>
-          </a:fontRef>
-        </p:style>
-      </p:cxnSp>
-      <p:sp>
-        <p:nvSpPr>
-          <p:cNvPr id="74" name="CuadroTexto 73">
-            <a:extLst>
-              <a:ext uri="{FF2B5EF4-FFF2-40B4-BE49-F238E27FC236}">
-                <a16:creationId xmlns:a16="http://schemas.microsoft.com/office/drawing/2014/main" id="{73F43976-E980-02D9-524C-709247A23EB6}"/>
-              </a:ext>
-            </a:extLst>
-          </p:cNvPr>
-          <p:cNvSpPr txBox="1"/>
-          <p:nvPr/>
-        </p:nvSpPr>
-        <p:spPr>
-          <a:xfrm>
-            <a:off x="4560668" y="2647135"/>
-            <a:ext cx="1369913" cy="230832"/>
-          </a:xfrm>
-          <a:prstGeom prst="rect">
-            <a:avLst/>
-          </a:prstGeom>
-          <a:noFill/>
-        </p:spPr>
-        <p:txBody>
-          <a:bodyPr wrap="square" rtlCol="0">
-            <a:spAutoFit/>
-          </a:bodyPr>
-          <a:lstStyle/>
-          <a:p>
-            <a:r>
-              <a:rPr lang="en-US" sz="900" dirty="0"/>
-              <a:t>applyModel(problems)</a:t>
-            </a:r>
-          </a:p>
-        </p:txBody>
-      </p:sp>
-      <p:sp>
-        <p:nvSpPr>
-          <p:cNvPr id="75" name="CuadroTexto 74">
-            <a:extLst>
-              <a:ext uri="{FF2B5EF4-FFF2-40B4-BE49-F238E27FC236}">
-                <a16:creationId xmlns:a16="http://schemas.microsoft.com/office/drawing/2014/main" id="{2630DE6D-D40A-F30E-8AB2-AB4409B4A079}"/>
-              </a:ext>
-            </a:extLst>
-          </p:cNvPr>
-          <p:cNvSpPr txBox="1"/>
-          <p:nvPr/>
-        </p:nvSpPr>
-        <p:spPr>
-          <a:xfrm>
-            <a:off x="4721890" y="3073535"/>
-            <a:ext cx="1014814" cy="230832"/>
-          </a:xfrm>
-          <a:prstGeom prst="rect">
-            <a:avLst/>
-          </a:prstGeom>
-          <a:noFill/>
-        </p:spPr>
-        <p:txBody>
-          <a:bodyPr wrap="square" rtlCol="0">
-            <a:spAutoFit/>
-          </a:bodyPr>
-          <a:lstStyle/>
-          <a:p>
-            <a:r>
-              <a:rPr lang="en-US" sz="900" dirty="0" err="1"/>
-              <a:t>appliedProblems</a:t>
-            </a:r>
-            <a:endParaRPr lang="en-US" sz="900" dirty="0"/>
+              <a:t>Problems</a:t>
+            </a:r>
           </a:p>
         </p:txBody>
       </p:sp>
@@ -6349,7 +8031,7 @@
         </p:nvSpPr>
         <p:spPr>
           <a:xfrm>
-            <a:off x="7124601" y="651063"/>
+            <a:off x="5409742" y="475217"/>
             <a:ext cx="1369937" cy="420878"/>
           </a:xfrm>
           <a:prstGeom prst="rect">
@@ -6386,227 +8068,12 @@
           <a:p>
             <a:pPr algn="ctr"/>
             <a:r>
-              <a:rPr lang="en-US" sz="1200">
+              <a:rPr lang="en-US" sz="1200" dirty="0">
                 <a:solidFill>
                   <a:schemeClr val="tx1"/>
                 </a:solidFill>
               </a:rPr>
-              <a:t>unitTesting</a:t>
-            </a:r>
-          </a:p>
-        </p:txBody>
-      </p:sp>
-      <p:cxnSp>
-        <p:nvCxnSpPr>
-          <p:cNvPr id="77" name="Conector recto 76">
-            <a:extLst>
-              <a:ext uri="{FF2B5EF4-FFF2-40B4-BE49-F238E27FC236}">
-                <a16:creationId xmlns:a16="http://schemas.microsoft.com/office/drawing/2014/main" id="{BF47F667-0DE3-8699-2E53-1814B98E5D15}"/>
-              </a:ext>
-            </a:extLst>
-          </p:cNvPr>
-          <p:cNvCxnSpPr>
-            <a:cxnSpLocks/>
-            <a:stCxn id="76" idx="2"/>
-          </p:cNvCxnSpPr>
-          <p:nvPr/>
-        </p:nvCxnSpPr>
-        <p:spPr>
-          <a:xfrm>
-            <a:off x="7809570" y="1071941"/>
-            <a:ext cx="0" cy="5134996"/>
-          </a:xfrm>
-          <a:prstGeom prst="line">
-            <a:avLst/>
-          </a:prstGeom>
-          <a:ln>
-            <a:solidFill>
-              <a:schemeClr val="tx1"/>
-            </a:solidFill>
-            <a:prstDash val="dash"/>
-          </a:ln>
-        </p:spPr>
-        <p:style>
-          <a:lnRef idx="1">
-            <a:schemeClr val="accent1"/>
-          </a:lnRef>
-          <a:fillRef idx="0">
-            <a:schemeClr val="accent1"/>
-          </a:fillRef>
-          <a:effectRef idx="0">
-            <a:schemeClr val="accent1"/>
-          </a:effectRef>
-          <a:fontRef idx="minor">
-            <a:schemeClr val="tx1"/>
-          </a:fontRef>
-        </p:style>
-      </p:cxnSp>
-      <p:cxnSp>
-        <p:nvCxnSpPr>
-          <p:cNvPr id="78" name="Conector recto de flecha 77">
-            <a:extLst>
-              <a:ext uri="{FF2B5EF4-FFF2-40B4-BE49-F238E27FC236}">
-                <a16:creationId xmlns:a16="http://schemas.microsoft.com/office/drawing/2014/main" id="{3AD49405-5909-C1C2-E0EA-CB40AC6B6B34}"/>
-              </a:ext>
-            </a:extLst>
-          </p:cNvPr>
-          <p:cNvCxnSpPr>
-            <a:cxnSpLocks/>
-          </p:cNvCxnSpPr>
-          <p:nvPr/>
-        </p:nvCxnSpPr>
-        <p:spPr>
-          <a:xfrm>
-            <a:off x="2668863" y="4222836"/>
-            <a:ext cx="5140707" cy="0"/>
-          </a:xfrm>
-          <a:prstGeom prst="straightConnector1">
-            <a:avLst/>
-          </a:prstGeom>
-          <a:ln>
-            <a:solidFill>
-              <a:schemeClr val="tx1"/>
-            </a:solidFill>
-            <a:tailEnd type="triangle"/>
-          </a:ln>
-        </p:spPr>
-        <p:style>
-          <a:lnRef idx="1">
-            <a:schemeClr val="accent1"/>
-          </a:lnRef>
-          <a:fillRef idx="0">
-            <a:schemeClr val="accent1"/>
-          </a:fillRef>
-          <a:effectRef idx="0">
-            <a:schemeClr val="accent1"/>
-          </a:effectRef>
-          <a:fontRef idx="minor">
-            <a:schemeClr val="tx1"/>
-          </a:fontRef>
-        </p:style>
-      </p:cxnSp>
-      <p:cxnSp>
-        <p:nvCxnSpPr>
-          <p:cNvPr id="79" name="Conector recto de flecha 78">
-            <a:extLst>
-              <a:ext uri="{FF2B5EF4-FFF2-40B4-BE49-F238E27FC236}">
-                <a16:creationId xmlns:a16="http://schemas.microsoft.com/office/drawing/2014/main" id="{265EBA54-9618-3B42-C7C7-34943B1776C9}"/>
-              </a:ext>
-            </a:extLst>
-          </p:cNvPr>
-          <p:cNvCxnSpPr>
-            <a:cxnSpLocks/>
-          </p:cNvCxnSpPr>
-          <p:nvPr/>
-        </p:nvCxnSpPr>
-        <p:spPr>
-          <a:xfrm flipH="1">
-            <a:off x="2681679" y="4419841"/>
-            <a:ext cx="5127891" cy="0"/>
-          </a:xfrm>
-          <a:prstGeom prst="straightConnector1">
-            <a:avLst/>
-          </a:prstGeom>
-          <a:ln>
-            <a:solidFill>
-              <a:schemeClr val="tx1"/>
-            </a:solidFill>
-            <a:tailEnd type="triangle"/>
-          </a:ln>
-        </p:spPr>
-        <p:style>
-          <a:lnRef idx="1">
-            <a:schemeClr val="accent1"/>
-          </a:lnRef>
-          <a:fillRef idx="0">
-            <a:schemeClr val="accent1"/>
-          </a:fillRef>
-          <a:effectRef idx="0">
-            <a:schemeClr val="accent1"/>
-          </a:effectRef>
-          <a:fontRef idx="minor">
-            <a:schemeClr val="tx1"/>
-          </a:fontRef>
-        </p:style>
-      </p:cxnSp>
-      <p:sp>
-        <p:nvSpPr>
-          <p:cNvPr id="80" name="CuadroTexto 79">
-            <a:extLst>
-              <a:ext uri="{FF2B5EF4-FFF2-40B4-BE49-F238E27FC236}">
-                <a16:creationId xmlns:a16="http://schemas.microsoft.com/office/drawing/2014/main" id="{E0D0A4FB-EC03-347C-7F9C-67D2B3EBDF1D}"/>
-              </a:ext>
-            </a:extLst>
-          </p:cNvPr>
-          <p:cNvSpPr txBox="1"/>
-          <p:nvPr/>
-        </p:nvSpPr>
-        <p:spPr>
-          <a:xfrm>
-            <a:off x="6056515" y="3985174"/>
-            <a:ext cx="2293263" cy="230832"/>
-          </a:xfrm>
-          <a:prstGeom prst="rect">
-            <a:avLst/>
-          </a:prstGeom>
-          <a:noFill/>
-        </p:spPr>
-        <p:txBody>
-          <a:bodyPr wrap="square" rtlCol="0">
-            <a:spAutoFit/>
-          </a:bodyPr>
-          <a:lstStyle/>
-          <a:p>
-            <a:r>
-              <a:rPr lang="en-US" sz="900" dirty="0" err="1"/>
-              <a:t>applyUnitTesting</a:t>
-            </a:r>
-            <a:r>
-              <a:rPr lang="en-US" sz="900" dirty="0"/>
-              <a:t>(</a:t>
-            </a:r>
-            <a:r>
-              <a:rPr lang="en-US" sz="900" dirty="0" err="1"/>
-              <a:t>appliedProblems</a:t>
-            </a:r>
-            <a:r>
-              <a:rPr lang="en-US" sz="900" dirty="0"/>
-              <a:t>)</a:t>
-            </a:r>
-          </a:p>
-        </p:txBody>
-      </p:sp>
-      <p:sp>
-        <p:nvSpPr>
-          <p:cNvPr id="81" name="CuadroTexto 80">
-            <a:extLst>
-              <a:ext uri="{FF2B5EF4-FFF2-40B4-BE49-F238E27FC236}">
-                <a16:creationId xmlns:a16="http://schemas.microsoft.com/office/drawing/2014/main" id="{3A36F116-3B94-C078-1105-7991D03BE1D4}"/>
-              </a:ext>
-            </a:extLst>
-          </p:cNvPr>
-          <p:cNvSpPr txBox="1"/>
-          <p:nvPr/>
-        </p:nvSpPr>
-        <p:spPr>
-          <a:xfrm>
-            <a:off x="6734482" y="4419841"/>
-            <a:ext cx="1014814" cy="230832"/>
-          </a:xfrm>
-          <a:prstGeom prst="rect">
-            <a:avLst/>
-          </a:prstGeom>
-          <a:noFill/>
-        </p:spPr>
-        <p:txBody>
-          <a:bodyPr wrap="square" rtlCol="0">
-            <a:spAutoFit/>
-          </a:bodyPr>
-          <a:lstStyle/>
-          <a:p>
-            <a:r>
-              <a:rPr lang="en-US" sz="900"/>
-              <a:t>unitTest</a:t>
+              <a:t>Solutions</a:t>
             </a:r>
           </a:p>
         </p:txBody>
@@ -6625,7 +8092,7 @@
         </p:nvSpPr>
         <p:spPr>
           <a:xfrm>
-            <a:off x="8838170" y="651063"/>
+            <a:off x="7123311" y="475217"/>
             <a:ext cx="1369937" cy="420878"/>
           </a:xfrm>
           <a:prstGeom prst="rect">
@@ -6662,35 +8129,944 @@
           <a:p>
             <a:pPr algn="ctr"/>
             <a:r>
-              <a:rPr lang="en-US" sz="1200">
+              <a:rPr lang="en-US" sz="1200" dirty="0" err="1">
                 <a:solidFill>
                   <a:schemeClr val="tx1"/>
                 </a:solidFill>
               </a:rPr>
-              <a:t>metrics</a:t>
-            </a:r>
+              <a:t>Unit_Tests</a:t>
+            </a:r>
+            <a:endParaRPr lang="en-US" sz="1200" dirty="0">
+              <a:solidFill>
+                <a:schemeClr val="tx1"/>
+              </a:solidFill>
+            </a:endParaRPr>
+          </a:p>
+        </p:txBody>
+      </p:sp>
+      <p:sp>
+        <p:nvSpPr>
+          <p:cNvPr id="3" name="Rectángulo 2">
+            <a:extLst>
+              <a:ext uri="{FF2B5EF4-FFF2-40B4-BE49-F238E27FC236}">
+                <a16:creationId xmlns:a16="http://schemas.microsoft.com/office/drawing/2014/main" id="{4DEBB557-A536-B4AB-87F4-781F6414BBB3}"/>
+              </a:ext>
+            </a:extLst>
+          </p:cNvPr>
+          <p:cNvSpPr/>
+          <p:nvPr/>
+        </p:nvSpPr>
+        <p:spPr>
+          <a:xfrm>
+            <a:off x="269034" y="1170114"/>
+            <a:ext cx="6510641" cy="2176322"/>
+          </a:xfrm>
+          <a:prstGeom prst="rect">
+            <a:avLst/>
+          </a:prstGeom>
+          <a:noFill/>
+          <a:ln w="9525">
+            <a:solidFill>
+              <a:schemeClr val="tx1"/>
+            </a:solidFill>
+          </a:ln>
+        </p:spPr>
+        <p:style>
+          <a:lnRef idx="2">
+            <a:schemeClr val="accent1">
+              <a:shade val="50000"/>
+            </a:schemeClr>
+          </a:lnRef>
+          <a:fillRef idx="1">
+            <a:schemeClr val="accent1"/>
+          </a:fillRef>
+          <a:effectRef idx="0">
+            <a:schemeClr val="accent1"/>
+          </a:effectRef>
+          <a:fontRef idx="minor">
+            <a:schemeClr val="lt1"/>
+          </a:fontRef>
+        </p:style>
+        <p:txBody>
+          <a:bodyPr rtlCol="0" anchor="ctr"/>
+          <a:lstStyle/>
+          <a:p>
+            <a:pPr algn="ctr"/>
+            <a:endParaRPr lang="es-ES"/>
           </a:p>
         </p:txBody>
       </p:sp>
       <p:cxnSp>
         <p:nvCxnSpPr>
-          <p:cNvPr id="85" name="Conector recto 84">
-            <a:extLst>
-              <a:ext uri="{FF2B5EF4-FFF2-40B4-BE49-F238E27FC236}">
-                <a16:creationId xmlns:a16="http://schemas.microsoft.com/office/drawing/2014/main" id="{1DDD64CB-2F9B-4D69-4C58-2F21836F890A}"/>
+          <p:cNvPr id="5" name="Conector recto de flecha 4">
+            <a:extLst>
+              <a:ext uri="{FF2B5EF4-FFF2-40B4-BE49-F238E27FC236}">
+                <a16:creationId xmlns:a16="http://schemas.microsoft.com/office/drawing/2014/main" id="{7377C4F6-5B1E-9DE0-7A4C-5A9A34531690}"/>
+              </a:ext>
+            </a:extLst>
+          </p:cNvPr>
+          <p:cNvCxnSpPr/>
+          <p:nvPr/>
+        </p:nvCxnSpPr>
+        <p:spPr>
+          <a:xfrm>
+            <a:off x="2672504" y="1637310"/>
+            <a:ext cx="1713569" cy="0"/>
+          </a:xfrm>
+          <a:prstGeom prst="straightConnector1">
+            <a:avLst/>
+          </a:prstGeom>
+          <a:ln>
+            <a:solidFill>
+              <a:schemeClr val="tx1"/>
+            </a:solidFill>
+            <a:tailEnd type="triangle"/>
+          </a:ln>
+        </p:spPr>
+        <p:style>
+          <a:lnRef idx="1">
+            <a:schemeClr val="accent1"/>
+          </a:lnRef>
+          <a:fillRef idx="0">
+            <a:schemeClr val="accent1"/>
+          </a:fillRef>
+          <a:effectRef idx="0">
+            <a:schemeClr val="accent1"/>
+          </a:effectRef>
+          <a:fontRef idx="minor">
+            <a:schemeClr val="tx1"/>
+          </a:fontRef>
+        </p:style>
+      </p:cxnSp>
+      <p:cxnSp>
+        <p:nvCxnSpPr>
+          <p:cNvPr id="30" name="Conector recto de flecha 29">
+            <a:extLst>
+              <a:ext uri="{FF2B5EF4-FFF2-40B4-BE49-F238E27FC236}">
+                <a16:creationId xmlns:a16="http://schemas.microsoft.com/office/drawing/2014/main" id="{DA17829D-8541-334C-8FDF-E71F3E15EC6B}"/>
               </a:ext>
             </a:extLst>
           </p:cNvPr>
           <p:cNvCxnSpPr>
             <a:cxnSpLocks/>
-            <a:stCxn id="84" idx="2"/>
+          </p:cNvCxnSpPr>
+          <p:nvPr/>
+        </p:nvCxnSpPr>
+        <p:spPr>
+          <a:xfrm flipH="1" flipV="1">
+            <a:off x="2667054" y="1768639"/>
+            <a:ext cx="1726386" cy="0"/>
+          </a:xfrm>
+          <a:prstGeom prst="straightConnector1">
+            <a:avLst/>
+          </a:prstGeom>
+          <a:ln>
+            <a:solidFill>
+              <a:schemeClr val="tx1"/>
+            </a:solidFill>
+            <a:tailEnd type="triangle"/>
+          </a:ln>
+        </p:spPr>
+        <p:style>
+          <a:lnRef idx="1">
+            <a:schemeClr val="accent1"/>
+          </a:lnRef>
+          <a:fillRef idx="0">
+            <a:schemeClr val="accent1"/>
+          </a:fillRef>
+          <a:effectRef idx="0">
+            <a:schemeClr val="accent1"/>
+          </a:effectRef>
+          <a:fontRef idx="minor">
+            <a:schemeClr val="tx1"/>
+          </a:fontRef>
+        </p:style>
+      </p:cxnSp>
+      <p:sp>
+        <p:nvSpPr>
+          <p:cNvPr id="31" name="CuadroTexto 30">
+            <a:extLst>
+              <a:ext uri="{FF2B5EF4-FFF2-40B4-BE49-F238E27FC236}">
+                <a16:creationId xmlns:a16="http://schemas.microsoft.com/office/drawing/2014/main" id="{759B1335-B835-41DA-59B1-3577C47DFF62}"/>
+              </a:ext>
+            </a:extLst>
+          </p:cNvPr>
+          <p:cNvSpPr txBox="1"/>
+          <p:nvPr/>
+        </p:nvSpPr>
+        <p:spPr>
+          <a:xfrm>
+            <a:off x="2672503" y="1782595"/>
+            <a:ext cx="1708637" cy="230832"/>
+          </a:xfrm>
+          <a:prstGeom prst="rect">
+            <a:avLst/>
+          </a:prstGeom>
+          <a:noFill/>
+        </p:spPr>
+        <p:txBody>
+          <a:bodyPr wrap="square" rtlCol="0">
+            <a:spAutoFit/>
+          </a:bodyPr>
+          <a:lstStyle/>
+          <a:p>
+            <a:pPr algn="ctr"/>
+            <a:r>
+              <a:rPr lang="en-US" sz="900" dirty="0"/>
+              <a:t>solution</a:t>
+            </a:r>
+          </a:p>
+        </p:txBody>
+      </p:sp>
+      <p:sp>
+        <p:nvSpPr>
+          <p:cNvPr id="34" name="CuadroTexto 33">
+            <a:extLst>
+              <a:ext uri="{FF2B5EF4-FFF2-40B4-BE49-F238E27FC236}">
+                <a16:creationId xmlns:a16="http://schemas.microsoft.com/office/drawing/2014/main" id="{16AF8711-3A04-B852-28C3-22BE21C175DF}"/>
+              </a:ext>
+            </a:extLst>
+          </p:cNvPr>
+          <p:cNvSpPr txBox="1"/>
+          <p:nvPr/>
+        </p:nvSpPr>
+        <p:spPr>
+          <a:xfrm>
+            <a:off x="2675001" y="1406449"/>
+            <a:ext cx="1708637" cy="230832"/>
+          </a:xfrm>
+          <a:prstGeom prst="rect">
+            <a:avLst/>
+          </a:prstGeom>
+          <a:noFill/>
+        </p:spPr>
+        <p:txBody>
+          <a:bodyPr wrap="square" rtlCol="0">
+            <a:spAutoFit/>
+          </a:bodyPr>
+          <a:lstStyle/>
+          <a:p>
+            <a:pPr algn="ctr"/>
+            <a:r>
+              <a:rPr lang="en-US" sz="900" dirty="0" err="1"/>
+              <a:t>get_canonical_solution</a:t>
+            </a:r>
+            <a:r>
+              <a:rPr lang="en-US" sz="900" dirty="0"/>
+              <a:t>()</a:t>
+            </a:r>
+          </a:p>
+        </p:txBody>
+      </p:sp>
+      <p:sp>
+        <p:nvSpPr>
+          <p:cNvPr id="35" name="Rectángulo 34">
+            <a:extLst>
+              <a:ext uri="{FF2B5EF4-FFF2-40B4-BE49-F238E27FC236}">
+                <a16:creationId xmlns:a16="http://schemas.microsoft.com/office/drawing/2014/main" id="{9A7D9F61-5E2C-7545-EEE9-BB8AA611E2CF}"/>
+              </a:ext>
+            </a:extLst>
+          </p:cNvPr>
+          <p:cNvSpPr/>
+          <p:nvPr/>
+        </p:nvSpPr>
+        <p:spPr>
+          <a:xfrm>
+            <a:off x="1982604" y="2082002"/>
+            <a:ext cx="4797067" cy="757101"/>
+          </a:xfrm>
+          <a:prstGeom prst="rect">
+            <a:avLst/>
+          </a:prstGeom>
+          <a:noFill/>
+          <a:ln w="9525">
+            <a:solidFill>
+              <a:schemeClr val="tx1"/>
+            </a:solidFill>
+          </a:ln>
+        </p:spPr>
+        <p:style>
+          <a:lnRef idx="2">
+            <a:schemeClr val="accent1">
+              <a:shade val="50000"/>
+            </a:schemeClr>
+          </a:lnRef>
+          <a:fillRef idx="1">
+            <a:schemeClr val="accent1"/>
+          </a:fillRef>
+          <a:effectRef idx="0">
+            <a:schemeClr val="accent1"/>
+          </a:effectRef>
+          <a:fontRef idx="minor">
+            <a:schemeClr val="lt1"/>
+          </a:fontRef>
+        </p:style>
+        <p:txBody>
+          <a:bodyPr rtlCol="0" anchor="ctr"/>
+          <a:lstStyle/>
+          <a:p>
+            <a:pPr algn="ctr"/>
+            <a:endParaRPr lang="es-ES"/>
+          </a:p>
+        </p:txBody>
+      </p:sp>
+      <p:cxnSp>
+        <p:nvCxnSpPr>
+          <p:cNvPr id="36" name="Conector recto de flecha 35">
+            <a:extLst>
+              <a:ext uri="{FF2B5EF4-FFF2-40B4-BE49-F238E27FC236}">
+                <a16:creationId xmlns:a16="http://schemas.microsoft.com/office/drawing/2014/main" id="{F4D9A40E-FE2E-541A-1C3B-590882D7E9F6}"/>
+              </a:ext>
+            </a:extLst>
+          </p:cNvPr>
+          <p:cNvCxnSpPr>
+            <a:cxnSpLocks/>
           </p:cNvCxnSpPr>
           <p:nvPr/>
         </p:nvCxnSpPr>
         <p:spPr>
           <a:xfrm>
-            <a:off x="9523139" y="1071941"/>
-            <a:ext cx="0" cy="5134996"/>
+            <a:off x="2667054" y="2383834"/>
+            <a:ext cx="3427657" cy="0"/>
+          </a:xfrm>
+          <a:prstGeom prst="straightConnector1">
+            <a:avLst/>
+          </a:prstGeom>
+          <a:ln>
+            <a:solidFill>
+              <a:schemeClr val="tx1"/>
+            </a:solidFill>
+            <a:tailEnd type="triangle"/>
+          </a:ln>
+        </p:spPr>
+        <p:style>
+          <a:lnRef idx="1">
+            <a:schemeClr val="accent1"/>
+          </a:lnRef>
+          <a:fillRef idx="0">
+            <a:schemeClr val="accent1"/>
+          </a:fillRef>
+          <a:effectRef idx="0">
+            <a:schemeClr val="accent1"/>
+          </a:effectRef>
+          <a:fontRef idx="minor">
+            <a:schemeClr val="tx1"/>
+          </a:fontRef>
+        </p:style>
+      </p:cxnSp>
+      <p:sp>
+        <p:nvSpPr>
+          <p:cNvPr id="38" name="CuadroTexto 37">
+            <a:extLst>
+              <a:ext uri="{FF2B5EF4-FFF2-40B4-BE49-F238E27FC236}">
+                <a16:creationId xmlns:a16="http://schemas.microsoft.com/office/drawing/2014/main" id="{6318B7BC-45E4-E934-7595-02690EB510F8}"/>
+              </a:ext>
+            </a:extLst>
+          </p:cNvPr>
+          <p:cNvSpPr txBox="1"/>
+          <p:nvPr/>
+        </p:nvSpPr>
+        <p:spPr>
+          <a:xfrm>
+            <a:off x="2655275" y="2148018"/>
+            <a:ext cx="3439424" cy="230832"/>
+          </a:xfrm>
+          <a:prstGeom prst="rect">
+            <a:avLst/>
+          </a:prstGeom>
+          <a:noFill/>
+        </p:spPr>
+        <p:txBody>
+          <a:bodyPr wrap="square" rtlCol="0">
+            <a:spAutoFit/>
+          </a:bodyPr>
+          <a:lstStyle/>
+          <a:p>
+            <a:pPr algn="ctr"/>
+            <a:r>
+              <a:rPr lang="en-US" sz="900" dirty="0" err="1"/>
+              <a:t>add_problem_solution</a:t>
+            </a:r>
+            <a:r>
+              <a:rPr lang="en-US" sz="900" dirty="0"/>
+              <a:t>(</a:t>
+            </a:r>
+            <a:r>
+              <a:rPr lang="en-US" sz="900" dirty="0" err="1"/>
+              <a:t>problem_id</a:t>
+            </a:r>
+            <a:r>
+              <a:rPr lang="en-US" sz="900" dirty="0"/>
+              <a:t>, solution)</a:t>
+            </a:r>
+          </a:p>
+        </p:txBody>
+      </p:sp>
+      <p:cxnSp>
+        <p:nvCxnSpPr>
+          <p:cNvPr id="9" name="Conector recto de flecha 8">
+            <a:extLst>
+              <a:ext uri="{FF2B5EF4-FFF2-40B4-BE49-F238E27FC236}">
+                <a16:creationId xmlns:a16="http://schemas.microsoft.com/office/drawing/2014/main" id="{39D34274-9E8D-1196-20E3-0BAE9B421763}"/>
+              </a:ext>
+            </a:extLst>
+          </p:cNvPr>
+          <p:cNvCxnSpPr/>
+          <p:nvPr/>
+        </p:nvCxnSpPr>
+        <p:spPr>
+          <a:xfrm flipH="1">
+            <a:off x="954001" y="3066232"/>
+            <a:ext cx="1718502" cy="0"/>
+          </a:xfrm>
+          <a:prstGeom prst="straightConnector1">
+            <a:avLst/>
+          </a:prstGeom>
+          <a:ln>
+            <a:solidFill>
+              <a:schemeClr val="tx1"/>
+            </a:solidFill>
+            <a:tailEnd type="triangle"/>
+          </a:ln>
+        </p:spPr>
+        <p:style>
+          <a:lnRef idx="1">
+            <a:schemeClr val="accent1"/>
+          </a:lnRef>
+          <a:fillRef idx="0">
+            <a:schemeClr val="accent1"/>
+          </a:fillRef>
+          <a:effectRef idx="0">
+            <a:schemeClr val="accent1"/>
+          </a:effectRef>
+          <a:fontRef idx="minor">
+            <a:schemeClr val="tx1"/>
+          </a:fontRef>
+        </p:style>
+      </p:cxnSp>
+      <p:sp>
+        <p:nvSpPr>
+          <p:cNvPr id="43" name="CuadroTexto 42">
+            <a:extLst>
+              <a:ext uri="{FF2B5EF4-FFF2-40B4-BE49-F238E27FC236}">
+                <a16:creationId xmlns:a16="http://schemas.microsoft.com/office/drawing/2014/main" id="{D5B7C4C3-DF39-4063-2E17-2F17287E9F83}"/>
+              </a:ext>
+            </a:extLst>
+          </p:cNvPr>
+          <p:cNvSpPr txBox="1"/>
+          <p:nvPr/>
+        </p:nvSpPr>
+        <p:spPr>
+          <a:xfrm>
+            <a:off x="949071" y="3068714"/>
+            <a:ext cx="1730870" cy="230832"/>
+          </a:xfrm>
+          <a:prstGeom prst="rect">
+            <a:avLst/>
+          </a:prstGeom>
+          <a:noFill/>
+        </p:spPr>
+        <p:txBody>
+          <a:bodyPr wrap="square" rtlCol="0">
+            <a:spAutoFit/>
+          </a:bodyPr>
+          <a:lstStyle/>
+          <a:p>
+            <a:pPr algn="ctr"/>
+            <a:r>
+              <a:rPr lang="en-US" sz="900" dirty="0"/>
+              <a:t>solutions</a:t>
+            </a:r>
+          </a:p>
+        </p:txBody>
+      </p:sp>
+      <p:sp>
+        <p:nvSpPr>
+          <p:cNvPr id="44" name="CuadroTexto 43">
+            <a:extLst>
+              <a:ext uri="{FF2B5EF4-FFF2-40B4-BE49-F238E27FC236}">
+                <a16:creationId xmlns:a16="http://schemas.microsoft.com/office/drawing/2014/main" id="{8292D4FD-74EB-E7A0-20E6-163A670DE3A5}"/>
+              </a:ext>
+            </a:extLst>
+          </p:cNvPr>
+          <p:cNvSpPr txBox="1"/>
+          <p:nvPr/>
+        </p:nvSpPr>
+        <p:spPr>
+          <a:xfrm>
+            <a:off x="4989416" y="1179494"/>
+            <a:ext cx="1792515" cy="369332"/>
+          </a:xfrm>
+          <a:prstGeom prst="rect">
+            <a:avLst/>
+          </a:prstGeom>
+          <a:noFill/>
+        </p:spPr>
+        <p:txBody>
+          <a:bodyPr wrap="square" rtlCol="0">
+            <a:spAutoFit/>
+          </a:bodyPr>
+          <a:lstStyle/>
+          <a:p>
+            <a:pPr algn="ctr"/>
+            <a:r>
+              <a:rPr lang="en-US" sz="900" dirty="0"/>
+              <a:t>for </a:t>
+            </a:r>
+            <a:r>
+              <a:rPr lang="en-US" sz="900" dirty="0" err="1"/>
+              <a:t>problem_id</a:t>
+            </a:r>
+            <a:r>
+              <a:rPr lang="en-US" sz="900" dirty="0"/>
+              <a:t>, problem in </a:t>
+            </a:r>
+            <a:r>
+              <a:rPr lang="en-US" sz="900" dirty="0" err="1"/>
+              <a:t>problems.get_problems</a:t>
+            </a:r>
+            <a:r>
+              <a:rPr lang="en-US" sz="900" dirty="0"/>
+              <a:t>().items()</a:t>
+            </a:r>
+          </a:p>
+        </p:txBody>
+      </p:sp>
+      <p:sp>
+        <p:nvSpPr>
+          <p:cNvPr id="45" name="CuadroTexto 44">
+            <a:extLst>
+              <a:ext uri="{FF2B5EF4-FFF2-40B4-BE49-F238E27FC236}">
+                <a16:creationId xmlns:a16="http://schemas.microsoft.com/office/drawing/2014/main" id="{00EAF60F-1296-40D3-64BD-4B60339A070C}"/>
+              </a:ext>
+            </a:extLst>
+          </p:cNvPr>
+          <p:cNvSpPr txBox="1"/>
+          <p:nvPr/>
+        </p:nvSpPr>
+        <p:spPr>
+          <a:xfrm>
+            <a:off x="5847831" y="2088383"/>
+            <a:ext cx="926193" cy="230832"/>
+          </a:xfrm>
+          <a:prstGeom prst="rect">
+            <a:avLst/>
+          </a:prstGeom>
+          <a:noFill/>
+        </p:spPr>
+        <p:txBody>
+          <a:bodyPr wrap="square" rtlCol="0">
+            <a:spAutoFit/>
+          </a:bodyPr>
+          <a:lstStyle/>
+          <a:p>
+            <a:pPr algn="ctr"/>
+            <a:r>
+              <a:rPr lang="en-US" sz="900" dirty="0"/>
+              <a:t>for </a:t>
+            </a:r>
+            <a:r>
+              <a:rPr lang="en-US" sz="900" dirty="0" err="1"/>
+              <a:t>i</a:t>
+            </a:r>
+            <a:r>
+              <a:rPr lang="en-US" sz="900" dirty="0"/>
+              <a:t> in range(k)</a:t>
+            </a:r>
+          </a:p>
+        </p:txBody>
+      </p:sp>
+      <p:cxnSp>
+        <p:nvCxnSpPr>
+          <p:cNvPr id="46" name="Conector recto de flecha 45">
+            <a:extLst>
+              <a:ext uri="{FF2B5EF4-FFF2-40B4-BE49-F238E27FC236}">
+                <a16:creationId xmlns:a16="http://schemas.microsoft.com/office/drawing/2014/main" id="{91F8A85B-ECAC-D735-93DC-8461658D4663}"/>
+              </a:ext>
+            </a:extLst>
+          </p:cNvPr>
+          <p:cNvCxnSpPr>
+            <a:cxnSpLocks/>
+          </p:cNvCxnSpPr>
+          <p:nvPr/>
+        </p:nvCxnSpPr>
+        <p:spPr>
+          <a:xfrm>
+            <a:off x="961446" y="3891395"/>
+            <a:ext cx="6842168" cy="0"/>
+          </a:xfrm>
+          <a:prstGeom prst="straightConnector1">
+            <a:avLst/>
+          </a:prstGeom>
+          <a:ln>
+            <a:solidFill>
+              <a:schemeClr val="tx1"/>
+            </a:solidFill>
+            <a:tailEnd type="triangle"/>
+          </a:ln>
+        </p:spPr>
+        <p:style>
+          <a:lnRef idx="1">
+            <a:schemeClr val="accent1"/>
+          </a:lnRef>
+          <a:fillRef idx="0">
+            <a:schemeClr val="accent1"/>
+          </a:fillRef>
+          <a:effectRef idx="0">
+            <a:schemeClr val="accent1"/>
+          </a:effectRef>
+          <a:fontRef idx="minor">
+            <a:schemeClr val="tx1"/>
+          </a:fontRef>
+        </p:style>
+      </p:cxnSp>
+      <p:sp>
+        <p:nvSpPr>
+          <p:cNvPr id="49" name="CuadroTexto 48">
+            <a:extLst>
+              <a:ext uri="{FF2B5EF4-FFF2-40B4-BE49-F238E27FC236}">
+                <a16:creationId xmlns:a16="http://schemas.microsoft.com/office/drawing/2014/main" id="{712DCEB5-4EC5-AE91-EC54-C838423481E2}"/>
+              </a:ext>
+            </a:extLst>
+          </p:cNvPr>
+          <p:cNvSpPr txBox="1"/>
+          <p:nvPr/>
+        </p:nvSpPr>
+        <p:spPr>
+          <a:xfrm>
+            <a:off x="942360" y="3661203"/>
+            <a:ext cx="6854008" cy="230832"/>
+          </a:xfrm>
+          <a:prstGeom prst="rect">
+            <a:avLst/>
+          </a:prstGeom>
+          <a:noFill/>
+        </p:spPr>
+        <p:txBody>
+          <a:bodyPr wrap="square" rtlCol="0">
+            <a:spAutoFit/>
+          </a:bodyPr>
+          <a:lstStyle/>
+          <a:p>
+            <a:pPr algn="ctr"/>
+            <a:r>
+              <a:rPr lang="en-US" sz="900" dirty="0" err="1"/>
+              <a:t>apply_unit_tests</a:t>
+            </a:r>
+            <a:r>
+              <a:rPr lang="en-US" sz="900" dirty="0"/>
+              <a:t>(problems, solutions, results)</a:t>
+            </a:r>
+          </a:p>
+        </p:txBody>
+      </p:sp>
+      <p:sp>
+        <p:nvSpPr>
+          <p:cNvPr id="52" name="Rectángulo 51">
+            <a:extLst>
+              <a:ext uri="{FF2B5EF4-FFF2-40B4-BE49-F238E27FC236}">
+                <a16:creationId xmlns:a16="http://schemas.microsoft.com/office/drawing/2014/main" id="{DD872883-9D37-04E8-B254-8BAC9B8D18B4}"/>
+              </a:ext>
+            </a:extLst>
+          </p:cNvPr>
+          <p:cNvSpPr/>
+          <p:nvPr/>
+        </p:nvSpPr>
+        <p:spPr>
+          <a:xfrm>
+            <a:off x="269034" y="3646500"/>
+            <a:ext cx="11653930" cy="2637621"/>
+          </a:xfrm>
+          <a:prstGeom prst="rect">
+            <a:avLst/>
+          </a:prstGeom>
+          <a:noFill/>
+          <a:ln w="9525">
+            <a:solidFill>
+              <a:schemeClr val="tx1"/>
+            </a:solidFill>
+          </a:ln>
+        </p:spPr>
+        <p:style>
+          <a:lnRef idx="2">
+            <a:schemeClr val="accent1">
+              <a:shade val="50000"/>
+            </a:schemeClr>
+          </a:lnRef>
+          <a:fillRef idx="1">
+            <a:schemeClr val="accent1"/>
+          </a:fillRef>
+          <a:effectRef idx="0">
+            <a:schemeClr val="accent1"/>
+          </a:effectRef>
+          <a:fontRef idx="minor">
+            <a:schemeClr val="lt1"/>
+          </a:fontRef>
+        </p:style>
+        <p:txBody>
+          <a:bodyPr rtlCol="0" anchor="ctr"/>
+          <a:lstStyle/>
+          <a:p>
+            <a:pPr algn="ctr"/>
+            <a:endParaRPr lang="es-ES"/>
+          </a:p>
+        </p:txBody>
+      </p:sp>
+      <p:cxnSp>
+        <p:nvCxnSpPr>
+          <p:cNvPr id="53" name="Conector recto de flecha 52">
+            <a:extLst>
+              <a:ext uri="{FF2B5EF4-FFF2-40B4-BE49-F238E27FC236}">
+                <a16:creationId xmlns:a16="http://schemas.microsoft.com/office/drawing/2014/main" id="{B16813BC-28CF-3B80-C116-21E89282B325}"/>
+              </a:ext>
+            </a:extLst>
+          </p:cNvPr>
+          <p:cNvCxnSpPr>
+            <a:cxnSpLocks/>
+          </p:cNvCxnSpPr>
+          <p:nvPr/>
+        </p:nvCxnSpPr>
+        <p:spPr>
+          <a:xfrm flipH="1">
+            <a:off x="961446" y="4043556"/>
+            <a:ext cx="6842168" cy="0"/>
+          </a:xfrm>
+          <a:prstGeom prst="straightConnector1">
+            <a:avLst/>
+          </a:prstGeom>
+          <a:ln>
+            <a:solidFill>
+              <a:schemeClr val="tx1"/>
+            </a:solidFill>
+            <a:tailEnd type="triangle"/>
+          </a:ln>
+        </p:spPr>
+        <p:style>
+          <a:lnRef idx="1">
+            <a:schemeClr val="accent1"/>
+          </a:lnRef>
+          <a:fillRef idx="0">
+            <a:schemeClr val="accent1"/>
+          </a:fillRef>
+          <a:effectRef idx="0">
+            <a:schemeClr val="accent1"/>
+          </a:effectRef>
+          <a:fontRef idx="minor">
+            <a:schemeClr val="tx1"/>
+          </a:fontRef>
+        </p:style>
+      </p:cxnSp>
+      <p:sp>
+        <p:nvSpPr>
+          <p:cNvPr id="54" name="CuadroTexto 53">
+            <a:extLst>
+              <a:ext uri="{FF2B5EF4-FFF2-40B4-BE49-F238E27FC236}">
+                <a16:creationId xmlns:a16="http://schemas.microsoft.com/office/drawing/2014/main" id="{D78AF875-D046-49DD-56CB-5807016249EA}"/>
+              </a:ext>
+            </a:extLst>
+          </p:cNvPr>
+          <p:cNvSpPr txBox="1"/>
+          <p:nvPr/>
+        </p:nvSpPr>
+        <p:spPr>
+          <a:xfrm>
+            <a:off x="969113" y="4050658"/>
+            <a:ext cx="6854008" cy="230832"/>
+          </a:xfrm>
+          <a:prstGeom prst="rect">
+            <a:avLst/>
+          </a:prstGeom>
+          <a:noFill/>
+        </p:spPr>
+        <p:txBody>
+          <a:bodyPr wrap="square" rtlCol="0">
+            <a:spAutoFit/>
+          </a:bodyPr>
+          <a:lstStyle/>
+          <a:p>
+            <a:pPr algn="ctr"/>
+            <a:r>
+              <a:rPr lang="en-US" sz="900" dirty="0" err="1"/>
+              <a:t>unit_test</a:t>
+            </a:r>
+            <a:endParaRPr lang="en-US" sz="900" dirty="0"/>
+          </a:p>
+        </p:txBody>
+      </p:sp>
+      <p:sp>
+        <p:nvSpPr>
+          <p:cNvPr id="55" name="Rectángulo 54">
+            <a:extLst>
+              <a:ext uri="{FF2B5EF4-FFF2-40B4-BE49-F238E27FC236}">
+                <a16:creationId xmlns:a16="http://schemas.microsoft.com/office/drawing/2014/main" id="{9CB0204E-B1FF-7D9A-C751-BFDAF2E953AB}"/>
+              </a:ext>
+            </a:extLst>
+          </p:cNvPr>
+          <p:cNvSpPr/>
+          <p:nvPr/>
+        </p:nvSpPr>
+        <p:spPr>
+          <a:xfrm>
+            <a:off x="7122170" y="4299983"/>
+            <a:ext cx="4800794" cy="1456811"/>
+          </a:xfrm>
+          <a:prstGeom prst="rect">
+            <a:avLst/>
+          </a:prstGeom>
+          <a:noFill/>
+          <a:ln w="9525">
+            <a:solidFill>
+              <a:schemeClr val="tx1"/>
+            </a:solidFill>
+          </a:ln>
+        </p:spPr>
+        <p:style>
+          <a:lnRef idx="2">
+            <a:schemeClr val="accent1">
+              <a:shade val="50000"/>
+            </a:schemeClr>
+          </a:lnRef>
+          <a:fillRef idx="1">
+            <a:schemeClr val="accent1"/>
+          </a:fillRef>
+          <a:effectRef idx="0">
+            <a:schemeClr val="accent1"/>
+          </a:effectRef>
+          <a:fontRef idx="minor">
+            <a:schemeClr val="lt1"/>
+          </a:fontRef>
+        </p:style>
+        <p:txBody>
+          <a:bodyPr rtlCol="0" anchor="ctr"/>
+          <a:lstStyle/>
+          <a:p>
+            <a:pPr algn="ctr"/>
+            <a:endParaRPr lang="es-ES"/>
+          </a:p>
+        </p:txBody>
+      </p:sp>
+      <p:sp>
+        <p:nvSpPr>
+          <p:cNvPr id="56" name="CuadroTexto 55">
+            <a:extLst>
+              <a:ext uri="{FF2B5EF4-FFF2-40B4-BE49-F238E27FC236}">
+                <a16:creationId xmlns:a16="http://schemas.microsoft.com/office/drawing/2014/main" id="{32406034-21C5-8103-DC9F-EDEB200089BC}"/>
+              </a:ext>
+            </a:extLst>
+          </p:cNvPr>
+          <p:cNvSpPr txBox="1"/>
+          <p:nvPr/>
+        </p:nvSpPr>
+        <p:spPr>
+          <a:xfrm>
+            <a:off x="10183663" y="3650264"/>
+            <a:ext cx="1739302" cy="369332"/>
+          </a:xfrm>
+          <a:prstGeom prst="rect">
+            <a:avLst/>
+          </a:prstGeom>
+          <a:noFill/>
+        </p:spPr>
+        <p:txBody>
+          <a:bodyPr wrap="square" rtlCol="0">
+            <a:spAutoFit/>
+          </a:bodyPr>
+          <a:lstStyle/>
+          <a:p>
+            <a:pPr algn="ctr"/>
+            <a:r>
+              <a:rPr lang="en-US" sz="900" dirty="0"/>
+              <a:t>for </a:t>
+            </a:r>
+            <a:r>
+              <a:rPr lang="en-US" sz="900" dirty="0" err="1"/>
+              <a:t>problem_id</a:t>
+            </a:r>
+            <a:r>
+              <a:rPr lang="en-US" sz="900" dirty="0"/>
+              <a:t>, problem in </a:t>
+            </a:r>
+            <a:r>
+              <a:rPr lang="en-US" sz="900" dirty="0" err="1"/>
+              <a:t>problems.get_problems</a:t>
+            </a:r>
+            <a:r>
+              <a:rPr lang="en-US" sz="900" dirty="0"/>
+              <a:t>().items()</a:t>
+            </a:r>
+          </a:p>
+        </p:txBody>
+      </p:sp>
+      <p:sp>
+        <p:nvSpPr>
+          <p:cNvPr id="61" name="CuadroTexto 60">
+            <a:extLst>
+              <a:ext uri="{FF2B5EF4-FFF2-40B4-BE49-F238E27FC236}">
+                <a16:creationId xmlns:a16="http://schemas.microsoft.com/office/drawing/2014/main" id="{771308AD-0EED-D46D-B75C-E1B13F3F67B9}"/>
+              </a:ext>
+            </a:extLst>
+          </p:cNvPr>
+          <p:cNvSpPr txBox="1"/>
+          <p:nvPr/>
+        </p:nvSpPr>
+        <p:spPr>
+          <a:xfrm>
+            <a:off x="9565941" y="4304305"/>
+            <a:ext cx="2347780" cy="369332"/>
+          </a:xfrm>
+          <a:prstGeom prst="rect">
+            <a:avLst/>
+          </a:prstGeom>
+          <a:noFill/>
+        </p:spPr>
+        <p:txBody>
+          <a:bodyPr wrap="square" rtlCol="0">
+            <a:spAutoFit/>
+          </a:bodyPr>
+          <a:lstStyle/>
+          <a:p>
+            <a:pPr algn="ctr"/>
+            <a:r>
+              <a:rPr lang="en-US" sz="900" dirty="0"/>
+              <a:t>for solution in </a:t>
+            </a:r>
+            <a:r>
+              <a:rPr lang="en-US" sz="900" dirty="0" err="1"/>
+              <a:t>solutions.get_problem_solutions</a:t>
+            </a:r>
+            <a:r>
+              <a:rPr lang="en-US" sz="900" dirty="0"/>
+              <a:t>(</a:t>
+            </a:r>
+            <a:r>
+              <a:rPr lang="en-US" sz="900" dirty="0" err="1"/>
+              <a:t>problem_id</a:t>
+            </a:r>
+            <a:r>
+              <a:rPr lang="en-US" sz="900" dirty="0"/>
+              <a:t>)</a:t>
+            </a:r>
+          </a:p>
+        </p:txBody>
+      </p:sp>
+      <p:cxnSp>
+        <p:nvCxnSpPr>
+          <p:cNvPr id="70" name="Conector recto 69">
+            <a:extLst>
+              <a:ext uri="{FF2B5EF4-FFF2-40B4-BE49-F238E27FC236}">
+                <a16:creationId xmlns:a16="http://schemas.microsoft.com/office/drawing/2014/main" id="{D33863FD-9E9B-BBDA-F8B7-D48564A72E4A}"/>
+              </a:ext>
+            </a:extLst>
+          </p:cNvPr>
+          <p:cNvCxnSpPr>
+            <a:cxnSpLocks/>
+          </p:cNvCxnSpPr>
+          <p:nvPr/>
+        </p:nvCxnSpPr>
+        <p:spPr>
+          <a:xfrm flipH="1">
+            <a:off x="2652840" y="898595"/>
+            <a:ext cx="12816" cy="5683636"/>
           </a:xfrm>
           <a:prstGeom prst="line">
             <a:avLst/>
@@ -6719,10 +9095,10 @@
       </p:cxnSp>
       <p:cxnSp>
         <p:nvCxnSpPr>
-          <p:cNvPr id="86" name="Conector recto de flecha 85">
-            <a:extLst>
-              <a:ext uri="{FF2B5EF4-FFF2-40B4-BE49-F238E27FC236}">
-                <a16:creationId xmlns:a16="http://schemas.microsoft.com/office/drawing/2014/main" id="{C6126B05-8818-B1D6-C4A4-9A9904F40425}"/>
+          <p:cNvPr id="71" name="Conector recto 70">
+            <a:extLst>
+              <a:ext uri="{FF2B5EF4-FFF2-40B4-BE49-F238E27FC236}">
+                <a16:creationId xmlns:a16="http://schemas.microsoft.com/office/drawing/2014/main" id="{79BD32D8-072E-DB32-9BBB-EA8B2318E27A}"/>
               </a:ext>
             </a:extLst>
           </p:cNvPr>
@@ -6732,9 +9108,249 @@
           <p:nvPr/>
         </p:nvCxnSpPr>
         <p:spPr>
-          <a:xfrm flipV="1">
-            <a:off x="2659238" y="5302383"/>
-            <a:ext cx="6863901" cy="6830"/>
+          <a:xfrm flipH="1">
+            <a:off x="4363668" y="896095"/>
+            <a:ext cx="12816" cy="5683636"/>
+          </a:xfrm>
+          <a:prstGeom prst="line">
+            <a:avLst/>
+          </a:prstGeom>
+          <a:ln>
+            <a:solidFill>
+              <a:schemeClr val="tx1"/>
+            </a:solidFill>
+            <a:prstDash val="dash"/>
+          </a:ln>
+        </p:spPr>
+        <p:style>
+          <a:lnRef idx="1">
+            <a:schemeClr val="accent1"/>
+          </a:lnRef>
+          <a:fillRef idx="0">
+            <a:schemeClr val="accent1"/>
+          </a:fillRef>
+          <a:effectRef idx="0">
+            <a:schemeClr val="accent1"/>
+          </a:effectRef>
+          <a:fontRef idx="minor">
+            <a:schemeClr val="tx1"/>
+          </a:fontRef>
+        </p:style>
+      </p:cxnSp>
+      <p:cxnSp>
+        <p:nvCxnSpPr>
+          <p:cNvPr id="72" name="Conector recto 71">
+            <a:extLst>
+              <a:ext uri="{FF2B5EF4-FFF2-40B4-BE49-F238E27FC236}">
+                <a16:creationId xmlns:a16="http://schemas.microsoft.com/office/drawing/2014/main" id="{9CF3DE01-E97C-5B55-A599-A3DCF341D959}"/>
+              </a:ext>
+            </a:extLst>
+          </p:cNvPr>
+          <p:cNvCxnSpPr>
+            <a:cxnSpLocks/>
+          </p:cNvCxnSpPr>
+          <p:nvPr/>
+        </p:nvCxnSpPr>
+        <p:spPr>
+          <a:xfrm flipH="1">
+            <a:off x="6087732" y="896675"/>
+            <a:ext cx="12816" cy="5683636"/>
+          </a:xfrm>
+          <a:prstGeom prst="line">
+            <a:avLst/>
+          </a:prstGeom>
+          <a:ln>
+            <a:solidFill>
+              <a:schemeClr val="tx1"/>
+            </a:solidFill>
+            <a:prstDash val="dash"/>
+          </a:ln>
+        </p:spPr>
+        <p:style>
+          <a:lnRef idx="1">
+            <a:schemeClr val="accent1"/>
+          </a:lnRef>
+          <a:fillRef idx="0">
+            <a:schemeClr val="accent1"/>
+          </a:fillRef>
+          <a:effectRef idx="0">
+            <a:schemeClr val="accent1"/>
+          </a:effectRef>
+          <a:fontRef idx="minor">
+            <a:schemeClr val="tx1"/>
+          </a:fontRef>
+        </p:style>
+      </p:cxnSp>
+      <p:cxnSp>
+        <p:nvCxnSpPr>
+          <p:cNvPr id="73" name="Conector recto 72">
+            <a:extLst>
+              <a:ext uri="{FF2B5EF4-FFF2-40B4-BE49-F238E27FC236}">
+                <a16:creationId xmlns:a16="http://schemas.microsoft.com/office/drawing/2014/main" id="{C1518B33-1294-9D3D-9629-F80FBD2F1CDD}"/>
+              </a:ext>
+            </a:extLst>
+          </p:cNvPr>
+          <p:cNvCxnSpPr>
+            <a:cxnSpLocks/>
+          </p:cNvCxnSpPr>
+          <p:nvPr/>
+        </p:nvCxnSpPr>
+        <p:spPr>
+          <a:xfrm flipH="1">
+            <a:off x="7810858" y="898595"/>
+            <a:ext cx="12816" cy="5683636"/>
+          </a:xfrm>
+          <a:prstGeom prst="line">
+            <a:avLst/>
+          </a:prstGeom>
+          <a:ln>
+            <a:solidFill>
+              <a:schemeClr val="tx1"/>
+            </a:solidFill>
+            <a:prstDash val="dash"/>
+          </a:ln>
+        </p:spPr>
+        <p:style>
+          <a:lnRef idx="1">
+            <a:schemeClr val="accent1"/>
+          </a:lnRef>
+          <a:fillRef idx="0">
+            <a:schemeClr val="accent1"/>
+          </a:fillRef>
+          <a:effectRef idx="0">
+            <a:schemeClr val="accent1"/>
+          </a:effectRef>
+          <a:fontRef idx="minor">
+            <a:schemeClr val="tx1"/>
+          </a:fontRef>
+        </p:style>
+      </p:cxnSp>
+      <p:sp>
+        <p:nvSpPr>
+          <p:cNvPr id="82" name="Rectángulo 81">
+            <a:extLst>
+              <a:ext uri="{FF2B5EF4-FFF2-40B4-BE49-F238E27FC236}">
+                <a16:creationId xmlns:a16="http://schemas.microsoft.com/office/drawing/2014/main" id="{3A3ADB6F-98DA-5115-4B7B-2BAA30DDC29D}"/>
+              </a:ext>
+            </a:extLst>
+          </p:cNvPr>
+          <p:cNvSpPr/>
+          <p:nvPr/>
+        </p:nvSpPr>
+        <p:spPr>
+          <a:xfrm>
+            <a:off x="8841375" y="475217"/>
+            <a:ext cx="1369937" cy="420878"/>
+          </a:xfrm>
+          <a:prstGeom prst="rect">
+            <a:avLst/>
+          </a:prstGeom>
+          <a:solidFill>
+            <a:schemeClr val="bg1"/>
+          </a:solidFill>
+          <a:ln w="6350">
+            <a:solidFill>
+              <a:schemeClr val="tx1"/>
+            </a:solidFill>
+          </a:ln>
+        </p:spPr>
+        <p:style>
+          <a:lnRef idx="2">
+            <a:schemeClr val="accent1">
+              <a:shade val="50000"/>
+            </a:schemeClr>
+          </a:lnRef>
+          <a:fillRef idx="1">
+            <a:schemeClr val="accent1"/>
+          </a:fillRef>
+          <a:effectRef idx="0">
+            <a:schemeClr val="accent1"/>
+          </a:effectRef>
+          <a:fontRef idx="minor">
+            <a:schemeClr val="lt1"/>
+          </a:fontRef>
+        </p:style>
+        <p:txBody>
+          <a:bodyPr rtlCol="0" anchor="ctr"/>
+          <a:lstStyle/>
+          <a:p>
+            <a:pPr algn="ctr"/>
+            <a:r>
+              <a:rPr lang="en-US" sz="1200" dirty="0" err="1">
+                <a:solidFill>
+                  <a:schemeClr val="tx1"/>
+                </a:solidFill>
+              </a:rPr>
+              <a:t>Unit_Test</a:t>
+            </a:r>
+            <a:endParaRPr lang="en-US" sz="1200" dirty="0">
+              <a:solidFill>
+                <a:schemeClr val="tx1"/>
+              </a:solidFill>
+            </a:endParaRPr>
+          </a:p>
+        </p:txBody>
+      </p:sp>
+      <p:cxnSp>
+        <p:nvCxnSpPr>
+          <p:cNvPr id="83" name="Conector recto 82">
+            <a:extLst>
+              <a:ext uri="{FF2B5EF4-FFF2-40B4-BE49-F238E27FC236}">
+                <a16:creationId xmlns:a16="http://schemas.microsoft.com/office/drawing/2014/main" id="{6F6AE40A-A324-B9B0-5110-165FC50A17CD}"/>
+              </a:ext>
+            </a:extLst>
+          </p:cNvPr>
+          <p:cNvCxnSpPr>
+            <a:cxnSpLocks/>
+          </p:cNvCxnSpPr>
+          <p:nvPr/>
+        </p:nvCxnSpPr>
+        <p:spPr>
+          <a:xfrm flipH="1">
+            <a:off x="9521000" y="896095"/>
+            <a:ext cx="12816" cy="5683636"/>
+          </a:xfrm>
+          <a:prstGeom prst="line">
+            <a:avLst/>
+          </a:prstGeom>
+          <a:ln>
+            <a:solidFill>
+              <a:schemeClr val="tx1"/>
+            </a:solidFill>
+            <a:prstDash val="dash"/>
+          </a:ln>
+        </p:spPr>
+        <p:style>
+          <a:lnRef idx="1">
+            <a:schemeClr val="accent1"/>
+          </a:lnRef>
+          <a:fillRef idx="0">
+            <a:schemeClr val="accent1"/>
+          </a:fillRef>
+          <a:effectRef idx="0">
+            <a:schemeClr val="accent1"/>
+          </a:effectRef>
+          <a:fontRef idx="minor">
+            <a:schemeClr val="tx1"/>
+          </a:fontRef>
+        </p:style>
+      </p:cxnSp>
+      <p:cxnSp>
+        <p:nvCxnSpPr>
+          <p:cNvPr id="15" name="Conector recto de flecha 14">
+            <a:extLst>
+              <a:ext uri="{FF2B5EF4-FFF2-40B4-BE49-F238E27FC236}">
+                <a16:creationId xmlns:a16="http://schemas.microsoft.com/office/drawing/2014/main" id="{5A30C744-48EB-F0A1-EE13-F51996BA11EE}"/>
+              </a:ext>
+            </a:extLst>
+          </p:cNvPr>
+          <p:cNvCxnSpPr/>
+          <p:nvPr/>
+        </p:nvCxnSpPr>
+        <p:spPr>
+          <a:xfrm>
+            <a:off x="7819650" y="4541998"/>
+            <a:ext cx="1697326" cy="0"/>
           </a:xfrm>
           <a:prstGeom prst="straightConnector1">
             <a:avLst/>
@@ -6763,10 +9379,10 @@
       </p:cxnSp>
       <p:sp>
         <p:nvSpPr>
-          <p:cNvPr id="88" name="CuadroTexto 87">
-            <a:extLst>
-              <a:ext uri="{FF2B5EF4-FFF2-40B4-BE49-F238E27FC236}">
-                <a16:creationId xmlns:a16="http://schemas.microsoft.com/office/drawing/2014/main" id="{54B27890-6376-4EF7-67FF-604BE285EAA8}"/>
+          <p:cNvPr id="87" name="CuadroTexto 86">
+            <a:extLst>
+              <a:ext uri="{FF2B5EF4-FFF2-40B4-BE49-F238E27FC236}">
+                <a16:creationId xmlns:a16="http://schemas.microsoft.com/office/drawing/2014/main" id="{C7349FC7-D100-1B1A-C1FC-E008CDEEC833}"/>
               </a:ext>
             </a:extLst>
           </p:cNvPr>
@@ -6775,8 +9391,8 @@
         </p:nvSpPr>
         <p:spPr>
           <a:xfrm>
-            <a:off x="7914844" y="5073191"/>
-            <a:ext cx="2293263" cy="230832"/>
+            <a:off x="7814603" y="4305133"/>
+            <a:ext cx="1699904" cy="230832"/>
           </a:xfrm>
           <a:prstGeom prst="rect">
             <a:avLst/>
@@ -6789,17 +9405,443 @@
           </a:bodyPr>
           <a:lstStyle/>
           <a:p>
+            <a:pPr algn="ctr"/>
+            <a:r>
+              <a:rPr lang="en-US" sz="900" dirty="0" err="1"/>
+              <a:t>apply_test</a:t>
+            </a:r>
             <a:r>
               <a:rPr lang="en-US" sz="900" dirty="0"/>
-              <a:t>getResultsTesting(</a:t>
-            </a:r>
+              <a:t>(problem, solution)</a:t>
+            </a:r>
+          </a:p>
+        </p:txBody>
+      </p:sp>
+      <p:cxnSp>
+        <p:nvCxnSpPr>
+          <p:cNvPr id="17" name="Conector recto de flecha 16">
+            <a:extLst>
+              <a:ext uri="{FF2B5EF4-FFF2-40B4-BE49-F238E27FC236}">
+                <a16:creationId xmlns:a16="http://schemas.microsoft.com/office/drawing/2014/main" id="{E97FABEC-B0BD-3B7A-E460-BDCCE97C5FAB}"/>
+              </a:ext>
+            </a:extLst>
+          </p:cNvPr>
+          <p:cNvCxnSpPr/>
+          <p:nvPr/>
+        </p:nvCxnSpPr>
+        <p:spPr>
+          <a:xfrm flipH="1">
+            <a:off x="7810249" y="4688794"/>
+            <a:ext cx="1723644" cy="0"/>
+          </a:xfrm>
+          <a:prstGeom prst="straightConnector1">
+            <a:avLst/>
+          </a:prstGeom>
+          <a:ln>
+            <a:solidFill>
+              <a:schemeClr val="tx1"/>
+            </a:solidFill>
+            <a:tailEnd type="triangle"/>
+          </a:ln>
+        </p:spPr>
+        <p:style>
+          <a:lnRef idx="1">
+            <a:schemeClr val="accent1"/>
+          </a:lnRef>
+          <a:fillRef idx="0">
+            <a:schemeClr val="accent1"/>
+          </a:fillRef>
+          <a:effectRef idx="0">
+            <a:schemeClr val="accent1"/>
+          </a:effectRef>
+          <a:fontRef idx="minor">
+            <a:schemeClr val="tx1"/>
+          </a:fontRef>
+        </p:style>
+      </p:cxnSp>
+      <p:sp>
+        <p:nvSpPr>
+          <p:cNvPr id="89" name="CuadroTexto 88">
+            <a:extLst>
+              <a:ext uri="{FF2B5EF4-FFF2-40B4-BE49-F238E27FC236}">
+                <a16:creationId xmlns:a16="http://schemas.microsoft.com/office/drawing/2014/main" id="{E70BF013-F26C-FC29-776A-E087843A377F}"/>
+              </a:ext>
+            </a:extLst>
+          </p:cNvPr>
+          <p:cNvSpPr txBox="1"/>
+          <p:nvPr/>
+        </p:nvSpPr>
+        <p:spPr>
+          <a:xfrm>
+            <a:off x="7814603" y="4698564"/>
+            <a:ext cx="1699904" cy="230832"/>
+          </a:xfrm>
+          <a:prstGeom prst="rect">
+            <a:avLst/>
+          </a:prstGeom>
+          <a:noFill/>
+        </p:spPr>
+        <p:txBody>
+          <a:bodyPr wrap="square" rtlCol="0">
+            <a:spAutoFit/>
+          </a:bodyPr>
+          <a:lstStyle/>
+          <a:p>
+            <a:pPr algn="ctr"/>
+            <a:r>
+              <a:rPr lang="en-US" sz="900" dirty="0"/>
+              <a:t>result</a:t>
+            </a:r>
+          </a:p>
+        </p:txBody>
+      </p:sp>
+      <p:sp>
+        <p:nvSpPr>
+          <p:cNvPr id="90" name="Rectángulo 89">
+            <a:extLst>
+              <a:ext uri="{FF2B5EF4-FFF2-40B4-BE49-F238E27FC236}">
+                <a16:creationId xmlns:a16="http://schemas.microsoft.com/office/drawing/2014/main" id="{92FDDFC4-1367-49D1-1A9F-4C09ACA0E481}"/>
+              </a:ext>
+            </a:extLst>
+          </p:cNvPr>
+          <p:cNvSpPr/>
+          <p:nvPr/>
+        </p:nvSpPr>
+        <p:spPr>
+          <a:xfrm>
+            <a:off x="10553027" y="478981"/>
+            <a:ext cx="1369937" cy="420878"/>
+          </a:xfrm>
+          <a:prstGeom prst="rect">
+            <a:avLst/>
+          </a:prstGeom>
+          <a:solidFill>
+            <a:schemeClr val="bg1"/>
+          </a:solidFill>
+          <a:ln w="6350">
+            <a:solidFill>
+              <a:schemeClr val="tx1"/>
+            </a:solidFill>
+          </a:ln>
+        </p:spPr>
+        <p:style>
+          <a:lnRef idx="2">
+            <a:schemeClr val="accent1">
+              <a:shade val="50000"/>
+            </a:schemeClr>
+          </a:lnRef>
+          <a:fillRef idx="1">
+            <a:schemeClr val="accent1"/>
+          </a:fillRef>
+          <a:effectRef idx="0">
+            <a:schemeClr val="accent1"/>
+          </a:effectRef>
+          <a:fontRef idx="minor">
+            <a:schemeClr val="lt1"/>
+          </a:fontRef>
+        </p:style>
+        <p:txBody>
+          <a:bodyPr rtlCol="0" anchor="ctr"/>
+          <a:lstStyle/>
+          <a:p>
+            <a:pPr algn="ctr"/>
+            <a:r>
+              <a:rPr lang="en-US" sz="1200" dirty="0">
+                <a:solidFill>
+                  <a:schemeClr val="tx1"/>
+                </a:solidFill>
+              </a:rPr>
+              <a:t>Results</a:t>
+            </a:r>
+          </a:p>
+        </p:txBody>
+      </p:sp>
+      <p:cxnSp>
+        <p:nvCxnSpPr>
+          <p:cNvPr id="91" name="Conector recto 90">
+            <a:extLst>
+              <a:ext uri="{FF2B5EF4-FFF2-40B4-BE49-F238E27FC236}">
+                <a16:creationId xmlns:a16="http://schemas.microsoft.com/office/drawing/2014/main" id="{9BC053D7-25C6-14BF-296E-AEF35D5F7A3D}"/>
+              </a:ext>
+            </a:extLst>
+          </p:cNvPr>
+          <p:cNvCxnSpPr>
+            <a:cxnSpLocks/>
+          </p:cNvCxnSpPr>
+          <p:nvPr/>
+        </p:nvCxnSpPr>
+        <p:spPr>
+          <a:xfrm flipH="1">
+            <a:off x="11244679" y="896095"/>
+            <a:ext cx="12816" cy="5683636"/>
+          </a:xfrm>
+          <a:prstGeom prst="line">
+            <a:avLst/>
+          </a:prstGeom>
+          <a:ln>
+            <a:solidFill>
+              <a:schemeClr val="tx1"/>
+            </a:solidFill>
+            <a:prstDash val="dash"/>
+          </a:ln>
+        </p:spPr>
+        <p:style>
+          <a:lnRef idx="1">
+            <a:schemeClr val="accent1"/>
+          </a:lnRef>
+          <a:fillRef idx="0">
+            <a:schemeClr val="accent1"/>
+          </a:fillRef>
+          <a:effectRef idx="0">
+            <a:schemeClr val="accent1"/>
+          </a:effectRef>
+          <a:fontRef idx="minor">
+            <a:schemeClr val="tx1"/>
+          </a:fontRef>
+        </p:style>
+      </p:cxnSp>
+      <p:cxnSp>
+        <p:nvCxnSpPr>
+          <p:cNvPr id="19" name="Conector recto de flecha 18">
+            <a:extLst>
+              <a:ext uri="{FF2B5EF4-FFF2-40B4-BE49-F238E27FC236}">
+                <a16:creationId xmlns:a16="http://schemas.microsoft.com/office/drawing/2014/main" id="{4C0288C4-F453-331D-F7C8-DECAFD93CD19}"/>
+              </a:ext>
+            </a:extLst>
+          </p:cNvPr>
+          <p:cNvCxnSpPr/>
+          <p:nvPr/>
+        </p:nvCxnSpPr>
+        <p:spPr>
+          <a:xfrm>
+            <a:off x="7817458" y="5127674"/>
+            <a:ext cx="3427221" cy="0"/>
+          </a:xfrm>
+          <a:prstGeom prst="straightConnector1">
+            <a:avLst/>
+          </a:prstGeom>
+          <a:ln>
+            <a:solidFill>
+              <a:schemeClr val="tx1"/>
+            </a:solidFill>
+            <a:tailEnd type="triangle"/>
+          </a:ln>
+        </p:spPr>
+        <p:style>
+          <a:lnRef idx="1">
+            <a:schemeClr val="accent1"/>
+          </a:lnRef>
+          <a:fillRef idx="0">
+            <a:schemeClr val="accent1"/>
+          </a:fillRef>
+          <a:effectRef idx="0">
+            <a:schemeClr val="accent1"/>
+          </a:effectRef>
+          <a:fontRef idx="minor">
+            <a:schemeClr val="tx1"/>
+          </a:fontRef>
+        </p:style>
+      </p:cxnSp>
+      <p:cxnSp>
+        <p:nvCxnSpPr>
+          <p:cNvPr id="21" name="Conector recto de flecha 20">
+            <a:extLst>
+              <a:ext uri="{FF2B5EF4-FFF2-40B4-BE49-F238E27FC236}">
+                <a16:creationId xmlns:a16="http://schemas.microsoft.com/office/drawing/2014/main" id="{1D06D11E-7F39-1D9C-DCA6-A6BE7CB74094}"/>
+              </a:ext>
+            </a:extLst>
+          </p:cNvPr>
+          <p:cNvCxnSpPr/>
+          <p:nvPr/>
+        </p:nvCxnSpPr>
+        <p:spPr>
+          <a:xfrm flipH="1">
+            <a:off x="7819650" y="5310116"/>
+            <a:ext cx="3437845" cy="0"/>
+          </a:xfrm>
+          <a:prstGeom prst="straightConnector1">
+            <a:avLst/>
+          </a:prstGeom>
+          <a:ln>
+            <a:solidFill>
+              <a:schemeClr val="tx1"/>
+            </a:solidFill>
+            <a:tailEnd type="triangle"/>
+          </a:ln>
+        </p:spPr>
+        <p:style>
+          <a:lnRef idx="1">
+            <a:schemeClr val="accent1"/>
+          </a:lnRef>
+          <a:fillRef idx="0">
+            <a:schemeClr val="accent1"/>
+          </a:fillRef>
+          <a:effectRef idx="0">
+            <a:schemeClr val="accent1"/>
+          </a:effectRef>
+          <a:fontRef idx="minor">
+            <a:schemeClr val="tx1"/>
+          </a:fontRef>
+        </p:style>
+      </p:cxnSp>
+      <p:sp>
+        <p:nvSpPr>
+          <p:cNvPr id="92" name="CuadroTexto 91">
+            <a:extLst>
+              <a:ext uri="{FF2B5EF4-FFF2-40B4-BE49-F238E27FC236}">
+                <a16:creationId xmlns:a16="http://schemas.microsoft.com/office/drawing/2014/main" id="{F3B2E168-2C8C-BA3A-A591-3B03C381019E}"/>
+              </a:ext>
+            </a:extLst>
+          </p:cNvPr>
+          <p:cNvSpPr txBox="1"/>
+          <p:nvPr/>
+        </p:nvSpPr>
+        <p:spPr>
+          <a:xfrm>
+            <a:off x="7819400" y="4892352"/>
+            <a:ext cx="3437845" cy="230832"/>
+          </a:xfrm>
+          <a:prstGeom prst="rect">
+            <a:avLst/>
+          </a:prstGeom>
+          <a:noFill/>
+        </p:spPr>
+        <p:txBody>
+          <a:bodyPr wrap="square" rtlCol="0">
+            <a:spAutoFit/>
+          </a:bodyPr>
+          <a:lstStyle/>
+          <a:p>
+            <a:pPr algn="ctr"/>
             <a:r>
               <a:rPr lang="en-US" sz="900" dirty="0" err="1"/>
-              <a:t>unitTest</a:t>
+              <a:t>add_problem_result</a:t>
             </a:r>
             <a:r>
               <a:rPr lang="en-US" sz="900" dirty="0"/>
-              <a:t>)</a:t>
+              <a:t>(</a:t>
+            </a:r>
+            <a:r>
+              <a:rPr lang="en-US" sz="900" dirty="0" err="1"/>
+              <a:t>problem_id</a:t>
+            </a:r>
+            <a:r>
+              <a:rPr lang="en-US" sz="900" dirty="0"/>
+              <a:t>, result)</a:t>
+            </a:r>
+          </a:p>
+        </p:txBody>
+      </p:sp>
+      <p:sp>
+        <p:nvSpPr>
+          <p:cNvPr id="93" name="CuadroTexto 92">
+            <a:extLst>
+              <a:ext uri="{FF2B5EF4-FFF2-40B4-BE49-F238E27FC236}">
+                <a16:creationId xmlns:a16="http://schemas.microsoft.com/office/drawing/2014/main" id="{A59015DB-3B08-A04D-78BB-57D18860D30F}"/>
+              </a:ext>
+            </a:extLst>
+          </p:cNvPr>
+          <p:cNvSpPr txBox="1"/>
+          <p:nvPr/>
+        </p:nvSpPr>
+        <p:spPr>
+          <a:xfrm>
+            <a:off x="7817457" y="5322021"/>
+            <a:ext cx="3427221" cy="230832"/>
+          </a:xfrm>
+          <a:prstGeom prst="rect">
+            <a:avLst/>
+          </a:prstGeom>
+          <a:noFill/>
+        </p:spPr>
+        <p:txBody>
+          <a:bodyPr wrap="square" rtlCol="0">
+            <a:spAutoFit/>
+          </a:bodyPr>
+          <a:lstStyle/>
+          <a:p>
+            <a:pPr algn="ctr"/>
+            <a:r>
+              <a:rPr lang="en-US" sz="900" dirty="0"/>
+              <a:t>results</a:t>
+            </a:r>
+          </a:p>
+        </p:txBody>
+      </p:sp>
+      <p:cxnSp>
+        <p:nvCxnSpPr>
+          <p:cNvPr id="23" name="Conector recto de flecha 22">
+            <a:extLst>
+              <a:ext uri="{FF2B5EF4-FFF2-40B4-BE49-F238E27FC236}">
+                <a16:creationId xmlns:a16="http://schemas.microsoft.com/office/drawing/2014/main" id="{6A9D6082-5F50-4CFE-6E7F-6A93D1E0BF5A}"/>
+              </a:ext>
+            </a:extLst>
+          </p:cNvPr>
+          <p:cNvCxnSpPr/>
+          <p:nvPr/>
+        </p:nvCxnSpPr>
+        <p:spPr>
+          <a:xfrm flipH="1">
+            <a:off x="950152" y="5929659"/>
+            <a:ext cx="6876270" cy="0"/>
+          </a:xfrm>
+          <a:prstGeom prst="straightConnector1">
+            <a:avLst/>
+          </a:prstGeom>
+          <a:ln>
+            <a:solidFill>
+              <a:schemeClr val="tx1"/>
+            </a:solidFill>
+            <a:tailEnd type="triangle"/>
+          </a:ln>
+        </p:spPr>
+        <p:style>
+          <a:lnRef idx="1">
+            <a:schemeClr val="accent1"/>
+          </a:lnRef>
+          <a:fillRef idx="0">
+            <a:schemeClr val="accent1"/>
+          </a:fillRef>
+          <a:effectRef idx="0">
+            <a:schemeClr val="accent1"/>
+          </a:effectRef>
+          <a:fontRef idx="minor">
+            <a:schemeClr val="tx1"/>
+          </a:fontRef>
+        </p:style>
+      </p:cxnSp>
+      <p:sp>
+        <p:nvSpPr>
+          <p:cNvPr id="94" name="CuadroTexto 93">
+            <a:extLst>
+              <a:ext uri="{FF2B5EF4-FFF2-40B4-BE49-F238E27FC236}">
+                <a16:creationId xmlns:a16="http://schemas.microsoft.com/office/drawing/2014/main" id="{FAC59626-2705-D830-4F96-46BF610735A6}"/>
+              </a:ext>
+            </a:extLst>
+          </p:cNvPr>
+          <p:cNvSpPr txBox="1"/>
+          <p:nvPr/>
+        </p:nvSpPr>
+        <p:spPr>
+          <a:xfrm>
+            <a:off x="941188" y="5941801"/>
+            <a:ext cx="6885234" cy="230832"/>
+          </a:xfrm>
+          <a:prstGeom prst="rect">
+            <a:avLst/>
+          </a:prstGeom>
+          <a:noFill/>
+        </p:spPr>
+        <p:txBody>
+          <a:bodyPr wrap="square" rtlCol="0">
+            <a:spAutoFit/>
+          </a:bodyPr>
+          <a:lstStyle/>
+          <a:p>
+            <a:pPr algn="ctr"/>
+            <a:r>
+              <a:rPr lang="en-US" sz="900" dirty="0"/>
+              <a:t>results</a:t>
             </a:r>
           </a:p>
         </p:txBody>
@@ -7112,16 +10154,302 @@
 </a:theme>
 </file>
 
-<file path=customXml/item1.xml><?xml version="1.0" encoding="utf-8"?>
-<?mso-contentType ?>
-<FormTemplates xmlns="http://schemas.microsoft.com/sharepoint/v3/contenttype/forms">
-  <Display>DocumentLibraryForm</Display>
-  <Edit>DocumentLibraryForm</Edit>
-  <New>DocumentLibraryForm</New>
-</FormTemplates>
+<file path=ppt/theme/theme2.xml><?xml version="1.0" encoding="utf-8"?>
+<a:theme xmlns:a="http://schemas.openxmlformats.org/drawingml/2006/main" name="Tema de Office">
+  <a:themeElements>
+    <a:clrScheme name="Office">
+      <a:dk1>
+        <a:sysClr val="windowText" lastClr="000000"/>
+      </a:dk1>
+      <a:lt1>
+        <a:sysClr val="window" lastClr="FFFFFF"/>
+      </a:lt1>
+      <a:dk2>
+        <a:srgbClr val="44546A"/>
+      </a:dk2>
+      <a:lt2>
+        <a:srgbClr val="E7E6E6"/>
+      </a:lt2>
+      <a:accent1>
+        <a:srgbClr val="4472C4"/>
+      </a:accent1>
+      <a:accent2>
+        <a:srgbClr val="ED7D31"/>
+      </a:accent2>
+      <a:accent3>
+        <a:srgbClr val="A5A5A5"/>
+      </a:accent3>
+      <a:accent4>
+        <a:srgbClr val="FFC000"/>
+      </a:accent4>
+      <a:accent5>
+        <a:srgbClr val="5B9BD5"/>
+      </a:accent5>
+      <a:accent6>
+        <a:srgbClr val="70AD47"/>
+      </a:accent6>
+      <a:hlink>
+        <a:srgbClr val="0563C1"/>
+      </a:hlink>
+      <a:folHlink>
+        <a:srgbClr val="954F72"/>
+      </a:folHlink>
+    </a:clrScheme>
+    <a:fontScheme name="Office">
+      <a:majorFont>
+        <a:latin typeface="Calibri Light" panose="020F0302020204030204"/>
+        <a:ea typeface=""/>
+        <a:cs typeface=""/>
+        <a:font script="Jpan" typeface="游ゴシック Light"/>
+        <a:font script="Hang" typeface="맑은 고딕"/>
+        <a:font script="Hans" typeface="等线 Light"/>
+        <a:font script="Hant" typeface="新細明體"/>
+        <a:font script="Arab" typeface="Times New Roman"/>
+        <a:font script="Hebr" typeface="Times New Roman"/>
+        <a:font script="Thai" typeface="Angsana New"/>
+        <a:font script="Ethi" typeface="Nyala"/>
+        <a:font script="Beng" typeface="Vrinda"/>
+        <a:font script="Gujr" typeface="Shruti"/>
+        <a:font script="Khmr" typeface="MoolBoran"/>
+        <a:font script="Knda" typeface="Tunga"/>
+        <a:font script="Guru" typeface="Raavi"/>
+        <a:font script="Cans" typeface="Euphemia"/>
+        <a:font script="Cher" typeface="Plantagenet Cherokee"/>
+        <a:font script="Yiii" typeface="Microsoft Yi Baiti"/>
+        <a:font script="Tibt" typeface="Microsoft Himalaya"/>
+        <a:font script="Thaa" typeface="MV Boli"/>
+        <a:font script="Deva" typeface="Mangal"/>
+        <a:font script="Telu" typeface="Gautami"/>
+        <a:font script="Taml" typeface="Latha"/>
+        <a:font script="Syrc" typeface="Estrangelo Edessa"/>
+        <a:font script="Orya" typeface="Kalinga"/>
+        <a:font script="Mlym" typeface="Kartika"/>
+        <a:font script="Laoo" typeface="DokChampa"/>
+        <a:font script="Sinh" typeface="Iskoola Pota"/>
+        <a:font script="Mong" typeface="Mongolian Baiti"/>
+        <a:font script="Viet" typeface="Times New Roman"/>
+        <a:font script="Uigh" typeface="Microsoft Uighur"/>
+        <a:font script="Geor" typeface="Sylfaen"/>
+        <a:font script="Armn" typeface="Arial"/>
+        <a:font script="Bugi" typeface="Leelawadee UI"/>
+        <a:font script="Bopo" typeface="Microsoft JhengHei"/>
+        <a:font script="Java" typeface="Javanese Text"/>
+        <a:font script="Lisu" typeface="Segoe UI"/>
+        <a:font script="Mymr" typeface="Myanmar Text"/>
+        <a:font script="Nkoo" typeface="Ebrima"/>
+        <a:font script="Olck" typeface="Nirmala UI"/>
+        <a:font script="Osma" typeface="Ebrima"/>
+        <a:font script="Phag" typeface="Phagspa"/>
+        <a:font script="Syrn" typeface="Estrangelo Edessa"/>
+        <a:font script="Syrj" typeface="Estrangelo Edessa"/>
+        <a:font script="Syre" typeface="Estrangelo Edessa"/>
+        <a:font script="Sora" typeface="Nirmala UI"/>
+        <a:font script="Tale" typeface="Microsoft Tai Le"/>
+        <a:font script="Talu" typeface="Microsoft New Tai Lue"/>
+        <a:font script="Tfng" typeface="Ebrima"/>
+      </a:majorFont>
+      <a:minorFont>
+        <a:latin typeface="Calibri" panose="020F0502020204030204"/>
+        <a:ea typeface=""/>
+        <a:cs typeface=""/>
+        <a:font script="Jpan" typeface="游ゴシック"/>
+        <a:font script="Hang" typeface="맑은 고딕"/>
+        <a:font script="Hans" typeface="等线"/>
+        <a:font script="Hant" typeface="新細明體"/>
+        <a:font script="Arab" typeface="Arial"/>
+        <a:font script="Hebr" typeface="Arial"/>
+        <a:font script="Thai" typeface="Cordia New"/>
+        <a:font script="Ethi" typeface="Nyala"/>
+        <a:font script="Beng" typeface="Vrinda"/>
+        <a:font script="Gujr" typeface="Shruti"/>
+        <a:font script="Khmr" typeface="DaunPenh"/>
+        <a:font script="Knda" typeface="Tunga"/>
+        <a:font script="Guru" typeface="Raavi"/>
+        <a:font script="Cans" typeface="Euphemia"/>
+        <a:font script="Cher" typeface="Plantagenet Cherokee"/>
+        <a:font script="Yiii" typeface="Microsoft Yi Baiti"/>
+        <a:font script="Tibt" typeface="Microsoft Himalaya"/>
+        <a:font script="Thaa" typeface="MV Boli"/>
+        <a:font script="Deva" typeface="Mangal"/>
+        <a:font script="Telu" typeface="Gautami"/>
+        <a:font script="Taml" typeface="Latha"/>
+        <a:font script="Syrc" typeface="Estrangelo Edessa"/>
+        <a:font script="Orya" typeface="Kalinga"/>
+        <a:font script="Mlym" typeface="Kartika"/>
+        <a:font script="Laoo" typeface="DokChampa"/>
+        <a:font script="Sinh" typeface="Iskoola Pota"/>
+        <a:font script="Mong" typeface="Mongolian Baiti"/>
+        <a:font script="Viet" typeface="Arial"/>
+        <a:font script="Uigh" typeface="Microsoft Uighur"/>
+        <a:font script="Geor" typeface="Sylfaen"/>
+        <a:font script="Armn" typeface="Arial"/>
+        <a:font script="Bugi" typeface="Leelawadee UI"/>
+        <a:font script="Bopo" typeface="Microsoft JhengHei"/>
+        <a:font script="Java" typeface="Javanese Text"/>
+        <a:font script="Lisu" typeface="Segoe UI"/>
+        <a:font script="Mymr" typeface="Myanmar Text"/>
+        <a:font script="Nkoo" typeface="Ebrima"/>
+        <a:font script="Olck" typeface="Nirmala UI"/>
+        <a:font script="Osma" typeface="Ebrima"/>
+        <a:font script="Phag" typeface="Phagspa"/>
+        <a:font script="Syrn" typeface="Estrangelo Edessa"/>
+        <a:font script="Syrj" typeface="Estrangelo Edessa"/>
+        <a:font script="Syre" typeface="Estrangelo Edessa"/>
+        <a:font script="Sora" typeface="Nirmala UI"/>
+        <a:font script="Tale" typeface="Microsoft Tai Le"/>
+        <a:font script="Talu" typeface="Microsoft New Tai Lue"/>
+        <a:font script="Tfng" typeface="Ebrima"/>
+      </a:minorFont>
+    </a:fontScheme>
+    <a:fmtScheme name="Office">
+      <a:fillStyleLst>
+        <a:solidFill>
+          <a:schemeClr val="phClr"/>
+        </a:solidFill>
+        <a:gradFill rotWithShape="1">
+          <a:gsLst>
+            <a:gs pos="0">
+              <a:schemeClr val="phClr">
+                <a:lumMod val="110000"/>
+                <a:satMod val="105000"/>
+                <a:tint val="67000"/>
+              </a:schemeClr>
+            </a:gs>
+            <a:gs pos="50000">
+              <a:schemeClr val="phClr">
+                <a:lumMod val="105000"/>
+                <a:satMod val="103000"/>
+                <a:tint val="73000"/>
+              </a:schemeClr>
+            </a:gs>
+            <a:gs pos="100000">
+              <a:schemeClr val="phClr">
+                <a:lumMod val="105000"/>
+                <a:satMod val="109000"/>
+                <a:tint val="81000"/>
+              </a:schemeClr>
+            </a:gs>
+          </a:gsLst>
+          <a:lin ang="5400000" scaled="0"/>
+        </a:gradFill>
+        <a:gradFill rotWithShape="1">
+          <a:gsLst>
+            <a:gs pos="0">
+              <a:schemeClr val="phClr">
+                <a:satMod val="103000"/>
+                <a:lumMod val="102000"/>
+                <a:tint val="94000"/>
+              </a:schemeClr>
+            </a:gs>
+            <a:gs pos="50000">
+              <a:schemeClr val="phClr">
+                <a:satMod val="110000"/>
+                <a:lumMod val="100000"/>
+                <a:shade val="100000"/>
+              </a:schemeClr>
+            </a:gs>
+            <a:gs pos="100000">
+              <a:schemeClr val="phClr">
+                <a:lumMod val="99000"/>
+                <a:satMod val="120000"/>
+                <a:shade val="78000"/>
+              </a:schemeClr>
+            </a:gs>
+          </a:gsLst>
+          <a:lin ang="5400000" scaled="0"/>
+        </a:gradFill>
+      </a:fillStyleLst>
+      <a:lnStyleLst>
+        <a:ln w="6350" cap="flat" cmpd="sng" algn="ctr">
+          <a:solidFill>
+            <a:schemeClr val="phClr"/>
+          </a:solidFill>
+          <a:prstDash val="solid"/>
+          <a:miter lim="800000"/>
+        </a:ln>
+        <a:ln w="12700" cap="flat" cmpd="sng" algn="ctr">
+          <a:solidFill>
+            <a:schemeClr val="phClr"/>
+          </a:solidFill>
+          <a:prstDash val="solid"/>
+          <a:miter lim="800000"/>
+        </a:ln>
+        <a:ln w="19050" cap="flat" cmpd="sng" algn="ctr">
+          <a:solidFill>
+            <a:schemeClr val="phClr"/>
+          </a:solidFill>
+          <a:prstDash val="solid"/>
+          <a:miter lim="800000"/>
+        </a:ln>
+      </a:lnStyleLst>
+      <a:effectStyleLst>
+        <a:effectStyle>
+          <a:effectLst/>
+        </a:effectStyle>
+        <a:effectStyle>
+          <a:effectLst/>
+        </a:effectStyle>
+        <a:effectStyle>
+          <a:effectLst>
+            <a:outerShdw blurRad="57150" dist="19050" dir="5400000" algn="ctr" rotWithShape="0">
+              <a:srgbClr val="000000">
+                <a:alpha val="63000"/>
+              </a:srgbClr>
+            </a:outerShdw>
+          </a:effectLst>
+        </a:effectStyle>
+      </a:effectStyleLst>
+      <a:bgFillStyleLst>
+        <a:solidFill>
+          <a:schemeClr val="phClr"/>
+        </a:solidFill>
+        <a:solidFill>
+          <a:schemeClr val="phClr">
+            <a:tint val="95000"/>
+            <a:satMod val="170000"/>
+          </a:schemeClr>
+        </a:solidFill>
+        <a:gradFill rotWithShape="1">
+          <a:gsLst>
+            <a:gs pos="0">
+              <a:schemeClr val="phClr">
+                <a:tint val="93000"/>
+                <a:satMod val="150000"/>
+                <a:shade val="98000"/>
+                <a:lumMod val="102000"/>
+              </a:schemeClr>
+            </a:gs>
+            <a:gs pos="50000">
+              <a:schemeClr val="phClr">
+                <a:tint val="98000"/>
+                <a:satMod val="130000"/>
+                <a:shade val="90000"/>
+                <a:lumMod val="103000"/>
+              </a:schemeClr>
+            </a:gs>
+            <a:gs pos="100000">
+              <a:schemeClr val="phClr">
+                <a:shade val="63000"/>
+                <a:satMod val="120000"/>
+              </a:schemeClr>
+            </a:gs>
+          </a:gsLst>
+          <a:lin ang="5400000" scaled="0"/>
+        </a:gradFill>
+      </a:bgFillStyleLst>
+    </a:fmtScheme>
+  </a:themeElements>
+  <a:objectDefaults/>
+  <a:extraClrSchemeLst/>
+  <a:extLst>
+    <a:ext uri="{05A4C25C-085E-4340-85A3-A5531E510DB2}">
+      <thm15:themeFamily xmlns:thm15="http://schemas.microsoft.com/office/thememl/2012/main" name="Office Theme" id="{62F939B6-93AF-4DB8-9C6B-D6C7DFDC589F}" vid="{4A3C46E8-61CC-4603-A589-7422A47A8E4A}"/>
+    </a:ext>
+  </a:extLst>
+</a:theme>
 </file>
 
-<file path=customXml/item2.xml><?xml version="1.0" encoding="utf-8"?>
+<file path=customXml/item1.xml><?xml version="1.0" encoding="utf-8"?>
 <ct:contentTypeSchema xmlns:ct="http://schemas.microsoft.com/office/2006/metadata/contentType" xmlns:ma="http://schemas.microsoft.com/office/2006/metadata/properties/metaAttributes" ct:_="" ma:_="" ma:contentTypeName="Document" ma:contentTypeID="0x010100B73B9EEAFBBEA04B9487748478AE5B10" ma:contentTypeVersion="2" ma:contentTypeDescription="Create a new document." ma:contentTypeScope="" ma:versionID="ebb565478e7a1a3dcf1a59c51a5398bd">
   <xsd:schema xmlns:xsd="http://www.w3.org/2001/XMLSchema" xmlns:xs="http://www.w3.org/2001/XMLSchema" xmlns:p="http://schemas.microsoft.com/office/2006/metadata/properties" xmlns:ns2="5510ff2d-8d0f-4297-b81e-8a882641c805" targetNamespace="http://schemas.microsoft.com/office/2006/metadata/properties" ma:root="true" ma:fieldsID="80d6de3423dfd00089fa99a8de6af579" ns2:_="">
     <xsd:import namespace="5510ff2d-8d0f-4297-b81e-8a882641c805"/>
@@ -7253,6 +10581,15 @@
 </ct:contentTypeSchema>
 </file>
 
+<file path=customXml/item2.xml><?xml version="1.0" encoding="utf-8"?>
+<?mso-contentType ?>
+<FormTemplates xmlns="http://schemas.microsoft.com/sharepoint/v3/contenttype/forms">
+  <Display>DocumentLibraryForm</Display>
+  <Edit>DocumentLibraryForm</Edit>
+  <New>DocumentLibraryForm</New>
+</FormTemplates>
+</file>
+
 <file path=customXml/item3.xml><?xml version="1.0" encoding="utf-8"?>
 <p:properties xmlns:p="http://schemas.microsoft.com/office/2006/metadata/properties" xmlns:xsi="http://www.w3.org/2001/XMLSchema-instance" xmlns:pc="http://schemas.microsoft.com/office/infopath/2007/PartnerControls">
   <documentManagement/>
@@ -7260,14 +10597,6 @@
 </file>
 
 <file path=customXml/itemProps1.xml><?xml version="1.0" encoding="utf-8"?>
-<ds:datastoreItem xmlns:ds="http://schemas.openxmlformats.org/officeDocument/2006/customXml" ds:itemID="{4BE6E503-42EC-418D-BECE-EB0FFCF85516}">
-  <ds:schemaRefs>
-    <ds:schemaRef ds:uri="http://schemas.microsoft.com/sharepoint/v3/contenttype/forms"/>
-  </ds:schemaRefs>
-</ds:datastoreItem>
-</file>
-
-<file path=customXml/itemProps2.xml><?xml version="1.0" encoding="utf-8"?>
 <ds:datastoreItem xmlns:ds="http://schemas.openxmlformats.org/officeDocument/2006/customXml" ds:itemID="{3BDEF1EF-6389-4002-81F4-F1B61533672A}">
   <ds:schemaRefs>
     <ds:schemaRef ds:uri="5510ff2d-8d0f-4297-b81e-8a882641c805"/>
@@ -7281,6 +10610,14 @@
     <ds:schemaRef ds:uri="http://schemas.microsoft.com/office/infopath/2007/PartnerControls"/>
     <ds:schemaRef ds:uri="http://schemas.openxmlformats.org/package/2006/metadata/core-properties"/>
     <ds:schemaRef ds:uri="http://www.w3.org/2001/XMLSchema"/>
+  </ds:schemaRefs>
+</ds:datastoreItem>
+</file>
+
+<file path=customXml/itemProps2.xml><?xml version="1.0" encoding="utf-8"?>
+<ds:datastoreItem xmlns:ds="http://schemas.openxmlformats.org/officeDocument/2006/customXml" ds:itemID="{4BE6E503-42EC-418D-BECE-EB0FFCF85516}">
+  <ds:schemaRefs>
+    <ds:schemaRef ds:uri="http://schemas.microsoft.com/sharepoint/v3/contenttype/forms"/>
   </ds:schemaRefs>
 </ds:datastoreItem>
 </file>

--- a/ai_docs/Diagramas.pptx
+++ b/ai_docs/Diagramas.pptx
@@ -207,7 +207,7 @@
           <a:p>
             <a:fld id="{256C9FCD-D82F-3149-9EC0-4EF75A95459C}" type="datetimeFigureOut">
               <a:rPr lang="es-ES" smtClean="0"/>
-              <a:t>2/6/22</a:t>
+              <a:t>3/6/22</a:t>
             </a:fld>
             <a:endParaRPr lang="es-ES"/>
           </a:p>
@@ -705,7 +705,7 @@
           <a:p>
             <a:fld id="{E897FFBC-46E8-D744-98E8-8525DA8E3C89}" type="datetimeFigureOut">
               <a:rPr lang="es-ES" smtClean="0"/>
-              <a:t>2/6/22</a:t>
+              <a:t>3/6/22</a:t>
             </a:fld>
             <a:endParaRPr lang="es-ES"/>
           </a:p>
@@ -903,7 +903,7 @@
           <a:p>
             <a:fld id="{E897FFBC-46E8-D744-98E8-8525DA8E3C89}" type="datetimeFigureOut">
               <a:rPr lang="es-ES" smtClean="0"/>
-              <a:t>2/6/22</a:t>
+              <a:t>3/6/22</a:t>
             </a:fld>
             <a:endParaRPr lang="es-ES"/>
           </a:p>
@@ -1111,7 +1111,7 @@
           <a:p>
             <a:fld id="{E897FFBC-46E8-D744-98E8-8525DA8E3C89}" type="datetimeFigureOut">
               <a:rPr lang="es-ES" smtClean="0"/>
-              <a:t>2/6/22</a:t>
+              <a:t>3/6/22</a:t>
             </a:fld>
             <a:endParaRPr lang="es-ES"/>
           </a:p>
@@ -1309,7 +1309,7 @@
           <a:p>
             <a:fld id="{E897FFBC-46E8-D744-98E8-8525DA8E3C89}" type="datetimeFigureOut">
               <a:rPr lang="es-ES" smtClean="0"/>
-              <a:t>2/6/22</a:t>
+              <a:t>3/6/22</a:t>
             </a:fld>
             <a:endParaRPr lang="es-ES"/>
           </a:p>
@@ -1584,7 +1584,7 @@
           <a:p>
             <a:fld id="{E897FFBC-46E8-D744-98E8-8525DA8E3C89}" type="datetimeFigureOut">
               <a:rPr lang="es-ES" smtClean="0"/>
-              <a:t>2/6/22</a:t>
+              <a:t>3/6/22</a:t>
             </a:fld>
             <a:endParaRPr lang="es-ES"/>
           </a:p>
@@ -1849,7 +1849,7 @@
           <a:p>
             <a:fld id="{E897FFBC-46E8-D744-98E8-8525DA8E3C89}" type="datetimeFigureOut">
               <a:rPr lang="es-ES" smtClean="0"/>
-              <a:t>2/6/22</a:t>
+              <a:t>3/6/22</a:t>
             </a:fld>
             <a:endParaRPr lang="es-ES"/>
           </a:p>
@@ -2261,7 +2261,7 @@
           <a:p>
             <a:fld id="{E897FFBC-46E8-D744-98E8-8525DA8E3C89}" type="datetimeFigureOut">
               <a:rPr lang="es-ES" smtClean="0"/>
-              <a:t>2/6/22</a:t>
+              <a:t>3/6/22</a:t>
             </a:fld>
             <a:endParaRPr lang="es-ES"/>
           </a:p>
@@ -2402,7 +2402,7 @@
           <a:p>
             <a:fld id="{E897FFBC-46E8-D744-98E8-8525DA8E3C89}" type="datetimeFigureOut">
               <a:rPr lang="es-ES" smtClean="0"/>
-              <a:t>2/6/22</a:t>
+              <a:t>3/6/22</a:t>
             </a:fld>
             <a:endParaRPr lang="es-ES"/>
           </a:p>
@@ -2515,7 +2515,7 @@
           <a:p>
             <a:fld id="{E897FFBC-46E8-D744-98E8-8525DA8E3C89}" type="datetimeFigureOut">
               <a:rPr lang="es-ES" smtClean="0"/>
-              <a:t>2/6/22</a:t>
+              <a:t>3/6/22</a:t>
             </a:fld>
             <a:endParaRPr lang="es-ES"/>
           </a:p>
@@ -2826,7 +2826,7 @@
           <a:p>
             <a:fld id="{E897FFBC-46E8-D744-98E8-8525DA8E3C89}" type="datetimeFigureOut">
               <a:rPr lang="es-ES" smtClean="0"/>
-              <a:t>2/6/22</a:t>
+              <a:t>3/6/22</a:t>
             </a:fld>
             <a:endParaRPr lang="es-ES"/>
           </a:p>
@@ -3114,7 +3114,7 @@
           <a:p>
             <a:fld id="{E897FFBC-46E8-D744-98E8-8525DA8E3C89}" type="datetimeFigureOut">
               <a:rPr lang="es-ES" smtClean="0"/>
-              <a:t>2/6/22</a:t>
+              <a:t>3/6/22</a:t>
             </a:fld>
             <a:endParaRPr lang="es-ES"/>
           </a:p>
@@ -3355,7 +3355,7 @@
           <a:p>
             <a:fld id="{E897FFBC-46E8-D744-98E8-8525DA8E3C89}" type="datetimeFigureOut">
               <a:rPr lang="es-ES" smtClean="0"/>
-              <a:t>2/6/22</a:t>
+              <a:t>3/6/22</a:t>
             </a:fld>
             <a:endParaRPr lang="es-ES"/>
           </a:p>
@@ -7806,7 +7806,7 @@
         </p:nvSpPr>
         <p:spPr>
           <a:xfrm>
-            <a:off x="2662642" y="2553130"/>
+            <a:off x="2662642" y="2918888"/>
             <a:ext cx="3419698" cy="230832"/>
           </a:xfrm>
           <a:prstGeom prst="rect">
@@ -7844,7 +7844,7 @@
         </p:nvCxnSpPr>
         <p:spPr>
           <a:xfrm>
-            <a:off x="941187" y="1534690"/>
+            <a:off x="941187" y="1371061"/>
             <a:ext cx="1726386" cy="0"/>
           </a:xfrm>
           <a:prstGeom prst="straightConnector1">
@@ -7886,7 +7886,7 @@
         </p:nvSpPr>
         <p:spPr>
           <a:xfrm>
-            <a:off x="954001" y="1167400"/>
+            <a:off x="954001" y="994145"/>
             <a:ext cx="1713571" cy="369332"/>
           </a:xfrm>
           <a:prstGeom prst="rect">
@@ -7928,7 +7928,7 @@
         </p:nvCxnSpPr>
         <p:spPr>
           <a:xfrm flipH="1">
-            <a:off x="2675001" y="2547832"/>
+            <a:off x="2675001" y="2913590"/>
             <a:ext cx="3419698" cy="0"/>
           </a:xfrm>
           <a:prstGeom prst="straightConnector1">
@@ -8158,8 +8158,8 @@
         </p:nvSpPr>
         <p:spPr>
           <a:xfrm>
-            <a:off x="269034" y="1170114"/>
-            <a:ext cx="6510641" cy="2176322"/>
+            <a:off x="1981755" y="1535872"/>
+            <a:ext cx="4797920" cy="2176322"/>
           </a:xfrm>
           <a:prstGeom prst="rect">
             <a:avLst/>
@@ -8210,7 +8210,7 @@
         </p:nvCxnSpPr>
         <p:spPr>
           <a:xfrm>
-            <a:off x="2672504" y="1637310"/>
+            <a:off x="2672504" y="2003068"/>
             <a:ext cx="1713569" cy="0"/>
           </a:xfrm>
           <a:prstGeom prst="straightConnector1">
@@ -8254,7 +8254,7 @@
         </p:nvCxnSpPr>
         <p:spPr>
           <a:xfrm flipH="1" flipV="1">
-            <a:off x="2667054" y="1768639"/>
+            <a:off x="2667054" y="2134397"/>
             <a:ext cx="1726386" cy="0"/>
           </a:xfrm>
           <a:prstGeom prst="straightConnector1">
@@ -8296,7 +8296,7 @@
         </p:nvSpPr>
         <p:spPr>
           <a:xfrm>
-            <a:off x="2672503" y="1782595"/>
+            <a:off x="2672503" y="2148353"/>
             <a:ext cx="1708637" cy="230832"/>
           </a:xfrm>
           <a:prstGeom prst="rect">
@@ -8332,7 +8332,7 @@
         </p:nvSpPr>
         <p:spPr>
           <a:xfrm>
-            <a:off x="2675001" y="1406449"/>
+            <a:off x="2675001" y="1772207"/>
             <a:ext cx="1708637" cy="230832"/>
           </a:xfrm>
           <a:prstGeom prst="rect">
@@ -8372,7 +8372,7 @@
         </p:nvSpPr>
         <p:spPr>
           <a:xfrm>
-            <a:off x="1982604" y="2082002"/>
+            <a:off x="1982604" y="2447760"/>
             <a:ext cx="4797067" cy="757101"/>
           </a:xfrm>
           <a:prstGeom prst="rect">
@@ -8426,7 +8426,7 @@
         </p:nvCxnSpPr>
         <p:spPr>
           <a:xfrm>
-            <a:off x="2667054" y="2383834"/>
+            <a:off x="2667054" y="2749592"/>
             <a:ext cx="3427657" cy="0"/>
           </a:xfrm>
           <a:prstGeom prst="straightConnector1">
@@ -8468,7 +8468,7 @@
         </p:nvSpPr>
         <p:spPr>
           <a:xfrm>
-            <a:off x="2655275" y="2148018"/>
+            <a:off x="2655275" y="2513776"/>
             <a:ext cx="3439424" cy="230832"/>
           </a:xfrm>
           <a:prstGeom prst="rect">
@@ -8516,7 +8516,7 @@
         </p:nvCxnSpPr>
         <p:spPr>
           <a:xfrm flipH="1">
-            <a:off x="954001" y="3066232"/>
+            <a:off x="954001" y="3845876"/>
             <a:ext cx="1718502" cy="0"/>
           </a:xfrm>
           <a:prstGeom prst="straightConnector1">
@@ -8558,7 +8558,7 @@
         </p:nvSpPr>
         <p:spPr>
           <a:xfrm>
-            <a:off x="949071" y="3068714"/>
+            <a:off x="949071" y="3857983"/>
             <a:ext cx="1730870" cy="230832"/>
           </a:xfrm>
           <a:prstGeom prst="rect">
@@ -8594,7 +8594,7 @@
         </p:nvSpPr>
         <p:spPr>
           <a:xfrm>
-            <a:off x="4989416" y="1179494"/>
+            <a:off x="4989416" y="1545252"/>
             <a:ext cx="1792515" cy="369332"/>
           </a:xfrm>
           <a:prstGeom prst="rect">
@@ -8646,7 +8646,7 @@
         </p:nvSpPr>
         <p:spPr>
           <a:xfrm>
-            <a:off x="5847831" y="2088383"/>
+            <a:off x="5847831" y="2454141"/>
             <a:ext cx="926193" cy="230832"/>
           </a:xfrm>
           <a:prstGeom prst="rect">
@@ -8692,7 +8692,7 @@
         </p:nvCxnSpPr>
         <p:spPr>
           <a:xfrm>
-            <a:off x="961446" y="3891395"/>
+            <a:off x="961446" y="4401531"/>
             <a:ext cx="6842168" cy="0"/>
           </a:xfrm>
           <a:prstGeom prst="straightConnector1">
@@ -8734,7 +8734,7 @@
         </p:nvSpPr>
         <p:spPr>
           <a:xfrm>
-            <a:off x="942360" y="3661203"/>
+            <a:off x="942360" y="4171339"/>
             <a:ext cx="6854008" cy="230832"/>
           </a:xfrm>
           <a:prstGeom prst="rect">
@@ -8774,8 +8774,8 @@
         </p:nvSpPr>
         <p:spPr>
           <a:xfrm>
-            <a:off x="269034" y="3646500"/>
-            <a:ext cx="11653930" cy="2637621"/>
+            <a:off x="269034" y="4156637"/>
+            <a:ext cx="11653930" cy="2312904"/>
           </a:xfrm>
           <a:prstGeom prst="rect">
             <a:avLst/>
@@ -8812,87 +8812,6 @@
           </a:p>
         </p:txBody>
       </p:sp>
-      <p:cxnSp>
-        <p:nvCxnSpPr>
-          <p:cNvPr id="53" name="Conector recto de flecha 52">
-            <a:extLst>
-              <a:ext uri="{FF2B5EF4-FFF2-40B4-BE49-F238E27FC236}">
-                <a16:creationId xmlns:a16="http://schemas.microsoft.com/office/drawing/2014/main" id="{B16813BC-28CF-3B80-C116-21E89282B325}"/>
-              </a:ext>
-            </a:extLst>
-          </p:cNvPr>
-          <p:cNvCxnSpPr>
-            <a:cxnSpLocks/>
-          </p:cNvCxnSpPr>
-          <p:nvPr/>
-        </p:nvCxnSpPr>
-        <p:spPr>
-          <a:xfrm flipH="1">
-            <a:off x="961446" y="4043556"/>
-            <a:ext cx="6842168" cy="0"/>
-          </a:xfrm>
-          <a:prstGeom prst="straightConnector1">
-            <a:avLst/>
-          </a:prstGeom>
-          <a:ln>
-            <a:solidFill>
-              <a:schemeClr val="tx1"/>
-            </a:solidFill>
-            <a:tailEnd type="triangle"/>
-          </a:ln>
-        </p:spPr>
-        <p:style>
-          <a:lnRef idx="1">
-            <a:schemeClr val="accent1"/>
-          </a:lnRef>
-          <a:fillRef idx="0">
-            <a:schemeClr val="accent1"/>
-          </a:fillRef>
-          <a:effectRef idx="0">
-            <a:schemeClr val="accent1"/>
-          </a:effectRef>
-          <a:fontRef idx="minor">
-            <a:schemeClr val="tx1"/>
-          </a:fontRef>
-        </p:style>
-      </p:cxnSp>
-      <p:sp>
-        <p:nvSpPr>
-          <p:cNvPr id="54" name="CuadroTexto 53">
-            <a:extLst>
-              <a:ext uri="{FF2B5EF4-FFF2-40B4-BE49-F238E27FC236}">
-                <a16:creationId xmlns:a16="http://schemas.microsoft.com/office/drawing/2014/main" id="{D78AF875-D046-49DD-56CB-5807016249EA}"/>
-              </a:ext>
-            </a:extLst>
-          </p:cNvPr>
-          <p:cNvSpPr txBox="1"/>
-          <p:nvPr/>
-        </p:nvSpPr>
-        <p:spPr>
-          <a:xfrm>
-            <a:off x="969113" y="4050658"/>
-            <a:ext cx="6854008" cy="230832"/>
-          </a:xfrm>
-          <a:prstGeom prst="rect">
-            <a:avLst/>
-          </a:prstGeom>
-          <a:noFill/>
-        </p:spPr>
-        <p:txBody>
-          <a:bodyPr wrap="square" rtlCol="0">
-            <a:spAutoFit/>
-          </a:bodyPr>
-          <a:lstStyle/>
-          <a:p>
-            <a:pPr algn="ctr"/>
-            <a:r>
-              <a:rPr lang="en-US" sz="900" dirty="0" err="1"/>
-              <a:t>unit_test</a:t>
-            </a:r>
-            <a:endParaRPr lang="en-US" sz="900" dirty="0"/>
-          </a:p>
-        </p:txBody>
-      </p:sp>
       <p:sp>
         <p:nvSpPr>
           <p:cNvPr id="55" name="Rectángulo 54">
@@ -8907,7 +8826,7 @@
         </p:nvSpPr>
         <p:spPr>
           <a:xfrm>
-            <a:off x="7122170" y="4299983"/>
+            <a:off x="7122170" y="4579116"/>
             <a:ext cx="4800794" cy="1456811"/>
           </a:xfrm>
           <a:prstGeom prst="rect">
@@ -8959,7 +8878,7 @@
         </p:nvSpPr>
         <p:spPr>
           <a:xfrm>
-            <a:off x="10183663" y="3650264"/>
+            <a:off x="10183663" y="4160400"/>
             <a:ext cx="1739302" cy="369332"/>
           </a:xfrm>
           <a:prstGeom prst="rect">
@@ -9011,7 +8930,7 @@
         </p:nvSpPr>
         <p:spPr>
           <a:xfrm>
-            <a:off x="9565941" y="4304305"/>
+            <a:off x="9565941" y="4583438"/>
             <a:ext cx="2347780" cy="369332"/>
           </a:xfrm>
           <a:prstGeom prst="rect">
@@ -9349,7 +9268,7 @@
         </p:nvCxnSpPr>
         <p:spPr>
           <a:xfrm>
-            <a:off x="7819650" y="4541998"/>
+            <a:off x="7819650" y="4821131"/>
             <a:ext cx="1697326" cy="0"/>
           </a:xfrm>
           <a:prstGeom prst="straightConnector1">
@@ -9391,7 +9310,7 @@
         </p:nvSpPr>
         <p:spPr>
           <a:xfrm>
-            <a:off x="7814603" y="4305133"/>
+            <a:off x="7814603" y="4584266"/>
             <a:ext cx="1699904" cy="230832"/>
           </a:xfrm>
           <a:prstGeom prst="rect">
@@ -9431,7 +9350,7 @@
         </p:nvCxnSpPr>
         <p:spPr>
           <a:xfrm flipH="1">
-            <a:off x="7810249" y="4688794"/>
+            <a:off x="7810249" y="4967927"/>
             <a:ext cx="1723644" cy="0"/>
           </a:xfrm>
           <a:prstGeom prst="straightConnector1">
@@ -9473,7 +9392,7 @@
         </p:nvSpPr>
         <p:spPr>
           <a:xfrm>
-            <a:off x="7814603" y="4698564"/>
+            <a:off x="7814603" y="4977697"/>
             <a:ext cx="1699904" cy="230832"/>
           </a:xfrm>
           <a:prstGeom prst="rect">
@@ -9614,7 +9533,7 @@
         </p:nvCxnSpPr>
         <p:spPr>
           <a:xfrm>
-            <a:off x="7817458" y="5127674"/>
+            <a:off x="7817458" y="5406807"/>
             <a:ext cx="3427221" cy="0"/>
           </a:xfrm>
           <a:prstGeom prst="straightConnector1">
@@ -9656,7 +9575,7 @@
         </p:nvCxnSpPr>
         <p:spPr>
           <a:xfrm flipH="1">
-            <a:off x="7819650" y="5310116"/>
+            <a:off x="7819650" y="5589249"/>
             <a:ext cx="3437845" cy="0"/>
           </a:xfrm>
           <a:prstGeom prst="straightConnector1">
@@ -9698,7 +9617,7 @@
         </p:nvSpPr>
         <p:spPr>
           <a:xfrm>
-            <a:off x="7819400" y="4892352"/>
+            <a:off x="7819400" y="5171485"/>
             <a:ext cx="3437845" cy="230832"/>
           </a:xfrm>
           <a:prstGeom prst="rect">
@@ -9746,7 +9665,7 @@
         </p:nvSpPr>
         <p:spPr>
           <a:xfrm>
-            <a:off x="7817457" y="5322021"/>
+            <a:off x="7817457" y="5601154"/>
             <a:ext cx="3427221" cy="230832"/>
           </a:xfrm>
           <a:prstGeom prst="rect">
@@ -9782,7 +9701,7 @@
         </p:nvCxnSpPr>
         <p:spPr>
           <a:xfrm flipH="1">
-            <a:off x="950152" y="5929659"/>
+            <a:off x="950152" y="6208792"/>
             <a:ext cx="6876270" cy="0"/>
           </a:xfrm>
           <a:prstGeom prst="straightConnector1">
@@ -9824,7 +9743,7 @@
         </p:nvSpPr>
         <p:spPr>
           <a:xfrm>
-            <a:off x="941188" y="5941801"/>
+            <a:off x="941188" y="6220934"/>
             <a:ext cx="6885234" cy="230832"/>
           </a:xfrm>
           <a:prstGeom prst="rect">
@@ -10582,18 +10501,18 @@
 </file>
 
 <file path=customXml/item2.xml><?xml version="1.0" encoding="utf-8"?>
+<p:properties xmlns:p="http://schemas.microsoft.com/office/2006/metadata/properties" xmlns:xsi="http://www.w3.org/2001/XMLSchema-instance" xmlns:pc="http://schemas.microsoft.com/office/infopath/2007/PartnerControls">
+  <documentManagement/>
+</p:properties>
+</file>
+
+<file path=customXml/item3.xml><?xml version="1.0" encoding="utf-8"?>
 <?mso-contentType ?>
 <FormTemplates xmlns="http://schemas.microsoft.com/sharepoint/v3/contenttype/forms">
   <Display>DocumentLibraryForm</Display>
   <Edit>DocumentLibraryForm</Edit>
   <New>DocumentLibraryForm</New>
 </FormTemplates>
-</file>
-
-<file path=customXml/item3.xml><?xml version="1.0" encoding="utf-8"?>
-<p:properties xmlns:p="http://schemas.microsoft.com/office/2006/metadata/properties" xmlns:xsi="http://www.w3.org/2001/XMLSchema-instance" xmlns:pc="http://schemas.microsoft.com/office/infopath/2007/PartnerControls">
-  <documentManagement/>
-</p:properties>
 </file>
 
 <file path=customXml/itemProps1.xml><?xml version="1.0" encoding="utf-8"?>
@@ -10615,14 +10534,6 @@
 </file>
 
 <file path=customXml/itemProps2.xml><?xml version="1.0" encoding="utf-8"?>
-<ds:datastoreItem xmlns:ds="http://schemas.openxmlformats.org/officeDocument/2006/customXml" ds:itemID="{4BE6E503-42EC-418D-BECE-EB0FFCF85516}">
-  <ds:schemaRefs>
-    <ds:schemaRef ds:uri="http://schemas.microsoft.com/sharepoint/v3/contenttype/forms"/>
-  </ds:schemaRefs>
-</ds:datastoreItem>
-</file>
-
-<file path=customXml/itemProps3.xml><?xml version="1.0" encoding="utf-8"?>
 <ds:datastoreItem xmlns:ds="http://schemas.openxmlformats.org/officeDocument/2006/customXml" ds:itemID="{AFE80E72-7864-4337-90CD-FB4FD5882C72}">
   <ds:schemaRefs>
     <ds:schemaRef ds:uri="http://purl.org/dc/dcmitype/"/>
@@ -10635,4 +10546,12 @@
     <ds:schemaRef ds:uri="http://www.w3.org/XML/1998/namespace"/>
   </ds:schemaRefs>
 </ds:datastoreItem>
+</file>
+
+<file path=customXml/itemProps3.xml><?xml version="1.0" encoding="utf-8"?>
+<ds:datastoreItem xmlns:ds="http://schemas.openxmlformats.org/officeDocument/2006/customXml" ds:itemID="{4BE6E503-42EC-418D-BECE-EB0FFCF85516}">
+  <ds:schemaRefs>
+    <ds:schemaRef ds:uri="http://schemas.microsoft.com/sharepoint/v3/contenttype/forms"/>
+  </ds:schemaRefs>
+</ds:datastoreItem>
 </file>
--- a/ai_docs/Diagramas.pptx
+++ b/ai_docs/Diagramas.pptx
@@ -5,11 +5,13 @@
     <p:sldMasterId id="2147483648" r:id="rId4"/>
   </p:sldMasterIdLst>
   <p:notesMasterIdLst>
-    <p:notesMasterId r:id="rId7"/>
+    <p:notesMasterId r:id="rId9"/>
   </p:notesMasterIdLst>
   <p:sldIdLst>
     <p:sldId id="259" r:id="rId5"/>
     <p:sldId id="258" r:id="rId6"/>
+    <p:sldId id="261" r:id="rId7"/>
+    <p:sldId id="262" r:id="rId8"/>
   </p:sldIdLst>
   <p:sldSz cx="12192000" cy="6858000"/>
   <p:notesSz cx="6858000" cy="9144000"/>
@@ -7639,7 +7641,7 @@
         </p:nvSpPr>
         <p:spPr>
           <a:xfrm>
-            <a:off x="269034" y="475217"/>
+            <a:off x="269034" y="375493"/>
             <a:ext cx="1369937" cy="420878"/>
           </a:xfrm>
           <a:prstGeom prst="rect">
@@ -7703,7 +7705,7 @@
         </p:nvCxnSpPr>
         <p:spPr>
           <a:xfrm flipH="1">
-            <a:off x="941187" y="896095"/>
+            <a:off x="941187" y="796371"/>
             <a:ext cx="12816" cy="5683636"/>
           </a:xfrm>
           <a:prstGeom prst="line">
@@ -7745,7 +7747,7 @@
         </p:nvSpPr>
         <p:spPr>
           <a:xfrm>
-            <a:off x="1982604" y="475217"/>
+            <a:off x="1982604" y="375493"/>
             <a:ext cx="1369937" cy="420878"/>
           </a:xfrm>
           <a:prstGeom prst="rect">
@@ -7806,7 +7808,7 @@
         </p:nvSpPr>
         <p:spPr>
           <a:xfrm>
-            <a:off x="2662642" y="2918888"/>
+            <a:off x="2662642" y="2819164"/>
             <a:ext cx="3419698" cy="230832"/>
           </a:xfrm>
           <a:prstGeom prst="rect">
@@ -7844,7 +7846,7 @@
         </p:nvCxnSpPr>
         <p:spPr>
           <a:xfrm>
-            <a:off x="941187" y="1371061"/>
+            <a:off x="941187" y="1271337"/>
             <a:ext cx="1726386" cy="0"/>
           </a:xfrm>
           <a:prstGeom prst="straightConnector1">
@@ -7886,7 +7888,7 @@
         </p:nvSpPr>
         <p:spPr>
           <a:xfrm>
-            <a:off x="954001" y="994145"/>
+            <a:off x="954001" y="894421"/>
             <a:ext cx="1713571" cy="369332"/>
           </a:xfrm>
           <a:prstGeom prst="rect">
@@ -7928,7 +7930,7 @@
         </p:nvCxnSpPr>
         <p:spPr>
           <a:xfrm flipH="1">
-            <a:off x="2675001" y="2913590"/>
+            <a:off x="2675001" y="2813866"/>
             <a:ext cx="3419698" cy="0"/>
           </a:xfrm>
           <a:prstGeom prst="straightConnector1">
@@ -7970,7 +7972,7 @@
         </p:nvSpPr>
         <p:spPr>
           <a:xfrm>
-            <a:off x="3696173" y="475217"/>
+            <a:off x="3696173" y="375493"/>
             <a:ext cx="1369937" cy="420878"/>
           </a:xfrm>
           <a:prstGeom prst="rect">
@@ -8031,7 +8033,7 @@
         </p:nvSpPr>
         <p:spPr>
           <a:xfrm>
-            <a:off x="5409742" y="475217"/>
+            <a:off x="5409742" y="375493"/>
             <a:ext cx="1369937" cy="420878"/>
           </a:xfrm>
           <a:prstGeom prst="rect">
@@ -8092,7 +8094,7 @@
         </p:nvSpPr>
         <p:spPr>
           <a:xfrm>
-            <a:off x="7123311" y="475217"/>
+            <a:off x="7123311" y="375493"/>
             <a:ext cx="1369937" cy="420878"/>
           </a:xfrm>
           <a:prstGeom prst="rect">
@@ -8158,7 +8160,7 @@
         </p:nvSpPr>
         <p:spPr>
           <a:xfrm>
-            <a:off x="1981755" y="1535872"/>
+            <a:off x="1981755" y="1436148"/>
             <a:ext cx="4797920" cy="2176322"/>
           </a:xfrm>
           <a:prstGeom prst="rect">
@@ -8210,7 +8212,7 @@
         </p:nvCxnSpPr>
         <p:spPr>
           <a:xfrm>
-            <a:off x="2672504" y="2003068"/>
+            <a:off x="2672504" y="1903344"/>
             <a:ext cx="1713569" cy="0"/>
           </a:xfrm>
           <a:prstGeom prst="straightConnector1">
@@ -8254,7 +8256,7 @@
         </p:nvCxnSpPr>
         <p:spPr>
           <a:xfrm flipH="1" flipV="1">
-            <a:off x="2667054" y="2134397"/>
+            <a:off x="2667054" y="2034673"/>
             <a:ext cx="1726386" cy="0"/>
           </a:xfrm>
           <a:prstGeom prst="straightConnector1">
@@ -8296,7 +8298,7 @@
         </p:nvSpPr>
         <p:spPr>
           <a:xfrm>
-            <a:off x="2672503" y="2148353"/>
+            <a:off x="2672503" y="2048629"/>
             <a:ext cx="1708637" cy="230832"/>
           </a:xfrm>
           <a:prstGeom prst="rect">
@@ -8332,7 +8334,7 @@
         </p:nvSpPr>
         <p:spPr>
           <a:xfrm>
-            <a:off x="2675001" y="1772207"/>
+            <a:off x="2675001" y="1672483"/>
             <a:ext cx="1708637" cy="230832"/>
           </a:xfrm>
           <a:prstGeom prst="rect">
@@ -8372,7 +8374,7 @@
         </p:nvSpPr>
         <p:spPr>
           <a:xfrm>
-            <a:off x="1982604" y="2447760"/>
+            <a:off x="1982604" y="2348036"/>
             <a:ext cx="4797067" cy="757101"/>
           </a:xfrm>
           <a:prstGeom prst="rect">
@@ -8426,7 +8428,7 @@
         </p:nvCxnSpPr>
         <p:spPr>
           <a:xfrm>
-            <a:off x="2667054" y="2749592"/>
+            <a:off x="2667054" y="2649868"/>
             <a:ext cx="3427657" cy="0"/>
           </a:xfrm>
           <a:prstGeom prst="straightConnector1">
@@ -8468,7 +8470,7 @@
         </p:nvSpPr>
         <p:spPr>
           <a:xfrm>
-            <a:off x="2655275" y="2513776"/>
+            <a:off x="2655275" y="2414052"/>
             <a:ext cx="3439424" cy="230832"/>
           </a:xfrm>
           <a:prstGeom prst="rect">
@@ -8516,7 +8518,7 @@
         </p:nvCxnSpPr>
         <p:spPr>
           <a:xfrm flipH="1">
-            <a:off x="954001" y="3845876"/>
+            <a:off x="954001" y="3746152"/>
             <a:ext cx="1718502" cy="0"/>
           </a:xfrm>
           <a:prstGeom prst="straightConnector1">
@@ -8558,7 +8560,7 @@
         </p:nvSpPr>
         <p:spPr>
           <a:xfrm>
-            <a:off x="949071" y="3857983"/>
+            <a:off x="949071" y="3758259"/>
             <a:ext cx="1730870" cy="230832"/>
           </a:xfrm>
           <a:prstGeom prst="rect">
@@ -8594,7 +8596,7 @@
         </p:nvSpPr>
         <p:spPr>
           <a:xfrm>
-            <a:off x="4989416" y="1545252"/>
+            <a:off x="4989416" y="1445528"/>
             <a:ext cx="1792515" cy="369332"/>
           </a:xfrm>
           <a:prstGeom prst="rect">
@@ -8646,7 +8648,7 @@
         </p:nvSpPr>
         <p:spPr>
           <a:xfrm>
-            <a:off x="5847831" y="2454141"/>
+            <a:off x="5847831" y="2354417"/>
             <a:ext cx="926193" cy="230832"/>
           </a:xfrm>
           <a:prstGeom prst="rect">
@@ -8692,7 +8694,7 @@
         </p:nvCxnSpPr>
         <p:spPr>
           <a:xfrm>
-            <a:off x="961446" y="4401531"/>
+            <a:off x="961446" y="4301807"/>
             <a:ext cx="6842168" cy="0"/>
           </a:xfrm>
           <a:prstGeom prst="straightConnector1">
@@ -8734,7 +8736,7 @@
         </p:nvSpPr>
         <p:spPr>
           <a:xfrm>
-            <a:off x="942360" y="4171339"/>
+            <a:off x="942360" y="4071615"/>
             <a:ext cx="6854008" cy="230832"/>
           </a:xfrm>
           <a:prstGeom prst="rect">
@@ -8774,7 +8776,7 @@
         </p:nvSpPr>
         <p:spPr>
           <a:xfrm>
-            <a:off x="269034" y="4156637"/>
+            <a:off x="269034" y="4056913"/>
             <a:ext cx="11653930" cy="2312904"/>
           </a:xfrm>
           <a:prstGeom prst="rect">
@@ -8826,7 +8828,7 @@
         </p:nvSpPr>
         <p:spPr>
           <a:xfrm>
-            <a:off x="7122170" y="4579116"/>
+            <a:off x="7122170" y="4479392"/>
             <a:ext cx="4800794" cy="1456811"/>
           </a:xfrm>
           <a:prstGeom prst="rect">
@@ -8878,7 +8880,7 @@
         </p:nvSpPr>
         <p:spPr>
           <a:xfrm>
-            <a:off x="10183663" y="4160400"/>
+            <a:off x="10183663" y="4060676"/>
             <a:ext cx="1739302" cy="369332"/>
           </a:xfrm>
           <a:prstGeom prst="rect">
@@ -8930,7 +8932,7 @@
         </p:nvSpPr>
         <p:spPr>
           <a:xfrm>
-            <a:off x="9565941" y="4583438"/>
+            <a:off x="9565941" y="4483714"/>
             <a:ext cx="2347780" cy="369332"/>
           </a:xfrm>
           <a:prstGeom prst="rect">
@@ -8984,7 +8986,7 @@
         </p:nvCxnSpPr>
         <p:spPr>
           <a:xfrm flipH="1">
-            <a:off x="2652840" y="898595"/>
+            <a:off x="2652840" y="798871"/>
             <a:ext cx="12816" cy="5683636"/>
           </a:xfrm>
           <a:prstGeom prst="line">
@@ -9028,7 +9030,7 @@
         </p:nvCxnSpPr>
         <p:spPr>
           <a:xfrm flipH="1">
-            <a:off x="4363668" y="896095"/>
+            <a:off x="4363668" y="796371"/>
             <a:ext cx="12816" cy="5683636"/>
           </a:xfrm>
           <a:prstGeom prst="line">
@@ -9072,7 +9074,7 @@
         </p:nvCxnSpPr>
         <p:spPr>
           <a:xfrm flipH="1">
-            <a:off x="6087732" y="896675"/>
+            <a:off x="6087732" y="796951"/>
             <a:ext cx="12816" cy="5683636"/>
           </a:xfrm>
           <a:prstGeom prst="line">
@@ -9116,7 +9118,7 @@
         </p:nvCxnSpPr>
         <p:spPr>
           <a:xfrm flipH="1">
-            <a:off x="7810858" y="898595"/>
+            <a:off x="7810858" y="798871"/>
             <a:ext cx="12816" cy="5683636"/>
           </a:xfrm>
           <a:prstGeom prst="line">
@@ -9158,7 +9160,7 @@
         </p:nvSpPr>
         <p:spPr>
           <a:xfrm>
-            <a:off x="8841375" y="475217"/>
+            <a:off x="8841375" y="375493"/>
             <a:ext cx="1369937" cy="420878"/>
           </a:xfrm>
           <a:prstGeom prst="rect">
@@ -9226,7 +9228,7 @@
         </p:nvCxnSpPr>
         <p:spPr>
           <a:xfrm flipH="1">
-            <a:off x="9521000" y="896095"/>
+            <a:off x="9521000" y="796371"/>
             <a:ext cx="12816" cy="5683636"/>
           </a:xfrm>
           <a:prstGeom prst="line">
@@ -9268,7 +9270,7 @@
         </p:nvCxnSpPr>
         <p:spPr>
           <a:xfrm>
-            <a:off x="7819650" y="4821131"/>
+            <a:off x="7819650" y="4721407"/>
             <a:ext cx="1697326" cy="0"/>
           </a:xfrm>
           <a:prstGeom prst="straightConnector1">
@@ -9310,7 +9312,7 @@
         </p:nvSpPr>
         <p:spPr>
           <a:xfrm>
-            <a:off x="7814603" y="4584266"/>
+            <a:off x="7814603" y="4484542"/>
             <a:ext cx="1699904" cy="230832"/>
           </a:xfrm>
           <a:prstGeom prst="rect">
@@ -9350,7 +9352,7 @@
         </p:nvCxnSpPr>
         <p:spPr>
           <a:xfrm flipH="1">
-            <a:off x="7810249" y="4967927"/>
+            <a:off x="7810249" y="4868203"/>
             <a:ext cx="1723644" cy="0"/>
           </a:xfrm>
           <a:prstGeom prst="straightConnector1">
@@ -9392,7 +9394,7 @@
         </p:nvSpPr>
         <p:spPr>
           <a:xfrm>
-            <a:off x="7814603" y="4977697"/>
+            <a:off x="7814603" y="4877973"/>
             <a:ext cx="1699904" cy="230832"/>
           </a:xfrm>
           <a:prstGeom prst="rect">
@@ -9428,7 +9430,7 @@
         </p:nvSpPr>
         <p:spPr>
           <a:xfrm>
-            <a:off x="10553027" y="478981"/>
+            <a:off x="10553027" y="379257"/>
             <a:ext cx="1369937" cy="420878"/>
           </a:xfrm>
           <a:prstGeom prst="rect">
@@ -9491,7 +9493,7 @@
         </p:nvCxnSpPr>
         <p:spPr>
           <a:xfrm flipH="1">
-            <a:off x="11244679" y="896095"/>
+            <a:off x="11244679" y="796371"/>
             <a:ext cx="12816" cy="5683636"/>
           </a:xfrm>
           <a:prstGeom prst="line">
@@ -9533,7 +9535,7 @@
         </p:nvCxnSpPr>
         <p:spPr>
           <a:xfrm>
-            <a:off x="7817458" y="5406807"/>
+            <a:off x="7817458" y="5307083"/>
             <a:ext cx="3427221" cy="0"/>
           </a:xfrm>
           <a:prstGeom prst="straightConnector1">
@@ -9575,7 +9577,7 @@
         </p:nvCxnSpPr>
         <p:spPr>
           <a:xfrm flipH="1">
-            <a:off x="7819650" y="5589249"/>
+            <a:off x="7819650" y="5489525"/>
             <a:ext cx="3437845" cy="0"/>
           </a:xfrm>
           <a:prstGeom prst="straightConnector1">
@@ -9617,7 +9619,7 @@
         </p:nvSpPr>
         <p:spPr>
           <a:xfrm>
-            <a:off x="7819400" y="5171485"/>
+            <a:off x="7819400" y="5071761"/>
             <a:ext cx="3437845" cy="230832"/>
           </a:xfrm>
           <a:prstGeom prst="rect">
@@ -9665,7 +9667,7 @@
         </p:nvSpPr>
         <p:spPr>
           <a:xfrm>
-            <a:off x="7817457" y="5601154"/>
+            <a:off x="7817457" y="5501430"/>
             <a:ext cx="3427221" cy="230832"/>
           </a:xfrm>
           <a:prstGeom prst="rect">
@@ -9701,7 +9703,7 @@
         </p:nvCxnSpPr>
         <p:spPr>
           <a:xfrm flipH="1">
-            <a:off x="950152" y="6208792"/>
+            <a:off x="950152" y="6109068"/>
             <a:ext cx="6876270" cy="0"/>
           </a:xfrm>
           <a:prstGeom prst="straightConnector1">
@@ -9743,7 +9745,7 @@
         </p:nvSpPr>
         <p:spPr>
           <a:xfrm>
-            <a:off x="941188" y="6220934"/>
+            <a:off x="941188" y="6121210"/>
             <a:ext cx="6885234" cy="230832"/>
           </a:xfrm>
           <a:prstGeom prst="rect">
@@ -9769,6 +9771,280 @@
     <p:extLst>
       <p:ext uri="{BB962C8B-B14F-4D97-AF65-F5344CB8AC3E}">
         <p14:creationId xmlns:p14="http://schemas.microsoft.com/office/powerpoint/2010/main" val="3848631769"/>
+      </p:ext>
+    </p:extLst>
+  </p:cSld>
+  <p:clrMapOvr>
+    <a:masterClrMapping/>
+  </p:clrMapOvr>
+</p:sld>
+</file>
+
+<file path=ppt/slides/slide3.xml><?xml version="1.0" encoding="utf-8"?>
+<p:sld xmlns:a="http://schemas.openxmlformats.org/drawingml/2006/main" xmlns:r="http://schemas.openxmlformats.org/officeDocument/2006/relationships" xmlns:p="http://schemas.openxmlformats.org/presentationml/2006/main">
+  <p:cSld>
+    <p:spTree>
+      <p:nvGrpSpPr>
+        <p:cNvPr id="1" name=""/>
+        <p:cNvGrpSpPr/>
+        <p:nvPr/>
+      </p:nvGrpSpPr>
+      <p:grpSpPr>
+        <a:xfrm>
+          <a:off x="0" y="0"/>
+          <a:ext cx="0" cy="0"/>
+          <a:chOff x="0" y="0"/>
+          <a:chExt cx="0" cy="0"/>
+        </a:xfrm>
+      </p:grpSpPr>
+      <p:sp>
+        <p:nvSpPr>
+          <p:cNvPr id="2" name="Título 1">
+            <a:extLst>
+              <a:ext uri="{FF2B5EF4-FFF2-40B4-BE49-F238E27FC236}">
+                <a16:creationId xmlns:a16="http://schemas.microsoft.com/office/drawing/2014/main" id="{A116E7BC-B334-B296-D442-AEA929C9A3CC}"/>
+              </a:ext>
+            </a:extLst>
+          </p:cNvPr>
+          <p:cNvSpPr>
+            <a:spLocks noGrp="1"/>
+          </p:cNvSpPr>
+          <p:nvPr>
+            <p:ph type="title"/>
+          </p:nvPr>
+        </p:nvSpPr>
+        <p:spPr/>
+        <p:txBody>
+          <a:bodyPr/>
+          <a:lstStyle/>
+          <a:p>
+            <a:r>
+              <a:rPr lang="es-ES" b="1" dirty="0"/>
+              <a:t>GPT-Neo-2.7B</a:t>
+            </a:r>
+            <a:r>
+              <a:rPr lang="es-ES" dirty="0"/>
+              <a:t>. </a:t>
+            </a:r>
+            <a:r>
+              <a:rPr lang="es-ES" dirty="0" err="1"/>
+              <a:t>Huggingface</a:t>
+            </a:r>
+            <a:endParaRPr lang="es-ES" dirty="0"/>
+          </a:p>
+        </p:txBody>
+      </p:sp>
+      <p:sp>
+        <p:nvSpPr>
+          <p:cNvPr id="3" name="Marcador de contenido 2">
+            <a:extLst>
+              <a:ext uri="{FF2B5EF4-FFF2-40B4-BE49-F238E27FC236}">
+                <a16:creationId xmlns:a16="http://schemas.microsoft.com/office/drawing/2014/main" id="{5FA057BD-3810-128B-E1B5-7D4CA5641A62}"/>
+              </a:ext>
+            </a:extLst>
+          </p:cNvPr>
+          <p:cNvSpPr>
+            <a:spLocks noGrp="1"/>
+          </p:cNvSpPr>
+          <p:nvPr>
+            <p:ph idx="1"/>
+          </p:nvPr>
+        </p:nvSpPr>
+        <p:spPr/>
+        <p:txBody>
+          <a:bodyPr>
+            <a:normAutofit/>
+          </a:bodyPr>
+          <a:lstStyle/>
+          <a:p>
+            <a:pPr algn="just"/>
+            <a:r>
+              <a:rPr lang="es-ES" sz="2000" dirty="0"/>
+              <a:t>Prueba del modelo </a:t>
+            </a:r>
+            <a:r>
+              <a:rPr lang="es-ES" sz="2000" b="1" dirty="0"/>
+              <a:t>GPT-Neo</a:t>
+            </a:r>
+            <a:r>
+              <a:rPr lang="es-ES" sz="2000" dirty="0"/>
+              <a:t> con 2.7 Billones de parámetros de </a:t>
+            </a:r>
+            <a:r>
+              <a:rPr lang="es-ES" sz="2000" i="1" dirty="0" err="1"/>
+              <a:t>EleutherAI</a:t>
+            </a:r>
+            <a:r>
+              <a:rPr lang="es-ES" sz="2000" dirty="0"/>
+              <a:t>, modelo que ha servido de base para entrenar el código del modelo de APPS. Su rendimiento es menor, pero se ha empleado para llevar a cabo pruebas de rendimiento en la máquina V100 de AWS.</a:t>
+            </a:r>
+          </a:p>
+          <a:p>
+            <a:pPr algn="just"/>
+            <a:endParaRPr lang="es-ES" sz="2000" i="1" dirty="0"/>
+          </a:p>
+          <a:p>
+            <a:pPr algn="just"/>
+            <a:r>
+              <a:rPr lang="es-ES" sz="2000" dirty="0"/>
+              <a:t>Con 2.7 Billones de parámetros, este modelo esta diseñado con una red neuronal </a:t>
+            </a:r>
+            <a:r>
+              <a:rPr lang="es-ES" sz="2000" i="1" dirty="0" err="1"/>
+              <a:t>transformer</a:t>
+            </a:r>
+            <a:r>
+              <a:rPr lang="es-ES" sz="2000" i="1" dirty="0"/>
+              <a:t> </a:t>
+            </a:r>
+            <a:r>
+              <a:rPr lang="es-ES" sz="2000" dirty="0"/>
+              <a:t> que replica la arquitectura de GPT-3. El ejemplo genera una secuencia de texto diferente cada vez que es ejecutado y utiliza aproximadamente 20GB de la RAM, siendo, por tanto, superior a la capacidad máxima de la GPU (16GB), con la cuál se pretende ejecutar los modelos escogidos definitivos.</a:t>
+            </a:r>
+          </a:p>
+        </p:txBody>
+      </p:sp>
+    </p:spTree>
+    <p:extLst>
+      <p:ext uri="{BB962C8B-B14F-4D97-AF65-F5344CB8AC3E}">
+        <p14:creationId xmlns:p14="http://schemas.microsoft.com/office/powerpoint/2010/main" val="4244674207"/>
+      </p:ext>
+    </p:extLst>
+  </p:cSld>
+  <p:clrMapOvr>
+    <a:masterClrMapping/>
+  </p:clrMapOvr>
+</p:sld>
+</file>
+
+<file path=ppt/slides/slide4.xml><?xml version="1.0" encoding="utf-8"?>
+<p:sld xmlns:a="http://schemas.openxmlformats.org/drawingml/2006/main" xmlns:r="http://schemas.openxmlformats.org/officeDocument/2006/relationships" xmlns:p="http://schemas.openxmlformats.org/presentationml/2006/main">
+  <p:cSld>
+    <p:spTree>
+      <p:nvGrpSpPr>
+        <p:cNvPr id="1" name=""/>
+        <p:cNvGrpSpPr/>
+        <p:nvPr/>
+      </p:nvGrpSpPr>
+      <p:grpSpPr>
+        <a:xfrm>
+          <a:off x="0" y="0"/>
+          <a:ext cx="0" cy="0"/>
+          <a:chOff x="0" y="0"/>
+          <a:chExt cx="0" cy="0"/>
+        </a:xfrm>
+      </p:grpSpPr>
+      <p:sp>
+        <p:nvSpPr>
+          <p:cNvPr id="2" name="Título 1">
+            <a:extLst>
+              <a:ext uri="{FF2B5EF4-FFF2-40B4-BE49-F238E27FC236}">
+                <a16:creationId xmlns:a16="http://schemas.microsoft.com/office/drawing/2014/main" id="{A116E7BC-B334-B296-D442-AEA929C9A3CC}"/>
+              </a:ext>
+            </a:extLst>
+          </p:cNvPr>
+          <p:cNvSpPr>
+            <a:spLocks noGrp="1"/>
+          </p:cNvSpPr>
+          <p:nvPr>
+            <p:ph type="title"/>
+          </p:nvPr>
+        </p:nvSpPr>
+        <p:spPr/>
+        <p:txBody>
+          <a:bodyPr/>
+          <a:lstStyle/>
+          <a:p>
+            <a:r>
+              <a:rPr lang="es-ES" b="1" dirty="0"/>
+              <a:t>GPT-Neo-2.7B</a:t>
+            </a:r>
+            <a:r>
+              <a:rPr lang="es-ES" dirty="0"/>
+              <a:t>. </a:t>
+            </a:r>
+            <a:r>
+              <a:rPr lang="es-ES" dirty="0" err="1"/>
+              <a:t>Huggingface</a:t>
+            </a:r>
+            <a:endParaRPr lang="es-ES" dirty="0"/>
+          </a:p>
+        </p:txBody>
+      </p:sp>
+      <p:sp>
+        <p:nvSpPr>
+          <p:cNvPr id="3" name="Marcador de contenido 2">
+            <a:extLst>
+              <a:ext uri="{FF2B5EF4-FFF2-40B4-BE49-F238E27FC236}">
+                <a16:creationId xmlns:a16="http://schemas.microsoft.com/office/drawing/2014/main" id="{5FA057BD-3810-128B-E1B5-7D4CA5641A62}"/>
+              </a:ext>
+            </a:extLst>
+          </p:cNvPr>
+          <p:cNvSpPr>
+            <a:spLocks noGrp="1"/>
+          </p:cNvSpPr>
+          <p:nvPr>
+            <p:ph idx="1"/>
+          </p:nvPr>
+        </p:nvSpPr>
+        <p:spPr/>
+        <p:txBody>
+          <a:bodyPr>
+            <a:normAutofit/>
+          </a:bodyPr>
+          <a:lstStyle/>
+          <a:p>
+            <a:pPr algn="just"/>
+            <a:r>
+              <a:rPr lang="es-ES" sz="2000" dirty="0"/>
+              <a:t>Prueba del modelo </a:t>
+            </a:r>
+            <a:r>
+              <a:rPr lang="es-ES" sz="2000" b="1" dirty="0"/>
+              <a:t>GPT-Neo</a:t>
+            </a:r>
+            <a:r>
+              <a:rPr lang="es-ES" sz="2000" dirty="0"/>
+              <a:t> con 2.7 Billones de parámetros de </a:t>
+            </a:r>
+            <a:r>
+              <a:rPr lang="es-ES" sz="2000" i="1" dirty="0" err="1"/>
+              <a:t>EleutherAI</a:t>
+            </a:r>
+            <a:r>
+              <a:rPr lang="es-ES" sz="2000" dirty="0"/>
+              <a:t>, modelo que ha servido de base para entrenar el código del modelo de APPS. Su rendimiento es menor, pero se ha empleado para llevar a cabo pruebas de rendimiento en la máquina V100 de AWS.</a:t>
+            </a:r>
+          </a:p>
+          <a:p>
+            <a:pPr algn="just"/>
+            <a:endParaRPr lang="es-ES" sz="2000" i="1" dirty="0"/>
+          </a:p>
+          <a:p>
+            <a:pPr algn="just"/>
+            <a:r>
+              <a:rPr lang="es-ES" sz="2000" dirty="0"/>
+              <a:t>Con 2.7 Billones de parámetros, este modelo esta diseñado con una red neuronal </a:t>
+            </a:r>
+            <a:r>
+              <a:rPr lang="es-ES" sz="2000" i="1" dirty="0" err="1"/>
+              <a:t>transformer</a:t>
+            </a:r>
+            <a:r>
+              <a:rPr lang="es-ES" sz="2000" i="1" dirty="0"/>
+              <a:t> </a:t>
+            </a:r>
+            <a:r>
+              <a:rPr lang="es-ES" sz="2000" dirty="0"/>
+              <a:t> que replica la arquitectura de GPT-3. El ejemplo genera una secuencia de texto diferente cada vez que es ejecutado y utiliza aproximadamente 20GB de la RAM, siendo, por tanto, superior a la capacidad máxima de la GPU (16GB), con la cuál se pretende ejecutar los modelos escogidos definitivos.</a:t>
+            </a:r>
+          </a:p>
+        </p:txBody>
+      </p:sp>
+    </p:spTree>
+    <p:extLst>
+      <p:ext uri="{BB962C8B-B14F-4D97-AF65-F5344CB8AC3E}">
+        <p14:creationId xmlns:p14="http://schemas.microsoft.com/office/powerpoint/2010/main" val="546990256"/>
       </p:ext>
     </p:extLst>
   </p:cSld>
@@ -10501,18 +10777,18 @@
 </file>
 
 <file path=customXml/item2.xml><?xml version="1.0" encoding="utf-8"?>
-<p:properties xmlns:p="http://schemas.microsoft.com/office/2006/metadata/properties" xmlns:xsi="http://www.w3.org/2001/XMLSchema-instance" xmlns:pc="http://schemas.microsoft.com/office/infopath/2007/PartnerControls">
-  <documentManagement/>
-</p:properties>
-</file>
-
-<file path=customXml/item3.xml><?xml version="1.0" encoding="utf-8"?>
 <?mso-contentType ?>
 <FormTemplates xmlns="http://schemas.microsoft.com/sharepoint/v3/contenttype/forms">
   <Display>DocumentLibraryForm</Display>
   <Edit>DocumentLibraryForm</Edit>
   <New>DocumentLibraryForm</New>
 </FormTemplates>
+</file>
+
+<file path=customXml/item3.xml><?xml version="1.0" encoding="utf-8"?>
+<p:properties xmlns:p="http://schemas.microsoft.com/office/2006/metadata/properties" xmlns:xsi="http://www.w3.org/2001/XMLSchema-instance" xmlns:pc="http://schemas.microsoft.com/office/infopath/2007/PartnerControls">
+  <documentManagement/>
+</p:properties>
 </file>
 
 <file path=customXml/itemProps1.xml><?xml version="1.0" encoding="utf-8"?>
@@ -10534,6 +10810,14 @@
 </file>
 
 <file path=customXml/itemProps2.xml><?xml version="1.0" encoding="utf-8"?>
+<ds:datastoreItem xmlns:ds="http://schemas.openxmlformats.org/officeDocument/2006/customXml" ds:itemID="{4BE6E503-42EC-418D-BECE-EB0FFCF85516}">
+  <ds:schemaRefs>
+    <ds:schemaRef ds:uri="http://schemas.microsoft.com/sharepoint/v3/contenttype/forms"/>
+  </ds:schemaRefs>
+</ds:datastoreItem>
+</file>
+
+<file path=customXml/itemProps3.xml><?xml version="1.0" encoding="utf-8"?>
 <ds:datastoreItem xmlns:ds="http://schemas.openxmlformats.org/officeDocument/2006/customXml" ds:itemID="{AFE80E72-7864-4337-90CD-FB4FD5882C72}">
   <ds:schemaRefs>
     <ds:schemaRef ds:uri="http://purl.org/dc/dcmitype/"/>
@@ -10546,12 +10830,4 @@
     <ds:schemaRef ds:uri="http://www.w3.org/XML/1998/namespace"/>
   </ds:schemaRefs>
 </ds:datastoreItem>
-</file>
-
-<file path=customXml/itemProps3.xml><?xml version="1.0" encoding="utf-8"?>
-<ds:datastoreItem xmlns:ds="http://schemas.openxmlformats.org/officeDocument/2006/customXml" ds:itemID="{4BE6E503-42EC-418D-BECE-EB0FFCF85516}">
-  <ds:schemaRefs>
-    <ds:schemaRef ds:uri="http://schemas.microsoft.com/sharepoint/v3/contenttype/forms"/>
-  </ds:schemaRefs>
-</ds:datastoreItem>
 </file>
--- a/ai_docs/Diagramas.pptx
+++ b/ai_docs/Diagramas.pptx
@@ -9899,7 +9899,7 @@
             </a:r>
             <a:r>
               <a:rPr lang="es-ES" sz="2000" dirty="0"/>
-              <a:t> que replica la arquitectura de GPT-3. El ejemplo genera una secuencia de texto diferente cada vez que es ejecutado y utiliza aproximadamente 20GB de la RAM, siendo, por tanto, superior a la capacidad máxima de la GPU (16GB), con la cuál se pretende ejecutar los modelos escogidos definitivos.</a:t>
+              <a:t> que replica la arquitectura de GPT-3. El ejemplo genera una secuencia de texto diferente cada vez que es ejecutado y utiliza aproximadamente 20GB de la RAM (5.13GB ~ 25.9GB), siendo, por tanto, superior a la capacidad máxima de la GPU (16GB), con la cuál se pretende ejecutar los modelos escogidos definitivos.</a:t>
             </a:r>
           </a:p>
         </p:txBody>
@@ -10645,6 +10645,21 @@
 </file>
 
 <file path=customXml/item1.xml><?xml version="1.0" encoding="utf-8"?>
+<p:properties xmlns:p="http://schemas.microsoft.com/office/2006/metadata/properties" xmlns:xsi="http://www.w3.org/2001/XMLSchema-instance" xmlns:pc="http://schemas.microsoft.com/office/infopath/2007/PartnerControls">
+  <documentManagement/>
+</p:properties>
+</file>
+
+<file path=customXml/item2.xml><?xml version="1.0" encoding="utf-8"?>
+<?mso-contentType ?>
+<FormTemplates xmlns="http://schemas.microsoft.com/sharepoint/v3/contenttype/forms">
+  <Display>DocumentLibraryForm</Display>
+  <Edit>DocumentLibraryForm</Edit>
+  <New>DocumentLibraryForm</New>
+</FormTemplates>
+</file>
+
+<file path=customXml/item3.xml><?xml version="1.0" encoding="utf-8"?>
 <ct:contentTypeSchema xmlns:ct="http://schemas.microsoft.com/office/2006/metadata/contentType" xmlns:ma="http://schemas.microsoft.com/office/2006/metadata/properties/metaAttributes" ct:_="" ma:_="" ma:contentTypeName="Document" ma:contentTypeID="0x010100B73B9EEAFBBEA04B9487748478AE5B10" ma:contentTypeVersion="2" ma:contentTypeDescription="Create a new document." ma:contentTypeScope="" ma:versionID="ebb565478e7a1a3dcf1a59c51a5398bd">
   <xsd:schema xmlns:xsd="http://www.w3.org/2001/XMLSchema" xmlns:xs="http://www.w3.org/2001/XMLSchema" xmlns:p="http://schemas.microsoft.com/office/2006/metadata/properties" xmlns:ns2="5510ff2d-8d0f-4297-b81e-8a882641c805" targetNamespace="http://schemas.microsoft.com/office/2006/metadata/properties" ma:root="true" ma:fieldsID="80d6de3423dfd00089fa99a8de6af579" ns2:_="">
     <xsd:import namespace="5510ff2d-8d0f-4297-b81e-8a882641c805"/>
@@ -10776,22 +10791,30 @@
 </ct:contentTypeSchema>
 </file>
 
-<file path=customXml/item2.xml><?xml version="1.0" encoding="utf-8"?>
-<?mso-contentType ?>
-<FormTemplates xmlns="http://schemas.microsoft.com/sharepoint/v3/contenttype/forms">
-  <Display>DocumentLibraryForm</Display>
-  <Edit>DocumentLibraryForm</Edit>
-  <New>DocumentLibraryForm</New>
-</FormTemplates>
+<file path=customXml/itemProps1.xml><?xml version="1.0" encoding="utf-8"?>
+<ds:datastoreItem xmlns:ds="http://schemas.openxmlformats.org/officeDocument/2006/customXml" ds:itemID="{AFE80E72-7864-4337-90CD-FB4FD5882C72}">
+  <ds:schemaRefs>
+    <ds:schemaRef ds:uri="http://purl.org/dc/dcmitype/"/>
+    <ds:schemaRef ds:uri="http://purl.org/dc/elements/1.1/"/>
+    <ds:schemaRef ds:uri="http://purl.org/dc/terms/"/>
+    <ds:schemaRef ds:uri="http://schemas.microsoft.com/office/2006/documentManagement/types"/>
+    <ds:schemaRef ds:uri="http://schemas.microsoft.com/office/2006/metadata/properties"/>
+    <ds:schemaRef ds:uri="http://schemas.microsoft.com/office/infopath/2007/PartnerControls"/>
+    <ds:schemaRef ds:uri="http://schemas.openxmlformats.org/package/2006/metadata/core-properties"/>
+    <ds:schemaRef ds:uri="http://www.w3.org/XML/1998/namespace"/>
+  </ds:schemaRefs>
+</ds:datastoreItem>
 </file>
 
-<file path=customXml/item3.xml><?xml version="1.0" encoding="utf-8"?>
-<p:properties xmlns:p="http://schemas.microsoft.com/office/2006/metadata/properties" xmlns:xsi="http://www.w3.org/2001/XMLSchema-instance" xmlns:pc="http://schemas.microsoft.com/office/infopath/2007/PartnerControls">
-  <documentManagement/>
-</p:properties>
+<file path=customXml/itemProps2.xml><?xml version="1.0" encoding="utf-8"?>
+<ds:datastoreItem xmlns:ds="http://schemas.openxmlformats.org/officeDocument/2006/customXml" ds:itemID="{4BE6E503-42EC-418D-BECE-EB0FFCF85516}">
+  <ds:schemaRefs>
+    <ds:schemaRef ds:uri="http://schemas.microsoft.com/sharepoint/v3/contenttype/forms"/>
+  </ds:schemaRefs>
+</ds:datastoreItem>
 </file>
 
-<file path=customXml/itemProps1.xml><?xml version="1.0" encoding="utf-8"?>
+<file path=customXml/itemProps3.xml><?xml version="1.0" encoding="utf-8"?>
 <ds:datastoreItem xmlns:ds="http://schemas.openxmlformats.org/officeDocument/2006/customXml" ds:itemID="{3BDEF1EF-6389-4002-81F4-F1B61533672A}">
   <ds:schemaRefs>
     <ds:schemaRef ds:uri="5510ff2d-8d0f-4297-b81e-8a882641c805"/>
@@ -10807,27 +10830,4 @@
     <ds:schemaRef ds:uri="http://www.w3.org/2001/XMLSchema"/>
   </ds:schemaRefs>
 </ds:datastoreItem>
-</file>
-
-<file path=customXml/itemProps2.xml><?xml version="1.0" encoding="utf-8"?>
-<ds:datastoreItem xmlns:ds="http://schemas.openxmlformats.org/officeDocument/2006/customXml" ds:itemID="{4BE6E503-42EC-418D-BECE-EB0FFCF85516}">
-  <ds:schemaRefs>
-    <ds:schemaRef ds:uri="http://schemas.microsoft.com/sharepoint/v3/contenttype/forms"/>
-  </ds:schemaRefs>
-</ds:datastoreItem>
-</file>
-
-<file path=customXml/itemProps3.xml><?xml version="1.0" encoding="utf-8"?>
-<ds:datastoreItem xmlns:ds="http://schemas.openxmlformats.org/officeDocument/2006/customXml" ds:itemID="{AFE80E72-7864-4337-90CD-FB4FD5882C72}">
-  <ds:schemaRefs>
-    <ds:schemaRef ds:uri="http://purl.org/dc/dcmitype/"/>
-    <ds:schemaRef ds:uri="http://purl.org/dc/elements/1.1/"/>
-    <ds:schemaRef ds:uri="http://purl.org/dc/terms/"/>
-    <ds:schemaRef ds:uri="http://schemas.microsoft.com/office/2006/documentManagement/types"/>
-    <ds:schemaRef ds:uri="http://schemas.microsoft.com/office/2006/metadata/properties"/>
-    <ds:schemaRef ds:uri="http://schemas.microsoft.com/office/infopath/2007/PartnerControls"/>
-    <ds:schemaRef ds:uri="http://schemas.openxmlformats.org/package/2006/metadata/core-properties"/>
-    <ds:schemaRef ds:uri="http://www.w3.org/XML/1998/namespace"/>
-  </ds:schemaRefs>
-</ds:datastoreItem>
 </file>
--- a/ai_docs/Diagramas.pptx
+++ b/ai_docs/Diagramas.pptx
@@ -209,7 +209,7 @@
           <a:p>
             <a:fld id="{256C9FCD-D82F-3149-9EC0-4EF75A95459C}" type="datetimeFigureOut">
               <a:rPr lang="es-ES" smtClean="0"/>
-              <a:t>3/6/22</a:t>
+              <a:t>6/6/22</a:t>
             </a:fld>
             <a:endParaRPr lang="es-ES"/>
           </a:p>
@@ -707,7 +707,7 @@
           <a:p>
             <a:fld id="{E897FFBC-46E8-D744-98E8-8525DA8E3C89}" type="datetimeFigureOut">
               <a:rPr lang="es-ES" smtClean="0"/>
-              <a:t>3/6/22</a:t>
+              <a:t>6/6/22</a:t>
             </a:fld>
             <a:endParaRPr lang="es-ES"/>
           </a:p>
@@ -905,7 +905,7 @@
           <a:p>
             <a:fld id="{E897FFBC-46E8-D744-98E8-8525DA8E3C89}" type="datetimeFigureOut">
               <a:rPr lang="es-ES" smtClean="0"/>
-              <a:t>3/6/22</a:t>
+              <a:t>6/6/22</a:t>
             </a:fld>
             <a:endParaRPr lang="es-ES"/>
           </a:p>
@@ -1113,7 +1113,7 @@
           <a:p>
             <a:fld id="{E897FFBC-46E8-D744-98E8-8525DA8E3C89}" type="datetimeFigureOut">
               <a:rPr lang="es-ES" smtClean="0"/>
-              <a:t>3/6/22</a:t>
+              <a:t>6/6/22</a:t>
             </a:fld>
             <a:endParaRPr lang="es-ES"/>
           </a:p>
@@ -1311,7 +1311,7 @@
           <a:p>
             <a:fld id="{E897FFBC-46E8-D744-98E8-8525DA8E3C89}" type="datetimeFigureOut">
               <a:rPr lang="es-ES" smtClean="0"/>
-              <a:t>3/6/22</a:t>
+              <a:t>6/6/22</a:t>
             </a:fld>
             <a:endParaRPr lang="es-ES"/>
           </a:p>
@@ -1586,7 +1586,7 @@
           <a:p>
             <a:fld id="{E897FFBC-46E8-D744-98E8-8525DA8E3C89}" type="datetimeFigureOut">
               <a:rPr lang="es-ES" smtClean="0"/>
-              <a:t>3/6/22</a:t>
+              <a:t>6/6/22</a:t>
             </a:fld>
             <a:endParaRPr lang="es-ES"/>
           </a:p>
@@ -1851,7 +1851,7 @@
           <a:p>
             <a:fld id="{E897FFBC-46E8-D744-98E8-8525DA8E3C89}" type="datetimeFigureOut">
               <a:rPr lang="es-ES" smtClean="0"/>
-              <a:t>3/6/22</a:t>
+              <a:t>6/6/22</a:t>
             </a:fld>
             <a:endParaRPr lang="es-ES"/>
           </a:p>
@@ -2263,7 +2263,7 @@
           <a:p>
             <a:fld id="{E897FFBC-46E8-D744-98E8-8525DA8E3C89}" type="datetimeFigureOut">
               <a:rPr lang="es-ES" smtClean="0"/>
-              <a:t>3/6/22</a:t>
+              <a:t>6/6/22</a:t>
             </a:fld>
             <a:endParaRPr lang="es-ES"/>
           </a:p>
@@ -2404,7 +2404,7 @@
           <a:p>
             <a:fld id="{E897FFBC-46E8-D744-98E8-8525DA8E3C89}" type="datetimeFigureOut">
               <a:rPr lang="es-ES" smtClean="0"/>
-              <a:t>3/6/22</a:t>
+              <a:t>6/6/22</a:t>
             </a:fld>
             <a:endParaRPr lang="es-ES"/>
           </a:p>
@@ -2517,7 +2517,7 @@
           <a:p>
             <a:fld id="{E897FFBC-46E8-D744-98E8-8525DA8E3C89}" type="datetimeFigureOut">
               <a:rPr lang="es-ES" smtClean="0"/>
-              <a:t>3/6/22</a:t>
+              <a:t>6/6/22</a:t>
             </a:fld>
             <a:endParaRPr lang="es-ES"/>
           </a:p>
@@ -2828,7 +2828,7 @@
           <a:p>
             <a:fld id="{E897FFBC-46E8-D744-98E8-8525DA8E3C89}" type="datetimeFigureOut">
               <a:rPr lang="es-ES" smtClean="0"/>
-              <a:t>3/6/22</a:t>
+              <a:t>6/6/22</a:t>
             </a:fld>
             <a:endParaRPr lang="es-ES"/>
           </a:p>
@@ -3116,7 +3116,7 @@
           <a:p>
             <a:fld id="{E897FFBC-46E8-D744-98E8-8525DA8E3C89}" type="datetimeFigureOut">
               <a:rPr lang="es-ES" smtClean="0"/>
-              <a:t>3/6/22</a:t>
+              <a:t>6/6/22</a:t>
             </a:fld>
             <a:endParaRPr lang="es-ES"/>
           </a:p>
@@ -3357,7 +3357,7 @@
           <a:p>
             <a:fld id="{E897FFBC-46E8-D744-98E8-8525DA8E3C89}" type="datetimeFigureOut">
               <a:rPr lang="es-ES" smtClean="0"/>
-              <a:t>3/6/22</a:t>
+              <a:t>6/6/22</a:t>
             </a:fld>
             <a:endParaRPr lang="es-ES"/>
           </a:p>
@@ -9887,7 +9887,7 @@
             <a:pPr algn="just"/>
             <a:r>
               <a:rPr lang="es-ES" sz="2000" dirty="0"/>
-              <a:t>Con 2.7 Billones de parámetros, este modelo esta diseñado con una red neuronal </a:t>
+              <a:t>Con 2.7 Billones de parámetros, este modelo está diseñado con una red neuronal </a:t>
             </a:r>
             <a:r>
               <a:rPr lang="es-ES" sz="2000" i="1" dirty="0" err="1"/>
@@ -9957,7 +9957,7 @@
           <a:p>
             <a:r>
               <a:rPr lang="es-ES" b="1" dirty="0"/>
-              <a:t>GPT-Neo-2.7B</a:t>
+              <a:t>CodeGPT-small-py-adaptedGPT2</a:t>
             </a:r>
             <a:r>
               <a:rPr lang="es-ES" dirty="0"/>
@@ -10000,31 +10000,32 @@
               <a:t>Prueba del modelo </a:t>
             </a:r>
             <a:r>
+              <a:rPr lang="es-ES" sz="2000" b="1" dirty="0" err="1"/>
+              <a:t>CodeGPT</a:t>
+            </a:r>
+            <a:r>
               <a:rPr lang="es-ES" sz="2000" b="1" dirty="0"/>
-              <a:t>GPT-Neo</a:t>
+              <a:t> </a:t>
             </a:r>
             <a:r>
               <a:rPr lang="es-ES" sz="2000" dirty="0"/>
-              <a:t> con 2.7 Billones de parámetros de </a:t>
-            </a:r>
-            <a:r>
-              <a:rPr lang="es-ES" sz="2000" i="1" dirty="0" err="1"/>
-              <a:t>EleutherAI</a:t>
+              <a:t>con 125 Millones de parámetros de </a:t>
+            </a:r>
+            <a:r>
+              <a:rPr lang="es-ES" sz="2000" i="1" dirty="0"/>
+              <a:t>Microsoft</a:t>
             </a:r>
             <a:r>
               <a:rPr lang="es-ES" sz="2000" dirty="0"/>
-              <a:t>, modelo que ha servido de base para entrenar el código del modelo de APPS. Su rendimiento es menor, pero se ha empleado para llevar a cabo pruebas de rendimiento en la máquina V100 de AWS.</a:t>
-            </a:r>
+              <a:t>. En comparación con otros modelos, tiene una cantidad mucho menor de parámetros pero el rendimiento que ofrece es acorde a lo esperado por las métricas del modelo entrenado.</a:t>
+            </a:r>
+            <a:endParaRPr lang="es-ES" sz="2000" i="1" dirty="0"/>
           </a:p>
           <a:p>
             <a:pPr algn="just"/>
-            <a:endParaRPr lang="es-ES" sz="2000" i="1" dirty="0"/>
-          </a:p>
-          <a:p>
-            <a:pPr algn="just"/>
             <a:r>
               <a:rPr lang="es-ES" sz="2000" dirty="0"/>
-              <a:t>Con 2.7 Billones de parámetros, este modelo esta diseñado con una red neuronal </a:t>
+              <a:t>Está diseñado con una red neuronal </a:t>
             </a:r>
             <a:r>
               <a:rPr lang="es-ES" sz="2000" i="1" dirty="0" err="1"/>
@@ -10036,8 +10037,14 @@
             </a:r>
             <a:r>
               <a:rPr lang="es-ES" sz="2000" dirty="0"/>
-              <a:t> que replica la arquitectura de GPT-3. El ejemplo genera una secuencia de texto diferente cada vez que es ejecutado y utiliza aproximadamente 20GB de la RAM, siendo, por tanto, superior a la capacidad máxima de la GPU (16GB), con la cuál se pretende ejecutar los modelos escogidos definitivos.</a:t>
-            </a:r>
+              <a:t> que adapta la arquitectura de GPT-2. Al ejecutarse devuelve el conjunto de enunciados de problemas junto con sus soluciones en código. Utiliza aproximadamente 1GB de la RAM (5.21GB ~ 6.62GB), siendo muy inferior a la capacidad máxima de la GPU (16GB), con la cuál se pretende ejecutar los modelos escogidos definitivos.</a:t>
+            </a:r>
+          </a:p>
+          <a:p>
+            <a:pPr marL="0" indent="0" algn="just">
+              <a:buNone/>
+            </a:pPr>
+            <a:endParaRPr lang="es-ES" sz="2000" dirty="0"/>
           </a:p>
         </p:txBody>
       </p:sp>
@@ -10645,12 +10652,6 @@
 </file>
 
 <file path=customXml/item1.xml><?xml version="1.0" encoding="utf-8"?>
-<p:properties xmlns:p="http://schemas.microsoft.com/office/2006/metadata/properties" xmlns:xsi="http://www.w3.org/2001/XMLSchema-instance" xmlns:pc="http://schemas.microsoft.com/office/infopath/2007/PartnerControls">
-  <documentManagement/>
-</p:properties>
-</file>
-
-<file path=customXml/item2.xml><?xml version="1.0" encoding="utf-8"?>
 <?mso-contentType ?>
 <FormTemplates xmlns="http://schemas.microsoft.com/sharepoint/v3/contenttype/forms">
   <Display>DocumentLibraryForm</Display>
@@ -10659,7 +10660,7 @@
 </FormTemplates>
 </file>
 
-<file path=customXml/item3.xml><?xml version="1.0" encoding="utf-8"?>
+<file path=customXml/item2.xml><?xml version="1.0" encoding="utf-8"?>
 <ct:contentTypeSchema xmlns:ct="http://schemas.microsoft.com/office/2006/metadata/contentType" xmlns:ma="http://schemas.microsoft.com/office/2006/metadata/properties/metaAttributes" ct:_="" ma:_="" ma:contentTypeName="Document" ma:contentTypeID="0x010100B73B9EEAFBBEA04B9487748478AE5B10" ma:contentTypeVersion="2" ma:contentTypeDescription="Create a new document." ma:contentTypeScope="" ma:versionID="ebb565478e7a1a3dcf1a59c51a5398bd">
   <xsd:schema xmlns:xsd="http://www.w3.org/2001/XMLSchema" xmlns:xs="http://www.w3.org/2001/XMLSchema" xmlns:p="http://schemas.microsoft.com/office/2006/metadata/properties" xmlns:ns2="5510ff2d-8d0f-4297-b81e-8a882641c805" targetNamespace="http://schemas.microsoft.com/office/2006/metadata/properties" ma:root="true" ma:fieldsID="80d6de3423dfd00089fa99a8de6af579" ns2:_="">
     <xsd:import namespace="5510ff2d-8d0f-4297-b81e-8a882641c805"/>
@@ -10791,22 +10792,13 @@
 </ct:contentTypeSchema>
 </file>
 
-<file path=customXml/itemProps1.xml><?xml version="1.0" encoding="utf-8"?>
-<ds:datastoreItem xmlns:ds="http://schemas.openxmlformats.org/officeDocument/2006/customXml" ds:itemID="{AFE80E72-7864-4337-90CD-FB4FD5882C72}">
-  <ds:schemaRefs>
-    <ds:schemaRef ds:uri="http://purl.org/dc/dcmitype/"/>
-    <ds:schemaRef ds:uri="http://purl.org/dc/elements/1.1/"/>
-    <ds:schemaRef ds:uri="http://purl.org/dc/terms/"/>
-    <ds:schemaRef ds:uri="http://schemas.microsoft.com/office/2006/documentManagement/types"/>
-    <ds:schemaRef ds:uri="http://schemas.microsoft.com/office/2006/metadata/properties"/>
-    <ds:schemaRef ds:uri="http://schemas.microsoft.com/office/infopath/2007/PartnerControls"/>
-    <ds:schemaRef ds:uri="http://schemas.openxmlformats.org/package/2006/metadata/core-properties"/>
-    <ds:schemaRef ds:uri="http://www.w3.org/XML/1998/namespace"/>
-  </ds:schemaRefs>
-</ds:datastoreItem>
+<file path=customXml/item3.xml><?xml version="1.0" encoding="utf-8"?>
+<p:properties xmlns:p="http://schemas.microsoft.com/office/2006/metadata/properties" xmlns:xsi="http://www.w3.org/2001/XMLSchema-instance" xmlns:pc="http://schemas.microsoft.com/office/infopath/2007/PartnerControls">
+  <documentManagement/>
+</p:properties>
 </file>
 
-<file path=customXml/itemProps2.xml><?xml version="1.0" encoding="utf-8"?>
+<file path=customXml/itemProps1.xml><?xml version="1.0" encoding="utf-8"?>
 <ds:datastoreItem xmlns:ds="http://schemas.openxmlformats.org/officeDocument/2006/customXml" ds:itemID="{4BE6E503-42EC-418D-BECE-EB0FFCF85516}">
   <ds:schemaRefs>
     <ds:schemaRef ds:uri="http://schemas.microsoft.com/sharepoint/v3/contenttype/forms"/>
@@ -10814,7 +10806,7 @@
 </ds:datastoreItem>
 </file>
 
-<file path=customXml/itemProps3.xml><?xml version="1.0" encoding="utf-8"?>
+<file path=customXml/itemProps2.xml><?xml version="1.0" encoding="utf-8"?>
 <ds:datastoreItem xmlns:ds="http://schemas.openxmlformats.org/officeDocument/2006/customXml" ds:itemID="{3BDEF1EF-6389-4002-81F4-F1B61533672A}">
   <ds:schemaRefs>
     <ds:schemaRef ds:uri="5510ff2d-8d0f-4297-b81e-8a882641c805"/>
@@ -10830,4 +10822,19 @@
     <ds:schemaRef ds:uri="http://www.w3.org/2001/XMLSchema"/>
   </ds:schemaRefs>
 </ds:datastoreItem>
+</file>
+
+<file path=customXml/itemProps3.xml><?xml version="1.0" encoding="utf-8"?>
+<ds:datastoreItem xmlns:ds="http://schemas.openxmlformats.org/officeDocument/2006/customXml" ds:itemID="{AFE80E72-7864-4337-90CD-FB4FD5882C72}">
+  <ds:schemaRefs>
+    <ds:schemaRef ds:uri="http://purl.org/dc/dcmitype/"/>
+    <ds:schemaRef ds:uri="http://purl.org/dc/elements/1.1/"/>
+    <ds:schemaRef ds:uri="http://purl.org/dc/terms/"/>
+    <ds:schemaRef ds:uri="http://schemas.microsoft.com/office/2006/documentManagement/types"/>
+    <ds:schemaRef ds:uri="http://schemas.microsoft.com/office/2006/metadata/properties"/>
+    <ds:schemaRef ds:uri="http://schemas.microsoft.com/office/infopath/2007/PartnerControls"/>
+    <ds:schemaRef ds:uri="http://schemas.openxmlformats.org/package/2006/metadata/core-properties"/>
+    <ds:schemaRef ds:uri="http://www.w3.org/XML/1998/namespace"/>
+  </ds:schemaRefs>
+</ds:datastoreItem>
 </file>
--- a/ai_docs/Diagramas.pptx
+++ b/ai_docs/Diagramas.pptx
@@ -10019,32 +10019,42 @@
               <a:rPr lang="es-ES" sz="2000" dirty="0"/>
               <a:t>. En comparación con otros modelos, tiene una cantidad mucho menor de parámetros pero el rendimiento que ofrece es acorde a lo esperado por las métricas del modelo entrenado.</a:t>
             </a:r>
-            <a:endParaRPr lang="es-ES" sz="2000" i="1" dirty="0"/>
-          </a:p>
-          <a:p>
-            <a:pPr algn="just"/>
-            <a:r>
-              <a:rPr lang="es-ES" sz="2000" dirty="0"/>
-              <a:t>Está diseñado con una red neuronal </a:t>
-            </a:r>
-            <a:r>
-              <a:rPr lang="es-ES" sz="2000" i="1" dirty="0" err="1"/>
-              <a:t>transformer</a:t>
-            </a:r>
-            <a:r>
-              <a:rPr lang="es-ES" sz="2000" i="1" dirty="0"/>
-              <a:t> </a:t>
-            </a:r>
-            <a:r>
-              <a:rPr lang="es-ES" sz="2000" dirty="0"/>
-              <a:t> que adapta la arquitectura de GPT-2. Al ejecutarse devuelve el conjunto de enunciados de problemas junto con sus soluciones en código. Utiliza aproximadamente 1GB de la RAM (5.21GB ~ 6.62GB), siendo muy inferior a la capacidad máxima de la GPU (16GB), con la cuál se pretende ejecutar los modelos escogidos definitivos.</a:t>
-            </a:r>
           </a:p>
           <a:p>
             <a:pPr marL="0" indent="0" algn="just">
               <a:buNone/>
             </a:pPr>
+            <a:endParaRPr lang="es-ES" sz="2000" i="1" dirty="0"/>
+          </a:p>
+          <a:p>
+            <a:pPr algn="just"/>
+            <a:r>
+              <a:rPr lang="es-ES" sz="2000" dirty="0"/>
+              <a:t>Está diseñado con una red neuronal </a:t>
+            </a:r>
+            <a:r>
+              <a:rPr lang="es-ES" sz="2000" i="1" dirty="0" err="1"/>
+              <a:t>transformer</a:t>
+            </a:r>
+            <a:r>
+              <a:rPr lang="es-ES" sz="2000" i="1" dirty="0"/>
+              <a:t> </a:t>
+            </a:r>
+            <a:r>
+              <a:rPr lang="es-ES" sz="2000" dirty="0"/>
+              <a:t>que adapta la arquitectura de GPT-2. Al ejecutarse devuelve el conjunto de enunciados de problemas junto con sus soluciones en código. Utiliza aproximadamente 1GB de la RAM (5.21GB ~ 6.62GB), siendo muy inferior a la capacidad máxima de la GPU (16GB), con la cuál se pretende ejecutar los modelos escogidos definitivos.</a:t>
+            </a:r>
+          </a:p>
+          <a:p>
+            <a:pPr algn="just"/>
             <a:endParaRPr lang="es-ES" sz="2000" dirty="0"/>
+          </a:p>
+          <a:p>
+            <a:pPr algn="just"/>
+            <a:r>
+              <a:rPr lang="es-ES" sz="2000" dirty="0"/>
+              <a:t>Si se lleva a cabo una prueba de rendimiento con la GPU, el modelo sigue ejecutándose de manera correcta ocupando un espacio de 2676MiB de los 16384MiB, es decir, 2.8GB de los 17.17GB totales, lo que se traduce en un 16.31% de uso de la GPU. Conviene resaltar dicho dato ya que servirá como guía para probar el rendimiento de otros modelos.</a:t>
+            </a:r>
           </a:p>
         </p:txBody>
       </p:sp>

--- a/ai_docs/Diagramas.pptx
+++ b/ai_docs/Diagramas.pptx
@@ -5,13 +5,11 @@
     <p:sldMasterId id="2147483648" r:id="rId4"/>
   </p:sldMasterIdLst>
   <p:notesMasterIdLst>
-    <p:notesMasterId r:id="rId9"/>
+    <p:notesMasterId r:id="rId7"/>
   </p:notesMasterIdLst>
   <p:sldIdLst>
     <p:sldId id="259" r:id="rId5"/>
     <p:sldId id="258" r:id="rId6"/>
-    <p:sldId id="261" r:id="rId7"/>
-    <p:sldId id="262" r:id="rId8"/>
   </p:sldIdLst>
   <p:sldSz cx="12192000" cy="6858000"/>
   <p:notesSz cx="6858000" cy="9144000"/>
@@ -209,7 +207,7 @@
           <a:p>
             <a:fld id="{256C9FCD-D82F-3149-9EC0-4EF75A95459C}" type="datetimeFigureOut">
               <a:rPr lang="es-ES" smtClean="0"/>
-              <a:t>6/6/22</a:t>
+              <a:t>10/6/22</a:t>
             </a:fld>
             <a:endParaRPr lang="es-ES"/>
           </a:p>
@@ -707,7 +705,7 @@
           <a:p>
             <a:fld id="{E897FFBC-46E8-D744-98E8-8525DA8E3C89}" type="datetimeFigureOut">
               <a:rPr lang="es-ES" smtClean="0"/>
-              <a:t>6/6/22</a:t>
+              <a:t>10/6/22</a:t>
             </a:fld>
             <a:endParaRPr lang="es-ES"/>
           </a:p>
@@ -905,7 +903,7 @@
           <a:p>
             <a:fld id="{E897FFBC-46E8-D744-98E8-8525DA8E3C89}" type="datetimeFigureOut">
               <a:rPr lang="es-ES" smtClean="0"/>
-              <a:t>6/6/22</a:t>
+              <a:t>10/6/22</a:t>
             </a:fld>
             <a:endParaRPr lang="es-ES"/>
           </a:p>
@@ -1113,7 +1111,7 @@
           <a:p>
             <a:fld id="{E897FFBC-46E8-D744-98E8-8525DA8E3C89}" type="datetimeFigureOut">
               <a:rPr lang="es-ES" smtClean="0"/>
-              <a:t>6/6/22</a:t>
+              <a:t>10/6/22</a:t>
             </a:fld>
             <a:endParaRPr lang="es-ES"/>
           </a:p>
@@ -1311,7 +1309,7 @@
           <a:p>
             <a:fld id="{E897FFBC-46E8-D744-98E8-8525DA8E3C89}" type="datetimeFigureOut">
               <a:rPr lang="es-ES" smtClean="0"/>
-              <a:t>6/6/22</a:t>
+              <a:t>10/6/22</a:t>
             </a:fld>
             <a:endParaRPr lang="es-ES"/>
           </a:p>
@@ -1586,7 +1584,7 @@
           <a:p>
             <a:fld id="{E897FFBC-46E8-D744-98E8-8525DA8E3C89}" type="datetimeFigureOut">
               <a:rPr lang="es-ES" smtClean="0"/>
-              <a:t>6/6/22</a:t>
+              <a:t>10/6/22</a:t>
             </a:fld>
             <a:endParaRPr lang="es-ES"/>
           </a:p>
@@ -1851,7 +1849,7 @@
           <a:p>
             <a:fld id="{E897FFBC-46E8-D744-98E8-8525DA8E3C89}" type="datetimeFigureOut">
               <a:rPr lang="es-ES" smtClean="0"/>
-              <a:t>6/6/22</a:t>
+              <a:t>10/6/22</a:t>
             </a:fld>
             <a:endParaRPr lang="es-ES"/>
           </a:p>
@@ -2263,7 +2261,7 @@
           <a:p>
             <a:fld id="{E897FFBC-46E8-D744-98E8-8525DA8E3C89}" type="datetimeFigureOut">
               <a:rPr lang="es-ES" smtClean="0"/>
-              <a:t>6/6/22</a:t>
+              <a:t>10/6/22</a:t>
             </a:fld>
             <a:endParaRPr lang="es-ES"/>
           </a:p>
@@ -2404,7 +2402,7 @@
           <a:p>
             <a:fld id="{E897FFBC-46E8-D744-98E8-8525DA8E3C89}" type="datetimeFigureOut">
               <a:rPr lang="es-ES" smtClean="0"/>
-              <a:t>6/6/22</a:t>
+              <a:t>10/6/22</a:t>
             </a:fld>
             <a:endParaRPr lang="es-ES"/>
           </a:p>
@@ -2517,7 +2515,7 @@
           <a:p>
             <a:fld id="{E897FFBC-46E8-D744-98E8-8525DA8E3C89}" type="datetimeFigureOut">
               <a:rPr lang="es-ES" smtClean="0"/>
-              <a:t>6/6/22</a:t>
+              <a:t>10/6/22</a:t>
             </a:fld>
             <a:endParaRPr lang="es-ES"/>
           </a:p>
@@ -2828,7 +2826,7 @@
           <a:p>
             <a:fld id="{E897FFBC-46E8-D744-98E8-8525DA8E3C89}" type="datetimeFigureOut">
               <a:rPr lang="es-ES" smtClean="0"/>
-              <a:t>6/6/22</a:t>
+              <a:t>10/6/22</a:t>
             </a:fld>
             <a:endParaRPr lang="es-ES"/>
           </a:p>
@@ -3116,7 +3114,7 @@
           <a:p>
             <a:fld id="{E897FFBC-46E8-D744-98E8-8525DA8E3C89}" type="datetimeFigureOut">
               <a:rPr lang="es-ES" smtClean="0"/>
-              <a:t>6/6/22</a:t>
+              <a:t>10/6/22</a:t>
             </a:fld>
             <a:endParaRPr lang="es-ES"/>
           </a:p>
@@ -3357,7 +3355,7 @@
           <a:p>
             <a:fld id="{E897FFBC-46E8-D744-98E8-8525DA8E3C89}" type="datetimeFigureOut">
               <a:rPr lang="es-ES" smtClean="0"/>
-              <a:t>6/6/22</a:t>
+              <a:t>10/6/22</a:t>
             </a:fld>
             <a:endParaRPr lang="es-ES"/>
           </a:p>
@@ -9771,297 +9769,6 @@
     <p:extLst>
       <p:ext uri="{BB962C8B-B14F-4D97-AF65-F5344CB8AC3E}">
         <p14:creationId xmlns:p14="http://schemas.microsoft.com/office/powerpoint/2010/main" val="3848631769"/>
-      </p:ext>
-    </p:extLst>
-  </p:cSld>
-  <p:clrMapOvr>
-    <a:masterClrMapping/>
-  </p:clrMapOvr>
-</p:sld>
-</file>
-
-<file path=ppt/slides/slide3.xml><?xml version="1.0" encoding="utf-8"?>
-<p:sld xmlns:a="http://schemas.openxmlformats.org/drawingml/2006/main" xmlns:r="http://schemas.openxmlformats.org/officeDocument/2006/relationships" xmlns:p="http://schemas.openxmlformats.org/presentationml/2006/main">
-  <p:cSld>
-    <p:spTree>
-      <p:nvGrpSpPr>
-        <p:cNvPr id="1" name=""/>
-        <p:cNvGrpSpPr/>
-        <p:nvPr/>
-      </p:nvGrpSpPr>
-      <p:grpSpPr>
-        <a:xfrm>
-          <a:off x="0" y="0"/>
-          <a:ext cx="0" cy="0"/>
-          <a:chOff x="0" y="0"/>
-          <a:chExt cx="0" cy="0"/>
-        </a:xfrm>
-      </p:grpSpPr>
-      <p:sp>
-        <p:nvSpPr>
-          <p:cNvPr id="2" name="Título 1">
-            <a:extLst>
-              <a:ext uri="{FF2B5EF4-FFF2-40B4-BE49-F238E27FC236}">
-                <a16:creationId xmlns:a16="http://schemas.microsoft.com/office/drawing/2014/main" id="{A116E7BC-B334-B296-D442-AEA929C9A3CC}"/>
-              </a:ext>
-            </a:extLst>
-          </p:cNvPr>
-          <p:cNvSpPr>
-            <a:spLocks noGrp="1"/>
-          </p:cNvSpPr>
-          <p:nvPr>
-            <p:ph type="title"/>
-          </p:nvPr>
-        </p:nvSpPr>
-        <p:spPr/>
-        <p:txBody>
-          <a:bodyPr/>
-          <a:lstStyle/>
-          <a:p>
-            <a:r>
-              <a:rPr lang="es-ES" b="1" dirty="0"/>
-              <a:t>GPT-Neo-2.7B</a:t>
-            </a:r>
-            <a:r>
-              <a:rPr lang="es-ES" dirty="0"/>
-              <a:t>. </a:t>
-            </a:r>
-            <a:r>
-              <a:rPr lang="es-ES" dirty="0" err="1"/>
-              <a:t>Huggingface</a:t>
-            </a:r>
-            <a:endParaRPr lang="es-ES" dirty="0"/>
-          </a:p>
-        </p:txBody>
-      </p:sp>
-      <p:sp>
-        <p:nvSpPr>
-          <p:cNvPr id="3" name="Marcador de contenido 2">
-            <a:extLst>
-              <a:ext uri="{FF2B5EF4-FFF2-40B4-BE49-F238E27FC236}">
-                <a16:creationId xmlns:a16="http://schemas.microsoft.com/office/drawing/2014/main" id="{5FA057BD-3810-128B-E1B5-7D4CA5641A62}"/>
-              </a:ext>
-            </a:extLst>
-          </p:cNvPr>
-          <p:cNvSpPr>
-            <a:spLocks noGrp="1"/>
-          </p:cNvSpPr>
-          <p:nvPr>
-            <p:ph idx="1"/>
-          </p:nvPr>
-        </p:nvSpPr>
-        <p:spPr/>
-        <p:txBody>
-          <a:bodyPr>
-            <a:normAutofit/>
-          </a:bodyPr>
-          <a:lstStyle/>
-          <a:p>
-            <a:pPr algn="just"/>
-            <a:r>
-              <a:rPr lang="es-ES" sz="2000" dirty="0"/>
-              <a:t>Prueba del modelo </a:t>
-            </a:r>
-            <a:r>
-              <a:rPr lang="es-ES" sz="2000" b="1" dirty="0"/>
-              <a:t>GPT-Neo</a:t>
-            </a:r>
-            <a:r>
-              <a:rPr lang="es-ES" sz="2000" dirty="0"/>
-              <a:t> con 2.7 Billones de parámetros de </a:t>
-            </a:r>
-            <a:r>
-              <a:rPr lang="es-ES" sz="2000" i="1" dirty="0" err="1"/>
-              <a:t>EleutherAI</a:t>
-            </a:r>
-            <a:r>
-              <a:rPr lang="es-ES" sz="2000" dirty="0"/>
-              <a:t>, modelo que ha servido de base para entrenar el código del modelo de APPS. Su rendimiento es menor, pero se ha empleado para llevar a cabo pruebas de rendimiento en la máquina V100 de AWS.</a:t>
-            </a:r>
-          </a:p>
-          <a:p>
-            <a:pPr algn="just"/>
-            <a:endParaRPr lang="es-ES" sz="2000" i="1" dirty="0"/>
-          </a:p>
-          <a:p>
-            <a:pPr algn="just"/>
-            <a:r>
-              <a:rPr lang="es-ES" sz="2000" dirty="0"/>
-              <a:t>Con 2.7 Billones de parámetros, este modelo está diseñado con una red neuronal </a:t>
-            </a:r>
-            <a:r>
-              <a:rPr lang="es-ES" sz="2000" i="1" dirty="0" err="1"/>
-              <a:t>transformer</a:t>
-            </a:r>
-            <a:r>
-              <a:rPr lang="es-ES" sz="2000" i="1" dirty="0"/>
-              <a:t> </a:t>
-            </a:r>
-            <a:r>
-              <a:rPr lang="es-ES" sz="2000" dirty="0"/>
-              <a:t> que replica la arquitectura de GPT-3. El ejemplo genera una secuencia de texto diferente cada vez que es ejecutado y utiliza aproximadamente 20GB de la RAM (5.13GB ~ 25.9GB), siendo, por tanto, superior a la capacidad máxima de la GPU (16GB), con la cuál se pretende ejecutar los modelos escogidos definitivos.</a:t>
-            </a:r>
-          </a:p>
-        </p:txBody>
-      </p:sp>
-    </p:spTree>
-    <p:extLst>
-      <p:ext uri="{BB962C8B-B14F-4D97-AF65-F5344CB8AC3E}">
-        <p14:creationId xmlns:p14="http://schemas.microsoft.com/office/powerpoint/2010/main" val="4244674207"/>
-      </p:ext>
-    </p:extLst>
-  </p:cSld>
-  <p:clrMapOvr>
-    <a:masterClrMapping/>
-  </p:clrMapOvr>
-</p:sld>
-</file>
-
-<file path=ppt/slides/slide4.xml><?xml version="1.0" encoding="utf-8"?>
-<p:sld xmlns:a="http://schemas.openxmlformats.org/drawingml/2006/main" xmlns:r="http://schemas.openxmlformats.org/officeDocument/2006/relationships" xmlns:p="http://schemas.openxmlformats.org/presentationml/2006/main">
-  <p:cSld>
-    <p:spTree>
-      <p:nvGrpSpPr>
-        <p:cNvPr id="1" name=""/>
-        <p:cNvGrpSpPr/>
-        <p:nvPr/>
-      </p:nvGrpSpPr>
-      <p:grpSpPr>
-        <a:xfrm>
-          <a:off x="0" y="0"/>
-          <a:ext cx="0" cy="0"/>
-          <a:chOff x="0" y="0"/>
-          <a:chExt cx="0" cy="0"/>
-        </a:xfrm>
-      </p:grpSpPr>
-      <p:sp>
-        <p:nvSpPr>
-          <p:cNvPr id="2" name="Título 1">
-            <a:extLst>
-              <a:ext uri="{FF2B5EF4-FFF2-40B4-BE49-F238E27FC236}">
-                <a16:creationId xmlns:a16="http://schemas.microsoft.com/office/drawing/2014/main" id="{A116E7BC-B334-B296-D442-AEA929C9A3CC}"/>
-              </a:ext>
-            </a:extLst>
-          </p:cNvPr>
-          <p:cNvSpPr>
-            <a:spLocks noGrp="1"/>
-          </p:cNvSpPr>
-          <p:nvPr>
-            <p:ph type="title"/>
-          </p:nvPr>
-        </p:nvSpPr>
-        <p:spPr/>
-        <p:txBody>
-          <a:bodyPr/>
-          <a:lstStyle/>
-          <a:p>
-            <a:r>
-              <a:rPr lang="es-ES" b="1" dirty="0"/>
-              <a:t>CodeGPT-small-py-adaptedGPT2</a:t>
-            </a:r>
-            <a:r>
-              <a:rPr lang="es-ES" dirty="0"/>
-              <a:t>. </a:t>
-            </a:r>
-            <a:r>
-              <a:rPr lang="es-ES" dirty="0" err="1"/>
-              <a:t>Huggingface</a:t>
-            </a:r>
-            <a:endParaRPr lang="es-ES" dirty="0"/>
-          </a:p>
-        </p:txBody>
-      </p:sp>
-      <p:sp>
-        <p:nvSpPr>
-          <p:cNvPr id="3" name="Marcador de contenido 2">
-            <a:extLst>
-              <a:ext uri="{FF2B5EF4-FFF2-40B4-BE49-F238E27FC236}">
-                <a16:creationId xmlns:a16="http://schemas.microsoft.com/office/drawing/2014/main" id="{5FA057BD-3810-128B-E1B5-7D4CA5641A62}"/>
-              </a:ext>
-            </a:extLst>
-          </p:cNvPr>
-          <p:cNvSpPr>
-            <a:spLocks noGrp="1"/>
-          </p:cNvSpPr>
-          <p:nvPr>
-            <p:ph idx="1"/>
-          </p:nvPr>
-        </p:nvSpPr>
-        <p:spPr/>
-        <p:txBody>
-          <a:bodyPr>
-            <a:normAutofit/>
-          </a:bodyPr>
-          <a:lstStyle/>
-          <a:p>
-            <a:pPr algn="just"/>
-            <a:r>
-              <a:rPr lang="es-ES" sz="2000" dirty="0"/>
-              <a:t>Prueba del modelo </a:t>
-            </a:r>
-            <a:r>
-              <a:rPr lang="es-ES" sz="2000" b="1" dirty="0" err="1"/>
-              <a:t>CodeGPT</a:t>
-            </a:r>
-            <a:r>
-              <a:rPr lang="es-ES" sz="2000" b="1" dirty="0"/>
-              <a:t> </a:t>
-            </a:r>
-            <a:r>
-              <a:rPr lang="es-ES" sz="2000" dirty="0"/>
-              <a:t>con 125 Millones de parámetros de </a:t>
-            </a:r>
-            <a:r>
-              <a:rPr lang="es-ES" sz="2000" i="1" dirty="0"/>
-              <a:t>Microsoft</a:t>
-            </a:r>
-            <a:r>
-              <a:rPr lang="es-ES" sz="2000" dirty="0"/>
-              <a:t>. En comparación con otros modelos, tiene una cantidad mucho menor de parámetros pero el rendimiento que ofrece es acorde a lo esperado por las métricas del modelo entrenado.</a:t>
-            </a:r>
-          </a:p>
-          <a:p>
-            <a:pPr marL="0" indent="0" algn="just">
-              <a:buNone/>
-            </a:pPr>
-            <a:endParaRPr lang="es-ES" sz="2000" i="1" dirty="0"/>
-          </a:p>
-          <a:p>
-            <a:pPr algn="just"/>
-            <a:r>
-              <a:rPr lang="es-ES" sz="2000" dirty="0"/>
-              <a:t>Está diseñado con una red neuronal </a:t>
-            </a:r>
-            <a:r>
-              <a:rPr lang="es-ES" sz="2000" i="1" dirty="0" err="1"/>
-              <a:t>transformer</a:t>
-            </a:r>
-            <a:r>
-              <a:rPr lang="es-ES" sz="2000" i="1" dirty="0"/>
-              <a:t> </a:t>
-            </a:r>
-            <a:r>
-              <a:rPr lang="es-ES" sz="2000" dirty="0"/>
-              <a:t>que adapta la arquitectura de GPT-2. Al ejecutarse devuelve el conjunto de enunciados de problemas junto con sus soluciones en código. Utiliza aproximadamente 1GB de la RAM (5.21GB ~ 6.62GB), siendo muy inferior a la capacidad máxima de la GPU (16GB), con la cuál se pretende ejecutar los modelos escogidos definitivos.</a:t>
-            </a:r>
-          </a:p>
-          <a:p>
-            <a:pPr algn="just"/>
-            <a:endParaRPr lang="es-ES" sz="2000" dirty="0"/>
-          </a:p>
-          <a:p>
-            <a:pPr algn="just"/>
-            <a:r>
-              <a:rPr lang="es-ES" sz="2000" dirty="0"/>
-              <a:t>Si se lleva a cabo una prueba de rendimiento con la GPU, el modelo sigue ejecutándose de manera correcta ocupando un espacio de 2676MiB de los 16384MiB, es decir, 2.8GB de los 17.17GB totales, lo que se traduce en un 16.31% de uso de la GPU. Conviene resaltar dicho dato ya que servirá como guía para probar el rendimiento de otros modelos.</a:t>
-            </a:r>
-          </a:p>
-        </p:txBody>
-      </p:sp>
-    </p:spTree>
-    <p:extLst>
-      <p:ext uri="{BB962C8B-B14F-4D97-AF65-F5344CB8AC3E}">
-        <p14:creationId xmlns:p14="http://schemas.microsoft.com/office/powerpoint/2010/main" val="546990256"/>
       </p:ext>
     </p:extLst>
   </p:cSld>
@@ -10662,12 +10369,9 @@
 </file>
 
 <file path=customXml/item1.xml><?xml version="1.0" encoding="utf-8"?>
-<?mso-contentType ?>
-<FormTemplates xmlns="http://schemas.microsoft.com/sharepoint/v3/contenttype/forms">
-  <Display>DocumentLibraryForm</Display>
-  <Edit>DocumentLibraryForm</Edit>
-  <New>DocumentLibraryForm</New>
-</FormTemplates>
+<p:properties xmlns:p="http://schemas.microsoft.com/office/2006/metadata/properties" xmlns:xsi="http://www.w3.org/2001/XMLSchema-instance" xmlns:pc="http://schemas.microsoft.com/office/infopath/2007/PartnerControls">
+  <documentManagement/>
+</p:properties>
 </file>
 
 <file path=customXml/item2.xml><?xml version="1.0" encoding="utf-8"?>
@@ -10803,15 +10507,25 @@
 </file>
 
 <file path=customXml/item3.xml><?xml version="1.0" encoding="utf-8"?>
-<p:properties xmlns:p="http://schemas.microsoft.com/office/2006/metadata/properties" xmlns:xsi="http://www.w3.org/2001/XMLSchema-instance" xmlns:pc="http://schemas.microsoft.com/office/infopath/2007/PartnerControls">
-  <documentManagement/>
-</p:properties>
+<?mso-contentType ?>
+<FormTemplates xmlns="http://schemas.microsoft.com/sharepoint/v3/contenttype/forms">
+  <Display>DocumentLibraryForm</Display>
+  <Edit>DocumentLibraryForm</Edit>
+  <New>DocumentLibraryForm</New>
+</FormTemplates>
 </file>
 
 <file path=customXml/itemProps1.xml><?xml version="1.0" encoding="utf-8"?>
-<ds:datastoreItem xmlns:ds="http://schemas.openxmlformats.org/officeDocument/2006/customXml" ds:itemID="{4BE6E503-42EC-418D-BECE-EB0FFCF85516}">
+<ds:datastoreItem xmlns:ds="http://schemas.openxmlformats.org/officeDocument/2006/customXml" ds:itemID="{AFE80E72-7864-4337-90CD-FB4FD5882C72}">
   <ds:schemaRefs>
-    <ds:schemaRef ds:uri="http://schemas.microsoft.com/sharepoint/v3/contenttype/forms"/>
+    <ds:schemaRef ds:uri="http://purl.org/dc/dcmitype/"/>
+    <ds:schemaRef ds:uri="http://purl.org/dc/elements/1.1/"/>
+    <ds:schemaRef ds:uri="http://purl.org/dc/terms/"/>
+    <ds:schemaRef ds:uri="http://schemas.microsoft.com/office/2006/documentManagement/types"/>
+    <ds:schemaRef ds:uri="http://schemas.microsoft.com/office/2006/metadata/properties"/>
+    <ds:schemaRef ds:uri="http://schemas.microsoft.com/office/infopath/2007/PartnerControls"/>
+    <ds:schemaRef ds:uri="http://schemas.openxmlformats.org/package/2006/metadata/core-properties"/>
+    <ds:schemaRef ds:uri="http://www.w3.org/XML/1998/namespace"/>
   </ds:schemaRefs>
 </ds:datastoreItem>
 </file>
@@ -10835,16 +10549,9 @@
 </file>
 
 <file path=customXml/itemProps3.xml><?xml version="1.0" encoding="utf-8"?>
-<ds:datastoreItem xmlns:ds="http://schemas.openxmlformats.org/officeDocument/2006/customXml" ds:itemID="{AFE80E72-7864-4337-90CD-FB4FD5882C72}">
+<ds:datastoreItem xmlns:ds="http://schemas.openxmlformats.org/officeDocument/2006/customXml" ds:itemID="{4BE6E503-42EC-418D-BECE-EB0FFCF85516}">
   <ds:schemaRefs>
-    <ds:schemaRef ds:uri="http://purl.org/dc/dcmitype/"/>
-    <ds:schemaRef ds:uri="http://purl.org/dc/elements/1.1/"/>
-    <ds:schemaRef ds:uri="http://purl.org/dc/terms/"/>
-    <ds:schemaRef ds:uri="http://schemas.microsoft.com/office/2006/documentManagement/types"/>
-    <ds:schemaRef ds:uri="http://schemas.microsoft.com/office/2006/metadata/properties"/>
-    <ds:schemaRef ds:uri="http://schemas.microsoft.com/office/infopath/2007/PartnerControls"/>
-    <ds:schemaRef ds:uri="http://schemas.openxmlformats.org/package/2006/metadata/core-properties"/>
-    <ds:schemaRef ds:uri="http://www.w3.org/XML/1998/namespace"/>
+    <ds:schemaRef ds:uri="http://schemas.microsoft.com/sharepoint/v3/contenttype/forms"/>
   </ds:schemaRefs>
 </ds:datastoreItem>
 </file>